--- a/clustering/Highlevel-ideas.pptx
+++ b/clustering/Highlevel-ideas.pptx
@@ -5,7 +5,8 @@
     <p:sldMasterId id="2147483648" r:id="rId1"/>
   </p:sldMasterIdLst>
   <p:sldIdLst>
-    <p:sldId id="264" r:id="rId2"/>
+    <p:sldId id="265" r:id="rId2"/>
+    <p:sldId id="266" r:id="rId3"/>
   </p:sldIdLst>
   <p:sldSz cx="12192000" cy="6858000"/>
   <p:notesSz cx="6858000" cy="9144000"/>
@@ -856,11 +857,11 @@
           <c:showBubbleSize val="0"/>
         </c:dLbls>
         <c:smooth val="0"/>
-        <c:axId val="17712856"/>
-        <c:axId val="216423648"/>
+        <c:axId val="349585616"/>
+        <c:axId val="349582480"/>
       </c:lineChart>
       <c:catAx>
-        <c:axId val="17712856"/>
+        <c:axId val="349585616"/>
         <c:scaling>
           <c:orientation val="minMax"/>
         </c:scaling>
@@ -870,7 +871,7 @@
         <c:majorTickMark val="none"/>
         <c:minorTickMark val="none"/>
         <c:tickLblPos val="nextTo"/>
-        <c:crossAx val="216423648"/>
+        <c:crossAx val="349582480"/>
         <c:crosses val="autoZero"/>
         <c:auto val="1"/>
         <c:lblAlgn val="ctr"/>
@@ -878,7 +879,7 @@
         <c:noMultiLvlLbl val="0"/>
       </c:catAx>
       <c:valAx>
-        <c:axId val="216423648"/>
+        <c:axId val="349582480"/>
         <c:scaling>
           <c:orientation val="minMax"/>
         </c:scaling>
@@ -902,7 +903,7 @@
         <c:majorTickMark val="none"/>
         <c:minorTickMark val="none"/>
         <c:tickLblPos val="nextTo"/>
-        <c:crossAx val="17712856"/>
+        <c:crossAx val="349585616"/>
         <c:crosses val="autoZero"/>
         <c:crossBetween val="between"/>
       </c:valAx>
@@ -1685,11 +1686,11 @@
           <c:showBubbleSize val="0"/>
         </c:dLbls>
         <c:smooth val="0"/>
-        <c:axId val="216509048"/>
-        <c:axId val="216517632"/>
+        <c:axId val="349586008"/>
+        <c:axId val="349589536"/>
       </c:lineChart>
       <c:catAx>
-        <c:axId val="216509048"/>
+        <c:axId val="349586008"/>
         <c:scaling>
           <c:orientation val="minMax"/>
         </c:scaling>
@@ -1699,7 +1700,7 @@
         <c:majorTickMark val="none"/>
         <c:minorTickMark val="none"/>
         <c:tickLblPos val="nextTo"/>
-        <c:crossAx val="216517632"/>
+        <c:crossAx val="349589536"/>
         <c:crosses val="autoZero"/>
         <c:auto val="1"/>
         <c:lblAlgn val="ctr"/>
@@ -1707,7 +1708,7 @@
         <c:noMultiLvlLbl val="0"/>
       </c:catAx>
       <c:valAx>
-        <c:axId val="216517632"/>
+        <c:axId val="349589536"/>
         <c:scaling>
           <c:orientation val="minMax"/>
         </c:scaling>
@@ -1731,7 +1732,7 @@
         <c:majorTickMark val="none"/>
         <c:minorTickMark val="none"/>
         <c:tickLblPos val="nextTo"/>
-        <c:crossAx val="216509048"/>
+        <c:crossAx val="349586008"/>
         <c:crosses val="autoZero"/>
         <c:crossBetween val="between"/>
       </c:valAx>
@@ -2514,11 +2515,11 @@
           <c:showBubbleSize val="0"/>
         </c:dLbls>
         <c:smooth val="0"/>
-        <c:axId val="216628128"/>
-        <c:axId val="216628512"/>
+        <c:axId val="349596200"/>
+        <c:axId val="349594632"/>
       </c:lineChart>
       <c:catAx>
-        <c:axId val="216628128"/>
+        <c:axId val="349596200"/>
         <c:scaling>
           <c:orientation val="minMax"/>
         </c:scaling>
@@ -2528,7 +2529,7 @@
         <c:majorTickMark val="none"/>
         <c:minorTickMark val="none"/>
         <c:tickLblPos val="nextTo"/>
-        <c:crossAx val="216628512"/>
+        <c:crossAx val="349594632"/>
         <c:crosses val="autoZero"/>
         <c:auto val="1"/>
         <c:lblAlgn val="ctr"/>
@@ -2536,7 +2537,7 @@
         <c:noMultiLvlLbl val="0"/>
       </c:catAx>
       <c:valAx>
-        <c:axId val="216628512"/>
+        <c:axId val="349594632"/>
         <c:scaling>
           <c:orientation val="minMax"/>
         </c:scaling>
@@ -2560,7 +2561,7 @@
         <c:majorTickMark val="none"/>
         <c:minorTickMark val="none"/>
         <c:tickLblPos val="nextTo"/>
-        <c:crossAx val="216628128"/>
+        <c:crossAx val="349596200"/>
         <c:crosses val="autoZero"/>
         <c:crossBetween val="between"/>
       </c:valAx>
@@ -3343,11 +3344,11 @@
           <c:showBubbleSize val="0"/>
         </c:dLbls>
         <c:smooth val="0"/>
-        <c:axId val="217025864"/>
-        <c:axId val="214032152"/>
+        <c:axId val="349595416"/>
+        <c:axId val="349595024"/>
       </c:lineChart>
       <c:catAx>
-        <c:axId val="217025864"/>
+        <c:axId val="349595416"/>
         <c:scaling>
           <c:orientation val="minMax"/>
         </c:scaling>
@@ -3357,7 +3358,7 @@
         <c:majorTickMark val="none"/>
         <c:minorTickMark val="none"/>
         <c:tickLblPos val="nextTo"/>
-        <c:crossAx val="214032152"/>
+        <c:crossAx val="349595024"/>
         <c:crosses val="autoZero"/>
         <c:auto val="1"/>
         <c:lblAlgn val="ctr"/>
@@ -3365,7 +3366,7 @@
         <c:noMultiLvlLbl val="0"/>
       </c:catAx>
       <c:valAx>
-        <c:axId val="214032152"/>
+        <c:axId val="349595024"/>
         <c:scaling>
           <c:orientation val="minMax"/>
         </c:scaling>
@@ -3389,7 +3390,7 @@
         <c:majorTickMark val="none"/>
         <c:minorTickMark val="none"/>
         <c:tickLblPos val="nextTo"/>
-        <c:crossAx val="217025864"/>
+        <c:crossAx val="349595416"/>
         <c:crosses val="autoZero"/>
         <c:crossBetween val="between"/>
       </c:valAx>
@@ -4172,11 +4173,11 @@
           <c:showBubbleSize val="0"/>
         </c:dLbls>
         <c:smooth val="0"/>
-        <c:axId val="214030584"/>
-        <c:axId val="214033328"/>
+        <c:axId val="349594240"/>
+        <c:axId val="349596592"/>
       </c:lineChart>
       <c:catAx>
-        <c:axId val="214030584"/>
+        <c:axId val="349594240"/>
         <c:scaling>
           <c:orientation val="minMax"/>
         </c:scaling>
@@ -4186,7 +4187,7 @@
         <c:majorTickMark val="none"/>
         <c:minorTickMark val="none"/>
         <c:tickLblPos val="nextTo"/>
-        <c:crossAx val="214033328"/>
+        <c:crossAx val="349596592"/>
         <c:crosses val="autoZero"/>
         <c:auto val="1"/>
         <c:lblAlgn val="ctr"/>
@@ -4194,7 +4195,7 @@
         <c:noMultiLvlLbl val="0"/>
       </c:catAx>
       <c:valAx>
-        <c:axId val="214033328"/>
+        <c:axId val="349596592"/>
         <c:scaling>
           <c:orientation val="minMax"/>
         </c:scaling>
@@ -4218,7 +4219,7 @@
         <c:majorTickMark val="none"/>
         <c:minorTickMark val="none"/>
         <c:tickLblPos val="nextTo"/>
-        <c:crossAx val="214030584"/>
+        <c:crossAx val="349594240"/>
         <c:crosses val="autoZero"/>
         <c:crossBetween val="between"/>
       </c:valAx>
@@ -7066,7 +7067,7 @@
           <a:p>
             <a:fld id="{496B77DC-0222-47BC-BF87-25C80DAE1A18}" type="datetimeFigureOut">
               <a:rPr lang="en-US" smtClean="0"/>
-              <a:t>3/26/2024</a:t>
+              <a:t>3/31/2024</a:t>
             </a:fld>
             <a:endParaRPr lang="en-US"/>
           </a:p>
@@ -7236,7 +7237,7 @@
           <a:p>
             <a:fld id="{496B77DC-0222-47BC-BF87-25C80DAE1A18}" type="datetimeFigureOut">
               <a:rPr lang="en-US" smtClean="0"/>
-              <a:t>3/26/2024</a:t>
+              <a:t>3/31/2024</a:t>
             </a:fld>
             <a:endParaRPr lang="en-US"/>
           </a:p>
@@ -7416,7 +7417,7 @@
           <a:p>
             <a:fld id="{496B77DC-0222-47BC-BF87-25C80DAE1A18}" type="datetimeFigureOut">
               <a:rPr lang="en-US" smtClean="0"/>
-              <a:t>3/26/2024</a:t>
+              <a:t>3/31/2024</a:t>
             </a:fld>
             <a:endParaRPr lang="en-US"/>
           </a:p>
@@ -7586,7 +7587,7 @@
           <a:p>
             <a:fld id="{496B77DC-0222-47BC-BF87-25C80DAE1A18}" type="datetimeFigureOut">
               <a:rPr lang="en-US" smtClean="0"/>
-              <a:t>3/26/2024</a:t>
+              <a:t>3/31/2024</a:t>
             </a:fld>
             <a:endParaRPr lang="en-US"/>
           </a:p>
@@ -7832,7 +7833,7 @@
           <a:p>
             <a:fld id="{496B77DC-0222-47BC-BF87-25C80DAE1A18}" type="datetimeFigureOut">
               <a:rPr lang="en-US" smtClean="0"/>
-              <a:t>3/26/2024</a:t>
+              <a:t>3/31/2024</a:t>
             </a:fld>
             <a:endParaRPr lang="en-US"/>
           </a:p>
@@ -8064,7 +8065,7 @@
           <a:p>
             <a:fld id="{496B77DC-0222-47BC-BF87-25C80DAE1A18}" type="datetimeFigureOut">
               <a:rPr lang="en-US" smtClean="0"/>
-              <a:t>3/26/2024</a:t>
+              <a:t>3/31/2024</a:t>
             </a:fld>
             <a:endParaRPr lang="en-US"/>
           </a:p>
@@ -8431,7 +8432,7 @@
           <a:p>
             <a:fld id="{496B77DC-0222-47BC-BF87-25C80DAE1A18}" type="datetimeFigureOut">
               <a:rPr lang="en-US" smtClean="0"/>
-              <a:t>3/26/2024</a:t>
+              <a:t>3/31/2024</a:t>
             </a:fld>
             <a:endParaRPr lang="en-US"/>
           </a:p>
@@ -8549,7 +8550,7 @@
           <a:p>
             <a:fld id="{496B77DC-0222-47BC-BF87-25C80DAE1A18}" type="datetimeFigureOut">
               <a:rPr lang="en-US" smtClean="0"/>
-              <a:t>3/26/2024</a:t>
+              <a:t>3/31/2024</a:t>
             </a:fld>
             <a:endParaRPr lang="en-US"/>
           </a:p>
@@ -8644,7 +8645,7 @@
           <a:p>
             <a:fld id="{496B77DC-0222-47BC-BF87-25C80DAE1A18}" type="datetimeFigureOut">
               <a:rPr lang="en-US" smtClean="0"/>
-              <a:t>3/26/2024</a:t>
+              <a:t>3/31/2024</a:t>
             </a:fld>
             <a:endParaRPr lang="en-US"/>
           </a:p>
@@ -8921,7 +8922,7 @@
           <a:p>
             <a:fld id="{496B77DC-0222-47BC-BF87-25C80DAE1A18}" type="datetimeFigureOut">
               <a:rPr lang="en-US" smtClean="0"/>
-              <a:t>3/26/2024</a:t>
+              <a:t>3/31/2024</a:t>
             </a:fld>
             <a:endParaRPr lang="en-US"/>
           </a:p>
@@ -9174,7 +9175,7 @@
           <a:p>
             <a:fld id="{496B77DC-0222-47BC-BF87-25C80DAE1A18}" type="datetimeFigureOut">
               <a:rPr lang="en-US" smtClean="0"/>
-              <a:t>3/26/2024</a:t>
+              <a:t>3/31/2024</a:t>
             </a:fld>
             <a:endParaRPr lang="en-US"/>
           </a:p>
@@ -9387,7 +9388,7 @@
           <a:p>
             <a:fld id="{496B77DC-0222-47BC-BF87-25C80DAE1A18}" type="datetimeFigureOut">
               <a:rPr lang="en-US" smtClean="0"/>
-              <a:t>3/26/2024</a:t>
+              <a:t>3/31/2024</a:t>
             </a:fld>
             <a:endParaRPr lang="en-US"/>
           </a:p>
@@ -9794,995 +9795,508 @@
       </p:grpSpPr>
       <p:grpSp>
         <p:nvGrpSpPr>
-          <p:cNvPr id="178" name="Group 177"/>
+          <p:cNvPr id="44" name="Group 43"/>
           <p:cNvGrpSpPr/>
           <p:nvPr/>
         </p:nvGrpSpPr>
         <p:grpSpPr>
           <a:xfrm>
-            <a:off x="0" y="-43881"/>
-            <a:ext cx="11982387" cy="6901881"/>
-            <a:chOff x="-18332" y="-43881"/>
-            <a:chExt cx="11982387" cy="6901881"/>
+            <a:off x="297698" y="854653"/>
+            <a:ext cx="11591757" cy="5508913"/>
+            <a:chOff x="390630" y="1251255"/>
+            <a:chExt cx="11591757" cy="5508913"/>
           </a:xfrm>
         </p:grpSpPr>
         <p:grpSp>
           <p:nvGrpSpPr>
-            <p:cNvPr id="173" name="Group 172"/>
+            <p:cNvPr id="24" name="Group 23"/>
             <p:cNvGrpSpPr/>
             <p:nvPr/>
           </p:nvGrpSpPr>
           <p:grpSpPr>
             <a:xfrm>
-              <a:off x="372298" y="-43881"/>
-              <a:ext cx="11591757" cy="6804049"/>
-              <a:chOff x="504820" y="-37063"/>
-              <a:chExt cx="11591757" cy="6804049"/>
+              <a:off x="390630" y="2934272"/>
+              <a:ext cx="11591757" cy="3825896"/>
+              <a:chOff x="478316" y="2473376"/>
+              <a:chExt cx="11591757" cy="3825896"/>
             </a:xfrm>
           </p:grpSpPr>
           <p:grpSp>
             <p:nvGrpSpPr>
-              <p:cNvPr id="149" name="Group 148"/>
+              <p:cNvPr id="23" name="Group 22"/>
               <p:cNvGrpSpPr/>
               <p:nvPr/>
             </p:nvGrpSpPr>
             <p:grpSpPr>
               <a:xfrm>
-                <a:off x="504820" y="-37063"/>
-                <a:ext cx="11591757" cy="6804049"/>
-                <a:chOff x="504820" y="-37063"/>
-                <a:chExt cx="11591757" cy="6804049"/>
+                <a:off x="1066254" y="2506392"/>
+                <a:ext cx="11003819" cy="3792880"/>
+                <a:chOff x="-99937" y="2334114"/>
+                <a:chExt cx="11003819" cy="3792880"/>
               </a:xfrm>
             </p:grpSpPr>
             <p:grpSp>
               <p:nvGrpSpPr>
-                <p:cNvPr id="24" name="Group 23"/>
+                <p:cNvPr id="11" name="Group 10"/>
                 <p:cNvGrpSpPr/>
                 <p:nvPr/>
               </p:nvGrpSpPr>
               <p:grpSpPr>
                 <a:xfrm>
-                  <a:off x="504820" y="2941090"/>
-                  <a:ext cx="11591757" cy="3825896"/>
-                  <a:chOff x="478316" y="2473376"/>
-                  <a:chExt cx="11591757" cy="3825896"/>
+                  <a:off x="-99937" y="2334114"/>
+                  <a:ext cx="7663261" cy="3790854"/>
+                  <a:chOff x="836319" y="686849"/>
+                  <a:chExt cx="10405552" cy="4434313"/>
                 </a:xfrm>
               </p:grpSpPr>
               <p:grpSp>
                 <p:nvGrpSpPr>
-                  <p:cNvPr id="23" name="Group 22"/>
+                  <p:cNvPr id="43" name="Group 42"/>
                   <p:cNvGrpSpPr/>
                   <p:nvPr/>
                 </p:nvGrpSpPr>
                 <p:grpSpPr>
                   <a:xfrm>
-                    <a:off x="1066254" y="2506392"/>
-                    <a:ext cx="11003819" cy="3792880"/>
-                    <a:chOff x="-99937" y="2334114"/>
-                    <a:chExt cx="11003819" cy="3792880"/>
+                    <a:off x="836319" y="686849"/>
+                    <a:ext cx="10405552" cy="4434313"/>
+                    <a:chOff x="836319" y="686849"/>
+                    <a:chExt cx="10405552" cy="4434313"/>
                   </a:xfrm>
                 </p:grpSpPr>
+                <p:sp>
+                  <p:nvSpPr>
+                    <p:cNvPr id="42" name="TextBox 41"/>
+                    <p:cNvSpPr txBox="1"/>
+                    <p:nvPr/>
+                  </p:nvSpPr>
+                  <p:spPr>
+                    <a:xfrm>
+                      <a:off x="8988110" y="2128087"/>
+                      <a:ext cx="2253761" cy="1566080"/>
+                    </a:xfrm>
+                    <a:prstGeom prst="rect">
+                      <a:avLst/>
+                    </a:prstGeom>
+                    <a:noFill/>
+                  </p:spPr>
+                  <p:txBody>
+                    <a:bodyPr wrap="square" rtlCol="0">
+                      <a:spAutoFit/>
+                    </a:bodyPr>
+                    <a:lstStyle/>
+                    <a:p>
+                      <a:pPr algn="ctr"/>
+                      <a:r>
+                        <a:rPr lang="en-US" sz="900" dirty="0" smtClean="0">
+                          <a:solidFill>
+                            <a:prstClr val="black"/>
+                          </a:solidFill>
+                        </a:rPr>
+                        <a:t>AAAAGATGTT</a:t>
+                      </a:r>
+                    </a:p>
+                    <a:p>
+                      <a:pPr algn="ctr"/>
+                      <a:r>
+                        <a:rPr lang="en-US" sz="900" dirty="0" smtClean="0">
+                          <a:solidFill>
+                            <a:prstClr val="black"/>
+                          </a:solidFill>
+                        </a:rPr>
+                        <a:t>AACCCCTCCA</a:t>
+                      </a:r>
+                    </a:p>
+                    <a:p>
+                      <a:pPr algn="ctr"/>
+                      <a:r>
+                        <a:rPr lang="en-US" sz="900" dirty="0" smtClean="0">
+                          <a:solidFill>
+                            <a:prstClr val="black"/>
+                          </a:solidFill>
+                        </a:rPr>
+                        <a:t>CCTGGGGGGT</a:t>
+                      </a:r>
+                    </a:p>
+                    <a:p>
+                      <a:pPr algn="ctr"/>
+                      <a:r>
+                        <a:rPr lang="en-US" sz="900" dirty="0" smtClean="0">
+                          <a:solidFill>
+                            <a:prstClr val="black"/>
+                          </a:solidFill>
+                        </a:rPr>
+                        <a:t>AAACCGGAGC</a:t>
+                      </a:r>
+                    </a:p>
+                    <a:p>
+                      <a:pPr algn="ctr"/>
+                      <a:r>
+                        <a:rPr lang="en-US" sz="900" dirty="0" smtClean="0">
+                          <a:solidFill>
+                            <a:prstClr val="black"/>
+                          </a:solidFill>
+                        </a:rPr>
+                        <a:t>AGCCGAAGTT</a:t>
+                      </a:r>
+                    </a:p>
+                    <a:p>
+                      <a:pPr algn="ctr"/>
+                      <a:r>
+                        <a:rPr lang="en-US" sz="900" dirty="0" smtClean="0">
+                          <a:solidFill>
+                            <a:prstClr val="black"/>
+                          </a:solidFill>
+                        </a:rPr>
+                        <a:t>.</a:t>
+                      </a:r>
+                    </a:p>
+                    <a:p>
+                      <a:pPr algn="ctr"/>
+                      <a:r>
+                        <a:rPr lang="en-US" sz="900" dirty="0" smtClean="0">
+                          <a:solidFill>
+                            <a:prstClr val="black"/>
+                          </a:solidFill>
+                        </a:rPr>
+                        <a:t>.</a:t>
+                      </a:r>
+                    </a:p>
+                    <a:p>
+                      <a:pPr algn="ctr"/>
+                      <a:r>
+                        <a:rPr lang="en-US" sz="900" dirty="0" smtClean="0">
+                          <a:solidFill>
+                            <a:prstClr val="black"/>
+                          </a:solidFill>
+                        </a:rPr>
+                        <a:t>.</a:t>
+                      </a:r>
+                    </a:p>
+                    <a:p>
+                      <a:pPr algn="ctr"/>
+                      <a:r>
+                        <a:rPr lang="en-US" sz="900" dirty="0" smtClean="0">
+                          <a:solidFill>
+                            <a:prstClr val="black"/>
+                          </a:solidFill>
+                        </a:rPr>
+                        <a:t>CAACGGGTCG</a:t>
+                      </a:r>
+                      <a:endParaRPr lang="en-US" sz="900" dirty="0">
+                        <a:solidFill>
+                          <a:prstClr val="black"/>
+                        </a:solidFill>
+                      </a:endParaRPr>
+                    </a:p>
+                  </p:txBody>
+                </p:sp>
+                <p:sp>
+                  <p:nvSpPr>
+                    <p:cNvPr id="40" name="TextBox 39"/>
+                    <p:cNvSpPr txBox="1"/>
+                    <p:nvPr/>
+                  </p:nvSpPr>
+                  <p:spPr>
+                    <a:xfrm>
+                      <a:off x="836319" y="1553936"/>
+                      <a:ext cx="2253761" cy="2700139"/>
+                    </a:xfrm>
+                    <a:prstGeom prst="rect">
+                      <a:avLst/>
+                    </a:prstGeom>
+                    <a:noFill/>
+                  </p:spPr>
+                  <p:txBody>
+                    <a:bodyPr wrap="square" rtlCol="0">
+                      <a:spAutoFit/>
+                    </a:bodyPr>
+                    <a:lstStyle/>
+                    <a:p>
+                      <a:pPr algn="ctr">
+                        <a:lnSpc>
+                          <a:spcPct val="200000"/>
+                        </a:lnSpc>
+                      </a:pPr>
+                      <a:r>
+                        <a:rPr lang="en-US" sz="900" dirty="0" smtClean="0">
+                          <a:solidFill>
+                            <a:prstClr val="black"/>
+                          </a:solidFill>
+                        </a:rPr>
+                        <a:t>AACACGAGAT</a:t>
+                      </a:r>
+                    </a:p>
+                    <a:p>
+                      <a:pPr algn="ctr">
+                        <a:lnSpc>
+                          <a:spcPct val="200000"/>
+                        </a:lnSpc>
+                      </a:pPr>
+                      <a:r>
+                        <a:rPr lang="en-US" sz="900" dirty="0" smtClean="0">
+                          <a:solidFill>
+                            <a:prstClr val="black"/>
+                          </a:solidFill>
+                        </a:rPr>
+                        <a:t>GGACCGGACC</a:t>
+                      </a:r>
+                    </a:p>
+                    <a:p>
+                      <a:pPr algn="ctr">
+                        <a:lnSpc>
+                          <a:spcPct val="200000"/>
+                        </a:lnSpc>
+                      </a:pPr>
+                      <a:r>
+                        <a:rPr lang="en-US" sz="900" dirty="0" smtClean="0">
+                          <a:solidFill>
+                            <a:prstClr val="black"/>
+                          </a:solidFill>
+                        </a:rPr>
+                        <a:t>GAGGTCGTCA</a:t>
+                      </a:r>
+                    </a:p>
+                    <a:p>
+                      <a:pPr algn="ctr">
+                        <a:lnSpc>
+                          <a:spcPct val="200000"/>
+                        </a:lnSpc>
+                      </a:pPr>
+                      <a:r>
+                        <a:rPr lang="en-US" sz="900" dirty="0"/>
+                        <a:t>CCCCGAAGTT</a:t>
+                      </a:r>
+                      <a:endParaRPr lang="en-US" sz="900" dirty="0" smtClean="0">
+                        <a:solidFill>
+                          <a:prstClr val="black"/>
+                        </a:solidFill>
+                      </a:endParaRPr>
+                    </a:p>
+                    <a:p>
+                      <a:pPr algn="ctr">
+                        <a:lnSpc>
+                          <a:spcPct val="200000"/>
+                        </a:lnSpc>
+                      </a:pPr>
+                      <a:r>
+                        <a:rPr lang="en-US" sz="900" dirty="0" smtClean="0">
+                          <a:solidFill>
+                            <a:prstClr val="black"/>
+                          </a:solidFill>
+                        </a:rPr>
+                        <a:t>.</a:t>
+                      </a:r>
+                    </a:p>
+                    <a:p>
+                      <a:pPr algn="ctr">
+                        <a:lnSpc>
+                          <a:spcPct val="200000"/>
+                        </a:lnSpc>
+                      </a:pPr>
+                      <a:r>
+                        <a:rPr lang="en-US" sz="900" dirty="0" smtClean="0">
+                          <a:solidFill>
+                            <a:prstClr val="black"/>
+                          </a:solidFill>
+                        </a:rPr>
+                        <a:t>.</a:t>
+                      </a:r>
+                    </a:p>
+                    <a:p>
+                      <a:pPr algn="ctr">
+                        <a:lnSpc>
+                          <a:spcPct val="200000"/>
+                        </a:lnSpc>
+                      </a:pPr>
+                      <a:r>
+                        <a:rPr lang="en-US" sz="900" dirty="0" smtClean="0">
+                          <a:solidFill>
+                            <a:prstClr val="black"/>
+                          </a:solidFill>
+                        </a:rPr>
+                        <a:t>.</a:t>
+                      </a:r>
+                    </a:p>
+                    <a:p>
+                      <a:pPr algn="ctr">
+                        <a:lnSpc>
+                          <a:spcPct val="200000"/>
+                        </a:lnSpc>
+                      </a:pPr>
+                      <a:r>
+                        <a:rPr lang="en-US" sz="900" dirty="0" smtClean="0">
+                          <a:solidFill>
+                            <a:prstClr val="black"/>
+                          </a:solidFill>
+                        </a:rPr>
+                        <a:t>GGGGCCCGGT</a:t>
+                      </a:r>
+                      <a:endParaRPr lang="en-US" sz="900" dirty="0">
+                        <a:solidFill>
+                          <a:prstClr val="black"/>
+                        </a:solidFill>
+                      </a:endParaRPr>
+                    </a:p>
+                  </p:txBody>
+                </p:sp>
+                <p:sp>
+                  <p:nvSpPr>
+                    <p:cNvPr id="96" name="TextBox 95"/>
+                    <p:cNvSpPr txBox="1"/>
+                    <p:nvPr/>
+                  </p:nvSpPr>
+                  <p:spPr>
+                    <a:xfrm>
+                      <a:off x="9067076" y="1373717"/>
+                      <a:ext cx="2090382" cy="455026"/>
+                    </a:xfrm>
+                    <a:prstGeom prst="rect">
+                      <a:avLst/>
+                    </a:prstGeom>
+                    <a:noFill/>
+                  </p:spPr>
+                  <p:txBody>
+                    <a:bodyPr vert="horz" wrap="square" rtlCol="0" anchor="ctr" anchorCtr="0">
+                      <a:noAutofit/>
+                    </a:bodyPr>
+                    <a:lstStyle/>
+                    <a:p>
+                      <a:pPr algn="ctr"/>
+                      <a:r>
+                        <a:rPr lang="en-US" sz="1200" b="1" dirty="0" smtClean="0">
+                          <a:solidFill>
+                            <a:prstClr val="black"/>
+                          </a:solidFill>
+                          <a:latin typeface="Arial" panose="020B0604020202020204" pitchFamily="34" charset="0"/>
+                          <a:cs typeface="Arial" panose="020B0604020202020204" pitchFamily="34" charset="0"/>
+                        </a:rPr>
+                        <a:t>Designed</a:t>
+                      </a:r>
+                    </a:p>
+                    <a:p>
+                      <a:pPr algn="ctr"/>
+                      <a:r>
+                        <a:rPr lang="en-US" sz="1200" b="1" dirty="0" smtClean="0">
+                          <a:solidFill>
+                            <a:prstClr val="black"/>
+                          </a:solidFill>
+                          <a:latin typeface="Arial" panose="020B0604020202020204" pitchFamily="34" charset="0"/>
+                          <a:cs typeface="Arial" panose="020B0604020202020204" pitchFamily="34" charset="0"/>
+                        </a:rPr>
+                        <a:t>Sequences</a:t>
+                      </a:r>
+                      <a:endParaRPr lang="en-US" sz="1200" b="1" dirty="0">
+                        <a:solidFill>
+                          <a:prstClr val="black"/>
+                        </a:solidFill>
+                        <a:latin typeface="Arial" panose="020B0604020202020204" pitchFamily="34" charset="0"/>
+                        <a:cs typeface="Arial" panose="020B0604020202020204" pitchFamily="34" charset="0"/>
+                      </a:endParaRPr>
+                    </a:p>
+                  </p:txBody>
+                </p:sp>
+                <p:sp>
+                  <p:nvSpPr>
+                    <p:cNvPr id="3" name="Trapezoid 2"/>
+                    <p:cNvSpPr/>
+                    <p:nvPr/>
+                  </p:nvSpPr>
+                  <p:spPr>
+                    <a:xfrm rot="5400000">
+                      <a:off x="2327777" y="2446969"/>
+                      <a:ext cx="2027819" cy="990607"/>
+                    </a:xfrm>
+                    <a:prstGeom prst="trapezoid">
+                      <a:avLst/>
+                    </a:prstGeom>
+                  </p:spPr>
+                  <p:style>
+                    <a:lnRef idx="2">
+                      <a:schemeClr val="accent2">
+                        <a:shade val="50000"/>
+                      </a:schemeClr>
+                    </a:lnRef>
+                    <a:fillRef idx="1">
+                      <a:schemeClr val="accent2"/>
+                    </a:fillRef>
+                    <a:effectRef idx="0">
+                      <a:schemeClr val="accent2"/>
+                    </a:effectRef>
+                    <a:fontRef idx="minor">
+                      <a:schemeClr val="lt1"/>
+                    </a:fontRef>
+                  </p:style>
+                  <p:txBody>
+                    <a:bodyPr vert="vert270" rtlCol="0" anchor="ctr" anchorCtr="0"/>
+                    <a:lstStyle/>
+                    <a:p>
+                      <a:pPr algn="ctr"/>
+                      <a:r>
+                        <a:rPr lang="en-US" sz="1100" b="1" dirty="0" smtClean="0">
+                          <a:solidFill>
+                            <a:prstClr val="black"/>
+                          </a:solidFill>
+                          <a:latin typeface="Arial" panose="020B0604020202020204" pitchFamily="34" charset="0"/>
+                          <a:cs typeface="Arial" panose="020B0604020202020204" pitchFamily="34" charset="0"/>
+                        </a:rPr>
+                        <a:t>Encoder</a:t>
+                      </a:r>
+                      <a:endParaRPr lang="en-US" b="1" dirty="0">
+                        <a:solidFill>
+                          <a:prstClr val="black"/>
+                        </a:solidFill>
+                        <a:latin typeface="Arial" panose="020B0604020202020204" pitchFamily="34" charset="0"/>
+                        <a:cs typeface="Arial" panose="020B0604020202020204" pitchFamily="34" charset="0"/>
+                      </a:endParaRPr>
+                    </a:p>
+                  </p:txBody>
+                </p:sp>
                 <p:grpSp>
                   <p:nvGrpSpPr>
-                    <p:cNvPr id="11" name="Group 10"/>
+                    <p:cNvPr id="6" name="Group 5"/>
                     <p:cNvGrpSpPr/>
                     <p:nvPr/>
                   </p:nvGrpSpPr>
                   <p:grpSpPr>
                     <a:xfrm>
-                      <a:off x="-99937" y="2334114"/>
-                      <a:ext cx="7663261" cy="3790854"/>
-                      <a:chOff x="836319" y="686849"/>
-                      <a:chExt cx="10405552" cy="4434313"/>
+                      <a:off x="4845834" y="686849"/>
+                      <a:ext cx="3215844" cy="4434313"/>
+                      <a:chOff x="4573502" y="1793076"/>
+                      <a:chExt cx="2671606" cy="3599199"/>
                     </a:xfrm>
                   </p:grpSpPr>
-                  <p:grpSp>
-                    <p:nvGrpSpPr>
-                      <p:cNvPr id="43" name="Group 42"/>
-                      <p:cNvGrpSpPr/>
-                      <p:nvPr/>
-                    </p:nvGrpSpPr>
-                    <p:grpSpPr>
-                      <a:xfrm>
-                        <a:off x="836319" y="686849"/>
-                        <a:ext cx="10405552" cy="4434313"/>
-                        <a:chOff x="836319" y="686849"/>
-                        <a:chExt cx="10405552" cy="4434313"/>
-                      </a:xfrm>
-                    </p:grpSpPr>
-                    <p:sp>
-                      <p:nvSpPr>
-                        <p:cNvPr id="42" name="TextBox 41"/>
-                        <p:cNvSpPr txBox="1"/>
-                        <p:nvPr/>
-                      </p:nvSpPr>
-                      <p:spPr>
-                        <a:xfrm>
-                          <a:off x="8988110" y="2128087"/>
-                          <a:ext cx="2253761" cy="1566080"/>
-                        </a:xfrm>
-                        <a:prstGeom prst="rect">
-                          <a:avLst/>
-                        </a:prstGeom>
-                        <a:noFill/>
-                      </p:spPr>
-                      <p:txBody>
-                        <a:bodyPr wrap="square" rtlCol="0">
-                          <a:spAutoFit/>
-                        </a:bodyPr>
-                        <a:lstStyle/>
-                        <a:p>
-                          <a:pPr algn="ctr"/>
-                          <a:r>
-                            <a:rPr lang="en-US" sz="900" dirty="0" smtClean="0">
-                              <a:solidFill>
-                                <a:prstClr val="black"/>
-                              </a:solidFill>
-                            </a:rPr>
-                            <a:t>AAAAGATGTT</a:t>
-                          </a:r>
-                        </a:p>
-                        <a:p>
-                          <a:pPr algn="ctr"/>
-                          <a:r>
-                            <a:rPr lang="en-US" sz="900" dirty="0" smtClean="0">
-                              <a:solidFill>
-                                <a:prstClr val="black"/>
-                              </a:solidFill>
-                            </a:rPr>
-                            <a:t>AACCCCTCCA</a:t>
-                          </a:r>
-                        </a:p>
-                        <a:p>
-                          <a:pPr algn="ctr"/>
-                          <a:r>
-                            <a:rPr lang="en-US" sz="900" dirty="0" smtClean="0">
-                              <a:solidFill>
-                                <a:prstClr val="black"/>
-                              </a:solidFill>
-                            </a:rPr>
-                            <a:t>CCTGGGGGGT</a:t>
-                          </a:r>
-                        </a:p>
-                        <a:p>
-                          <a:pPr algn="ctr"/>
-                          <a:r>
-                            <a:rPr lang="en-US" sz="900" dirty="0" smtClean="0">
-                              <a:solidFill>
-                                <a:prstClr val="black"/>
-                              </a:solidFill>
-                            </a:rPr>
-                            <a:t>AAACCGGAGC</a:t>
-                          </a:r>
-                        </a:p>
-                        <a:p>
-                          <a:pPr algn="ctr"/>
-                          <a:r>
-                            <a:rPr lang="en-US" sz="900" dirty="0" smtClean="0">
-                              <a:solidFill>
-                                <a:prstClr val="black"/>
-                              </a:solidFill>
-                            </a:rPr>
-                            <a:t>AGCCGAAGTT</a:t>
-                          </a:r>
-                        </a:p>
-                        <a:p>
-                          <a:pPr algn="ctr"/>
-                          <a:r>
-                            <a:rPr lang="en-US" sz="900" dirty="0" smtClean="0">
-                              <a:solidFill>
-                                <a:prstClr val="black"/>
-                              </a:solidFill>
-                            </a:rPr>
-                            <a:t>.</a:t>
-                          </a:r>
-                        </a:p>
-                        <a:p>
-                          <a:pPr algn="ctr"/>
-                          <a:r>
-                            <a:rPr lang="en-US" sz="900" dirty="0" smtClean="0">
-                              <a:solidFill>
-                                <a:prstClr val="black"/>
-                              </a:solidFill>
-                            </a:rPr>
-                            <a:t>.</a:t>
-                          </a:r>
-                        </a:p>
-                        <a:p>
-                          <a:pPr algn="ctr"/>
-                          <a:r>
-                            <a:rPr lang="en-US" sz="900" dirty="0" smtClean="0">
-                              <a:solidFill>
-                                <a:prstClr val="black"/>
-                              </a:solidFill>
-                            </a:rPr>
-                            <a:t>.</a:t>
-                          </a:r>
-                        </a:p>
-                        <a:p>
-                          <a:pPr algn="ctr"/>
-                          <a:r>
-                            <a:rPr lang="en-US" sz="900" dirty="0" smtClean="0">
-                              <a:solidFill>
-                                <a:prstClr val="black"/>
-                              </a:solidFill>
-                            </a:rPr>
-                            <a:t>CAACGGGTCG</a:t>
-                          </a:r>
-                          <a:endParaRPr lang="en-US" sz="900" dirty="0">
-                            <a:solidFill>
-                              <a:prstClr val="black"/>
-                            </a:solidFill>
-                          </a:endParaRPr>
-                        </a:p>
-                      </p:txBody>
-                    </p:sp>
-                    <p:sp>
-                      <p:nvSpPr>
-                        <p:cNvPr id="40" name="TextBox 39"/>
-                        <p:cNvSpPr txBox="1"/>
-                        <p:nvPr/>
-                      </p:nvSpPr>
-                      <p:spPr>
-                        <a:xfrm>
-                          <a:off x="836319" y="1553936"/>
-                          <a:ext cx="2253761" cy="2700139"/>
-                        </a:xfrm>
-                        <a:prstGeom prst="rect">
-                          <a:avLst/>
-                        </a:prstGeom>
-                        <a:noFill/>
-                      </p:spPr>
-                      <p:txBody>
-                        <a:bodyPr wrap="square" rtlCol="0">
-                          <a:spAutoFit/>
-                        </a:bodyPr>
-                        <a:lstStyle/>
-                        <a:p>
-                          <a:pPr algn="ctr">
-                            <a:lnSpc>
-                              <a:spcPct val="200000"/>
-                            </a:lnSpc>
-                          </a:pPr>
-                          <a:r>
-                            <a:rPr lang="en-US" sz="900" dirty="0" smtClean="0">
-                              <a:solidFill>
-                                <a:prstClr val="black"/>
-                              </a:solidFill>
-                            </a:rPr>
-                            <a:t>AACACGAGAT</a:t>
-                          </a:r>
-                        </a:p>
-                        <a:p>
-                          <a:pPr algn="ctr">
-                            <a:lnSpc>
-                              <a:spcPct val="200000"/>
-                            </a:lnSpc>
-                          </a:pPr>
-                          <a:r>
-                            <a:rPr lang="en-US" sz="900" dirty="0" smtClean="0">
-                              <a:solidFill>
-                                <a:prstClr val="black"/>
-                              </a:solidFill>
-                            </a:rPr>
-                            <a:t>GGACCGGACC</a:t>
-                          </a:r>
-                        </a:p>
-                        <a:p>
-                          <a:pPr algn="ctr">
-                            <a:lnSpc>
-                              <a:spcPct val="200000"/>
-                            </a:lnSpc>
-                          </a:pPr>
-                          <a:r>
-                            <a:rPr lang="en-US" sz="900" dirty="0" smtClean="0">
-                              <a:solidFill>
-                                <a:prstClr val="black"/>
-                              </a:solidFill>
-                            </a:rPr>
-                            <a:t>GAGGTCGTCA</a:t>
-                          </a:r>
-                        </a:p>
-                        <a:p>
-                          <a:pPr algn="ctr">
-                            <a:lnSpc>
-                              <a:spcPct val="200000"/>
-                            </a:lnSpc>
-                          </a:pPr>
-                          <a:r>
-                            <a:rPr lang="en-US" sz="900" dirty="0"/>
-                            <a:t>CCCCGAAGTT</a:t>
-                          </a:r>
-                          <a:endParaRPr lang="en-US" sz="900" dirty="0" smtClean="0">
-                            <a:solidFill>
-                              <a:prstClr val="black"/>
-                            </a:solidFill>
-                          </a:endParaRPr>
-                        </a:p>
-                        <a:p>
-                          <a:pPr algn="ctr">
-                            <a:lnSpc>
-                              <a:spcPct val="200000"/>
-                            </a:lnSpc>
-                          </a:pPr>
-                          <a:r>
-                            <a:rPr lang="en-US" sz="900" dirty="0" smtClean="0">
-                              <a:solidFill>
-                                <a:prstClr val="black"/>
-                              </a:solidFill>
-                            </a:rPr>
-                            <a:t>.</a:t>
-                          </a:r>
-                        </a:p>
-                        <a:p>
-                          <a:pPr algn="ctr">
-                            <a:lnSpc>
-                              <a:spcPct val="200000"/>
-                            </a:lnSpc>
-                          </a:pPr>
-                          <a:r>
-                            <a:rPr lang="en-US" sz="900" dirty="0" smtClean="0">
-                              <a:solidFill>
-                                <a:prstClr val="black"/>
-                              </a:solidFill>
-                            </a:rPr>
-                            <a:t>.</a:t>
-                          </a:r>
-                        </a:p>
-                        <a:p>
-                          <a:pPr algn="ctr">
-                            <a:lnSpc>
-                              <a:spcPct val="200000"/>
-                            </a:lnSpc>
-                          </a:pPr>
-                          <a:r>
-                            <a:rPr lang="en-US" sz="900" dirty="0" smtClean="0">
-                              <a:solidFill>
-                                <a:prstClr val="black"/>
-                              </a:solidFill>
-                            </a:rPr>
-                            <a:t>.</a:t>
-                          </a:r>
-                        </a:p>
-                        <a:p>
-                          <a:pPr algn="ctr">
-                            <a:lnSpc>
-                              <a:spcPct val="200000"/>
-                            </a:lnSpc>
-                          </a:pPr>
-                          <a:r>
-                            <a:rPr lang="en-US" sz="900" dirty="0" smtClean="0">
-                              <a:solidFill>
-                                <a:prstClr val="black"/>
-                              </a:solidFill>
-                            </a:rPr>
-                            <a:t>GGGGCCCGGT</a:t>
-                          </a:r>
-                          <a:endParaRPr lang="en-US" sz="900" dirty="0">
-                            <a:solidFill>
-                              <a:prstClr val="black"/>
-                            </a:solidFill>
-                          </a:endParaRPr>
-                        </a:p>
-                      </p:txBody>
-                    </p:sp>
-                    <p:sp>
-                      <p:nvSpPr>
-                        <p:cNvPr id="96" name="TextBox 95"/>
-                        <p:cNvSpPr txBox="1"/>
-                        <p:nvPr/>
-                      </p:nvSpPr>
-                      <p:spPr>
-                        <a:xfrm>
-                          <a:off x="9067077" y="725467"/>
-                          <a:ext cx="2090382" cy="455026"/>
-                        </a:xfrm>
-                        <a:prstGeom prst="rect">
-                          <a:avLst/>
-                        </a:prstGeom>
-                        <a:noFill/>
-                      </p:spPr>
-                      <p:txBody>
-                        <a:bodyPr vert="horz" wrap="square" rtlCol="0" anchor="ctr" anchorCtr="0">
-                          <a:noAutofit/>
-                        </a:bodyPr>
-                        <a:lstStyle/>
-                        <a:p>
-                          <a:pPr algn="ctr"/>
-                          <a:r>
-                            <a:rPr lang="en-US" sz="1200" b="1" dirty="0" smtClean="0">
-                              <a:solidFill>
-                                <a:prstClr val="black"/>
-                              </a:solidFill>
-                              <a:latin typeface="Arial" panose="020B0604020202020204" pitchFamily="34" charset="0"/>
-                              <a:cs typeface="Arial" panose="020B0604020202020204" pitchFamily="34" charset="0"/>
-                            </a:rPr>
-                            <a:t>Designed</a:t>
-                          </a:r>
-                        </a:p>
-                        <a:p>
-                          <a:pPr algn="ctr"/>
-                          <a:r>
-                            <a:rPr lang="en-US" sz="1200" b="1" dirty="0" smtClean="0">
-                              <a:solidFill>
-                                <a:prstClr val="black"/>
-                              </a:solidFill>
-                              <a:latin typeface="Arial" panose="020B0604020202020204" pitchFamily="34" charset="0"/>
-                              <a:cs typeface="Arial" panose="020B0604020202020204" pitchFamily="34" charset="0"/>
-                            </a:rPr>
-                            <a:t>Sequences</a:t>
-                          </a:r>
-                          <a:endParaRPr lang="en-US" sz="1200" b="1" dirty="0">
-                            <a:solidFill>
-                              <a:prstClr val="black"/>
-                            </a:solidFill>
-                            <a:latin typeface="Arial" panose="020B0604020202020204" pitchFamily="34" charset="0"/>
-                            <a:cs typeface="Arial" panose="020B0604020202020204" pitchFamily="34" charset="0"/>
-                          </a:endParaRPr>
-                        </a:p>
-                      </p:txBody>
-                    </p:sp>
-                    <p:sp>
-                      <p:nvSpPr>
-                        <p:cNvPr id="3" name="Trapezoid 2"/>
-                        <p:cNvSpPr/>
-                        <p:nvPr/>
-                      </p:nvSpPr>
-                      <p:spPr>
-                        <a:xfrm rot="5400000">
-                          <a:off x="2327777" y="2446969"/>
-                          <a:ext cx="2027819" cy="990607"/>
-                        </a:xfrm>
-                        <a:prstGeom prst="trapezoid">
-                          <a:avLst/>
-                        </a:prstGeom>
-                      </p:spPr>
-                      <p:style>
-                        <a:lnRef idx="2">
-                          <a:schemeClr val="accent2">
-                            <a:shade val="50000"/>
-                          </a:schemeClr>
-                        </a:lnRef>
-                        <a:fillRef idx="1">
-                          <a:schemeClr val="accent2"/>
-                        </a:fillRef>
-                        <a:effectRef idx="0">
-                          <a:schemeClr val="accent2"/>
-                        </a:effectRef>
-                        <a:fontRef idx="minor">
-                          <a:schemeClr val="lt1"/>
-                        </a:fontRef>
-                      </p:style>
-                      <p:txBody>
-                        <a:bodyPr vert="vert270" rtlCol="0" anchor="ctr" anchorCtr="0"/>
-                        <a:lstStyle/>
-                        <a:p>
-                          <a:pPr algn="ctr"/>
-                          <a:r>
-                            <a:rPr lang="en-US" sz="1100" b="1" dirty="0" smtClean="0">
-                              <a:solidFill>
-                                <a:prstClr val="black"/>
-                              </a:solidFill>
-                              <a:latin typeface="Arial" panose="020B0604020202020204" pitchFamily="34" charset="0"/>
-                              <a:cs typeface="Arial" panose="020B0604020202020204" pitchFamily="34" charset="0"/>
-                            </a:rPr>
-                            <a:t>Encoder</a:t>
-                          </a:r>
-                          <a:endParaRPr lang="en-US" b="1" dirty="0">
-                            <a:solidFill>
-                              <a:prstClr val="black"/>
-                            </a:solidFill>
-                            <a:latin typeface="Arial" panose="020B0604020202020204" pitchFamily="34" charset="0"/>
-                            <a:cs typeface="Arial" panose="020B0604020202020204" pitchFamily="34" charset="0"/>
-                          </a:endParaRPr>
-                        </a:p>
-                      </p:txBody>
-                    </p:sp>
-                    <p:grpSp>
-                      <p:nvGrpSpPr>
-                        <p:cNvPr id="6" name="Group 5"/>
-                        <p:cNvGrpSpPr/>
-                        <p:nvPr/>
-                      </p:nvGrpSpPr>
-                      <p:grpSpPr>
-                        <a:xfrm>
-                          <a:off x="4845834" y="686849"/>
-                          <a:ext cx="3215844" cy="4434313"/>
-                          <a:chOff x="4573502" y="1793076"/>
-                          <a:chExt cx="2671606" cy="3599199"/>
-                        </a:xfrm>
-                      </p:grpSpPr>
-                      <p:sp>
-                        <p:nvSpPr>
-                          <p:cNvPr id="4" name="Rectangle 3"/>
-                          <p:cNvSpPr/>
-                          <p:nvPr/>
-                        </p:nvSpPr>
-                        <p:spPr>
-                          <a:xfrm>
-                            <a:off x="4573502" y="1793076"/>
-                            <a:ext cx="2671606" cy="3599199"/>
-                          </a:xfrm>
-                          <a:prstGeom prst="rect">
-                            <a:avLst/>
-                          </a:prstGeom>
-                          <a:noFill/>
-                          <a:ln>
-                            <a:solidFill>
-                              <a:schemeClr val="tx1"/>
-                            </a:solidFill>
-                          </a:ln>
-                        </p:spPr>
-                        <p:style>
-                          <a:lnRef idx="2">
-                            <a:schemeClr val="accent1">
-                              <a:shade val="50000"/>
-                            </a:schemeClr>
-                          </a:lnRef>
-                          <a:fillRef idx="1">
-                            <a:schemeClr val="accent1"/>
-                          </a:fillRef>
-                          <a:effectRef idx="0">
-                            <a:schemeClr val="accent1"/>
-                          </a:effectRef>
-                          <a:fontRef idx="minor">
-                            <a:schemeClr val="lt1"/>
-                          </a:fontRef>
-                        </p:style>
-                        <p:txBody>
-                          <a:bodyPr rtlCol="0" anchor="ctr"/>
-                          <a:lstStyle/>
-                          <a:p>
-                            <a:pPr algn="ctr"/>
-                            <a:endParaRPr lang="en-US">
-                              <a:solidFill>
-                                <a:prstClr val="white"/>
-                              </a:solidFill>
-                            </a:endParaRPr>
-                          </a:p>
-                        </p:txBody>
-                      </p:sp>
-                      <p:pic>
-                        <p:nvPicPr>
-                          <p:cNvPr id="5" name="Picture 4"/>
-                          <p:cNvPicPr>
-                            <a:picLocks noChangeAspect="1"/>
-                          </p:cNvPicPr>
-                          <p:nvPr/>
-                        </p:nvPicPr>
-                        <p:blipFill>
-                          <a:blip r:embed="rId2">
-                            <a:extLst>
-                              <a:ext uri="{28A0092B-C50C-407E-A947-70E740481C1C}">
-                                <a14:useLocalDpi xmlns:a14="http://schemas.microsoft.com/office/drawing/2010/main" val="0"/>
-                              </a:ext>
-                            </a:extLst>
-                          </a:blip>
-                          <a:stretch>
-                            <a:fillRect/>
-                          </a:stretch>
-                        </p:blipFill>
-                        <p:spPr>
-                          <a:xfrm>
-                            <a:off x="4625791" y="1856071"/>
-                            <a:ext cx="2583641" cy="3482721"/>
-                          </a:xfrm>
-                          <a:prstGeom prst="rect">
-                            <a:avLst/>
-                          </a:prstGeom>
-                        </p:spPr>
-                      </p:pic>
-                    </p:grpSp>
-                    <p:sp>
-                      <p:nvSpPr>
-                        <p:cNvPr id="66" name="TextBox 65"/>
-                        <p:cNvSpPr txBox="1"/>
-                        <p:nvPr/>
-                      </p:nvSpPr>
-                      <p:spPr>
-                        <a:xfrm>
-                          <a:off x="4720173" y="1389584"/>
-                          <a:ext cx="1591489" cy="648034"/>
-                        </a:xfrm>
-                        <a:prstGeom prst="rect">
-                          <a:avLst/>
-                        </a:prstGeom>
-                        <a:noFill/>
-                      </p:spPr>
-                      <p:txBody>
-                        <a:bodyPr wrap="square" rtlCol="0">
-                          <a:spAutoFit/>
-                        </a:bodyPr>
-                        <a:lstStyle/>
-                        <a:p>
-                          <a:pPr algn="ctr"/>
-                          <a:r>
-                            <a:rPr lang="en-US" sz="1000" b="1" dirty="0" smtClean="0">
-                              <a:solidFill>
-                                <a:srgbClr val="7030A0"/>
-                              </a:solidFill>
-                              <a:latin typeface="Arial" panose="020B0604020202020204" pitchFamily="34" charset="0"/>
-                              <a:cs typeface="Arial" panose="020B0604020202020204" pitchFamily="34" charset="0"/>
-                            </a:rPr>
-                            <a:t>Training Data Distribution in Joint Space</a:t>
-                          </a:r>
-                          <a:endParaRPr lang="en-US" sz="1000" b="1" dirty="0">
-                            <a:solidFill>
-                              <a:srgbClr val="7030A0"/>
-                            </a:solidFill>
-                            <a:latin typeface="Arial" panose="020B0604020202020204" pitchFamily="34" charset="0"/>
-                            <a:cs typeface="Arial" panose="020B0604020202020204" pitchFamily="34" charset="0"/>
-                          </a:endParaRPr>
-                        </a:p>
-                      </p:txBody>
-                    </p:sp>
-                    <p:cxnSp>
-                      <p:nvCxnSpPr>
-                        <p:cNvPr id="12" name="Straight Arrow Connector 11"/>
-                        <p:cNvCxnSpPr/>
-                        <p:nvPr/>
-                      </p:nvCxnSpPr>
-                      <p:spPr>
-                        <a:xfrm>
-                          <a:off x="6014449" y="1981191"/>
-                          <a:ext cx="213445" cy="274320"/>
-                        </a:xfrm>
-                        <a:prstGeom prst="straightConnector1">
-                          <a:avLst/>
-                        </a:prstGeom>
-                        <a:ln w="38100">
-                          <a:solidFill>
-                            <a:srgbClr val="7030A0"/>
-                          </a:solidFill>
-                          <a:tailEnd type="triangle"/>
-                        </a:ln>
-                      </p:spPr>
-                      <p:style>
-                        <a:lnRef idx="1">
-                          <a:schemeClr val="accent1"/>
-                        </a:lnRef>
-                        <a:fillRef idx="0">
-                          <a:schemeClr val="accent1"/>
-                        </a:fillRef>
-                        <a:effectRef idx="0">
-                          <a:schemeClr val="accent1"/>
-                        </a:effectRef>
-                        <a:fontRef idx="minor">
-                          <a:schemeClr val="tx1"/>
-                        </a:fontRef>
-                      </p:style>
-                    </p:cxnSp>
-                    <p:cxnSp>
-                      <p:nvCxnSpPr>
-                        <p:cNvPr id="16" name="Curved Connector 15"/>
-                        <p:cNvCxnSpPr/>
-                        <p:nvPr/>
-                      </p:nvCxnSpPr>
-                      <p:spPr>
-                        <a:xfrm flipV="1">
-                          <a:off x="6541650" y="2754455"/>
-                          <a:ext cx="2961025" cy="1409089"/>
-                        </a:xfrm>
-                        <a:prstGeom prst="curvedConnector3">
-                          <a:avLst>
-                            <a:gd name="adj1" fmla="val 42392"/>
-                          </a:avLst>
-                        </a:prstGeom>
-                        <a:ln w="38100">
-                          <a:solidFill>
-                            <a:srgbClr val="00B050"/>
-                          </a:solidFill>
-                          <a:tailEnd type="triangle"/>
-                        </a:ln>
-                      </p:spPr>
-                      <p:style>
-                        <a:lnRef idx="1">
-                          <a:schemeClr val="accent1"/>
-                        </a:lnRef>
-                        <a:fillRef idx="0">
-                          <a:schemeClr val="accent1"/>
-                        </a:fillRef>
-                        <a:effectRef idx="0">
-                          <a:schemeClr val="accent1"/>
-                        </a:effectRef>
-                        <a:fontRef idx="minor">
-                          <a:schemeClr val="tx1"/>
-                        </a:fontRef>
-                      </p:style>
-                    </p:cxnSp>
-                    <p:sp>
-                      <p:nvSpPr>
-                        <p:cNvPr id="61" name="Trapezoid 60"/>
-                        <p:cNvSpPr/>
-                        <p:nvPr/>
-                      </p:nvSpPr>
-                      <p:spPr>
-                        <a:xfrm rot="16200000" flipH="1">
-                          <a:off x="7660633" y="2454360"/>
-                          <a:ext cx="2042601" cy="990607"/>
-                        </a:xfrm>
-                        <a:prstGeom prst="trapezoid">
-                          <a:avLst/>
-                        </a:prstGeom>
-                      </p:spPr>
-                      <p:style>
-                        <a:lnRef idx="2">
-                          <a:schemeClr val="accent2">
-                            <a:shade val="50000"/>
-                          </a:schemeClr>
-                        </a:lnRef>
-                        <a:fillRef idx="1">
-                          <a:schemeClr val="accent2"/>
-                        </a:fillRef>
-                        <a:effectRef idx="0">
-                          <a:schemeClr val="accent2"/>
-                        </a:effectRef>
-                        <a:fontRef idx="minor">
-                          <a:schemeClr val="lt1"/>
-                        </a:fontRef>
-                      </p:style>
-                      <p:txBody>
-                        <a:bodyPr vert="vert" rtlCol="0" anchor="ctr"/>
-                        <a:lstStyle/>
-                        <a:p>
-                          <a:pPr algn="ctr"/>
-                          <a:r>
-                            <a:rPr lang="en-US" sz="1100" b="1" dirty="0" smtClean="0">
-                              <a:solidFill>
-                                <a:prstClr val="black"/>
-                              </a:solidFill>
-                              <a:latin typeface="Arial" panose="020B0604020202020204" pitchFamily="34" charset="0"/>
-                              <a:cs typeface="Arial" panose="020B0604020202020204" pitchFamily="34" charset="0"/>
-                            </a:rPr>
-                            <a:t>Decoder</a:t>
-                          </a:r>
-                          <a:endParaRPr lang="en-US" b="1" dirty="0">
-                            <a:solidFill>
-                              <a:prstClr val="black"/>
-                            </a:solidFill>
-                            <a:latin typeface="Arial" panose="020B0604020202020204" pitchFamily="34" charset="0"/>
-                            <a:cs typeface="Arial" panose="020B0604020202020204" pitchFamily="34" charset="0"/>
-                          </a:endParaRPr>
-                        </a:p>
-                      </p:txBody>
-                    </p:sp>
-                    <p:sp>
-                      <p:nvSpPr>
-                        <p:cNvPr id="69" name="TextBox 68"/>
-                        <p:cNvSpPr txBox="1"/>
-                        <p:nvPr/>
-                      </p:nvSpPr>
-                      <p:spPr>
-                        <a:xfrm rot="21198735">
-                          <a:off x="6260519" y="3801054"/>
-                          <a:ext cx="1083497" cy="276999"/>
-                        </a:xfrm>
-                        <a:prstGeom prst="rect">
-                          <a:avLst/>
-                        </a:prstGeom>
-                        <a:noFill/>
-                      </p:spPr>
-                      <p:txBody>
-                        <a:bodyPr wrap="square" rtlCol="0">
-                          <a:spAutoFit/>
-                        </a:bodyPr>
-                        <a:lstStyle/>
-                        <a:p>
-                          <a:r>
-                            <a:rPr lang="en-US" sz="1200" b="1" dirty="0" smtClean="0">
-                              <a:solidFill>
-                                <a:srgbClr val="66FF66"/>
-                              </a:solidFill>
-                              <a:latin typeface="Arial" panose="020B0604020202020204" pitchFamily="34" charset="0"/>
-                              <a:cs typeface="Arial" panose="020B0604020202020204" pitchFamily="34" charset="0"/>
-                            </a:rPr>
-                            <a:t>Sample</a:t>
-                          </a:r>
-                          <a:endParaRPr lang="en-US" sz="2000" b="1" dirty="0">
-                            <a:solidFill>
-                              <a:srgbClr val="66FF66"/>
-                            </a:solidFill>
-                            <a:latin typeface="Arial" panose="020B0604020202020204" pitchFamily="34" charset="0"/>
-                            <a:cs typeface="Arial" panose="020B0604020202020204" pitchFamily="34" charset="0"/>
-                          </a:endParaRPr>
-                        </a:p>
-                      </p:txBody>
-                    </p:sp>
-                    <p:sp>
-                      <p:nvSpPr>
-                        <p:cNvPr id="32" name="Right Arrow 31"/>
-                        <p:cNvSpPr/>
-                        <p:nvPr/>
-                      </p:nvSpPr>
-                      <p:spPr>
-                        <a:xfrm>
-                          <a:off x="2537784" y="2754905"/>
-                          <a:ext cx="179111" cy="228656"/>
-                        </a:xfrm>
-                        <a:prstGeom prst="rightArrow">
-                          <a:avLst/>
-                        </a:prstGeom>
-                        <a:solidFill>
-                          <a:schemeClr val="accent1">
-                            <a:lumMod val="75000"/>
-                          </a:schemeClr>
-                        </a:solidFill>
-                      </p:spPr>
-                      <p:style>
-                        <a:lnRef idx="2">
-                          <a:schemeClr val="dk1">
-                            <a:shade val="50000"/>
-                          </a:schemeClr>
-                        </a:lnRef>
-                        <a:fillRef idx="1">
-                          <a:schemeClr val="dk1"/>
-                        </a:fillRef>
-                        <a:effectRef idx="0">
-                          <a:schemeClr val="dk1"/>
-                        </a:effectRef>
-                        <a:fontRef idx="minor">
-                          <a:schemeClr val="lt1"/>
-                        </a:fontRef>
-                      </p:style>
-                      <p:txBody>
-                        <a:bodyPr rtlCol="0" anchor="ctr"/>
-                        <a:lstStyle/>
-                        <a:p>
-                          <a:pPr algn="ctr"/>
-                          <a:endParaRPr lang="en-US" sz="2000">
-                            <a:solidFill>
-                              <a:prstClr val="white"/>
-                            </a:solidFill>
-                          </a:endParaRPr>
-                        </a:p>
-                      </p:txBody>
-                    </p:sp>
-                  </p:grpSp>
                   <p:sp>
                     <p:nvSpPr>
-                      <p:cNvPr id="67" name="TextBox 66"/>
-                      <p:cNvSpPr txBox="1"/>
+                      <p:cNvPr id="4" name="Rectangle 3"/>
+                      <p:cNvSpPr/>
                       <p:nvPr/>
                     </p:nvSpPr>
                     <p:spPr>
                       <a:xfrm>
-                        <a:off x="4845834" y="736079"/>
-                        <a:ext cx="3212400" cy="455027"/>
+                        <a:off x="4573502" y="1793076"/>
+                        <a:ext cx="2671606" cy="3599199"/>
                       </a:xfrm>
                       <a:prstGeom prst="rect">
                         <a:avLst/>
                       </a:prstGeom>
                       <a:noFill/>
-                    </p:spPr>
-                    <p:txBody>
-                      <a:bodyPr vert="horz" wrap="square" rtlCol="0" anchor="ctr" anchorCtr="0">
-                        <a:normAutofit/>
-                      </a:bodyPr>
-                      <a:lstStyle/>
-                      <a:p>
-                        <a:pPr algn="ctr"/>
-                        <a:r>
-                          <a:rPr lang="en-US" sz="1400" b="1" dirty="0" smtClean="0">
-                            <a:solidFill>
-                              <a:prstClr val="black"/>
-                            </a:solidFill>
-                            <a:latin typeface="Arial" panose="020B0604020202020204" pitchFamily="34" charset="0"/>
-                            <a:cs typeface="Arial" panose="020B0604020202020204" pitchFamily="34" charset="0"/>
-                          </a:rPr>
-                          <a:t>Latent Space</a:t>
-                        </a:r>
-                        <a:endParaRPr lang="en-US" sz="1400" b="1" dirty="0">
-                          <a:solidFill>
-                            <a:prstClr val="black"/>
-                          </a:solidFill>
-                          <a:latin typeface="Arial" panose="020B0604020202020204" pitchFamily="34" charset="0"/>
-                          <a:cs typeface="Arial" panose="020B0604020202020204" pitchFamily="34" charset="0"/>
-                        </a:endParaRPr>
-                      </a:p>
-                    </p:txBody>
-                  </p:sp>
-                </p:grpSp>
-                <p:grpSp>
-                  <p:nvGrpSpPr>
-                    <p:cNvPr id="22" name="Group 21"/>
-                    <p:cNvGrpSpPr/>
-                    <p:nvPr/>
-                  </p:nvGrpSpPr>
-                  <p:grpSpPr>
-                    <a:xfrm>
-                      <a:off x="2196609" y="3401792"/>
-                      <a:ext cx="8707273" cy="2725202"/>
-                      <a:chOff x="2196609" y="3401792"/>
-                      <a:chExt cx="8707273" cy="2725202"/>
-                    </a:xfrm>
-                  </p:grpSpPr>
-                  <p:sp>
-                    <p:nvSpPr>
-                      <p:cNvPr id="68" name="Trapezoid 67"/>
-                      <p:cNvSpPr/>
-                      <p:nvPr/>
-                    </p:nvSpPr>
-                    <p:spPr>
-                      <a:xfrm rot="5400000">
-                        <a:off x="6869322" y="3903803"/>
-                        <a:ext cx="1733564" cy="729541"/>
-                      </a:xfrm>
-                      <a:prstGeom prst="trapezoid">
-                        <a:avLst/>
-                      </a:prstGeom>
+                      <a:ln>
+                        <a:solidFill>
+                          <a:schemeClr val="tx1"/>
+                        </a:solidFill>
+                      </a:ln>
                     </p:spPr>
                     <p:style>
                       <a:lnRef idx="2">
-                        <a:schemeClr val="accent2">
+                        <a:schemeClr val="accent1">
                           <a:shade val="50000"/>
                         </a:schemeClr>
                       </a:lnRef>
                       <a:fillRef idx="1">
-                        <a:schemeClr val="accent2"/>
+                        <a:schemeClr val="accent1"/>
                       </a:fillRef>
                       <a:effectRef idx="0">
-                        <a:schemeClr val="accent2"/>
-                      </a:effectRef>
-                      <a:fontRef idx="minor">
-                        <a:schemeClr val="lt1"/>
-                      </a:fontRef>
-                    </p:style>
-                    <p:txBody>
-                      <a:bodyPr vert="vert270" rtlCol="0" anchor="ctr" anchorCtr="0"/>
-                      <a:lstStyle/>
-                      <a:p>
-                        <a:pPr algn="ctr"/>
-                        <a:r>
-                          <a:rPr lang="en-US" sz="1100" b="1" dirty="0" smtClean="0">
-                            <a:solidFill>
-                              <a:prstClr val="black"/>
-                            </a:solidFill>
-                            <a:latin typeface="Arial" panose="020B0604020202020204" pitchFamily="34" charset="0"/>
-                            <a:cs typeface="Arial" panose="020B0604020202020204" pitchFamily="34" charset="0"/>
-                          </a:rPr>
-                          <a:t>Encoder</a:t>
-                        </a:r>
-                        <a:endParaRPr lang="en-US" b="1" dirty="0">
-                          <a:solidFill>
-                            <a:prstClr val="black"/>
-                          </a:solidFill>
-                          <a:latin typeface="Arial" panose="020B0604020202020204" pitchFamily="34" charset="0"/>
-                          <a:cs typeface="Arial" panose="020B0604020202020204" pitchFamily="34" charset="0"/>
-                        </a:endParaRPr>
-                      </a:p>
-                    </p:txBody>
-                  </p:sp>
-                  <p:sp>
-                    <p:nvSpPr>
-                      <p:cNvPr id="70" name="Right Arrow 69"/>
-                      <p:cNvSpPr/>
-                      <p:nvPr/>
-                    </p:nvSpPr>
-                    <p:spPr>
-                      <a:xfrm>
-                        <a:off x="7112239" y="4102076"/>
-                        <a:ext cx="131908" cy="195476"/>
-                      </a:xfrm>
-                      <a:prstGeom prst="rightArrow">
-                        <a:avLst/>
-                      </a:prstGeom>
-                      <a:solidFill>
-                        <a:schemeClr val="accent1">
-                          <a:lumMod val="75000"/>
-                        </a:schemeClr>
-                      </a:solidFill>
-                    </p:spPr>
-                    <p:style>
-                      <a:lnRef idx="2">
-                        <a:schemeClr val="dk1">
-                          <a:shade val="50000"/>
-                        </a:schemeClr>
-                      </a:lnRef>
-                      <a:fillRef idx="1">
-                        <a:schemeClr val="dk1"/>
-                      </a:fillRef>
-                      <a:effectRef idx="0">
-                        <a:schemeClr val="dk1"/>
+                        <a:schemeClr val="accent1"/>
                       </a:effectRef>
                       <a:fontRef idx="minor">
                         <a:schemeClr val="lt1"/>
@@ -10801,30 +10315,529 @@
                       </a:p>
                     </p:txBody>
                   </p:sp>
-                  <p:grpSp>
-                    <p:nvGrpSpPr>
-                      <p:cNvPr id="10" name="Group 9"/>
-                      <p:cNvGrpSpPr/>
+                  <p:pic>
+                    <p:nvPicPr>
+                      <p:cNvPr id="5" name="Picture 4"/>
+                      <p:cNvPicPr>
+                        <a:picLocks noChangeAspect="1"/>
+                      </p:cNvPicPr>
                       <p:nvPr/>
-                    </p:nvGrpSpPr>
-                    <p:grpSpPr>
+                    </p:nvPicPr>
+                    <p:blipFill>
+                      <a:blip r:embed="rId2">
+                        <a:extLst>
+                          <a:ext uri="{28A0092B-C50C-407E-A947-70E740481C1C}">
+                            <a14:useLocalDpi xmlns:a14="http://schemas.microsoft.com/office/drawing/2010/main" val="0"/>
+                          </a:ext>
+                        </a:extLst>
+                      </a:blip>
+                      <a:stretch>
+                        <a:fillRect/>
+                      </a:stretch>
+                    </p:blipFill>
+                    <p:spPr>
                       <a:xfrm>
-                        <a:off x="2196609" y="3908115"/>
-                        <a:ext cx="503582" cy="708278"/>
-                        <a:chOff x="2027583" y="441389"/>
-                        <a:chExt cx="503582" cy="708278"/>
+                        <a:off x="4625791" y="1856071"/>
+                        <a:ext cx="2583641" cy="3482721"/>
                       </a:xfrm>
-                    </p:grpSpPr>
+                      <a:prstGeom prst="rect">
+                        <a:avLst/>
+                      </a:prstGeom>
+                    </p:spPr>
+                  </p:pic>
+                </p:grpSp>
+                <p:sp>
+                  <p:nvSpPr>
+                    <p:cNvPr id="66" name="TextBox 65"/>
+                    <p:cNvSpPr txBox="1"/>
+                    <p:nvPr/>
+                  </p:nvSpPr>
+                  <p:spPr>
+                    <a:xfrm>
+                      <a:off x="4720173" y="1389584"/>
+                      <a:ext cx="1591489" cy="648034"/>
+                    </a:xfrm>
+                    <a:prstGeom prst="rect">
+                      <a:avLst/>
+                    </a:prstGeom>
+                    <a:noFill/>
+                  </p:spPr>
+                  <p:txBody>
+                    <a:bodyPr wrap="square" rtlCol="0">
+                      <a:spAutoFit/>
+                    </a:bodyPr>
+                    <a:lstStyle/>
+                    <a:p>
+                      <a:pPr algn="ctr"/>
+                      <a:r>
+                        <a:rPr lang="en-US" sz="1000" b="1" dirty="0" smtClean="0">
+                          <a:solidFill>
+                            <a:srgbClr val="7030A0"/>
+                          </a:solidFill>
+                          <a:latin typeface="Arial" panose="020B0604020202020204" pitchFamily="34" charset="0"/>
+                          <a:cs typeface="Arial" panose="020B0604020202020204" pitchFamily="34" charset="0"/>
+                        </a:rPr>
+                        <a:t>Training Data Distribution in Joint Space</a:t>
+                      </a:r>
+                      <a:endParaRPr lang="en-US" sz="1000" b="1" dirty="0">
+                        <a:solidFill>
+                          <a:srgbClr val="7030A0"/>
+                        </a:solidFill>
+                        <a:latin typeface="Arial" panose="020B0604020202020204" pitchFamily="34" charset="0"/>
+                        <a:cs typeface="Arial" panose="020B0604020202020204" pitchFamily="34" charset="0"/>
+                      </a:endParaRPr>
+                    </a:p>
+                  </p:txBody>
+                </p:sp>
+                <p:cxnSp>
+                  <p:nvCxnSpPr>
+                    <p:cNvPr id="12" name="Straight Arrow Connector 11"/>
+                    <p:cNvCxnSpPr/>
+                    <p:nvPr/>
+                  </p:nvCxnSpPr>
+                  <p:spPr>
+                    <a:xfrm>
+                      <a:off x="6014449" y="1981191"/>
+                      <a:ext cx="213445" cy="274320"/>
+                    </a:xfrm>
+                    <a:prstGeom prst="straightConnector1">
+                      <a:avLst/>
+                    </a:prstGeom>
+                    <a:ln w="38100">
+                      <a:solidFill>
+                        <a:srgbClr val="7030A0"/>
+                      </a:solidFill>
+                      <a:tailEnd type="triangle"/>
+                    </a:ln>
+                  </p:spPr>
+                  <p:style>
+                    <a:lnRef idx="1">
+                      <a:schemeClr val="accent1"/>
+                    </a:lnRef>
+                    <a:fillRef idx="0">
+                      <a:schemeClr val="accent1"/>
+                    </a:fillRef>
+                    <a:effectRef idx="0">
+                      <a:schemeClr val="accent1"/>
+                    </a:effectRef>
+                    <a:fontRef idx="minor">
+                      <a:schemeClr val="tx1"/>
+                    </a:fontRef>
+                  </p:style>
+                </p:cxnSp>
+                <p:cxnSp>
+                  <p:nvCxnSpPr>
+                    <p:cNvPr id="16" name="Curved Connector 15"/>
+                    <p:cNvCxnSpPr/>
+                    <p:nvPr/>
+                  </p:nvCxnSpPr>
+                  <p:spPr>
+                    <a:xfrm flipV="1">
+                      <a:off x="6311662" y="2754457"/>
+                      <a:ext cx="3191013" cy="907387"/>
+                    </a:xfrm>
+                    <a:prstGeom prst="curvedConnector3">
+                      <a:avLst>
+                        <a:gd name="adj1" fmla="val 50000"/>
+                      </a:avLst>
+                    </a:prstGeom>
+                    <a:ln w="38100">
+                      <a:solidFill>
+                        <a:srgbClr val="00B050"/>
+                      </a:solidFill>
+                      <a:tailEnd type="triangle"/>
+                    </a:ln>
+                  </p:spPr>
+                  <p:style>
+                    <a:lnRef idx="1">
+                      <a:schemeClr val="accent1"/>
+                    </a:lnRef>
+                    <a:fillRef idx="0">
+                      <a:schemeClr val="accent1"/>
+                    </a:fillRef>
+                    <a:effectRef idx="0">
+                      <a:schemeClr val="accent1"/>
+                    </a:effectRef>
+                    <a:fontRef idx="minor">
+                      <a:schemeClr val="tx1"/>
+                    </a:fontRef>
+                  </p:style>
+                </p:cxnSp>
+                <p:sp>
+                  <p:nvSpPr>
+                    <p:cNvPr id="61" name="Trapezoid 60"/>
+                    <p:cNvSpPr/>
+                    <p:nvPr/>
+                  </p:nvSpPr>
+                  <p:spPr>
+                    <a:xfrm rot="16200000" flipH="1">
+                      <a:off x="7660633" y="2454360"/>
+                      <a:ext cx="2042601" cy="990607"/>
+                    </a:xfrm>
+                    <a:prstGeom prst="trapezoid">
+                      <a:avLst/>
+                    </a:prstGeom>
+                  </p:spPr>
+                  <p:style>
+                    <a:lnRef idx="2">
+                      <a:schemeClr val="accent2">
+                        <a:shade val="50000"/>
+                      </a:schemeClr>
+                    </a:lnRef>
+                    <a:fillRef idx="1">
+                      <a:schemeClr val="accent2"/>
+                    </a:fillRef>
+                    <a:effectRef idx="0">
+                      <a:schemeClr val="accent2"/>
+                    </a:effectRef>
+                    <a:fontRef idx="minor">
+                      <a:schemeClr val="lt1"/>
+                    </a:fontRef>
+                  </p:style>
+                  <p:txBody>
+                    <a:bodyPr vert="vert" rtlCol="0" anchor="ctr"/>
+                    <a:lstStyle/>
+                    <a:p>
+                      <a:pPr algn="ctr"/>
+                      <a:r>
+                        <a:rPr lang="en-US" sz="1100" b="1" dirty="0" smtClean="0">
+                          <a:solidFill>
+                            <a:prstClr val="black"/>
+                          </a:solidFill>
+                          <a:latin typeface="Arial" panose="020B0604020202020204" pitchFamily="34" charset="0"/>
+                          <a:cs typeface="Arial" panose="020B0604020202020204" pitchFamily="34" charset="0"/>
+                        </a:rPr>
+                        <a:t>Decoder</a:t>
+                      </a:r>
+                      <a:endParaRPr lang="en-US" b="1" dirty="0">
+                        <a:solidFill>
+                          <a:prstClr val="black"/>
+                        </a:solidFill>
+                        <a:latin typeface="Arial" panose="020B0604020202020204" pitchFamily="34" charset="0"/>
+                        <a:cs typeface="Arial" panose="020B0604020202020204" pitchFamily="34" charset="0"/>
+                      </a:endParaRPr>
+                    </a:p>
+                  </p:txBody>
+                </p:sp>
+                <p:sp>
+                  <p:nvSpPr>
+                    <p:cNvPr id="69" name="TextBox 68"/>
+                    <p:cNvSpPr txBox="1"/>
+                    <p:nvPr/>
+                  </p:nvSpPr>
+                  <p:spPr>
+                    <a:xfrm rot="21198735">
+                      <a:off x="6336815" y="3286358"/>
+                      <a:ext cx="1083497" cy="276999"/>
+                    </a:xfrm>
+                    <a:prstGeom prst="rect">
+                      <a:avLst/>
+                    </a:prstGeom>
+                    <a:noFill/>
+                  </p:spPr>
+                  <p:txBody>
+                    <a:bodyPr wrap="square" rtlCol="0">
+                      <a:spAutoFit/>
+                    </a:bodyPr>
+                    <a:lstStyle/>
+                    <a:p>
+                      <a:r>
+                        <a:rPr lang="en-US" sz="1200" b="1" dirty="0" smtClean="0">
+                          <a:solidFill>
+                            <a:srgbClr val="66FF66"/>
+                          </a:solidFill>
+                          <a:latin typeface="Arial" panose="020B0604020202020204" pitchFamily="34" charset="0"/>
+                          <a:cs typeface="Arial" panose="020B0604020202020204" pitchFamily="34" charset="0"/>
+                        </a:rPr>
+                        <a:t>Sample</a:t>
+                      </a:r>
+                      <a:endParaRPr lang="en-US" sz="2000" b="1" dirty="0">
+                        <a:solidFill>
+                          <a:srgbClr val="66FF66"/>
+                        </a:solidFill>
+                        <a:latin typeface="Arial" panose="020B0604020202020204" pitchFamily="34" charset="0"/>
+                        <a:cs typeface="Arial" panose="020B0604020202020204" pitchFamily="34" charset="0"/>
+                      </a:endParaRPr>
+                    </a:p>
+                  </p:txBody>
+                </p:sp>
+                <p:sp>
+                  <p:nvSpPr>
+                    <p:cNvPr id="32" name="Right Arrow 31"/>
+                    <p:cNvSpPr/>
+                    <p:nvPr/>
+                  </p:nvSpPr>
+                  <p:spPr>
+                    <a:xfrm>
+                      <a:off x="2537784" y="2754905"/>
+                      <a:ext cx="179111" cy="228656"/>
+                    </a:xfrm>
+                    <a:prstGeom prst="rightArrow">
+                      <a:avLst/>
+                    </a:prstGeom>
+                    <a:solidFill>
+                      <a:schemeClr val="accent1">
+                        <a:lumMod val="75000"/>
+                      </a:schemeClr>
+                    </a:solidFill>
+                  </p:spPr>
+                  <p:style>
+                    <a:lnRef idx="2">
+                      <a:schemeClr val="dk1">
+                        <a:shade val="50000"/>
+                      </a:schemeClr>
+                    </a:lnRef>
+                    <a:fillRef idx="1">
+                      <a:schemeClr val="dk1"/>
+                    </a:fillRef>
+                    <a:effectRef idx="0">
+                      <a:schemeClr val="dk1"/>
+                    </a:effectRef>
+                    <a:fontRef idx="minor">
+                      <a:schemeClr val="lt1"/>
+                    </a:fontRef>
+                  </p:style>
+                  <p:txBody>
+                    <a:bodyPr rtlCol="0" anchor="ctr"/>
+                    <a:lstStyle/>
+                    <a:p>
+                      <a:pPr algn="ctr"/>
+                      <a:endParaRPr lang="en-US" sz="2000">
+                        <a:solidFill>
+                          <a:prstClr val="white"/>
+                        </a:solidFill>
+                      </a:endParaRPr>
+                    </a:p>
+                  </p:txBody>
+                </p:sp>
+              </p:grpSp>
+              <p:sp>
+                <p:nvSpPr>
+                  <p:cNvPr id="67" name="TextBox 66"/>
+                  <p:cNvSpPr txBox="1"/>
+                  <p:nvPr/>
+                </p:nvSpPr>
+                <p:spPr>
+                  <a:xfrm>
+                    <a:off x="4845834" y="736079"/>
+                    <a:ext cx="3212400" cy="455027"/>
+                  </a:xfrm>
+                  <a:prstGeom prst="rect">
+                    <a:avLst/>
+                  </a:prstGeom>
+                  <a:noFill/>
+                </p:spPr>
+                <p:txBody>
+                  <a:bodyPr vert="horz" wrap="square" rtlCol="0" anchor="ctr" anchorCtr="0">
+                    <a:normAutofit/>
+                  </a:bodyPr>
+                  <a:lstStyle/>
+                  <a:p>
+                    <a:pPr algn="ctr"/>
+                    <a:r>
+                      <a:rPr lang="en-US" sz="1400" b="1" dirty="0" smtClean="0">
+                        <a:solidFill>
+                          <a:prstClr val="black"/>
+                        </a:solidFill>
+                        <a:latin typeface="Arial" panose="020B0604020202020204" pitchFamily="34" charset="0"/>
+                        <a:cs typeface="Arial" panose="020B0604020202020204" pitchFamily="34" charset="0"/>
+                      </a:rPr>
+                      <a:t>Latent Space</a:t>
+                    </a:r>
+                    <a:endParaRPr lang="en-US" sz="1400" b="1" dirty="0">
+                      <a:solidFill>
+                        <a:prstClr val="black"/>
+                      </a:solidFill>
+                      <a:latin typeface="Arial" panose="020B0604020202020204" pitchFamily="34" charset="0"/>
+                      <a:cs typeface="Arial" panose="020B0604020202020204" pitchFamily="34" charset="0"/>
+                    </a:endParaRPr>
+                  </a:p>
+                </p:txBody>
+              </p:sp>
+            </p:grpSp>
+            <p:grpSp>
+              <p:nvGrpSpPr>
+                <p:cNvPr id="22" name="Group 21"/>
+                <p:cNvGrpSpPr/>
+                <p:nvPr/>
+              </p:nvGrpSpPr>
+              <p:grpSpPr>
+                <a:xfrm>
+                  <a:off x="2196609" y="3401792"/>
+                  <a:ext cx="8707273" cy="2725202"/>
+                  <a:chOff x="2196609" y="3401792"/>
+                  <a:chExt cx="8707273" cy="2725202"/>
+                </a:xfrm>
+              </p:grpSpPr>
+              <p:sp>
+                <p:nvSpPr>
+                  <p:cNvPr id="68" name="Trapezoid 67"/>
+                  <p:cNvSpPr/>
+                  <p:nvPr/>
+                </p:nvSpPr>
+                <p:spPr>
+                  <a:xfrm rot="5400000">
+                    <a:off x="6869322" y="3903803"/>
+                    <a:ext cx="1733564" cy="729541"/>
+                  </a:xfrm>
+                  <a:prstGeom prst="trapezoid">
+                    <a:avLst/>
+                  </a:prstGeom>
+                </p:spPr>
+                <p:style>
+                  <a:lnRef idx="2">
+                    <a:schemeClr val="accent2">
+                      <a:shade val="50000"/>
+                    </a:schemeClr>
+                  </a:lnRef>
+                  <a:fillRef idx="1">
+                    <a:schemeClr val="accent2"/>
+                  </a:fillRef>
+                  <a:effectRef idx="0">
+                    <a:schemeClr val="accent2"/>
+                  </a:effectRef>
+                  <a:fontRef idx="minor">
+                    <a:schemeClr val="lt1"/>
+                  </a:fontRef>
+                </p:style>
+                <p:txBody>
+                  <a:bodyPr vert="vert270" rtlCol="0" anchor="ctr" anchorCtr="0"/>
+                  <a:lstStyle/>
+                  <a:p>
+                    <a:pPr algn="ctr"/>
+                    <a:r>
+                      <a:rPr lang="en-US" sz="1100" b="1" dirty="0" smtClean="0">
+                        <a:solidFill>
+                          <a:prstClr val="black"/>
+                        </a:solidFill>
+                        <a:latin typeface="Arial" panose="020B0604020202020204" pitchFamily="34" charset="0"/>
+                        <a:cs typeface="Arial" panose="020B0604020202020204" pitchFamily="34" charset="0"/>
+                      </a:rPr>
+                      <a:t>Encoder</a:t>
+                    </a:r>
+                    <a:endParaRPr lang="en-US" b="1" dirty="0">
+                      <a:solidFill>
+                        <a:prstClr val="black"/>
+                      </a:solidFill>
+                      <a:latin typeface="Arial" panose="020B0604020202020204" pitchFamily="34" charset="0"/>
+                      <a:cs typeface="Arial" panose="020B0604020202020204" pitchFamily="34" charset="0"/>
+                    </a:endParaRPr>
+                  </a:p>
+                </p:txBody>
+              </p:sp>
+              <p:sp>
+                <p:nvSpPr>
+                  <p:cNvPr id="70" name="Right Arrow 69"/>
+                  <p:cNvSpPr/>
+                  <p:nvPr/>
+                </p:nvSpPr>
+                <p:spPr>
+                  <a:xfrm>
+                    <a:off x="7112239" y="4102076"/>
+                    <a:ext cx="131908" cy="195476"/>
+                  </a:xfrm>
+                  <a:prstGeom prst="rightArrow">
+                    <a:avLst/>
+                  </a:prstGeom>
+                  <a:solidFill>
+                    <a:schemeClr val="accent1">
+                      <a:lumMod val="75000"/>
+                    </a:schemeClr>
+                  </a:solidFill>
+                </p:spPr>
+                <p:style>
+                  <a:lnRef idx="2">
+                    <a:schemeClr val="dk1">
+                      <a:shade val="50000"/>
+                    </a:schemeClr>
+                  </a:lnRef>
+                  <a:fillRef idx="1">
+                    <a:schemeClr val="dk1"/>
+                  </a:fillRef>
+                  <a:effectRef idx="0">
+                    <a:schemeClr val="dk1"/>
+                  </a:effectRef>
+                  <a:fontRef idx="minor">
+                    <a:schemeClr val="lt1"/>
+                  </a:fontRef>
+                </p:style>
+                <p:txBody>
+                  <a:bodyPr rtlCol="0" anchor="ctr"/>
+                  <a:lstStyle/>
+                  <a:p>
+                    <a:pPr algn="ctr"/>
+                    <a:endParaRPr lang="en-US">
+                      <a:solidFill>
+                        <a:prstClr val="white"/>
+                      </a:solidFill>
+                    </a:endParaRPr>
+                  </a:p>
+                </p:txBody>
+              </p:sp>
+              <p:grpSp>
+                <p:nvGrpSpPr>
+                  <p:cNvPr id="10" name="Group 9"/>
+                  <p:cNvGrpSpPr/>
+                  <p:nvPr/>
+                </p:nvGrpSpPr>
+                <p:grpSpPr>
+                  <a:xfrm>
+                    <a:off x="2196609" y="3908115"/>
+                    <a:ext cx="503582" cy="708278"/>
+                    <a:chOff x="2027583" y="441389"/>
+                    <a:chExt cx="503582" cy="708278"/>
+                  </a:xfrm>
+                </p:grpSpPr>
+                <p:sp>
+                  <p:nvSpPr>
+                    <p:cNvPr id="7" name="Rectangle 6"/>
+                    <p:cNvSpPr/>
+                    <p:nvPr/>
+                  </p:nvSpPr>
+                  <p:spPr>
+                    <a:xfrm>
+                      <a:off x="2027583" y="543340"/>
+                      <a:ext cx="503582" cy="504376"/>
+                    </a:xfrm>
+                    <a:prstGeom prst="rect">
+                      <a:avLst/>
+                    </a:prstGeom>
+                  </p:spPr>
+                  <p:style>
+                    <a:lnRef idx="2">
+                      <a:schemeClr val="dk1"/>
+                    </a:lnRef>
+                    <a:fillRef idx="1">
+                      <a:schemeClr val="lt1"/>
+                    </a:fillRef>
+                    <a:effectRef idx="0">
+                      <a:schemeClr val="dk1"/>
+                    </a:effectRef>
+                    <a:fontRef idx="minor">
+                      <a:schemeClr val="dk1"/>
+                    </a:fontRef>
+                  </p:style>
+                  <p:txBody>
+                    <a:bodyPr rtlCol="0" anchor="ctr"/>
+                    <a:lstStyle/>
+                    <a:p>
+                      <a:pPr algn="ctr"/>
+                      <a:endParaRPr lang="en-US"/>
+                    </a:p>
+                  </p:txBody>
+                </p:sp>
+                <mc:AlternateContent xmlns:mc="http://schemas.openxmlformats.org/markup-compatibility/2006">
+                  <mc:Choice xmlns:a14="http://schemas.microsoft.com/office/drawing/2010/main" Requires="a14">
                     <p:sp>
                       <p:nvSpPr>
-                        <p:cNvPr id="7" name="Rectangle 6"/>
+                        <p:cNvPr id="9" name="Rectangle 8"/>
                         <p:cNvSpPr/>
                         <p:nvPr/>
                       </p:nvSpPr>
                       <p:spPr>
                         <a:xfrm>
-                          <a:off x="2027583" y="543340"/>
-                          <a:ext cx="503582" cy="504376"/>
+                          <a:off x="2141013" y="875347"/>
+                          <a:ext cx="274320" cy="274320"/>
                         </a:xfrm>
                         <a:prstGeom prst="rect">
                           <a:avLst/>
@@ -10849,225 +10862,77 @@
                         <a:lstStyle/>
                         <a:p>
                           <a:pPr algn="ctr"/>
-                          <a:endParaRPr lang="en-US"/>
+                          <a14:m>
+                            <m:oMathPara xmlns:m="http://schemas.openxmlformats.org/officeDocument/2006/math">
+                              <m:oMathParaPr>
+                                <m:jc m:val="centerGroup"/>
+                              </m:oMathParaPr>
+                              <m:oMath xmlns:m="http://schemas.openxmlformats.org/officeDocument/2006/math">
+                                <m:r>
+                                  <a:rPr lang="el-GR" b="1" i="0" smtClean="0">
+                                    <a:latin typeface="Cambria Math" panose="02040503050406030204" pitchFamily="18" charset="0"/>
+                                  </a:rPr>
+                                  <m:t>𝛔</m:t>
+                                </m:r>
+                              </m:oMath>
+                            </m:oMathPara>
+                          </a14:m>
+                          <a:endParaRPr lang="en-US" b="1" dirty="0"/>
                         </a:p>
                       </p:txBody>
                     </p:sp>
-                    <mc:AlternateContent xmlns:mc="http://schemas.openxmlformats.org/markup-compatibility/2006" xmlns:a14="http://schemas.microsoft.com/office/drawing/2010/main">
-                      <mc:Choice Requires="a14">
-                        <p:sp>
-                          <p:nvSpPr>
-                            <p:cNvPr id="9" name="Rectangle 8"/>
-                            <p:cNvSpPr/>
-                            <p:nvPr/>
-                          </p:nvSpPr>
-                          <p:spPr>
-                            <a:xfrm>
-                              <a:off x="2141013" y="875347"/>
-                              <a:ext cx="274320" cy="274320"/>
-                            </a:xfrm>
-                            <a:prstGeom prst="rect">
-                              <a:avLst/>
-                            </a:prstGeom>
-                          </p:spPr>
-                          <p:style>
-                            <a:lnRef idx="2">
-                              <a:schemeClr val="dk1"/>
-                            </a:lnRef>
-                            <a:fillRef idx="1">
-                              <a:schemeClr val="lt1"/>
-                            </a:fillRef>
-                            <a:effectRef idx="0">
-                              <a:schemeClr val="dk1"/>
-                            </a:effectRef>
-                            <a:fontRef idx="minor">
-                              <a:schemeClr val="dk1"/>
-                            </a:fontRef>
-                          </p:style>
-                          <p:txBody>
-                            <a:bodyPr rtlCol="0" anchor="ctr"/>
-                            <a:lstStyle/>
-                            <a:p>
-                              <a:pPr algn="ctr"/>
-                              <a14:m>
-                                <m:oMathPara xmlns:m="http://schemas.openxmlformats.org/officeDocument/2006/math">
-                                  <m:oMathParaPr>
-                                    <m:jc m:val="centerGroup"/>
-                                  </m:oMathParaPr>
-                                  <m:oMath xmlns:m="http://schemas.openxmlformats.org/officeDocument/2006/math">
-                                    <m:r>
-                                      <a:rPr lang="el-GR" b="1" i="0" smtClean="0">
-                                        <a:latin typeface="Cambria Math" panose="02040503050406030204" pitchFamily="18" charset="0"/>
-                                      </a:rPr>
-                                      <m:t>𝛔</m:t>
-                                    </m:r>
-                                  </m:oMath>
-                                </m:oMathPara>
-                              </a14:m>
-                              <a:endParaRPr lang="en-US" b="1" dirty="0"/>
-                            </a:p>
-                          </p:txBody>
-                        </p:sp>
-                      </mc:Choice>
-                      <mc:Fallback xmlns="">
-                        <p:sp>
-                          <p:nvSpPr>
-                            <p:cNvPr id="9" name="Rectangle 8"/>
-                            <p:cNvSpPr>
-                              <a:spLocks noRot="1" noChangeAspect="1" noMove="1" noResize="1" noEditPoints="1" noAdjustHandles="1" noChangeArrowheads="1" noChangeShapeType="1" noTextEdit="1"/>
-                            </p:cNvSpPr>
-                            <p:nvPr/>
-                          </p:nvSpPr>
-                          <p:spPr>
-                            <a:xfrm>
-                              <a:off x="2141013" y="875347"/>
-                              <a:ext cx="274320" cy="274320"/>
-                            </a:xfrm>
-                            <a:prstGeom prst="rect">
-                              <a:avLst/>
-                            </a:prstGeom>
-                            <a:blipFill rotWithShape="0">
-                              <a:blip r:embed="rId3"/>
-                              <a:stretch>
-                                <a:fillRect l="-6383"/>
-                              </a:stretch>
-                            </a:blipFill>
-                          </p:spPr>
-                          <p:txBody>
-                            <a:bodyPr/>
-                            <a:lstStyle/>
-                            <a:p>
-                              <a:r>
-                                <a:rPr lang="en-US">
-                                  <a:noFill/>
-                                </a:rPr>
-                                <a:t> </a:t>
-                              </a:r>
-                            </a:p>
-                          </p:txBody>
-                        </p:sp>
-                      </mc:Fallback>
-                    </mc:AlternateContent>
-                    <mc:AlternateContent xmlns:mc="http://schemas.openxmlformats.org/markup-compatibility/2006" xmlns:a14="http://schemas.microsoft.com/office/drawing/2010/main">
-                      <mc:Choice Requires="a14">
-                        <p:sp>
-                          <p:nvSpPr>
-                            <p:cNvPr id="71" name="Rectangle 70"/>
-                            <p:cNvSpPr/>
-                            <p:nvPr/>
-                          </p:nvSpPr>
-                          <p:spPr>
-                            <a:xfrm>
-                              <a:off x="2141013" y="441389"/>
-                              <a:ext cx="274320" cy="274320"/>
-                            </a:xfrm>
-                            <a:prstGeom prst="rect">
-                              <a:avLst/>
-                            </a:prstGeom>
-                          </p:spPr>
-                          <p:style>
-                            <a:lnRef idx="2">
-                              <a:schemeClr val="dk1"/>
-                            </a:lnRef>
-                            <a:fillRef idx="1">
-                              <a:schemeClr val="lt1"/>
-                            </a:fillRef>
-                            <a:effectRef idx="0">
-                              <a:schemeClr val="dk1"/>
-                            </a:effectRef>
-                            <a:fontRef idx="minor">
-                              <a:schemeClr val="dk1"/>
-                            </a:fontRef>
-                          </p:style>
-                          <p:txBody>
-                            <a:bodyPr rtlCol="0" anchor="ctr"/>
-                            <a:lstStyle/>
-                            <a:p>
-                              <a:pPr algn="ctr"/>
-                              <a14:m>
-                                <m:oMathPara xmlns:m="http://schemas.openxmlformats.org/officeDocument/2006/math">
-                                  <m:oMathParaPr>
-                                    <m:jc m:val="centerGroup"/>
-                                  </m:oMathParaPr>
-                                  <m:oMath xmlns:m="http://schemas.openxmlformats.org/officeDocument/2006/math">
-                                    <m:r>
-                                      <a:rPr lang="en-US" b="1" i="0" smtClean="0">
-                                        <a:latin typeface="Cambria Math" panose="02040503050406030204" pitchFamily="18" charset="0"/>
-                                      </a:rPr>
-                                      <m:t>µ</m:t>
-                                    </m:r>
-                                  </m:oMath>
-                                </m:oMathPara>
-                              </a14:m>
-                              <a:endParaRPr lang="en-US" b="1" dirty="0"/>
-                            </a:p>
-                          </p:txBody>
-                        </p:sp>
-                      </mc:Choice>
-                      <mc:Fallback xmlns="">
-                        <p:sp>
-                          <p:nvSpPr>
-                            <p:cNvPr id="71" name="Rectangle 70"/>
-                            <p:cNvSpPr>
-                              <a:spLocks noRot="1" noChangeAspect="1" noMove="1" noResize="1" noEditPoints="1" noAdjustHandles="1" noChangeArrowheads="1" noChangeShapeType="1" noTextEdit="1"/>
-                            </p:cNvSpPr>
-                            <p:nvPr/>
-                          </p:nvSpPr>
-                          <p:spPr>
-                            <a:xfrm>
-                              <a:off x="2141013" y="441389"/>
-                              <a:ext cx="274320" cy="274320"/>
-                            </a:xfrm>
-                            <a:prstGeom prst="rect">
-                              <a:avLst/>
-                            </a:prstGeom>
-                            <a:blipFill rotWithShape="0">
-                              <a:blip r:embed="rId4"/>
-                              <a:stretch>
-                                <a:fillRect l="-10638" b="-19149"/>
-                              </a:stretch>
-                            </a:blipFill>
-                          </p:spPr>
-                          <p:txBody>
-                            <a:bodyPr/>
-                            <a:lstStyle/>
-                            <a:p>
-                              <a:r>
-                                <a:rPr lang="en-US">
-                                  <a:noFill/>
-                                </a:rPr>
-                                <a:t> </a:t>
-                              </a:r>
-                            </a:p>
-                          </p:txBody>
-                        </p:sp>
-                      </mc:Fallback>
-                    </mc:AlternateContent>
-                  </p:grpSp>
-                  <p:grpSp>
-                    <p:nvGrpSpPr>
-                      <p:cNvPr id="72" name="Group 71"/>
-                      <p:cNvGrpSpPr/>
-                      <p:nvPr/>
-                    </p:nvGrpSpPr>
-                    <p:grpSpPr>
-                      <a:xfrm>
-                        <a:off x="8259538" y="3906751"/>
-                        <a:ext cx="503582" cy="656550"/>
-                        <a:chOff x="2120532" y="441301"/>
-                        <a:chExt cx="503582" cy="656550"/>
-                      </a:xfrm>
-                    </p:grpSpPr>
+                  </mc:Choice>
+                  <mc:Fallback>
                     <p:sp>
                       <p:nvSpPr>
-                        <p:cNvPr id="73" name="Rectangle 72"/>
+                        <p:cNvPr id="9" name="Rectangle 8"/>
+                        <p:cNvSpPr>
+                          <a:spLocks noRot="1" noChangeAspect="1" noMove="1" noResize="1" noEditPoints="1" noAdjustHandles="1" noChangeArrowheads="1" noChangeShapeType="1" noTextEdit="1"/>
+                        </p:cNvSpPr>
+                        <p:nvPr/>
+                      </p:nvSpPr>
+                      <p:spPr>
+                        <a:xfrm>
+                          <a:off x="2141013" y="875347"/>
+                          <a:ext cx="274320" cy="274320"/>
+                        </a:xfrm>
+                        <a:prstGeom prst="rect">
+                          <a:avLst/>
+                        </a:prstGeom>
+                        <a:blipFill rotWithShape="0">
+                          <a:blip r:embed="rId3"/>
+                          <a:stretch>
+                            <a:fillRect l="-6383"/>
+                          </a:stretch>
+                        </a:blipFill>
+                      </p:spPr>
+                      <p:txBody>
+                        <a:bodyPr/>
+                        <a:lstStyle/>
+                        <a:p>
+                          <a:r>
+                            <a:rPr lang="en-US">
+                              <a:noFill/>
+                            </a:rPr>
+                            <a:t> </a:t>
+                          </a:r>
+                        </a:p>
+                      </p:txBody>
+                    </p:sp>
+                  </mc:Fallback>
+                </mc:AlternateContent>
+                <mc:AlternateContent xmlns:mc="http://schemas.openxmlformats.org/markup-compatibility/2006">
+                  <mc:Choice xmlns:a14="http://schemas.microsoft.com/office/drawing/2010/main" Requires="a14">
+                    <p:sp>
+                      <p:nvSpPr>
+                        <p:cNvPr id="71" name="Rectangle 70"/>
                         <p:cNvSpPr/>
                         <p:nvPr/>
                       </p:nvSpPr>
                       <p:spPr>
                         <a:xfrm>
-                          <a:off x="2120532" y="519752"/>
-                          <a:ext cx="503582" cy="504376"/>
+                          <a:off x="2141013" y="441389"/>
+                          <a:ext cx="274320" cy="274320"/>
                         </a:xfrm>
                         <a:prstGeom prst="rect">
                           <a:avLst/>
@@ -11092,401 +10957,144 @@
                         <a:lstStyle/>
                         <a:p>
                           <a:pPr algn="ctr"/>
-                          <a:endParaRPr lang="en-US"/>
+                          <a14:m>
+                            <m:oMathPara xmlns:m="http://schemas.openxmlformats.org/officeDocument/2006/math">
+                              <m:oMathParaPr>
+                                <m:jc m:val="centerGroup"/>
+                              </m:oMathParaPr>
+                              <m:oMath xmlns:m="http://schemas.openxmlformats.org/officeDocument/2006/math">
+                                <m:r>
+                                  <a:rPr lang="en-US" b="1" i="0" smtClean="0">
+                                    <a:latin typeface="Cambria Math" panose="02040503050406030204" pitchFamily="18" charset="0"/>
+                                  </a:rPr>
+                                  <m:t>µ</m:t>
+                                </m:r>
+                              </m:oMath>
+                            </m:oMathPara>
+                          </a14:m>
+                          <a:endParaRPr lang="en-US" b="1" dirty="0"/>
                         </a:p>
                       </p:txBody>
                     </p:sp>
-                    <mc:AlternateContent xmlns:mc="http://schemas.openxmlformats.org/markup-compatibility/2006" xmlns:a14="http://schemas.microsoft.com/office/drawing/2010/main">
-                      <mc:Choice Requires="a14">
-                        <p:sp>
-                          <p:nvSpPr>
-                            <p:cNvPr id="75" name="Rectangle 74"/>
-                            <p:cNvSpPr/>
-                            <p:nvPr/>
-                          </p:nvSpPr>
-                          <p:spPr>
-                            <a:xfrm>
-                              <a:off x="2248346" y="823531"/>
-                              <a:ext cx="274320" cy="274320"/>
-                            </a:xfrm>
-                            <a:prstGeom prst="rect">
-                              <a:avLst/>
-                            </a:prstGeom>
-                          </p:spPr>
-                          <p:style>
-                            <a:lnRef idx="2">
-                              <a:schemeClr val="dk1"/>
-                            </a:lnRef>
-                            <a:fillRef idx="1">
-                              <a:schemeClr val="lt1"/>
-                            </a:fillRef>
-                            <a:effectRef idx="0">
-                              <a:schemeClr val="dk1"/>
-                            </a:effectRef>
-                            <a:fontRef idx="minor">
-                              <a:schemeClr val="dk1"/>
-                            </a:fontRef>
-                          </p:style>
-                          <p:txBody>
-                            <a:bodyPr rtlCol="0" anchor="ctr"/>
-                            <a:lstStyle/>
-                            <a:p>
-                              <a:pPr algn="ctr"/>
-                              <a14:m>
-                                <m:oMathPara xmlns:m="http://schemas.openxmlformats.org/officeDocument/2006/math">
-                                  <m:oMathParaPr>
-                                    <m:jc m:val="centerGroup"/>
-                                  </m:oMathParaPr>
-                                  <m:oMath xmlns:m="http://schemas.openxmlformats.org/officeDocument/2006/math">
-                                    <m:r>
-                                      <a:rPr lang="el-GR" b="1" i="0" smtClean="0">
-                                        <a:latin typeface="Cambria Math" panose="02040503050406030204" pitchFamily="18" charset="0"/>
-                                      </a:rPr>
-                                      <m:t>𝛔</m:t>
-                                    </m:r>
-                                  </m:oMath>
-                                </m:oMathPara>
-                              </a14:m>
-                              <a:endParaRPr lang="en-US" b="1" dirty="0"/>
-                            </a:p>
-                          </p:txBody>
-                        </p:sp>
-                      </mc:Choice>
-                      <mc:Fallback xmlns="">
-                        <p:sp>
-                          <p:nvSpPr>
-                            <p:cNvPr id="75" name="Rectangle 74"/>
-                            <p:cNvSpPr>
-                              <a:spLocks noRot="1" noChangeAspect="1" noMove="1" noResize="1" noEditPoints="1" noAdjustHandles="1" noChangeArrowheads="1" noChangeShapeType="1" noTextEdit="1"/>
-                            </p:cNvSpPr>
-                            <p:nvPr/>
-                          </p:nvSpPr>
-                          <p:spPr>
-                            <a:xfrm>
-                              <a:off x="2248346" y="823531"/>
-                              <a:ext cx="274320" cy="274320"/>
-                            </a:xfrm>
-                            <a:prstGeom prst="rect">
-                              <a:avLst/>
-                            </a:prstGeom>
-                            <a:blipFill rotWithShape="0">
-                              <a:blip r:embed="rId5"/>
-                              <a:stretch>
-                                <a:fillRect l="-6383"/>
-                              </a:stretch>
-                            </a:blipFill>
-                          </p:spPr>
-                          <p:txBody>
-                            <a:bodyPr/>
-                            <a:lstStyle/>
-                            <a:p>
-                              <a:r>
-                                <a:rPr lang="en-US">
-                                  <a:noFill/>
-                                </a:rPr>
-                                <a:t> </a:t>
-                              </a:r>
-                            </a:p>
-                          </p:txBody>
-                        </p:sp>
-                      </mc:Fallback>
-                    </mc:AlternateContent>
-                    <mc:AlternateContent xmlns:mc="http://schemas.openxmlformats.org/markup-compatibility/2006" xmlns:a14="http://schemas.microsoft.com/office/drawing/2010/main">
-                      <mc:Choice Requires="a14">
-                        <p:sp>
-                          <p:nvSpPr>
-                            <p:cNvPr id="76" name="Rectangle 75"/>
-                            <p:cNvSpPr/>
-                            <p:nvPr/>
-                          </p:nvSpPr>
-                          <p:spPr>
-                            <a:xfrm>
-                              <a:off x="2235163" y="441301"/>
-                              <a:ext cx="274320" cy="274320"/>
-                            </a:xfrm>
-                            <a:prstGeom prst="rect">
-                              <a:avLst/>
-                            </a:prstGeom>
-                          </p:spPr>
-                          <p:style>
-                            <a:lnRef idx="2">
-                              <a:schemeClr val="dk1"/>
-                            </a:lnRef>
-                            <a:fillRef idx="1">
-                              <a:schemeClr val="lt1"/>
-                            </a:fillRef>
-                            <a:effectRef idx="0">
-                              <a:schemeClr val="dk1"/>
-                            </a:effectRef>
-                            <a:fontRef idx="minor">
-                              <a:schemeClr val="dk1"/>
-                            </a:fontRef>
-                          </p:style>
-                          <p:txBody>
-                            <a:bodyPr rtlCol="0" anchor="ctr"/>
-                            <a:lstStyle/>
-                            <a:p>
-                              <a:pPr algn="ctr"/>
-                              <a14:m>
-                                <m:oMathPara xmlns:m="http://schemas.openxmlformats.org/officeDocument/2006/math">
-                                  <m:oMathParaPr>
-                                    <m:jc m:val="centerGroup"/>
-                                  </m:oMathParaPr>
-                                  <m:oMath xmlns:m="http://schemas.openxmlformats.org/officeDocument/2006/math">
-                                    <m:r>
-                                      <a:rPr lang="en-US" b="1" i="0" smtClean="0">
-                                        <a:latin typeface="Cambria Math" panose="02040503050406030204" pitchFamily="18" charset="0"/>
-                                      </a:rPr>
-                                      <m:t>µ</m:t>
-                                    </m:r>
-                                  </m:oMath>
-                                </m:oMathPara>
-                              </a14:m>
-                              <a:endParaRPr lang="en-US" b="1" dirty="0"/>
-                            </a:p>
-                          </p:txBody>
-                        </p:sp>
-                      </mc:Choice>
-                      <mc:Fallback xmlns="">
-                        <p:sp>
-                          <p:nvSpPr>
-                            <p:cNvPr id="76" name="Rectangle 75"/>
-                            <p:cNvSpPr>
-                              <a:spLocks noRot="1" noChangeAspect="1" noMove="1" noResize="1" noEditPoints="1" noAdjustHandles="1" noChangeArrowheads="1" noChangeShapeType="1" noTextEdit="1"/>
-                            </p:cNvSpPr>
-                            <p:nvPr/>
-                          </p:nvSpPr>
-                          <p:spPr>
-                            <a:xfrm>
-                              <a:off x="2235163" y="441301"/>
-                              <a:ext cx="274320" cy="274320"/>
-                            </a:xfrm>
-                            <a:prstGeom prst="rect">
-                              <a:avLst/>
-                            </a:prstGeom>
-                            <a:blipFill rotWithShape="0">
-                              <a:blip r:embed="rId6"/>
-                              <a:stretch>
-                                <a:fillRect l="-10638" b="-19149"/>
-                              </a:stretch>
-                            </a:blipFill>
-                          </p:spPr>
-                          <p:txBody>
-                            <a:bodyPr/>
-                            <a:lstStyle/>
-                            <a:p>
-                              <a:r>
-                                <a:rPr lang="en-US">
-                                  <a:noFill/>
-                                </a:rPr>
-                                <a:t> </a:t>
-                              </a:r>
-                            </a:p>
-                          </p:txBody>
-                        </p:sp>
-                      </mc:Fallback>
-                    </mc:AlternateContent>
-                  </p:grpSp>
-                  <p:sp>
-                    <p:nvSpPr>
-                      <p:cNvPr id="78" name="TextBox 77"/>
-                      <p:cNvSpPr txBox="1"/>
-                      <p:nvPr/>
-                    </p:nvSpPr>
-                    <p:spPr>
-                      <a:xfrm>
-                        <a:off x="9244080" y="3686897"/>
-                        <a:ext cx="1659802" cy="1061829"/>
-                      </a:xfrm>
-                      <a:prstGeom prst="rect">
-                        <a:avLst/>
-                      </a:prstGeom>
-                      <a:noFill/>
-                    </p:spPr>
-                    <p:txBody>
-                      <a:bodyPr wrap="square" rtlCol="0">
-                        <a:spAutoFit/>
-                      </a:bodyPr>
-                      <a:lstStyle/>
-                      <a:p>
-                        <a:pPr algn="ctr"/>
-                        <a:r>
-                          <a:rPr lang="en-US" sz="900" dirty="0" smtClean="0">
-                            <a:solidFill>
-                              <a:prstClr val="black"/>
-                            </a:solidFill>
-                          </a:rPr>
-                          <a:t>CCTGGGGGGT</a:t>
-                        </a:r>
-                      </a:p>
-                      <a:p>
-                        <a:pPr algn="ctr"/>
-                        <a:r>
-                          <a:rPr lang="en-US" sz="900" dirty="0" smtClean="0">
-                            <a:solidFill>
-                              <a:prstClr val="black"/>
-                            </a:solidFill>
-                          </a:rPr>
-                          <a:t>AAACCGGAGC</a:t>
-                        </a:r>
-                      </a:p>
-                      <a:p>
-                        <a:pPr algn="ctr"/>
-                        <a:r>
-                          <a:rPr lang="en-US" sz="900" dirty="0" smtClean="0">
-                            <a:solidFill>
-                              <a:prstClr val="black"/>
-                            </a:solidFill>
-                          </a:rPr>
-                          <a:t>AGCCGAAGTT</a:t>
-                        </a:r>
-                      </a:p>
-                      <a:p>
-                        <a:pPr algn="ctr"/>
-                        <a:r>
-                          <a:rPr lang="en-US" sz="900" dirty="0" smtClean="0">
-                            <a:solidFill>
-                              <a:prstClr val="black"/>
-                            </a:solidFill>
-                          </a:rPr>
-                          <a:t>.</a:t>
-                        </a:r>
-                      </a:p>
-                      <a:p>
-                        <a:pPr algn="ctr"/>
-                        <a:r>
-                          <a:rPr lang="en-US" sz="900" dirty="0" smtClean="0">
-                            <a:solidFill>
-                              <a:prstClr val="black"/>
-                            </a:solidFill>
-                          </a:rPr>
-                          <a:t>.</a:t>
-                        </a:r>
-                      </a:p>
-                      <a:p>
-                        <a:pPr algn="ctr"/>
-                        <a:r>
-                          <a:rPr lang="en-US" sz="900" dirty="0" smtClean="0">
-                            <a:solidFill>
-                              <a:prstClr val="black"/>
-                            </a:solidFill>
-                          </a:rPr>
-                          <a:t>.</a:t>
-                        </a:r>
-                      </a:p>
-                      <a:p>
-                        <a:pPr algn="ctr"/>
-                        <a:r>
-                          <a:rPr lang="en-US" sz="900" dirty="0" smtClean="0">
-                            <a:solidFill>
-                              <a:prstClr val="black"/>
-                            </a:solidFill>
-                          </a:rPr>
-                          <a:t>CAACGGGTCG</a:t>
-                        </a:r>
-                        <a:endParaRPr lang="en-US" sz="900" dirty="0">
-                          <a:solidFill>
-                            <a:prstClr val="black"/>
-                          </a:solidFill>
-                        </a:endParaRPr>
-                      </a:p>
-                    </p:txBody>
-                  </p:sp>
-                  <p:sp>
-                    <p:nvSpPr>
-                      <p:cNvPr id="79" name="Right Arrow 78"/>
-                      <p:cNvSpPr/>
-                      <p:nvPr/>
-                    </p:nvSpPr>
-                    <p:spPr>
-                      <a:xfrm>
-                        <a:off x="8891851" y="4032378"/>
-                        <a:ext cx="640080" cy="457200"/>
-                      </a:xfrm>
-                      <a:prstGeom prst="rightArrow">
-                        <a:avLst/>
-                      </a:prstGeom>
-                      <a:solidFill>
-                        <a:schemeClr val="accent1">
-                          <a:lumMod val="75000"/>
-                        </a:schemeClr>
-                      </a:solidFill>
-                    </p:spPr>
-                    <p:style>
-                      <a:lnRef idx="2">
-                        <a:schemeClr val="dk1">
-                          <a:shade val="50000"/>
-                        </a:schemeClr>
-                      </a:lnRef>
-                      <a:fillRef idx="1">
-                        <a:schemeClr val="dk1"/>
-                      </a:fillRef>
-                      <a:effectRef idx="0">
-                        <a:schemeClr val="dk1"/>
-                      </a:effectRef>
-                      <a:fontRef idx="minor">
-                        <a:schemeClr val="lt1"/>
-                      </a:fontRef>
-                    </p:style>
-                    <p:txBody>
-                      <a:bodyPr rtlCol="0" anchor="ctr"/>
-                      <a:lstStyle/>
-                      <a:p>
-                        <a:pPr algn="ctr"/>
-                        <a:r>
-                          <a:rPr lang="en-US" sz="1200" dirty="0" smtClean="0">
-                            <a:solidFill>
-                              <a:prstClr val="white"/>
-                            </a:solidFill>
-                          </a:rPr>
-                          <a:t>Rank</a:t>
-                        </a:r>
-                        <a:endParaRPr lang="en-US" sz="1200" dirty="0">
-                          <a:solidFill>
-                            <a:prstClr val="white"/>
-                          </a:solidFill>
-                        </a:endParaRPr>
-                      </a:p>
-                    </p:txBody>
-                  </p:sp>
-                  <p:grpSp>
-                    <p:nvGrpSpPr>
-                      <p:cNvPr id="21" name="Group 20"/>
-                      <p:cNvGrpSpPr/>
-                      <p:nvPr/>
-                    </p:nvGrpSpPr>
-                    <p:grpSpPr>
-                      <a:xfrm>
-                        <a:off x="9709516" y="5189169"/>
-                        <a:ext cx="731520" cy="457200"/>
-                        <a:chOff x="9757145" y="5618081"/>
-                        <a:chExt cx="731520" cy="457200"/>
-                      </a:xfrm>
-                    </p:grpSpPr>
+                  </mc:Choice>
+                  <mc:Fallback>
                     <p:sp>
                       <p:nvSpPr>
-                        <p:cNvPr id="13" name="Snip and Round Single Corner Rectangle 12"/>
+                        <p:cNvPr id="71" name="Rectangle 70"/>
+                        <p:cNvSpPr>
+                          <a:spLocks noRot="1" noChangeAspect="1" noMove="1" noResize="1" noEditPoints="1" noAdjustHandles="1" noChangeArrowheads="1" noChangeShapeType="1" noTextEdit="1"/>
+                        </p:cNvSpPr>
+                        <p:nvPr/>
+                      </p:nvSpPr>
+                      <p:spPr>
+                        <a:xfrm>
+                          <a:off x="2141013" y="441389"/>
+                          <a:ext cx="274320" cy="274320"/>
+                        </a:xfrm>
+                        <a:prstGeom prst="rect">
+                          <a:avLst/>
+                        </a:prstGeom>
+                        <a:blipFill rotWithShape="0">
+                          <a:blip r:embed="rId4"/>
+                          <a:stretch>
+                            <a:fillRect l="-10638" b="-19149"/>
+                          </a:stretch>
+                        </a:blipFill>
+                      </p:spPr>
+                      <p:txBody>
+                        <a:bodyPr/>
+                        <a:lstStyle/>
+                        <a:p>
+                          <a:r>
+                            <a:rPr lang="en-US">
+                              <a:noFill/>
+                            </a:rPr>
+                            <a:t> </a:t>
+                          </a:r>
+                        </a:p>
+                      </p:txBody>
+                    </p:sp>
+                  </mc:Fallback>
+                </mc:AlternateContent>
+              </p:grpSp>
+              <p:grpSp>
+                <p:nvGrpSpPr>
+                  <p:cNvPr id="72" name="Group 71"/>
+                  <p:cNvGrpSpPr/>
+                  <p:nvPr/>
+                </p:nvGrpSpPr>
+                <p:grpSpPr>
+                  <a:xfrm>
+                    <a:off x="8259538" y="3906751"/>
+                    <a:ext cx="503582" cy="656550"/>
+                    <a:chOff x="2120532" y="441301"/>
+                    <a:chExt cx="503582" cy="656550"/>
+                  </a:xfrm>
+                </p:grpSpPr>
+                <p:sp>
+                  <p:nvSpPr>
+                    <p:cNvPr id="73" name="Rectangle 72"/>
+                    <p:cNvSpPr/>
+                    <p:nvPr/>
+                  </p:nvSpPr>
+                  <p:spPr>
+                    <a:xfrm>
+                      <a:off x="2120532" y="519752"/>
+                      <a:ext cx="503582" cy="504376"/>
+                    </a:xfrm>
+                    <a:prstGeom prst="rect">
+                      <a:avLst/>
+                    </a:prstGeom>
+                  </p:spPr>
+                  <p:style>
+                    <a:lnRef idx="2">
+                      <a:schemeClr val="dk1"/>
+                    </a:lnRef>
+                    <a:fillRef idx="1">
+                      <a:schemeClr val="lt1"/>
+                    </a:fillRef>
+                    <a:effectRef idx="0">
+                      <a:schemeClr val="dk1"/>
+                    </a:effectRef>
+                    <a:fontRef idx="minor">
+                      <a:schemeClr val="dk1"/>
+                    </a:fontRef>
+                  </p:style>
+                  <p:txBody>
+                    <a:bodyPr rtlCol="0" anchor="ctr"/>
+                    <a:lstStyle/>
+                    <a:p>
+                      <a:pPr algn="ctr"/>
+                      <a:endParaRPr lang="en-US"/>
+                    </a:p>
+                  </p:txBody>
+                </p:sp>
+                <mc:AlternateContent xmlns:mc="http://schemas.openxmlformats.org/markup-compatibility/2006">
+                  <mc:Choice xmlns:a14="http://schemas.microsoft.com/office/drawing/2010/main" Requires="a14">
+                    <p:sp>
+                      <p:nvSpPr>
+                        <p:cNvPr id="75" name="Rectangle 74"/>
                         <p:cNvSpPr/>
                         <p:nvPr/>
                       </p:nvSpPr>
                       <p:spPr>
-                        <a:xfrm flipH="1">
-                          <a:off x="9757145" y="5618081"/>
-                          <a:ext cx="731520" cy="457200"/>
+                        <a:xfrm>
+                          <a:off x="2248346" y="823531"/>
+                          <a:ext cx="274320" cy="274320"/>
                         </a:xfrm>
-                        <a:prstGeom prst="snipRoundRect">
+                        <a:prstGeom prst="rect">
                           <a:avLst/>
                         </a:prstGeom>
                       </p:spPr>
                       <p:style>
-                        <a:lnRef idx="1">
-                          <a:schemeClr val="accent3"/>
+                        <a:lnRef idx="2">
+                          <a:schemeClr val="dk1"/>
                         </a:lnRef>
-                        <a:fillRef idx="2">
-                          <a:schemeClr val="accent3"/>
+                        <a:fillRef idx="1">
+                          <a:schemeClr val="lt1"/>
                         </a:fillRef>
-                        <a:effectRef idx="1">
-                          <a:schemeClr val="accent3"/>
+                        <a:effectRef idx="0">
+                          <a:schemeClr val="dk1"/>
                         </a:effectRef>
                         <a:fontRef idx="minor">
                           <a:schemeClr val="dk1"/>
@@ -11497,1075 +11105,1076 @@
                         <a:lstStyle/>
                         <a:p>
                           <a:pPr algn="ctr"/>
-                          <a:endParaRPr lang="en-US"/>
+                          <a14:m>
+                            <m:oMathPara xmlns:m="http://schemas.openxmlformats.org/officeDocument/2006/math">
+                              <m:oMathParaPr>
+                                <m:jc m:val="centerGroup"/>
+                              </m:oMathParaPr>
+                              <m:oMath xmlns:m="http://schemas.openxmlformats.org/officeDocument/2006/math">
+                                <m:r>
+                                  <a:rPr lang="el-GR" b="1" i="0" smtClean="0">
+                                    <a:latin typeface="Cambria Math" panose="02040503050406030204" pitchFamily="18" charset="0"/>
+                                  </a:rPr>
+                                  <m:t>𝛔</m:t>
+                                </m:r>
+                              </m:oMath>
+                            </m:oMathPara>
+                          </a14:m>
+                          <a:endParaRPr lang="en-US" b="1" dirty="0"/>
                         </a:p>
                       </p:txBody>
                     </p:sp>
+                  </mc:Choice>
+                  <mc:Fallback>
+                    <p:sp>
+                      <p:nvSpPr>
+                        <p:cNvPr id="75" name="Rectangle 74"/>
+                        <p:cNvSpPr>
+                          <a:spLocks noRot="1" noChangeAspect="1" noMove="1" noResize="1" noEditPoints="1" noAdjustHandles="1" noChangeArrowheads="1" noChangeShapeType="1" noTextEdit="1"/>
+                        </p:cNvSpPr>
+                        <p:nvPr/>
+                      </p:nvSpPr>
+                      <p:spPr>
+                        <a:xfrm>
+                          <a:off x="2248346" y="823531"/>
+                          <a:ext cx="274320" cy="274320"/>
+                        </a:xfrm>
+                        <a:prstGeom prst="rect">
+                          <a:avLst/>
+                        </a:prstGeom>
+                        <a:blipFill rotWithShape="0">
+                          <a:blip r:embed="rId5"/>
+                          <a:stretch>
+                            <a:fillRect l="-6383"/>
+                          </a:stretch>
+                        </a:blipFill>
+                      </p:spPr>
+                      <p:txBody>
+                        <a:bodyPr/>
+                        <a:lstStyle/>
+                        <a:p>
+                          <a:r>
+                            <a:rPr lang="en-US">
+                              <a:noFill/>
+                            </a:rPr>
+                            <a:t> </a:t>
+                          </a:r>
+                        </a:p>
+                      </p:txBody>
+                    </p:sp>
+                  </mc:Fallback>
+                </mc:AlternateContent>
+                <mc:AlternateContent xmlns:mc="http://schemas.openxmlformats.org/markup-compatibility/2006">
+                  <mc:Choice xmlns:a14="http://schemas.microsoft.com/office/drawing/2010/main" Requires="a14">
+                    <p:sp>
+                      <p:nvSpPr>
+                        <p:cNvPr id="76" name="Rectangle 75"/>
+                        <p:cNvSpPr/>
+                        <p:nvPr/>
+                      </p:nvSpPr>
+                      <p:spPr>
+                        <a:xfrm>
+                          <a:off x="2235163" y="441301"/>
+                          <a:ext cx="274320" cy="274320"/>
+                        </a:xfrm>
+                        <a:prstGeom prst="rect">
+                          <a:avLst/>
+                        </a:prstGeom>
+                      </p:spPr>
+                      <p:style>
+                        <a:lnRef idx="2">
+                          <a:schemeClr val="dk1"/>
+                        </a:lnRef>
+                        <a:fillRef idx="1">
+                          <a:schemeClr val="lt1"/>
+                        </a:fillRef>
+                        <a:effectRef idx="0">
+                          <a:schemeClr val="dk1"/>
+                        </a:effectRef>
+                        <a:fontRef idx="minor">
+                          <a:schemeClr val="dk1"/>
+                        </a:fontRef>
+                      </p:style>
+                      <p:txBody>
+                        <a:bodyPr rtlCol="0" anchor="ctr"/>
+                        <a:lstStyle/>
+                        <a:p>
+                          <a:pPr algn="ctr"/>
+                          <a14:m>
+                            <m:oMathPara xmlns:m="http://schemas.openxmlformats.org/officeDocument/2006/math">
+                              <m:oMathParaPr>
+                                <m:jc m:val="centerGroup"/>
+                              </m:oMathParaPr>
+                              <m:oMath xmlns:m="http://schemas.openxmlformats.org/officeDocument/2006/math">
+                                <m:r>
+                                  <a:rPr lang="en-US" b="1" i="0" smtClean="0">
+                                    <a:latin typeface="Cambria Math" panose="02040503050406030204" pitchFamily="18" charset="0"/>
+                                  </a:rPr>
+                                  <m:t>µ</m:t>
+                                </m:r>
+                              </m:oMath>
+                            </m:oMathPara>
+                          </a14:m>
+                          <a:endParaRPr lang="en-US" b="1" dirty="0"/>
+                        </a:p>
+                      </p:txBody>
+                    </p:sp>
+                  </mc:Choice>
+                  <mc:Fallback>
+                    <p:sp>
+                      <p:nvSpPr>
+                        <p:cNvPr id="76" name="Rectangle 75"/>
+                        <p:cNvSpPr>
+                          <a:spLocks noRot="1" noChangeAspect="1" noMove="1" noResize="1" noEditPoints="1" noAdjustHandles="1" noChangeArrowheads="1" noChangeShapeType="1" noTextEdit="1"/>
+                        </p:cNvSpPr>
+                        <p:nvPr/>
+                      </p:nvSpPr>
+                      <p:spPr>
+                        <a:xfrm>
+                          <a:off x="2235163" y="441301"/>
+                          <a:ext cx="274320" cy="274320"/>
+                        </a:xfrm>
+                        <a:prstGeom prst="rect">
+                          <a:avLst/>
+                        </a:prstGeom>
+                        <a:blipFill rotWithShape="0">
+                          <a:blip r:embed="rId6"/>
+                          <a:stretch>
+                            <a:fillRect l="-8511" b="-19149"/>
+                          </a:stretch>
+                        </a:blipFill>
+                      </p:spPr>
+                      <p:txBody>
+                        <a:bodyPr/>
+                        <a:lstStyle/>
+                        <a:p>
+                          <a:r>
+                            <a:rPr lang="en-US">
+                              <a:noFill/>
+                            </a:rPr>
+                            <a:t> </a:t>
+                          </a:r>
+                        </a:p>
+                      </p:txBody>
+                    </p:sp>
+                  </mc:Fallback>
+                </mc:AlternateContent>
+              </p:grpSp>
+              <p:sp>
+                <p:nvSpPr>
+                  <p:cNvPr id="78" name="TextBox 77"/>
+                  <p:cNvSpPr txBox="1"/>
+                  <p:nvPr/>
+                </p:nvSpPr>
+                <p:spPr>
+                  <a:xfrm>
+                    <a:off x="9244080" y="3686897"/>
+                    <a:ext cx="1659802" cy="1061829"/>
+                  </a:xfrm>
+                  <a:prstGeom prst="rect">
+                    <a:avLst/>
+                  </a:prstGeom>
+                  <a:noFill/>
+                </p:spPr>
+                <p:txBody>
+                  <a:bodyPr wrap="square" rtlCol="0">
+                    <a:spAutoFit/>
+                  </a:bodyPr>
+                  <a:lstStyle/>
+                  <a:p>
+                    <a:pPr algn="ctr"/>
+                    <a:r>
+                      <a:rPr lang="en-US" sz="900" dirty="0" smtClean="0">
+                        <a:solidFill>
+                          <a:prstClr val="black"/>
+                        </a:solidFill>
+                      </a:rPr>
+                      <a:t>CCTGGGGGGT</a:t>
+                    </a:r>
+                  </a:p>
+                  <a:p>
+                    <a:pPr algn="ctr"/>
+                    <a:r>
+                      <a:rPr lang="en-US" sz="900" dirty="0" smtClean="0">
+                        <a:solidFill>
+                          <a:prstClr val="black"/>
+                        </a:solidFill>
+                      </a:rPr>
+                      <a:t>AAACCGGAGC</a:t>
+                    </a:r>
+                  </a:p>
+                  <a:p>
+                    <a:pPr algn="ctr"/>
+                    <a:r>
+                      <a:rPr lang="en-US" sz="900" dirty="0" smtClean="0">
+                        <a:solidFill>
+                          <a:prstClr val="black"/>
+                        </a:solidFill>
+                      </a:rPr>
+                      <a:t>AGCCGAAGTT</a:t>
+                    </a:r>
+                  </a:p>
+                  <a:p>
+                    <a:pPr algn="ctr"/>
+                    <a:r>
+                      <a:rPr lang="en-US" sz="900" dirty="0" smtClean="0">
+                        <a:solidFill>
+                          <a:prstClr val="black"/>
+                        </a:solidFill>
+                      </a:rPr>
+                      <a:t>.</a:t>
+                    </a:r>
+                  </a:p>
+                  <a:p>
+                    <a:pPr algn="ctr"/>
+                    <a:r>
+                      <a:rPr lang="en-US" sz="900" dirty="0" smtClean="0">
+                        <a:solidFill>
+                          <a:prstClr val="black"/>
+                        </a:solidFill>
+                      </a:rPr>
+                      <a:t>.</a:t>
+                    </a:r>
+                  </a:p>
+                  <a:p>
+                    <a:pPr algn="ctr"/>
+                    <a:r>
+                      <a:rPr lang="en-US" sz="900" dirty="0" smtClean="0">
+                        <a:solidFill>
+                          <a:prstClr val="black"/>
+                        </a:solidFill>
+                      </a:rPr>
+                      <a:t>.</a:t>
+                    </a:r>
+                  </a:p>
+                  <a:p>
+                    <a:pPr algn="ctr"/>
+                    <a:r>
+                      <a:rPr lang="en-US" sz="900" dirty="0" smtClean="0">
+                        <a:solidFill>
+                          <a:prstClr val="black"/>
+                        </a:solidFill>
+                      </a:rPr>
+                      <a:t>CAACGGGTCG</a:t>
+                    </a:r>
+                    <a:endParaRPr lang="en-US" sz="900" dirty="0">
+                      <a:solidFill>
+                        <a:prstClr val="black"/>
+                      </a:solidFill>
+                    </a:endParaRPr>
+                  </a:p>
+                </p:txBody>
+              </p:sp>
+              <p:sp>
+                <p:nvSpPr>
+                  <p:cNvPr id="79" name="Right Arrow 78"/>
+                  <p:cNvSpPr/>
+                  <p:nvPr/>
+                </p:nvSpPr>
+                <p:spPr>
+                  <a:xfrm>
+                    <a:off x="8891851" y="4032378"/>
+                    <a:ext cx="640080" cy="457200"/>
+                  </a:xfrm>
+                  <a:prstGeom prst="rightArrow">
+                    <a:avLst/>
+                  </a:prstGeom>
+                  <a:solidFill>
+                    <a:schemeClr val="accent1">
+                      <a:lumMod val="75000"/>
+                    </a:schemeClr>
+                  </a:solidFill>
+                </p:spPr>
+                <p:style>
+                  <a:lnRef idx="2">
+                    <a:schemeClr val="dk1">
+                      <a:shade val="50000"/>
+                    </a:schemeClr>
+                  </a:lnRef>
+                  <a:fillRef idx="1">
+                    <a:schemeClr val="dk1"/>
+                  </a:fillRef>
+                  <a:effectRef idx="0">
+                    <a:schemeClr val="dk1"/>
+                  </a:effectRef>
+                  <a:fontRef idx="minor">
+                    <a:schemeClr val="lt1"/>
+                  </a:fontRef>
+                </p:style>
+                <p:txBody>
+                  <a:bodyPr rtlCol="0" anchor="ctr"/>
+                  <a:lstStyle/>
+                  <a:p>
+                    <a:pPr algn="ctr"/>
+                    <a:r>
+                      <a:rPr lang="en-US" sz="1200" dirty="0" smtClean="0">
+                        <a:solidFill>
+                          <a:prstClr val="white"/>
+                        </a:solidFill>
+                      </a:rPr>
+                      <a:t>Rank</a:t>
+                    </a:r>
+                    <a:endParaRPr lang="en-US" sz="1200" dirty="0">
+                      <a:solidFill>
+                        <a:prstClr val="white"/>
+                      </a:solidFill>
+                    </a:endParaRPr>
+                  </a:p>
+                </p:txBody>
+              </p:sp>
+              <p:grpSp>
+                <p:nvGrpSpPr>
+                  <p:cNvPr id="21" name="Group 20"/>
+                  <p:cNvGrpSpPr/>
+                  <p:nvPr/>
+                </p:nvGrpSpPr>
+                <p:grpSpPr>
+                  <a:xfrm>
+                    <a:off x="9709516" y="5189169"/>
+                    <a:ext cx="731520" cy="457200"/>
+                    <a:chOff x="9757145" y="5618081"/>
+                    <a:chExt cx="731520" cy="457200"/>
+                  </a:xfrm>
+                </p:grpSpPr>
+                <p:sp>
+                  <p:nvSpPr>
+                    <p:cNvPr id="13" name="Snip and Round Single Corner Rectangle 12"/>
+                    <p:cNvSpPr/>
+                    <p:nvPr/>
+                  </p:nvSpPr>
+                  <p:spPr>
+                    <a:xfrm flipH="1">
+                      <a:off x="9757145" y="5618081"/>
+                      <a:ext cx="731520" cy="457200"/>
+                    </a:xfrm>
+                    <a:prstGeom prst="snipRoundRect">
+                      <a:avLst/>
+                    </a:prstGeom>
+                  </p:spPr>
+                  <p:style>
+                    <a:lnRef idx="1">
+                      <a:schemeClr val="accent3"/>
+                    </a:lnRef>
+                    <a:fillRef idx="2">
+                      <a:schemeClr val="accent3"/>
+                    </a:fillRef>
+                    <a:effectRef idx="1">
+                      <a:schemeClr val="accent3"/>
+                    </a:effectRef>
+                    <a:fontRef idx="minor">
+                      <a:schemeClr val="dk1"/>
+                    </a:fontRef>
+                  </p:style>
+                  <p:txBody>
+                    <a:bodyPr rtlCol="0" anchor="ctr"/>
+                    <a:lstStyle/>
+                    <a:p>
+                      <a:pPr algn="ctr"/>
+                      <a:endParaRPr lang="en-US"/>
+                    </a:p>
+                  </p:txBody>
+                </p:sp>
+                <p:grpSp>
+                  <p:nvGrpSpPr>
+                    <p:cNvPr id="20" name="Group 19"/>
+                    <p:cNvGrpSpPr/>
+                    <p:nvPr/>
+                  </p:nvGrpSpPr>
+                  <p:grpSpPr>
+                    <a:xfrm>
+                      <a:off x="9828754" y="5707794"/>
+                      <a:ext cx="588302" cy="277774"/>
+                      <a:chOff x="8212096" y="5568907"/>
+                      <a:chExt cx="588302" cy="277774"/>
+                    </a:xfrm>
+                  </p:grpSpPr>
+                  <p:grpSp>
+                    <p:nvGrpSpPr>
+                      <p:cNvPr id="18" name="Group 17"/>
+                      <p:cNvGrpSpPr/>
+                      <p:nvPr/>
+                    </p:nvGrpSpPr>
+                    <p:grpSpPr>
+                      <a:xfrm>
+                        <a:off x="8212096" y="5572361"/>
+                        <a:ext cx="338576" cy="274320"/>
+                        <a:chOff x="7325613" y="5558701"/>
+                        <a:chExt cx="338576" cy="274320"/>
+                      </a:xfrm>
+                    </p:grpSpPr>
                     <p:grpSp>
                       <p:nvGrpSpPr>
-                        <p:cNvPr id="20" name="Group 19"/>
+                        <p:cNvPr id="15" name="Group 14"/>
                         <p:cNvGrpSpPr/>
                         <p:nvPr/>
                       </p:nvGrpSpPr>
                       <p:grpSpPr>
                         <a:xfrm>
-                          <a:off x="9828754" y="5707794"/>
-                          <a:ext cx="588302" cy="277774"/>
-                          <a:chOff x="8212096" y="5568907"/>
-                          <a:chExt cx="588302" cy="277774"/>
+                          <a:off x="7449934" y="5558701"/>
+                          <a:ext cx="91440" cy="274320"/>
+                          <a:chOff x="914400" y="516835"/>
+                          <a:chExt cx="159026" cy="463826"/>
                         </a:xfrm>
                       </p:grpSpPr>
-                      <p:grpSp>
-                        <p:nvGrpSpPr>
-                          <p:cNvPr id="18" name="Group 17"/>
-                          <p:cNvGrpSpPr/>
+                      <p:sp>
+                        <p:nvSpPr>
+                          <p:cNvPr id="14" name="Oval 13"/>
+                          <p:cNvSpPr/>
                           <p:nvPr/>
-                        </p:nvGrpSpPr>
-                        <p:grpSpPr>
+                        </p:nvSpPr>
+                        <p:spPr>
                           <a:xfrm>
-                            <a:off x="8212096" y="5572361"/>
-                            <a:ext cx="338576" cy="274320"/>
-                            <a:chOff x="7325613" y="5558701"/>
-                            <a:chExt cx="338576" cy="274320"/>
+                            <a:off x="914400" y="516835"/>
+                            <a:ext cx="159026" cy="145774"/>
                           </a:xfrm>
-                        </p:grpSpPr>
-                        <p:grpSp>
-                          <p:nvGrpSpPr>
-                            <p:cNvPr id="15" name="Group 14"/>
-                            <p:cNvGrpSpPr/>
-                            <p:nvPr/>
-                          </p:nvGrpSpPr>
-                          <p:grpSpPr>
-                            <a:xfrm>
-                              <a:off x="7449934" y="5558701"/>
-                              <a:ext cx="91440" cy="274320"/>
-                              <a:chOff x="914400" y="516835"/>
-                              <a:chExt cx="159026" cy="463826"/>
-                            </a:xfrm>
-                          </p:grpSpPr>
-                          <p:sp>
-                            <p:nvSpPr>
-                              <p:cNvPr id="14" name="Oval 13"/>
-                              <p:cNvSpPr/>
-                              <p:nvPr/>
-                            </p:nvSpPr>
-                            <p:spPr>
-                              <a:xfrm>
-                                <a:off x="914400" y="516835"/>
-                                <a:ext cx="159026" cy="145774"/>
-                              </a:xfrm>
-                              <a:prstGeom prst="ellipse">
-                                <a:avLst/>
-                              </a:prstGeom>
-                            </p:spPr>
-                            <p:style>
-                              <a:lnRef idx="2">
-                                <a:schemeClr val="dk1"/>
-                              </a:lnRef>
-                              <a:fillRef idx="1">
-                                <a:schemeClr val="lt1"/>
-                              </a:fillRef>
-                              <a:effectRef idx="0">
-                                <a:schemeClr val="dk1"/>
-                              </a:effectRef>
-                              <a:fontRef idx="minor">
-                                <a:schemeClr val="dk1"/>
-                              </a:fontRef>
-                            </p:style>
-                            <p:txBody>
-                              <a:bodyPr rtlCol="0" anchor="ctr"/>
-                              <a:lstStyle/>
-                              <a:p>
-                                <a:pPr algn="ctr"/>
-                                <a:endParaRPr lang="en-US"/>
-                              </a:p>
-                            </p:txBody>
-                          </p:sp>
-                          <p:sp>
-                            <p:nvSpPr>
-                              <p:cNvPr id="90" name="Oval 89"/>
-                              <p:cNvSpPr/>
-                              <p:nvPr/>
-                            </p:nvSpPr>
-                            <p:spPr>
-                              <a:xfrm>
-                                <a:off x="914400" y="675861"/>
-                                <a:ext cx="159026" cy="145774"/>
-                              </a:xfrm>
-                              <a:prstGeom prst="ellipse">
-                                <a:avLst/>
-                              </a:prstGeom>
-                            </p:spPr>
-                            <p:style>
-                              <a:lnRef idx="2">
-                                <a:schemeClr val="dk1"/>
-                              </a:lnRef>
-                              <a:fillRef idx="1">
-                                <a:schemeClr val="lt1"/>
-                              </a:fillRef>
-                              <a:effectRef idx="0">
-                                <a:schemeClr val="dk1"/>
-                              </a:effectRef>
-                              <a:fontRef idx="minor">
-                                <a:schemeClr val="dk1"/>
-                              </a:fontRef>
-                            </p:style>
-                            <p:txBody>
-                              <a:bodyPr rtlCol="0" anchor="ctr"/>
-                              <a:lstStyle/>
-                              <a:p>
-                                <a:pPr algn="ctr"/>
-                                <a:endParaRPr lang="en-US"/>
-                              </a:p>
-                            </p:txBody>
-                          </p:sp>
-                          <p:sp>
-                            <p:nvSpPr>
-                              <p:cNvPr id="91" name="Oval 90"/>
-                              <p:cNvSpPr/>
-                              <p:nvPr/>
-                            </p:nvSpPr>
-                            <p:spPr>
-                              <a:xfrm>
-                                <a:off x="914400" y="834887"/>
-                                <a:ext cx="159026" cy="145774"/>
-                              </a:xfrm>
-                              <a:prstGeom prst="ellipse">
-                                <a:avLst/>
-                              </a:prstGeom>
-                            </p:spPr>
-                            <p:style>
-                              <a:lnRef idx="2">
-                                <a:schemeClr val="dk1"/>
-                              </a:lnRef>
-                              <a:fillRef idx="1">
-                                <a:schemeClr val="lt1"/>
-                              </a:fillRef>
-                              <a:effectRef idx="0">
-                                <a:schemeClr val="dk1"/>
-                              </a:effectRef>
-                              <a:fontRef idx="minor">
-                                <a:schemeClr val="dk1"/>
-                              </a:fontRef>
-                            </p:style>
-                            <p:txBody>
-                              <a:bodyPr rtlCol="0" anchor="ctr"/>
-                              <a:lstStyle/>
-                              <a:p>
-                                <a:pPr algn="ctr"/>
-                                <a:endParaRPr lang="en-US"/>
-                              </a:p>
-                            </p:txBody>
-                          </p:sp>
-                        </p:grpSp>
-                        <p:grpSp>
-                          <p:nvGrpSpPr>
-                            <p:cNvPr id="92" name="Group 91"/>
-                            <p:cNvGrpSpPr/>
-                            <p:nvPr/>
-                          </p:nvGrpSpPr>
-                          <p:grpSpPr>
-                            <a:xfrm>
-                              <a:off x="7325613" y="5558701"/>
-                              <a:ext cx="91440" cy="274320"/>
-                              <a:chOff x="914400" y="516835"/>
-                              <a:chExt cx="159026" cy="463826"/>
-                            </a:xfrm>
-                          </p:grpSpPr>
-                          <p:sp>
-                            <p:nvSpPr>
-                              <p:cNvPr id="93" name="Oval 92"/>
-                              <p:cNvSpPr/>
-                              <p:nvPr/>
-                            </p:nvSpPr>
-                            <p:spPr>
-                              <a:xfrm>
-                                <a:off x="914400" y="516835"/>
-                                <a:ext cx="159026" cy="145774"/>
-                              </a:xfrm>
-                              <a:prstGeom prst="ellipse">
-                                <a:avLst/>
-                              </a:prstGeom>
-                            </p:spPr>
-                            <p:style>
-                              <a:lnRef idx="2">
-                                <a:schemeClr val="dk1"/>
-                              </a:lnRef>
-                              <a:fillRef idx="1">
-                                <a:schemeClr val="lt1"/>
-                              </a:fillRef>
-                              <a:effectRef idx="0">
-                                <a:schemeClr val="dk1"/>
-                              </a:effectRef>
-                              <a:fontRef idx="minor">
-                                <a:schemeClr val="dk1"/>
-                              </a:fontRef>
-                            </p:style>
-                            <p:txBody>
-                              <a:bodyPr rtlCol="0" anchor="ctr"/>
-                              <a:lstStyle/>
-                              <a:p>
-                                <a:pPr algn="ctr"/>
-                                <a:endParaRPr lang="en-US"/>
-                              </a:p>
-                            </p:txBody>
-                          </p:sp>
-                          <p:sp>
-                            <p:nvSpPr>
-                              <p:cNvPr id="99" name="Oval 98"/>
-                              <p:cNvSpPr/>
-                              <p:nvPr/>
-                            </p:nvSpPr>
-                            <p:spPr>
-                              <a:xfrm>
-                                <a:off x="914400" y="675861"/>
-                                <a:ext cx="159026" cy="145774"/>
-                              </a:xfrm>
-                              <a:prstGeom prst="ellipse">
-                                <a:avLst/>
-                              </a:prstGeom>
-                            </p:spPr>
-                            <p:style>
-                              <a:lnRef idx="2">
-                                <a:schemeClr val="dk1"/>
-                              </a:lnRef>
-                              <a:fillRef idx="1">
-                                <a:schemeClr val="lt1"/>
-                              </a:fillRef>
-                              <a:effectRef idx="0">
-                                <a:schemeClr val="dk1"/>
-                              </a:effectRef>
-                              <a:fontRef idx="minor">
-                                <a:schemeClr val="dk1"/>
-                              </a:fontRef>
-                            </p:style>
-                            <p:txBody>
-                              <a:bodyPr rtlCol="0" anchor="ctr"/>
-                              <a:lstStyle/>
-                              <a:p>
-                                <a:pPr algn="ctr"/>
-                                <a:endParaRPr lang="en-US"/>
-                              </a:p>
-                            </p:txBody>
-                          </p:sp>
-                          <p:sp>
-                            <p:nvSpPr>
-                              <p:cNvPr id="100" name="Oval 99"/>
-                              <p:cNvSpPr/>
-                              <p:nvPr/>
-                            </p:nvSpPr>
-                            <p:spPr>
-                              <a:xfrm>
-                                <a:off x="914400" y="834887"/>
-                                <a:ext cx="159026" cy="145774"/>
-                              </a:xfrm>
-                              <a:prstGeom prst="ellipse">
-                                <a:avLst/>
-                              </a:prstGeom>
-                            </p:spPr>
-                            <p:style>
-                              <a:lnRef idx="2">
-                                <a:schemeClr val="dk1"/>
-                              </a:lnRef>
-                              <a:fillRef idx="1">
-                                <a:schemeClr val="lt1"/>
-                              </a:fillRef>
-                              <a:effectRef idx="0">
-                                <a:schemeClr val="dk1"/>
-                              </a:effectRef>
-                              <a:fontRef idx="minor">
-                                <a:schemeClr val="dk1"/>
-                              </a:fontRef>
-                            </p:style>
-                            <p:txBody>
-                              <a:bodyPr rtlCol="0" anchor="ctr"/>
-                              <a:lstStyle/>
-                              <a:p>
-                                <a:pPr algn="ctr"/>
-                                <a:endParaRPr lang="en-US"/>
-                              </a:p>
-                            </p:txBody>
-                          </p:sp>
-                        </p:grpSp>
-                        <p:grpSp>
-                          <p:nvGrpSpPr>
-                            <p:cNvPr id="101" name="Group 100"/>
-                            <p:cNvGrpSpPr/>
-                            <p:nvPr/>
-                          </p:nvGrpSpPr>
-                          <p:grpSpPr>
-                            <a:xfrm>
-                              <a:off x="7572749" y="5558701"/>
-                              <a:ext cx="91440" cy="274320"/>
-                              <a:chOff x="914400" y="516835"/>
-                              <a:chExt cx="159026" cy="463826"/>
-                            </a:xfrm>
-                          </p:grpSpPr>
-                          <p:sp>
-                            <p:nvSpPr>
-                              <p:cNvPr id="102" name="Oval 101"/>
-                              <p:cNvSpPr/>
-                              <p:nvPr/>
-                            </p:nvSpPr>
-                            <p:spPr>
-                              <a:xfrm>
-                                <a:off x="914400" y="516835"/>
-                                <a:ext cx="159026" cy="145774"/>
-                              </a:xfrm>
-                              <a:prstGeom prst="ellipse">
-                                <a:avLst/>
-                              </a:prstGeom>
-                            </p:spPr>
-                            <p:style>
-                              <a:lnRef idx="2">
-                                <a:schemeClr val="dk1"/>
-                              </a:lnRef>
-                              <a:fillRef idx="1">
-                                <a:schemeClr val="lt1"/>
-                              </a:fillRef>
-                              <a:effectRef idx="0">
-                                <a:schemeClr val="dk1"/>
-                              </a:effectRef>
-                              <a:fontRef idx="minor">
-                                <a:schemeClr val="dk1"/>
-                              </a:fontRef>
-                            </p:style>
-                            <p:txBody>
-                              <a:bodyPr rtlCol="0" anchor="ctr"/>
-                              <a:lstStyle/>
-                              <a:p>
-                                <a:pPr algn="ctr"/>
-                                <a:endParaRPr lang="en-US"/>
-                              </a:p>
-                            </p:txBody>
-                          </p:sp>
-                          <p:sp>
-                            <p:nvSpPr>
-                              <p:cNvPr id="103" name="Oval 102"/>
-                              <p:cNvSpPr/>
-                              <p:nvPr/>
-                            </p:nvSpPr>
-                            <p:spPr>
-                              <a:xfrm>
-                                <a:off x="914400" y="675861"/>
-                                <a:ext cx="159026" cy="145774"/>
-                              </a:xfrm>
-                              <a:prstGeom prst="ellipse">
-                                <a:avLst/>
-                              </a:prstGeom>
-                            </p:spPr>
-                            <p:style>
-                              <a:lnRef idx="2">
-                                <a:schemeClr val="dk1"/>
-                              </a:lnRef>
-                              <a:fillRef idx="1">
-                                <a:schemeClr val="lt1"/>
-                              </a:fillRef>
-                              <a:effectRef idx="0">
-                                <a:schemeClr val="dk1"/>
-                              </a:effectRef>
-                              <a:fontRef idx="minor">
-                                <a:schemeClr val="dk1"/>
-                              </a:fontRef>
-                            </p:style>
-                            <p:txBody>
-                              <a:bodyPr rtlCol="0" anchor="ctr"/>
-                              <a:lstStyle/>
-                              <a:p>
-                                <a:pPr algn="ctr"/>
-                                <a:endParaRPr lang="en-US"/>
-                              </a:p>
-                            </p:txBody>
-                          </p:sp>
-                          <p:sp>
-                            <p:nvSpPr>
-                              <p:cNvPr id="104" name="Oval 103"/>
-                              <p:cNvSpPr/>
-                              <p:nvPr/>
-                            </p:nvSpPr>
-                            <p:spPr>
-                              <a:xfrm>
-                                <a:off x="914400" y="834887"/>
-                                <a:ext cx="159026" cy="145774"/>
-                              </a:xfrm>
-                              <a:prstGeom prst="ellipse">
-                                <a:avLst/>
-                              </a:prstGeom>
-                            </p:spPr>
-                            <p:style>
-                              <a:lnRef idx="2">
-                                <a:schemeClr val="dk1"/>
-                              </a:lnRef>
-                              <a:fillRef idx="1">
-                                <a:schemeClr val="lt1"/>
-                              </a:fillRef>
-                              <a:effectRef idx="0">
-                                <a:schemeClr val="dk1"/>
-                              </a:effectRef>
-                              <a:fontRef idx="minor">
-                                <a:schemeClr val="dk1"/>
-                              </a:fontRef>
-                            </p:style>
-                            <p:txBody>
-                              <a:bodyPr rtlCol="0" anchor="ctr"/>
-                              <a:lstStyle/>
-                              <a:p>
-                                <a:pPr algn="ctr"/>
-                                <a:endParaRPr lang="en-US"/>
-                              </a:p>
-                            </p:txBody>
-                          </p:sp>
-                        </p:grpSp>
-                      </p:grpSp>
-                      <p:grpSp>
-                        <p:nvGrpSpPr>
-                          <p:cNvPr id="109" name="Group 108"/>
-                          <p:cNvGrpSpPr/>
+                          <a:prstGeom prst="ellipse">
+                            <a:avLst/>
+                          </a:prstGeom>
+                        </p:spPr>
+                        <p:style>
+                          <a:lnRef idx="2">
+                            <a:schemeClr val="dk1"/>
+                          </a:lnRef>
+                          <a:fillRef idx="1">
+                            <a:schemeClr val="lt1"/>
+                          </a:fillRef>
+                          <a:effectRef idx="0">
+                            <a:schemeClr val="dk1"/>
+                          </a:effectRef>
+                          <a:fontRef idx="minor">
+                            <a:schemeClr val="dk1"/>
+                          </a:fontRef>
+                        </p:style>
+                        <p:txBody>
+                          <a:bodyPr rtlCol="0" anchor="ctr"/>
+                          <a:lstStyle/>
+                          <a:p>
+                            <a:pPr algn="ctr"/>
+                            <a:endParaRPr lang="en-US"/>
+                          </a:p>
+                        </p:txBody>
+                      </p:sp>
+                      <p:sp>
+                        <p:nvSpPr>
+                          <p:cNvPr id="90" name="Oval 89"/>
+                          <p:cNvSpPr/>
                           <p:nvPr/>
-                        </p:nvGrpSpPr>
-                        <p:grpSpPr>
+                        </p:nvSpPr>
+                        <p:spPr>
                           <a:xfrm>
-                            <a:off x="8584637" y="5568907"/>
-                            <a:ext cx="215761" cy="274322"/>
-                            <a:chOff x="7325613" y="5558701"/>
-                            <a:chExt cx="215761" cy="274322"/>
+                            <a:off x="914400" y="675861"/>
+                            <a:ext cx="159026" cy="145774"/>
                           </a:xfrm>
-                        </p:grpSpPr>
-                        <p:grpSp>
-                          <p:nvGrpSpPr>
-                            <p:cNvPr id="110" name="Group 109"/>
-                            <p:cNvGrpSpPr/>
-                            <p:nvPr/>
-                          </p:nvGrpSpPr>
-                          <p:grpSpPr>
-                            <a:xfrm>
-                              <a:off x="7449934" y="5558702"/>
-                              <a:ext cx="91440" cy="274321"/>
-                              <a:chOff x="914400" y="516835"/>
-                              <a:chExt cx="159026" cy="463826"/>
-                            </a:xfrm>
-                          </p:grpSpPr>
-                          <p:sp>
-                            <p:nvSpPr>
-                              <p:cNvPr id="119" name="Oval 118"/>
-                              <p:cNvSpPr/>
-                              <p:nvPr/>
-                            </p:nvSpPr>
-                            <p:spPr>
-                              <a:xfrm>
-                                <a:off x="914400" y="516835"/>
-                                <a:ext cx="159026" cy="145774"/>
-                              </a:xfrm>
-                              <a:prstGeom prst="ellipse">
-                                <a:avLst/>
-                              </a:prstGeom>
-                            </p:spPr>
-                            <p:style>
-                              <a:lnRef idx="2">
-                                <a:schemeClr val="dk1"/>
-                              </a:lnRef>
-                              <a:fillRef idx="1">
-                                <a:schemeClr val="lt1"/>
-                              </a:fillRef>
-                              <a:effectRef idx="0">
-                                <a:schemeClr val="dk1"/>
-                              </a:effectRef>
-                              <a:fontRef idx="minor">
-                                <a:schemeClr val="dk1"/>
-                              </a:fontRef>
-                            </p:style>
-                            <p:txBody>
-                              <a:bodyPr rtlCol="0" anchor="ctr"/>
-                              <a:lstStyle/>
-                              <a:p>
-                                <a:pPr algn="ctr"/>
-                                <a:endParaRPr lang="en-US"/>
-                              </a:p>
-                            </p:txBody>
-                          </p:sp>
-                          <p:sp>
-                            <p:nvSpPr>
-                              <p:cNvPr id="120" name="Oval 119"/>
-                              <p:cNvSpPr/>
-                              <p:nvPr/>
-                            </p:nvSpPr>
-                            <p:spPr>
-                              <a:xfrm>
-                                <a:off x="914400" y="675861"/>
-                                <a:ext cx="159026" cy="145774"/>
-                              </a:xfrm>
-                              <a:prstGeom prst="ellipse">
-                                <a:avLst/>
-                              </a:prstGeom>
-                            </p:spPr>
-                            <p:style>
-                              <a:lnRef idx="2">
-                                <a:schemeClr val="dk1"/>
-                              </a:lnRef>
-                              <a:fillRef idx="1">
-                                <a:schemeClr val="lt1"/>
-                              </a:fillRef>
-                              <a:effectRef idx="0">
-                                <a:schemeClr val="dk1"/>
-                              </a:effectRef>
-                              <a:fontRef idx="minor">
-                                <a:schemeClr val="dk1"/>
-                              </a:fontRef>
-                            </p:style>
-                            <p:txBody>
-                              <a:bodyPr rtlCol="0" anchor="ctr"/>
-                              <a:lstStyle/>
-                              <a:p>
-                                <a:pPr algn="ctr"/>
-                                <a:endParaRPr lang="en-US"/>
-                              </a:p>
-                            </p:txBody>
-                          </p:sp>
-                          <p:sp>
-                            <p:nvSpPr>
-                              <p:cNvPr id="121" name="Oval 120"/>
-                              <p:cNvSpPr/>
-                              <p:nvPr/>
-                            </p:nvSpPr>
-                            <p:spPr>
-                              <a:xfrm>
-                                <a:off x="914400" y="834887"/>
-                                <a:ext cx="159026" cy="145774"/>
-                              </a:xfrm>
-                              <a:prstGeom prst="ellipse">
-                                <a:avLst/>
-                              </a:prstGeom>
-                            </p:spPr>
-                            <p:style>
-                              <a:lnRef idx="2">
-                                <a:schemeClr val="dk1"/>
-                              </a:lnRef>
-                              <a:fillRef idx="1">
-                                <a:schemeClr val="lt1"/>
-                              </a:fillRef>
-                              <a:effectRef idx="0">
-                                <a:schemeClr val="dk1"/>
-                              </a:effectRef>
-                              <a:fontRef idx="minor">
-                                <a:schemeClr val="dk1"/>
-                              </a:fontRef>
-                            </p:style>
-                            <p:txBody>
-                              <a:bodyPr rtlCol="0" anchor="ctr"/>
-                              <a:lstStyle/>
-                              <a:p>
-                                <a:pPr algn="ctr"/>
-                                <a:endParaRPr lang="en-US"/>
-                              </a:p>
-                            </p:txBody>
-                          </p:sp>
-                        </p:grpSp>
-                        <p:grpSp>
-                          <p:nvGrpSpPr>
-                            <p:cNvPr id="111" name="Group 110"/>
-                            <p:cNvGrpSpPr/>
-                            <p:nvPr/>
-                          </p:nvGrpSpPr>
-                          <p:grpSpPr>
-                            <a:xfrm>
-                              <a:off x="7325613" y="5558701"/>
-                              <a:ext cx="91440" cy="274320"/>
-                              <a:chOff x="914400" y="516835"/>
-                              <a:chExt cx="159026" cy="463826"/>
-                            </a:xfrm>
-                          </p:grpSpPr>
-                          <p:sp>
-                            <p:nvSpPr>
-                              <p:cNvPr id="116" name="Oval 115"/>
-                              <p:cNvSpPr/>
-                              <p:nvPr/>
-                            </p:nvSpPr>
-                            <p:spPr>
-                              <a:xfrm>
-                                <a:off x="914400" y="516835"/>
-                                <a:ext cx="159026" cy="145774"/>
-                              </a:xfrm>
-                              <a:prstGeom prst="ellipse">
-                                <a:avLst/>
-                              </a:prstGeom>
-                            </p:spPr>
-                            <p:style>
-                              <a:lnRef idx="2">
-                                <a:schemeClr val="dk1"/>
-                              </a:lnRef>
-                              <a:fillRef idx="1">
-                                <a:schemeClr val="lt1"/>
-                              </a:fillRef>
-                              <a:effectRef idx="0">
-                                <a:schemeClr val="dk1"/>
-                              </a:effectRef>
-                              <a:fontRef idx="minor">
-                                <a:schemeClr val="dk1"/>
-                              </a:fontRef>
-                            </p:style>
-                            <p:txBody>
-                              <a:bodyPr rtlCol="0" anchor="ctr"/>
-                              <a:lstStyle/>
-                              <a:p>
-                                <a:pPr algn="ctr"/>
-                                <a:endParaRPr lang="en-US"/>
-                              </a:p>
-                            </p:txBody>
-                          </p:sp>
-                          <p:sp>
-                            <p:nvSpPr>
-                              <p:cNvPr id="117" name="Oval 116"/>
-                              <p:cNvSpPr/>
-                              <p:nvPr/>
-                            </p:nvSpPr>
-                            <p:spPr>
-                              <a:xfrm>
-                                <a:off x="914400" y="675861"/>
-                                <a:ext cx="159026" cy="145774"/>
-                              </a:xfrm>
-                              <a:prstGeom prst="ellipse">
-                                <a:avLst/>
-                              </a:prstGeom>
-                            </p:spPr>
-                            <p:style>
-                              <a:lnRef idx="2">
-                                <a:schemeClr val="dk1"/>
-                              </a:lnRef>
-                              <a:fillRef idx="1">
-                                <a:schemeClr val="lt1"/>
-                              </a:fillRef>
-                              <a:effectRef idx="0">
-                                <a:schemeClr val="dk1"/>
-                              </a:effectRef>
-                              <a:fontRef idx="minor">
-                                <a:schemeClr val="dk1"/>
-                              </a:fontRef>
-                            </p:style>
-                            <p:txBody>
-                              <a:bodyPr rtlCol="0" anchor="ctr"/>
-                              <a:lstStyle/>
-                              <a:p>
-                                <a:pPr algn="ctr"/>
-                                <a:endParaRPr lang="en-US"/>
-                              </a:p>
-                            </p:txBody>
-                          </p:sp>
-                          <p:sp>
-                            <p:nvSpPr>
-                              <p:cNvPr id="118" name="Oval 117"/>
-                              <p:cNvSpPr/>
-                              <p:nvPr/>
-                            </p:nvSpPr>
-                            <p:spPr>
-                              <a:xfrm>
-                                <a:off x="914400" y="834887"/>
-                                <a:ext cx="159026" cy="145774"/>
-                              </a:xfrm>
-                              <a:prstGeom prst="ellipse">
-                                <a:avLst/>
-                              </a:prstGeom>
-                            </p:spPr>
-                            <p:style>
-                              <a:lnRef idx="2">
-                                <a:schemeClr val="dk1"/>
-                              </a:lnRef>
-                              <a:fillRef idx="1">
-                                <a:schemeClr val="lt1"/>
-                              </a:fillRef>
-                              <a:effectRef idx="0">
-                                <a:schemeClr val="dk1"/>
-                              </a:effectRef>
-                              <a:fontRef idx="minor">
-                                <a:schemeClr val="dk1"/>
-                              </a:fontRef>
-                            </p:style>
-                            <p:txBody>
-                              <a:bodyPr rtlCol="0" anchor="ctr"/>
-                              <a:lstStyle/>
-                              <a:p>
-                                <a:pPr algn="ctr"/>
-                                <a:endParaRPr lang="en-US"/>
-                              </a:p>
-                            </p:txBody>
-                          </p:sp>
-                        </p:grpSp>
-                      </p:grpSp>
+                          <a:prstGeom prst="ellipse">
+                            <a:avLst/>
+                          </a:prstGeom>
+                        </p:spPr>
+                        <p:style>
+                          <a:lnRef idx="2">
+                            <a:schemeClr val="dk1"/>
+                          </a:lnRef>
+                          <a:fillRef idx="1">
+                            <a:schemeClr val="lt1"/>
+                          </a:fillRef>
+                          <a:effectRef idx="0">
+                            <a:schemeClr val="dk1"/>
+                          </a:effectRef>
+                          <a:fontRef idx="minor">
+                            <a:schemeClr val="dk1"/>
+                          </a:fontRef>
+                        </p:style>
+                        <p:txBody>
+                          <a:bodyPr rtlCol="0" anchor="ctr"/>
+                          <a:lstStyle/>
+                          <a:p>
+                            <a:pPr algn="ctr"/>
+                            <a:endParaRPr lang="en-US"/>
+                          </a:p>
+                        </p:txBody>
+                      </p:sp>
+                      <p:sp>
+                        <p:nvSpPr>
+                          <p:cNvPr id="91" name="Oval 90"/>
+                          <p:cNvSpPr/>
+                          <p:nvPr/>
+                        </p:nvSpPr>
+                        <p:spPr>
+                          <a:xfrm>
+                            <a:off x="914400" y="834887"/>
+                            <a:ext cx="159026" cy="145774"/>
+                          </a:xfrm>
+                          <a:prstGeom prst="ellipse">
+                            <a:avLst/>
+                          </a:prstGeom>
+                        </p:spPr>
+                        <p:style>
+                          <a:lnRef idx="2">
+                            <a:schemeClr val="dk1"/>
+                          </a:lnRef>
+                          <a:fillRef idx="1">
+                            <a:schemeClr val="lt1"/>
+                          </a:fillRef>
+                          <a:effectRef idx="0">
+                            <a:schemeClr val="dk1"/>
+                          </a:effectRef>
+                          <a:fontRef idx="minor">
+                            <a:schemeClr val="dk1"/>
+                          </a:fontRef>
+                        </p:style>
+                        <p:txBody>
+                          <a:bodyPr rtlCol="0" anchor="ctr"/>
+                          <a:lstStyle/>
+                          <a:p>
+                            <a:pPr algn="ctr"/>
+                            <a:endParaRPr lang="en-US"/>
+                          </a:p>
+                        </p:txBody>
+                      </p:sp>
+                    </p:grpSp>
+                    <p:grpSp>
+                      <p:nvGrpSpPr>
+                        <p:cNvPr id="92" name="Group 91"/>
+                        <p:cNvGrpSpPr/>
+                        <p:nvPr/>
+                      </p:nvGrpSpPr>
+                      <p:grpSpPr>
+                        <a:xfrm>
+                          <a:off x="7325613" y="5558701"/>
+                          <a:ext cx="91440" cy="274320"/>
+                          <a:chOff x="914400" y="516835"/>
+                          <a:chExt cx="159026" cy="463826"/>
+                        </a:xfrm>
+                      </p:grpSpPr>
+                      <p:sp>
+                        <p:nvSpPr>
+                          <p:cNvPr id="93" name="Oval 92"/>
+                          <p:cNvSpPr/>
+                          <p:nvPr/>
+                        </p:nvSpPr>
+                        <p:spPr>
+                          <a:xfrm>
+                            <a:off x="914400" y="516835"/>
+                            <a:ext cx="159026" cy="145774"/>
+                          </a:xfrm>
+                          <a:prstGeom prst="ellipse">
+                            <a:avLst/>
+                          </a:prstGeom>
+                        </p:spPr>
+                        <p:style>
+                          <a:lnRef idx="2">
+                            <a:schemeClr val="dk1"/>
+                          </a:lnRef>
+                          <a:fillRef idx="1">
+                            <a:schemeClr val="lt1"/>
+                          </a:fillRef>
+                          <a:effectRef idx="0">
+                            <a:schemeClr val="dk1"/>
+                          </a:effectRef>
+                          <a:fontRef idx="minor">
+                            <a:schemeClr val="dk1"/>
+                          </a:fontRef>
+                        </p:style>
+                        <p:txBody>
+                          <a:bodyPr rtlCol="0" anchor="ctr"/>
+                          <a:lstStyle/>
+                          <a:p>
+                            <a:pPr algn="ctr"/>
+                            <a:endParaRPr lang="en-US"/>
+                          </a:p>
+                        </p:txBody>
+                      </p:sp>
+                      <p:sp>
+                        <p:nvSpPr>
+                          <p:cNvPr id="99" name="Oval 98"/>
+                          <p:cNvSpPr/>
+                          <p:nvPr/>
+                        </p:nvSpPr>
+                        <p:spPr>
+                          <a:xfrm>
+                            <a:off x="914400" y="675861"/>
+                            <a:ext cx="159026" cy="145774"/>
+                          </a:xfrm>
+                          <a:prstGeom prst="ellipse">
+                            <a:avLst/>
+                          </a:prstGeom>
+                        </p:spPr>
+                        <p:style>
+                          <a:lnRef idx="2">
+                            <a:schemeClr val="dk1"/>
+                          </a:lnRef>
+                          <a:fillRef idx="1">
+                            <a:schemeClr val="lt1"/>
+                          </a:fillRef>
+                          <a:effectRef idx="0">
+                            <a:schemeClr val="dk1"/>
+                          </a:effectRef>
+                          <a:fontRef idx="minor">
+                            <a:schemeClr val="dk1"/>
+                          </a:fontRef>
+                        </p:style>
+                        <p:txBody>
+                          <a:bodyPr rtlCol="0" anchor="ctr"/>
+                          <a:lstStyle/>
+                          <a:p>
+                            <a:pPr algn="ctr"/>
+                            <a:endParaRPr lang="en-US"/>
+                          </a:p>
+                        </p:txBody>
+                      </p:sp>
+                      <p:sp>
+                        <p:nvSpPr>
+                          <p:cNvPr id="100" name="Oval 99"/>
+                          <p:cNvSpPr/>
+                          <p:nvPr/>
+                        </p:nvSpPr>
+                        <p:spPr>
+                          <a:xfrm>
+                            <a:off x="914400" y="834887"/>
+                            <a:ext cx="159026" cy="145774"/>
+                          </a:xfrm>
+                          <a:prstGeom prst="ellipse">
+                            <a:avLst/>
+                          </a:prstGeom>
+                        </p:spPr>
+                        <p:style>
+                          <a:lnRef idx="2">
+                            <a:schemeClr val="dk1"/>
+                          </a:lnRef>
+                          <a:fillRef idx="1">
+                            <a:schemeClr val="lt1"/>
+                          </a:fillRef>
+                          <a:effectRef idx="0">
+                            <a:schemeClr val="dk1"/>
+                          </a:effectRef>
+                          <a:fontRef idx="minor">
+                            <a:schemeClr val="dk1"/>
+                          </a:fontRef>
+                        </p:style>
+                        <p:txBody>
+                          <a:bodyPr rtlCol="0" anchor="ctr"/>
+                          <a:lstStyle/>
+                          <a:p>
+                            <a:pPr algn="ctr"/>
+                            <a:endParaRPr lang="en-US"/>
+                          </a:p>
+                        </p:txBody>
+                      </p:sp>
+                    </p:grpSp>
+                    <p:grpSp>
+                      <p:nvGrpSpPr>
+                        <p:cNvPr id="101" name="Group 100"/>
+                        <p:cNvGrpSpPr/>
+                        <p:nvPr/>
+                      </p:nvGrpSpPr>
+                      <p:grpSpPr>
+                        <a:xfrm>
+                          <a:off x="7572749" y="5558701"/>
+                          <a:ext cx="91440" cy="274320"/>
+                          <a:chOff x="914400" y="516835"/>
+                          <a:chExt cx="159026" cy="463826"/>
+                        </a:xfrm>
+                      </p:grpSpPr>
+                      <p:sp>
+                        <p:nvSpPr>
+                          <p:cNvPr id="102" name="Oval 101"/>
+                          <p:cNvSpPr/>
+                          <p:nvPr/>
+                        </p:nvSpPr>
+                        <p:spPr>
+                          <a:xfrm>
+                            <a:off x="914400" y="516835"/>
+                            <a:ext cx="159026" cy="145774"/>
+                          </a:xfrm>
+                          <a:prstGeom prst="ellipse">
+                            <a:avLst/>
+                          </a:prstGeom>
+                        </p:spPr>
+                        <p:style>
+                          <a:lnRef idx="2">
+                            <a:schemeClr val="dk1"/>
+                          </a:lnRef>
+                          <a:fillRef idx="1">
+                            <a:schemeClr val="lt1"/>
+                          </a:fillRef>
+                          <a:effectRef idx="0">
+                            <a:schemeClr val="dk1"/>
+                          </a:effectRef>
+                          <a:fontRef idx="minor">
+                            <a:schemeClr val="dk1"/>
+                          </a:fontRef>
+                        </p:style>
+                        <p:txBody>
+                          <a:bodyPr rtlCol="0" anchor="ctr"/>
+                          <a:lstStyle/>
+                          <a:p>
+                            <a:pPr algn="ctr"/>
+                            <a:endParaRPr lang="en-US"/>
+                          </a:p>
+                        </p:txBody>
+                      </p:sp>
+                      <p:sp>
+                        <p:nvSpPr>
+                          <p:cNvPr id="103" name="Oval 102"/>
+                          <p:cNvSpPr/>
+                          <p:nvPr/>
+                        </p:nvSpPr>
+                        <p:spPr>
+                          <a:xfrm>
+                            <a:off x="914400" y="675861"/>
+                            <a:ext cx="159026" cy="145774"/>
+                          </a:xfrm>
+                          <a:prstGeom prst="ellipse">
+                            <a:avLst/>
+                          </a:prstGeom>
+                        </p:spPr>
+                        <p:style>
+                          <a:lnRef idx="2">
+                            <a:schemeClr val="dk1"/>
+                          </a:lnRef>
+                          <a:fillRef idx="1">
+                            <a:schemeClr val="lt1"/>
+                          </a:fillRef>
+                          <a:effectRef idx="0">
+                            <a:schemeClr val="dk1"/>
+                          </a:effectRef>
+                          <a:fontRef idx="minor">
+                            <a:schemeClr val="dk1"/>
+                          </a:fontRef>
+                        </p:style>
+                        <p:txBody>
+                          <a:bodyPr rtlCol="0" anchor="ctr"/>
+                          <a:lstStyle/>
+                          <a:p>
+                            <a:pPr algn="ctr"/>
+                            <a:endParaRPr lang="en-US"/>
+                          </a:p>
+                        </p:txBody>
+                      </p:sp>
+                      <p:sp>
+                        <p:nvSpPr>
+                          <p:cNvPr id="104" name="Oval 103"/>
+                          <p:cNvSpPr/>
+                          <p:nvPr/>
+                        </p:nvSpPr>
+                        <p:spPr>
+                          <a:xfrm>
+                            <a:off x="914400" y="834887"/>
+                            <a:ext cx="159026" cy="145774"/>
+                          </a:xfrm>
+                          <a:prstGeom prst="ellipse">
+                            <a:avLst/>
+                          </a:prstGeom>
+                        </p:spPr>
+                        <p:style>
+                          <a:lnRef idx="2">
+                            <a:schemeClr val="dk1"/>
+                          </a:lnRef>
+                          <a:fillRef idx="1">
+                            <a:schemeClr val="lt1"/>
+                          </a:fillRef>
+                          <a:effectRef idx="0">
+                            <a:schemeClr val="dk1"/>
+                          </a:effectRef>
+                          <a:fontRef idx="minor">
+                            <a:schemeClr val="dk1"/>
+                          </a:fontRef>
+                        </p:style>
+                        <p:txBody>
+                          <a:bodyPr rtlCol="0" anchor="ctr"/>
+                          <a:lstStyle/>
+                          <a:p>
+                            <a:pPr algn="ctr"/>
+                            <a:endParaRPr lang="en-US"/>
+                          </a:p>
+                        </p:txBody>
+                      </p:sp>
                     </p:grpSp>
                   </p:grpSp>
-                  <p:sp>
-                    <p:nvSpPr>
-                      <p:cNvPr id="122" name="TextBox 121"/>
-                      <p:cNvSpPr txBox="1"/>
+                  <p:grpSp>
+                    <p:nvGrpSpPr>
+                      <p:cNvPr id="109" name="Group 108"/>
+                      <p:cNvGrpSpPr/>
                       <p:nvPr/>
-                    </p:nvSpPr>
-                    <p:spPr>
+                    </p:nvGrpSpPr>
+                    <p:grpSpPr>
                       <a:xfrm>
-                        <a:off x="9305536" y="5737996"/>
-                        <a:ext cx="1539480" cy="388998"/>
+                        <a:off x="8584637" y="5568907"/>
+                        <a:ext cx="215761" cy="274322"/>
+                        <a:chOff x="7325613" y="5558701"/>
+                        <a:chExt cx="215761" cy="274322"/>
                       </a:xfrm>
-                      <a:prstGeom prst="rect">
-                        <a:avLst/>
-                      </a:prstGeom>
-                      <a:noFill/>
-                    </p:spPr>
-                    <p:txBody>
-                      <a:bodyPr vert="horz" wrap="square" rtlCol="0" anchor="ctr" anchorCtr="0">
-                        <a:noAutofit/>
-                      </a:bodyPr>
-                      <a:lstStyle/>
-                      <a:p>
-                        <a:pPr algn="ctr"/>
-                        <a:r>
-                          <a:rPr lang="en-US" sz="1200" b="1" dirty="0" smtClean="0">
-                            <a:solidFill>
-                              <a:prstClr val="black"/>
-                            </a:solidFill>
-                            <a:latin typeface="Arial" panose="020B0604020202020204" pitchFamily="34" charset="0"/>
-                            <a:cs typeface="Arial" panose="020B0604020202020204" pitchFamily="34" charset="0"/>
-                          </a:rPr>
-                          <a:t>Wet Lab Validation</a:t>
-                        </a:r>
-                        <a:endParaRPr lang="en-US" sz="1200" b="1" dirty="0">
-                          <a:solidFill>
-                            <a:prstClr val="black"/>
-                          </a:solidFill>
-                          <a:latin typeface="Arial" panose="020B0604020202020204" pitchFamily="34" charset="0"/>
-                          <a:cs typeface="Arial" panose="020B0604020202020204" pitchFamily="34" charset="0"/>
-                        </a:endParaRPr>
-                      </a:p>
-                    </p:txBody>
-                  </p:sp>
-                  <p:sp>
-                    <p:nvSpPr>
-                      <p:cNvPr id="123" name="Right Arrow 122"/>
-                      <p:cNvSpPr/>
-                      <p:nvPr/>
-                    </p:nvSpPr>
-                    <p:spPr>
-                      <a:xfrm rot="5400000">
-                        <a:off x="10028670" y="4878068"/>
-                        <a:ext cx="131908" cy="195476"/>
-                      </a:xfrm>
-                      <a:prstGeom prst="rightArrow">
-                        <a:avLst/>
-                      </a:prstGeom>
-                      <a:solidFill>
-                        <a:schemeClr val="accent1">
-                          <a:lumMod val="75000"/>
-                        </a:schemeClr>
-                      </a:solidFill>
-                    </p:spPr>
-                    <p:style>
-                      <a:lnRef idx="2">
-                        <a:schemeClr val="dk1">
-                          <a:shade val="50000"/>
-                        </a:schemeClr>
-                      </a:lnRef>
-                      <a:fillRef idx="1">
-                        <a:schemeClr val="dk1"/>
-                      </a:fillRef>
-                      <a:effectRef idx="0">
-                        <a:schemeClr val="dk1"/>
-                      </a:effectRef>
-                      <a:fontRef idx="minor">
-                        <a:schemeClr val="lt1"/>
-                      </a:fontRef>
-                    </p:style>
-                    <p:txBody>
-                      <a:bodyPr rtlCol="0" anchor="ctr"/>
-                      <a:lstStyle/>
-                      <a:p>
-                        <a:pPr algn="ctr"/>
-                        <a:endParaRPr lang="en-US">
-                          <a:solidFill>
-                            <a:prstClr val="white"/>
-                          </a:solidFill>
-                        </a:endParaRPr>
-                      </a:p>
-                    </p:txBody>
-                  </p:sp>
+                    </p:grpSpPr>
+                    <p:grpSp>
+                      <p:nvGrpSpPr>
+                        <p:cNvPr id="110" name="Group 109"/>
+                        <p:cNvGrpSpPr/>
+                        <p:nvPr/>
+                      </p:nvGrpSpPr>
+                      <p:grpSpPr>
+                        <a:xfrm>
+                          <a:off x="7449934" y="5558702"/>
+                          <a:ext cx="91440" cy="274321"/>
+                          <a:chOff x="914400" y="516835"/>
+                          <a:chExt cx="159026" cy="463826"/>
+                        </a:xfrm>
+                      </p:grpSpPr>
+                      <p:sp>
+                        <p:nvSpPr>
+                          <p:cNvPr id="119" name="Oval 118"/>
+                          <p:cNvSpPr/>
+                          <p:nvPr/>
+                        </p:nvSpPr>
+                        <p:spPr>
+                          <a:xfrm>
+                            <a:off x="914400" y="516835"/>
+                            <a:ext cx="159026" cy="145774"/>
+                          </a:xfrm>
+                          <a:prstGeom prst="ellipse">
+                            <a:avLst/>
+                          </a:prstGeom>
+                        </p:spPr>
+                        <p:style>
+                          <a:lnRef idx="2">
+                            <a:schemeClr val="dk1"/>
+                          </a:lnRef>
+                          <a:fillRef idx="1">
+                            <a:schemeClr val="lt1"/>
+                          </a:fillRef>
+                          <a:effectRef idx="0">
+                            <a:schemeClr val="dk1"/>
+                          </a:effectRef>
+                          <a:fontRef idx="minor">
+                            <a:schemeClr val="dk1"/>
+                          </a:fontRef>
+                        </p:style>
+                        <p:txBody>
+                          <a:bodyPr rtlCol="0" anchor="ctr"/>
+                          <a:lstStyle/>
+                          <a:p>
+                            <a:pPr algn="ctr"/>
+                            <a:endParaRPr lang="en-US"/>
+                          </a:p>
+                        </p:txBody>
+                      </p:sp>
+                      <p:sp>
+                        <p:nvSpPr>
+                          <p:cNvPr id="120" name="Oval 119"/>
+                          <p:cNvSpPr/>
+                          <p:nvPr/>
+                        </p:nvSpPr>
+                        <p:spPr>
+                          <a:xfrm>
+                            <a:off x="914400" y="675861"/>
+                            <a:ext cx="159026" cy="145774"/>
+                          </a:xfrm>
+                          <a:prstGeom prst="ellipse">
+                            <a:avLst/>
+                          </a:prstGeom>
+                        </p:spPr>
+                        <p:style>
+                          <a:lnRef idx="2">
+                            <a:schemeClr val="dk1"/>
+                          </a:lnRef>
+                          <a:fillRef idx="1">
+                            <a:schemeClr val="lt1"/>
+                          </a:fillRef>
+                          <a:effectRef idx="0">
+                            <a:schemeClr val="dk1"/>
+                          </a:effectRef>
+                          <a:fontRef idx="minor">
+                            <a:schemeClr val="dk1"/>
+                          </a:fontRef>
+                        </p:style>
+                        <p:txBody>
+                          <a:bodyPr rtlCol="0" anchor="ctr"/>
+                          <a:lstStyle/>
+                          <a:p>
+                            <a:pPr algn="ctr"/>
+                            <a:endParaRPr lang="en-US"/>
+                          </a:p>
+                        </p:txBody>
+                      </p:sp>
+                      <p:sp>
+                        <p:nvSpPr>
+                          <p:cNvPr id="121" name="Oval 120"/>
+                          <p:cNvSpPr/>
+                          <p:nvPr/>
+                        </p:nvSpPr>
+                        <p:spPr>
+                          <a:xfrm>
+                            <a:off x="914400" y="834887"/>
+                            <a:ext cx="159026" cy="145774"/>
+                          </a:xfrm>
+                          <a:prstGeom prst="ellipse">
+                            <a:avLst/>
+                          </a:prstGeom>
+                        </p:spPr>
+                        <p:style>
+                          <a:lnRef idx="2">
+                            <a:schemeClr val="dk1"/>
+                          </a:lnRef>
+                          <a:fillRef idx="1">
+                            <a:schemeClr val="lt1"/>
+                          </a:fillRef>
+                          <a:effectRef idx="0">
+                            <a:schemeClr val="dk1"/>
+                          </a:effectRef>
+                          <a:fontRef idx="minor">
+                            <a:schemeClr val="dk1"/>
+                          </a:fontRef>
+                        </p:style>
+                        <p:txBody>
+                          <a:bodyPr rtlCol="0" anchor="ctr"/>
+                          <a:lstStyle/>
+                          <a:p>
+                            <a:pPr algn="ctr"/>
+                            <a:endParaRPr lang="en-US"/>
+                          </a:p>
+                        </p:txBody>
+                      </p:sp>
+                    </p:grpSp>
+                    <p:grpSp>
+                      <p:nvGrpSpPr>
+                        <p:cNvPr id="111" name="Group 110"/>
+                        <p:cNvGrpSpPr/>
+                        <p:nvPr/>
+                      </p:nvGrpSpPr>
+                      <p:grpSpPr>
+                        <a:xfrm>
+                          <a:off x="7325613" y="5558701"/>
+                          <a:ext cx="91440" cy="274320"/>
+                          <a:chOff x="914400" y="516835"/>
+                          <a:chExt cx="159026" cy="463826"/>
+                        </a:xfrm>
+                      </p:grpSpPr>
+                      <p:sp>
+                        <p:nvSpPr>
+                          <p:cNvPr id="116" name="Oval 115"/>
+                          <p:cNvSpPr/>
+                          <p:nvPr/>
+                        </p:nvSpPr>
+                        <p:spPr>
+                          <a:xfrm>
+                            <a:off x="914400" y="516835"/>
+                            <a:ext cx="159026" cy="145774"/>
+                          </a:xfrm>
+                          <a:prstGeom prst="ellipse">
+                            <a:avLst/>
+                          </a:prstGeom>
+                        </p:spPr>
+                        <p:style>
+                          <a:lnRef idx="2">
+                            <a:schemeClr val="dk1"/>
+                          </a:lnRef>
+                          <a:fillRef idx="1">
+                            <a:schemeClr val="lt1"/>
+                          </a:fillRef>
+                          <a:effectRef idx="0">
+                            <a:schemeClr val="dk1"/>
+                          </a:effectRef>
+                          <a:fontRef idx="minor">
+                            <a:schemeClr val="dk1"/>
+                          </a:fontRef>
+                        </p:style>
+                        <p:txBody>
+                          <a:bodyPr rtlCol="0" anchor="ctr"/>
+                          <a:lstStyle/>
+                          <a:p>
+                            <a:pPr algn="ctr"/>
+                            <a:endParaRPr lang="en-US"/>
+                          </a:p>
+                        </p:txBody>
+                      </p:sp>
+                      <p:sp>
+                        <p:nvSpPr>
+                          <p:cNvPr id="117" name="Oval 116"/>
+                          <p:cNvSpPr/>
+                          <p:nvPr/>
+                        </p:nvSpPr>
+                        <p:spPr>
+                          <a:xfrm>
+                            <a:off x="914400" y="675861"/>
+                            <a:ext cx="159026" cy="145774"/>
+                          </a:xfrm>
+                          <a:prstGeom prst="ellipse">
+                            <a:avLst/>
+                          </a:prstGeom>
+                        </p:spPr>
+                        <p:style>
+                          <a:lnRef idx="2">
+                            <a:schemeClr val="dk1"/>
+                          </a:lnRef>
+                          <a:fillRef idx="1">
+                            <a:schemeClr val="lt1"/>
+                          </a:fillRef>
+                          <a:effectRef idx="0">
+                            <a:schemeClr val="dk1"/>
+                          </a:effectRef>
+                          <a:fontRef idx="minor">
+                            <a:schemeClr val="dk1"/>
+                          </a:fontRef>
+                        </p:style>
+                        <p:txBody>
+                          <a:bodyPr rtlCol="0" anchor="ctr"/>
+                          <a:lstStyle/>
+                          <a:p>
+                            <a:pPr algn="ctr"/>
+                            <a:endParaRPr lang="en-US"/>
+                          </a:p>
+                        </p:txBody>
+                      </p:sp>
+                      <p:sp>
+                        <p:nvSpPr>
+                          <p:cNvPr id="118" name="Oval 117"/>
+                          <p:cNvSpPr/>
+                          <p:nvPr/>
+                        </p:nvSpPr>
+                        <p:spPr>
+                          <a:xfrm>
+                            <a:off x="914400" y="834887"/>
+                            <a:ext cx="159026" cy="145774"/>
+                          </a:xfrm>
+                          <a:prstGeom prst="ellipse">
+                            <a:avLst/>
+                          </a:prstGeom>
+                        </p:spPr>
+                        <p:style>
+                          <a:lnRef idx="2">
+                            <a:schemeClr val="dk1"/>
+                          </a:lnRef>
+                          <a:fillRef idx="1">
+                            <a:schemeClr val="lt1"/>
+                          </a:fillRef>
+                          <a:effectRef idx="0">
+                            <a:schemeClr val="dk1"/>
+                          </a:effectRef>
+                          <a:fontRef idx="minor">
+                            <a:schemeClr val="dk1"/>
+                          </a:fontRef>
+                        </p:style>
+                        <p:txBody>
+                          <a:bodyPr rtlCol="0" anchor="ctr"/>
+                          <a:lstStyle/>
+                          <a:p>
+                            <a:pPr algn="ctr"/>
+                            <a:endParaRPr lang="en-US"/>
+                          </a:p>
+                        </p:txBody>
+                      </p:sp>
+                    </p:grpSp>
+                  </p:grpSp>
                 </p:grpSp>
               </p:grpSp>
-              <mc:AlternateContent xmlns:mc="http://schemas.openxmlformats.org/markup-compatibility/2006" xmlns:a14="http://schemas.microsoft.com/office/drawing/2010/main">
-                <mc:Choice Requires="a14">
-                  <p:graphicFrame>
-                    <p:nvGraphicFramePr>
-                      <p:cNvPr id="126" name="Chart 125"/>
-                      <p:cNvGraphicFramePr>
-                        <a:graphicFrameLocks/>
-                      </p:cNvGraphicFramePr>
-                      <p:nvPr>
-                        <p:extLst>
-                          <p:ext uri="{D42A27DB-BD31-4B8C-83A1-F6EECF244321}">
-                            <p14:modId xmlns:p14="http://schemas.microsoft.com/office/powerpoint/2010/main" val="719415590"/>
-                          </p:ext>
-                        </p:extLst>
-                      </p:nvPr>
-                    </p:nvGraphicFramePr>
-                    <p:xfrm>
-                      <a:off x="550082" y="3057540"/>
-                      <a:ext cx="1005840" cy="548640"/>
-                    </p:xfrm>
-                    <a:graphic>
-                      <a:graphicData uri="http://schemas.openxmlformats.org/drawingml/2006/chart">
-                        <c:chart xmlns:c="http://schemas.openxmlformats.org/drawingml/2006/chart" xmlns:r="http://schemas.openxmlformats.org/officeDocument/2006/relationships" r:id="rId7"/>
-                      </a:graphicData>
-                    </a:graphic>
-                  </p:graphicFrame>
-                </mc:Choice>
-                <mc:Fallback xmlns="">
-                  <p:graphicFrame>
-                    <p:nvGraphicFramePr>
-                      <p:cNvPr id="126" name="Chart 125"/>
-                      <p:cNvGraphicFramePr>
-                        <a:graphicFrameLocks/>
-                      </p:cNvGraphicFramePr>
-                      <p:nvPr>
-                        <p:extLst>
-                          <p:ext uri="{D42A27DB-BD31-4B8C-83A1-F6EECF244321}">
-                            <p14:modId xmlns:p14="http://schemas.microsoft.com/office/powerpoint/2010/main" val="719415590"/>
-                          </p:ext>
-                        </p:extLst>
-                      </p:nvPr>
-                    </p:nvGraphicFramePr>
-                    <p:xfrm>
-                      <a:off x="550082" y="3057540"/>
-                      <a:ext cx="1005840" cy="548640"/>
-                    </p:xfrm>
-                    <a:graphic>
-                      <a:graphicData uri="http://schemas.openxmlformats.org/drawingml/2006/chart">
-                        <c:chart xmlns:c="http://schemas.openxmlformats.org/drawingml/2006/chart" xmlns:r="http://schemas.openxmlformats.org/officeDocument/2006/relationships" r:id="rId8"/>
-                      </a:graphicData>
-                    </a:graphic>
-                  </p:graphicFrame>
-                </mc:Fallback>
-              </mc:AlternateContent>
-              <mc:AlternateContent xmlns:mc="http://schemas.openxmlformats.org/markup-compatibility/2006" xmlns:a14="http://schemas.microsoft.com/office/drawing/2010/main">
-                <mc:Choice Requires="a14">
-                  <p:graphicFrame>
-                    <p:nvGraphicFramePr>
-                      <p:cNvPr id="127" name="Chart 126"/>
-                      <p:cNvGraphicFramePr>
-                        <a:graphicFrameLocks/>
-                      </p:cNvGraphicFramePr>
-                      <p:nvPr>
-                        <p:extLst>
-                          <p:ext uri="{D42A27DB-BD31-4B8C-83A1-F6EECF244321}">
-                            <p14:modId xmlns:p14="http://schemas.microsoft.com/office/powerpoint/2010/main" val="4191755347"/>
-                          </p:ext>
-                        </p:extLst>
-                      </p:nvPr>
-                    </p:nvGraphicFramePr>
-                    <p:xfrm>
-                      <a:off x="550082" y="3353207"/>
-                      <a:ext cx="1005840" cy="548640"/>
-                    </p:xfrm>
-                    <a:graphic>
-                      <a:graphicData uri="http://schemas.openxmlformats.org/drawingml/2006/chart">
-                        <c:chart xmlns:c="http://schemas.openxmlformats.org/drawingml/2006/chart" xmlns:r="http://schemas.openxmlformats.org/officeDocument/2006/relationships" r:id="rId9"/>
-                      </a:graphicData>
-                    </a:graphic>
-                  </p:graphicFrame>
-                </mc:Choice>
-                <mc:Fallback xmlns="">
-                  <p:graphicFrame>
-                    <p:nvGraphicFramePr>
-                      <p:cNvPr id="127" name="Chart 126"/>
-                      <p:cNvGraphicFramePr>
-                        <a:graphicFrameLocks/>
-                      </p:cNvGraphicFramePr>
-                      <p:nvPr>
-                        <p:extLst>
-                          <p:ext uri="{D42A27DB-BD31-4B8C-83A1-F6EECF244321}">
-                            <p14:modId xmlns:p14="http://schemas.microsoft.com/office/powerpoint/2010/main" val="4191755347"/>
-                          </p:ext>
-                        </p:extLst>
-                      </p:nvPr>
-                    </p:nvGraphicFramePr>
-                    <p:xfrm>
-                      <a:off x="550082" y="3353207"/>
-                      <a:ext cx="1005840" cy="548640"/>
-                    </p:xfrm>
-                    <a:graphic>
-                      <a:graphicData uri="http://schemas.openxmlformats.org/drawingml/2006/chart">
-                        <c:chart xmlns:c="http://schemas.openxmlformats.org/drawingml/2006/chart" xmlns:r="http://schemas.openxmlformats.org/officeDocument/2006/relationships" r:id="rId10"/>
-                      </a:graphicData>
-                    </a:graphic>
-                  </p:graphicFrame>
-                </mc:Fallback>
-              </mc:AlternateContent>
-              <mc:AlternateContent xmlns:mc="http://schemas.openxmlformats.org/markup-compatibility/2006" xmlns:a14="http://schemas.microsoft.com/office/drawing/2010/main">
-                <mc:Choice Requires="a14">
-                  <p:graphicFrame>
-                    <p:nvGraphicFramePr>
-                      <p:cNvPr id="128" name="Chart 127"/>
-                      <p:cNvGraphicFramePr>
-                        <a:graphicFrameLocks/>
-                      </p:cNvGraphicFramePr>
-                      <p:nvPr>
-                        <p:extLst>
-                          <p:ext uri="{D42A27DB-BD31-4B8C-83A1-F6EECF244321}">
-                            <p14:modId xmlns:p14="http://schemas.microsoft.com/office/powerpoint/2010/main" val="2954219558"/>
-                          </p:ext>
-                        </p:extLst>
-                      </p:nvPr>
-                    </p:nvGraphicFramePr>
-                    <p:xfrm>
-                      <a:off x="563279" y="3644753"/>
-                      <a:ext cx="1005840" cy="548640"/>
-                    </p:xfrm>
-                    <a:graphic>
-                      <a:graphicData uri="http://schemas.openxmlformats.org/drawingml/2006/chart">
-                        <c:chart xmlns:c="http://schemas.openxmlformats.org/drawingml/2006/chart" xmlns:r="http://schemas.openxmlformats.org/officeDocument/2006/relationships" r:id="rId11"/>
-                      </a:graphicData>
-                    </a:graphic>
-                  </p:graphicFrame>
-                </mc:Choice>
-                <mc:Fallback xmlns="">
-                  <p:graphicFrame>
-                    <p:nvGraphicFramePr>
-                      <p:cNvPr id="128" name="Chart 127"/>
-                      <p:cNvGraphicFramePr>
-                        <a:graphicFrameLocks/>
-                      </p:cNvGraphicFramePr>
-                      <p:nvPr>
-                        <p:extLst>
-                          <p:ext uri="{D42A27DB-BD31-4B8C-83A1-F6EECF244321}">
-                            <p14:modId xmlns:p14="http://schemas.microsoft.com/office/powerpoint/2010/main" val="2954219558"/>
-                          </p:ext>
-                        </p:extLst>
-                      </p:nvPr>
-                    </p:nvGraphicFramePr>
-                    <p:xfrm>
-                      <a:off x="563279" y="3644753"/>
-                      <a:ext cx="1005840" cy="548640"/>
-                    </p:xfrm>
-                    <a:graphic>
-                      <a:graphicData uri="http://schemas.openxmlformats.org/drawingml/2006/chart">
-                        <c:chart xmlns:c="http://schemas.openxmlformats.org/drawingml/2006/chart" xmlns:r="http://schemas.openxmlformats.org/officeDocument/2006/relationships" r:id="rId12"/>
-                      </a:graphicData>
-                    </a:graphic>
-                  </p:graphicFrame>
-                </mc:Fallback>
-              </mc:AlternateContent>
-              <mc:AlternateContent xmlns:mc="http://schemas.openxmlformats.org/markup-compatibility/2006" xmlns:a14="http://schemas.microsoft.com/office/drawing/2010/main">
-                <mc:Choice Requires="a14">
-                  <p:graphicFrame>
-                    <p:nvGraphicFramePr>
-                      <p:cNvPr id="129" name="Chart 128"/>
-                      <p:cNvGraphicFramePr>
-                        <a:graphicFrameLocks/>
-                      </p:cNvGraphicFramePr>
-                      <p:nvPr>
-                        <p:extLst>
-                          <p:ext uri="{D42A27DB-BD31-4B8C-83A1-F6EECF244321}">
-                            <p14:modId xmlns:p14="http://schemas.microsoft.com/office/powerpoint/2010/main" val="304174311"/>
-                          </p:ext>
-                        </p:extLst>
-                      </p:nvPr>
-                    </p:nvGraphicFramePr>
-                    <p:xfrm>
-                      <a:off x="578771" y="3921190"/>
-                      <a:ext cx="1005840" cy="548640"/>
-                    </p:xfrm>
-                    <a:graphic>
-                      <a:graphicData uri="http://schemas.openxmlformats.org/drawingml/2006/chart">
-                        <c:chart xmlns:c="http://schemas.openxmlformats.org/drawingml/2006/chart" xmlns:r="http://schemas.openxmlformats.org/officeDocument/2006/relationships" r:id="rId13"/>
-                      </a:graphicData>
-                    </a:graphic>
-                  </p:graphicFrame>
-                </mc:Choice>
-                <mc:Fallback xmlns="">
-                  <p:graphicFrame>
-                    <p:nvGraphicFramePr>
-                      <p:cNvPr id="129" name="Chart 128"/>
-                      <p:cNvGraphicFramePr>
-                        <a:graphicFrameLocks/>
-                      </p:cNvGraphicFramePr>
-                      <p:nvPr>
-                        <p:extLst>
-                          <p:ext uri="{D42A27DB-BD31-4B8C-83A1-F6EECF244321}">
-                            <p14:modId xmlns:p14="http://schemas.microsoft.com/office/powerpoint/2010/main" val="304174311"/>
-                          </p:ext>
-                        </p:extLst>
-                      </p:nvPr>
-                    </p:nvGraphicFramePr>
-                    <p:xfrm>
-                      <a:off x="578771" y="3921190"/>
-                      <a:ext cx="1005840" cy="548640"/>
-                    </p:xfrm>
-                    <a:graphic>
-                      <a:graphicData uri="http://schemas.openxmlformats.org/drawingml/2006/chart">
-                        <c:chart xmlns:c="http://schemas.openxmlformats.org/drawingml/2006/chart" xmlns:r="http://schemas.openxmlformats.org/officeDocument/2006/relationships" r:id="rId14"/>
-                      </a:graphicData>
-                    </a:graphic>
-                  </p:graphicFrame>
-                </mc:Fallback>
-              </mc:AlternateContent>
-              <mc:AlternateContent xmlns:mc="http://schemas.openxmlformats.org/markup-compatibility/2006" xmlns:a14="http://schemas.microsoft.com/office/drawing/2010/main">
-                <mc:Choice Requires="a14">
-                  <p:graphicFrame>
-                    <p:nvGraphicFramePr>
-                      <p:cNvPr id="130" name="Chart 129"/>
-                      <p:cNvGraphicFramePr>
-                        <a:graphicFrameLocks/>
-                      </p:cNvGraphicFramePr>
-                      <p:nvPr>
-                        <p:extLst>
-                          <p:ext uri="{D42A27DB-BD31-4B8C-83A1-F6EECF244321}">
-                            <p14:modId xmlns:p14="http://schemas.microsoft.com/office/powerpoint/2010/main" val="1824832831"/>
-                          </p:ext>
-                        </p:extLst>
-                      </p:nvPr>
-                    </p:nvGraphicFramePr>
-                    <p:xfrm>
-                      <a:off x="563334" y="4996573"/>
-                      <a:ext cx="1005840" cy="548640"/>
-                    </p:xfrm>
-                    <a:graphic>
-                      <a:graphicData uri="http://schemas.openxmlformats.org/drawingml/2006/chart">
-                        <c:chart xmlns:c="http://schemas.openxmlformats.org/drawingml/2006/chart" xmlns:r="http://schemas.openxmlformats.org/officeDocument/2006/relationships" r:id="rId15"/>
-                      </a:graphicData>
-                    </a:graphic>
-                  </p:graphicFrame>
-                </mc:Choice>
-                <mc:Fallback xmlns="">
-                  <p:graphicFrame>
-                    <p:nvGraphicFramePr>
-                      <p:cNvPr id="130" name="Chart 129"/>
-                      <p:cNvGraphicFramePr>
-                        <a:graphicFrameLocks/>
-                      </p:cNvGraphicFramePr>
-                      <p:nvPr>
-                        <p:extLst>
-                          <p:ext uri="{D42A27DB-BD31-4B8C-83A1-F6EECF244321}">
-                            <p14:modId xmlns:p14="http://schemas.microsoft.com/office/powerpoint/2010/main" val="1824832831"/>
-                          </p:ext>
-                        </p:extLst>
-                      </p:nvPr>
-                    </p:nvGraphicFramePr>
-                    <p:xfrm>
-                      <a:off x="563334" y="4996573"/>
-                      <a:ext cx="1005840" cy="548640"/>
-                    </p:xfrm>
-                    <a:graphic>
-                      <a:graphicData uri="http://schemas.openxmlformats.org/drawingml/2006/chart">
-                        <c:chart xmlns:c="http://schemas.openxmlformats.org/drawingml/2006/chart" xmlns:r="http://schemas.openxmlformats.org/officeDocument/2006/relationships" r:id="rId16"/>
-                      </a:graphicData>
-                    </a:graphic>
-                  </p:graphicFrame>
-                </mc:Fallback>
-              </mc:AlternateContent>
               <p:sp>
                 <p:nvSpPr>
-                  <p:cNvPr id="131" name="TextBox 130"/>
+                  <p:cNvPr id="122" name="TextBox 121"/>
                   <p:cNvSpPr txBox="1"/>
                   <p:nvPr/>
                 </p:nvSpPr>
                 <p:spPr>
                   <a:xfrm>
-                    <a:off x="1357365" y="2473377"/>
-                    <a:ext cx="1015127" cy="455027"/>
+                    <a:off x="9305536" y="5737996"/>
+                    <a:ext cx="1539480" cy="388998"/>
                   </a:xfrm>
                   <a:prstGeom prst="rect">
                     <a:avLst/>
@@ -12581,22 +12190,18 @@
                     <a:pPr algn="ctr"/>
                     <a:r>
                       <a:rPr lang="en-US" sz="1200" b="1" dirty="0" smtClean="0">
+                        <a:solidFill>
+                          <a:prstClr val="black"/>
+                        </a:solidFill>
                         <a:latin typeface="Arial" panose="020B0604020202020204" pitchFamily="34" charset="0"/>
                         <a:cs typeface="Arial" panose="020B0604020202020204" pitchFamily="34" charset="0"/>
                       </a:rPr>
-                      <a:t>Training</a:t>
-                    </a:r>
-                  </a:p>
-                  <a:p>
-                    <a:pPr algn="ctr"/>
-                    <a:r>
-                      <a:rPr lang="en-US" sz="1200" b="1" dirty="0" smtClean="0">
-                        <a:latin typeface="Arial" panose="020B0604020202020204" pitchFamily="34" charset="0"/>
-                        <a:cs typeface="Arial" panose="020B0604020202020204" pitchFamily="34" charset="0"/>
-                      </a:rPr>
-                      <a:t>Sequences</a:t>
+                      <a:t>Wet Lab Validation</a:t>
                     </a:r>
                     <a:endParaRPr lang="en-US" sz="1200" b="1" dirty="0">
+                      <a:solidFill>
+                        <a:prstClr val="black"/>
+                      </a:solidFill>
                       <a:latin typeface="Arial" panose="020B0604020202020204" pitchFamily="34" charset="0"/>
                       <a:cs typeface="Arial" panose="020B0604020202020204" pitchFamily="34" charset="0"/>
                     </a:endParaRPr>
@@ -12605,1073 +12210,295 @@
               </p:sp>
               <p:sp>
                 <p:nvSpPr>
-                  <p:cNvPr id="132" name="TextBox 131"/>
-                  <p:cNvSpPr txBox="1"/>
+                  <p:cNvPr id="123" name="Right Arrow 122"/>
+                  <p:cNvSpPr/>
                   <p:nvPr/>
                 </p:nvSpPr>
                 <p:spPr>
-                  <a:xfrm>
-                    <a:off x="478316" y="2473376"/>
-                    <a:ext cx="1015127" cy="455027"/>
+                  <a:xfrm rot="5400000">
+                    <a:off x="10028670" y="4878068"/>
+                    <a:ext cx="131908" cy="195476"/>
                   </a:xfrm>
-                  <a:prstGeom prst="rect">
+                  <a:prstGeom prst="rightArrow">
                     <a:avLst/>
                   </a:prstGeom>
-                  <a:noFill/>
+                  <a:solidFill>
+                    <a:schemeClr val="accent1">
+                      <a:lumMod val="75000"/>
+                    </a:schemeClr>
+                  </a:solidFill>
                 </p:spPr>
+                <p:style>
+                  <a:lnRef idx="2">
+                    <a:schemeClr val="dk1">
+                      <a:shade val="50000"/>
+                    </a:schemeClr>
+                  </a:lnRef>
+                  <a:fillRef idx="1">
+                    <a:schemeClr val="dk1"/>
+                  </a:fillRef>
+                  <a:effectRef idx="0">
+                    <a:schemeClr val="dk1"/>
+                  </a:effectRef>
+                  <a:fontRef idx="minor">
+                    <a:schemeClr val="lt1"/>
+                  </a:fontRef>
+                </p:style>
                 <p:txBody>
-                  <a:bodyPr vert="horz" wrap="square" rtlCol="0" anchor="ctr" anchorCtr="0">
-                    <a:noAutofit/>
-                  </a:bodyPr>
+                  <a:bodyPr rtlCol="0" anchor="ctr"/>
                   <a:lstStyle/>
                   <a:p>
                     <a:pPr algn="ctr"/>
-                    <a:r>
-                      <a:rPr lang="en-US" sz="1200" b="1" dirty="0" smtClean="0">
-                        <a:latin typeface="Arial" panose="020B0604020202020204" pitchFamily="34" charset="0"/>
-                        <a:cs typeface="Arial" panose="020B0604020202020204" pitchFamily="34" charset="0"/>
-                      </a:rPr>
-                      <a:t>Spectra</a:t>
-                    </a:r>
-                    <a:endParaRPr lang="en-US" sz="1200" b="1" dirty="0">
-                      <a:latin typeface="Arial" panose="020B0604020202020204" pitchFamily="34" charset="0"/>
-                      <a:cs typeface="Arial" panose="020B0604020202020204" pitchFamily="34" charset="0"/>
+                    <a:endParaRPr lang="en-US">
+                      <a:solidFill>
+                        <a:prstClr val="white"/>
+                      </a:solidFill>
                     </a:endParaRPr>
                   </a:p>
                 </p:txBody>
               </p:sp>
             </p:grpSp>
-            <p:cxnSp>
-              <p:nvCxnSpPr>
-                <p:cNvPr id="26" name="Elbow Connector 25"/>
-                <p:cNvCxnSpPr/>
-                <p:nvPr/>
-              </p:nvCxnSpPr>
-              <p:spPr>
-                <a:xfrm rot="5400000" flipH="1" flipV="1">
-                  <a:off x="318699" y="1491754"/>
-                  <a:ext cx="2194560" cy="731520"/>
-                </a:xfrm>
-                <a:prstGeom prst="bentConnector3">
-                  <a:avLst>
-                    <a:gd name="adj1" fmla="val 100323"/>
-                  </a:avLst>
-                </a:prstGeom>
-                <a:ln w="28575">
-                  <a:tailEnd type="triangle"/>
-                </a:ln>
-              </p:spPr>
-              <p:style>
-                <a:lnRef idx="3">
-                  <a:schemeClr val="dk1"/>
-                </a:lnRef>
-                <a:fillRef idx="0">
-                  <a:schemeClr val="dk1"/>
-                </a:fillRef>
-                <a:effectRef idx="2">
-                  <a:schemeClr val="dk1"/>
-                </a:effectRef>
-                <a:fontRef idx="minor">
-                  <a:schemeClr val="tx1"/>
-                </a:fontRef>
-              </p:style>
-            </p:cxnSp>
-            <p:sp>
-              <p:nvSpPr>
-                <p:cNvPr id="30" name="Rectangle 29"/>
-                <p:cNvSpPr/>
-                <p:nvPr/>
-              </p:nvSpPr>
-              <p:spPr>
-                <a:xfrm>
-                  <a:off x="1986556" y="297244"/>
-                  <a:ext cx="731520" cy="731520"/>
-                </a:xfrm>
-                <a:prstGeom prst="rect">
-                  <a:avLst/>
-                </a:prstGeom>
-              </p:spPr>
-              <p:style>
-                <a:lnRef idx="1">
-                  <a:schemeClr val="accent2"/>
-                </a:lnRef>
-                <a:fillRef idx="2">
-                  <a:schemeClr val="accent2"/>
-                </a:fillRef>
-                <a:effectRef idx="1">
-                  <a:schemeClr val="accent2"/>
-                </a:effectRef>
-                <a:fontRef idx="minor">
-                  <a:schemeClr val="dk1"/>
-                </a:fontRef>
-              </p:style>
-              <p:txBody>
-                <a:bodyPr rtlCol="0" anchor="ctr"/>
-                <a:lstStyle/>
-                <a:p>
-                  <a:pPr algn="ctr"/>
-                  <a:r>
-                    <a:rPr lang="en-US" sz="900" b="1" dirty="0" smtClean="0"/>
-                    <a:t>Pair-wise</a:t>
-                  </a:r>
-                </a:p>
-                <a:p>
-                  <a:pPr algn="ctr"/>
-                  <a:r>
-                    <a:rPr lang="en-US" sz="900" b="1" dirty="0" smtClean="0"/>
-                    <a:t>Distance</a:t>
-                  </a:r>
-                  <a:endParaRPr lang="en-US" sz="900" b="1" dirty="0"/>
-                </a:p>
-              </p:txBody>
-            </p:sp>
-            <p:sp>
-              <p:nvSpPr>
-                <p:cNvPr id="133" name="Rectangle 132"/>
-                <p:cNvSpPr/>
-                <p:nvPr/>
-              </p:nvSpPr>
-              <p:spPr>
-                <a:xfrm>
-                  <a:off x="4305924" y="299246"/>
-                  <a:ext cx="731520" cy="731520"/>
-                </a:xfrm>
-                <a:prstGeom prst="rect">
-                  <a:avLst/>
-                </a:prstGeom>
-              </p:spPr>
-              <p:style>
-                <a:lnRef idx="1">
-                  <a:schemeClr val="accent2"/>
-                </a:lnRef>
-                <a:fillRef idx="2">
-                  <a:schemeClr val="accent2"/>
-                </a:fillRef>
-                <a:effectRef idx="1">
-                  <a:schemeClr val="accent2"/>
-                </a:effectRef>
-                <a:fontRef idx="minor">
-                  <a:schemeClr val="dk1"/>
-                </a:fontRef>
-              </p:style>
-              <p:txBody>
-                <a:bodyPr rtlCol="0" anchor="ctr"/>
-                <a:lstStyle/>
-                <a:p>
-                  <a:pPr algn="ctr"/>
-                  <a:r>
-                    <a:rPr lang="en-US" sz="900" b="1" dirty="0" smtClean="0"/>
-                    <a:t>Similarity</a:t>
-                  </a:r>
-                  <a:endParaRPr lang="en-US" sz="900" b="1" dirty="0"/>
-                </a:p>
-              </p:txBody>
-            </p:sp>
-            <p:cxnSp>
-              <p:nvCxnSpPr>
-                <p:cNvPr id="33" name="Straight Arrow Connector 32"/>
-                <p:cNvCxnSpPr/>
-                <p:nvPr/>
-              </p:nvCxnSpPr>
-              <p:spPr>
-                <a:xfrm>
-                  <a:off x="3251673" y="800504"/>
-                  <a:ext cx="631980" cy="0"/>
-                </a:xfrm>
-                <a:prstGeom prst="straightConnector1">
-                  <a:avLst/>
-                </a:prstGeom>
-                <a:ln w="28575">
-                  <a:tailEnd type="triangle"/>
-                </a:ln>
-              </p:spPr>
-              <p:style>
-                <a:lnRef idx="3">
-                  <a:schemeClr val="dk1"/>
-                </a:lnRef>
-                <a:fillRef idx="0">
-                  <a:schemeClr val="dk1"/>
-                </a:fillRef>
-                <a:effectRef idx="2">
-                  <a:schemeClr val="dk1"/>
-                </a:effectRef>
-                <a:fontRef idx="minor">
-                  <a:schemeClr val="tx1"/>
-                </a:fontRef>
-              </p:style>
-            </p:cxnSp>
-            <p:cxnSp>
-              <p:nvCxnSpPr>
-                <p:cNvPr id="134" name="Straight Arrow Connector 133"/>
-                <p:cNvCxnSpPr/>
-                <p:nvPr/>
-              </p:nvCxnSpPr>
-              <p:spPr>
-                <a:xfrm>
-                  <a:off x="5613070" y="800504"/>
-                  <a:ext cx="631980" cy="0"/>
-                </a:xfrm>
-                <a:prstGeom prst="straightConnector1">
-                  <a:avLst/>
-                </a:prstGeom>
-                <a:ln w="28575">
-                  <a:tailEnd type="triangle"/>
-                </a:ln>
-              </p:spPr>
-              <p:style>
-                <a:lnRef idx="3">
-                  <a:schemeClr val="dk1"/>
-                </a:lnRef>
-                <a:fillRef idx="0">
-                  <a:schemeClr val="dk1"/>
-                </a:fillRef>
-                <a:effectRef idx="2">
-                  <a:schemeClr val="dk1"/>
-                </a:effectRef>
-                <a:fontRef idx="minor">
-                  <a:schemeClr val="tx1"/>
-                </a:fontRef>
-              </p:style>
-            </p:cxnSp>
-            <p:pic>
-              <p:nvPicPr>
-                <p:cNvPr id="34" name="Picture 33"/>
-                <p:cNvPicPr>
-                  <a:picLocks noChangeAspect="1"/>
-                </p:cNvPicPr>
-                <p:nvPr/>
-              </p:nvPicPr>
-              <p:blipFill rotWithShape="1">
-                <a:blip r:embed="rId17" cstate="print">
-                  <a:extLst>
-                    <a:ext uri="{28A0092B-C50C-407E-A947-70E740481C1C}">
-                      <a14:useLocalDpi xmlns:a14="http://schemas.microsoft.com/office/drawing/2010/main" val="0"/>
-                    </a:ext>
-                  </a:extLst>
-                </a:blip>
-                <a:srcRect l="-649" t="7188" b="-3020"/>
-                <a:stretch/>
-              </p:blipFill>
-              <p:spPr>
-                <a:xfrm>
-                  <a:off x="6814950" y="59827"/>
-                  <a:ext cx="2218325" cy="1554480"/>
-                </a:xfrm>
-                <a:prstGeom prst="rect">
-                  <a:avLst/>
-                </a:prstGeom>
-              </p:spPr>
-            </p:pic>
-            <p:sp>
-              <p:nvSpPr>
-                <p:cNvPr id="35" name="TextBox 34"/>
-                <p:cNvSpPr txBox="1"/>
-                <p:nvPr/>
-              </p:nvSpPr>
-              <p:spPr>
-                <a:xfrm rot="16200000">
-                  <a:off x="-270341" y="1676502"/>
-                  <a:ext cx="2268425" cy="230832"/>
-                </a:xfrm>
-                <a:prstGeom prst="rect">
-                  <a:avLst/>
-                </a:prstGeom>
-                <a:noFill/>
-              </p:spPr>
-              <p:txBody>
-                <a:bodyPr wrap="square" rtlCol="0">
-                  <a:spAutoFit/>
-                </a:bodyPr>
-                <a:lstStyle/>
-                <a:p>
-                  <a:r>
-                    <a:rPr lang="en-US" sz="900" b="1" dirty="0" smtClean="0">
-                      <a:latin typeface="Arial" panose="020B0604020202020204" pitchFamily="34" charset="0"/>
-                      <a:cs typeface="Arial" panose="020B0604020202020204" pitchFamily="34" charset="0"/>
-                    </a:rPr>
-                    <a:t>Cauchy–Schwarz Distance Function</a:t>
-                  </a:r>
-                  <a:endParaRPr lang="en-US" sz="900" b="1" dirty="0">
-                    <a:latin typeface="Arial" panose="020B0604020202020204" pitchFamily="34" charset="0"/>
-                    <a:cs typeface="Arial" panose="020B0604020202020204" pitchFamily="34" charset="0"/>
-                  </a:endParaRPr>
-                </a:p>
-              </p:txBody>
-            </p:sp>
-            <p:sp>
-              <p:nvSpPr>
-                <p:cNvPr id="36" name="TextBox 35"/>
-                <p:cNvSpPr txBox="1"/>
-                <p:nvPr/>
-              </p:nvSpPr>
-              <p:spPr>
-                <a:xfrm>
-                  <a:off x="2992864" y="455537"/>
-                  <a:ext cx="1167780" cy="230832"/>
-                </a:xfrm>
-                <a:prstGeom prst="rect">
-                  <a:avLst/>
-                </a:prstGeom>
-                <a:noFill/>
-              </p:spPr>
-              <p:txBody>
-                <a:bodyPr wrap="square" rtlCol="0">
-                  <a:spAutoFit/>
-                </a:bodyPr>
-                <a:lstStyle/>
-                <a:p>
-                  <a:r>
-                    <a:rPr lang="en-US" sz="900" b="1" dirty="0" smtClean="0">
-                      <a:latin typeface="Arial" panose="020B0604020202020204" pitchFamily="34" charset="0"/>
-                      <a:cs typeface="Arial" panose="020B0604020202020204" pitchFamily="34" charset="0"/>
-                    </a:rPr>
-                    <a:t>Gaussian Kernel</a:t>
-                  </a:r>
-                  <a:endParaRPr lang="en-US" sz="900" b="1" dirty="0">
-                    <a:latin typeface="Arial" panose="020B0604020202020204" pitchFamily="34" charset="0"/>
-                    <a:cs typeface="Arial" panose="020B0604020202020204" pitchFamily="34" charset="0"/>
-                  </a:endParaRPr>
-                </a:p>
-              </p:txBody>
-            </p:sp>
-            <p:sp>
-              <p:nvSpPr>
-                <p:cNvPr id="37" name="TextBox 36"/>
-                <p:cNvSpPr txBox="1"/>
-                <p:nvPr/>
-              </p:nvSpPr>
-              <p:spPr>
-                <a:xfrm>
-                  <a:off x="2545562" y="1008425"/>
-                  <a:ext cx="476651" cy="261610"/>
-                </a:xfrm>
-                <a:prstGeom prst="rect">
-                  <a:avLst/>
-                </a:prstGeom>
-                <a:noFill/>
-              </p:spPr>
-              <p:txBody>
-                <a:bodyPr wrap="square" rtlCol="0">
-                  <a:spAutoFit/>
-                </a:bodyPr>
-                <a:lstStyle/>
-                <a:p>
-                  <a:r>
-                    <a:rPr lang="en-US" sz="1050" b="1" dirty="0" err="1" smtClean="0"/>
-                    <a:t>n×n</a:t>
-                  </a:r>
-                  <a:endParaRPr lang="en-US" sz="1050" b="1" dirty="0"/>
-                </a:p>
-              </p:txBody>
-            </p:sp>
-            <p:sp>
-              <p:nvSpPr>
-                <p:cNvPr id="135" name="TextBox 134"/>
-                <p:cNvSpPr txBox="1"/>
-                <p:nvPr/>
-              </p:nvSpPr>
-              <p:spPr>
-                <a:xfrm>
-                  <a:off x="4882865" y="1008425"/>
-                  <a:ext cx="476651" cy="261610"/>
-                </a:xfrm>
-                <a:prstGeom prst="rect">
-                  <a:avLst/>
-                </a:prstGeom>
-                <a:noFill/>
-              </p:spPr>
-              <p:txBody>
-                <a:bodyPr wrap="square" rtlCol="0">
-                  <a:spAutoFit/>
-                </a:bodyPr>
-                <a:lstStyle/>
-                <a:p>
-                  <a:r>
-                    <a:rPr lang="en-US" sz="1050" b="1" dirty="0" err="1" smtClean="0"/>
-                    <a:t>n×n</a:t>
-                  </a:r>
-                  <a:endParaRPr lang="en-US" sz="1050" b="1" dirty="0"/>
-                </a:p>
-              </p:txBody>
-            </p:sp>
-            <p:sp>
-              <p:nvSpPr>
-                <p:cNvPr id="136" name="Rectangle 135"/>
-                <p:cNvSpPr/>
-                <p:nvPr/>
-              </p:nvSpPr>
-              <p:spPr>
-                <a:xfrm>
-                  <a:off x="4329946" y="1771408"/>
-                  <a:ext cx="731520" cy="731520"/>
-                </a:xfrm>
-                <a:prstGeom prst="rect">
-                  <a:avLst/>
-                </a:prstGeom>
-              </p:spPr>
-              <p:style>
-                <a:lnRef idx="1">
-                  <a:schemeClr val="accent1"/>
-                </a:lnRef>
-                <a:fillRef idx="2">
-                  <a:schemeClr val="accent1"/>
-                </a:fillRef>
-                <a:effectRef idx="1">
-                  <a:schemeClr val="accent1"/>
-                </a:effectRef>
-                <a:fontRef idx="minor">
-                  <a:schemeClr val="dk1"/>
-                </a:fontRef>
-              </p:style>
-              <p:txBody>
-                <a:bodyPr rtlCol="0" anchor="ctr"/>
-                <a:lstStyle/>
-                <a:p>
-                  <a:pPr algn="ctr"/>
-                  <a:r>
-                    <a:rPr lang="en-US" sz="900" b="1" dirty="0" smtClean="0">
-                      <a:solidFill>
-                        <a:schemeClr val="tx1"/>
-                      </a:solidFill>
-                    </a:rPr>
-                    <a:t>Pair-wise</a:t>
-                  </a:r>
-                </a:p>
-                <a:p>
-                  <a:pPr algn="ctr"/>
-                  <a:r>
-                    <a:rPr lang="en-US" sz="900" b="1" dirty="0" smtClean="0">
-                      <a:solidFill>
-                        <a:schemeClr val="tx1"/>
-                      </a:solidFill>
-                    </a:rPr>
-                    <a:t>Distance</a:t>
-                  </a:r>
-                  <a:endParaRPr lang="en-US" sz="900" b="1" dirty="0">
-                    <a:solidFill>
-                      <a:schemeClr val="tx1"/>
-                    </a:solidFill>
-                  </a:endParaRPr>
-                </a:p>
-              </p:txBody>
-            </p:sp>
-            <p:sp>
-              <p:nvSpPr>
-                <p:cNvPr id="41" name="TextBox 40"/>
-                <p:cNvSpPr txBox="1"/>
-                <p:nvPr/>
-              </p:nvSpPr>
-              <p:spPr>
-                <a:xfrm rot="16200000">
-                  <a:off x="2622255" y="3156431"/>
-                  <a:ext cx="1694956" cy="230832"/>
-                </a:xfrm>
-                <a:prstGeom prst="rect">
-                  <a:avLst/>
-                </a:prstGeom>
-                <a:noFill/>
-              </p:spPr>
-              <p:txBody>
-                <a:bodyPr wrap="square" rtlCol="0">
-                  <a:spAutoFit/>
-                </a:bodyPr>
-                <a:lstStyle/>
-                <a:p>
-                  <a:r>
-                    <a:rPr lang="en-US" sz="900" b="1" dirty="0" smtClean="0"/>
-                    <a:t>Euclidean </a:t>
-                  </a:r>
-                  <a:r>
-                    <a:rPr lang="en-US" sz="900" b="1" dirty="0" smtClean="0">
-                      <a:latin typeface="Arial" panose="020B0604020202020204" pitchFamily="34" charset="0"/>
-                      <a:cs typeface="Arial" panose="020B0604020202020204" pitchFamily="34" charset="0"/>
-                    </a:rPr>
-                    <a:t>Distance</a:t>
-                  </a:r>
-                  <a:r>
-                    <a:rPr lang="en-US" sz="900" b="1" dirty="0" smtClean="0"/>
-                    <a:t> Function</a:t>
-                  </a:r>
-                  <a:endParaRPr lang="en-US" sz="900" b="1" dirty="0"/>
-                </a:p>
-              </p:txBody>
-            </p:sp>
-            <p:sp>
-              <p:nvSpPr>
-                <p:cNvPr id="137" name="TextBox 136"/>
-                <p:cNvSpPr txBox="1"/>
-                <p:nvPr/>
-              </p:nvSpPr>
-              <p:spPr>
-                <a:xfrm>
-                  <a:off x="5216202" y="444888"/>
-                  <a:ext cx="1406037" cy="230832"/>
-                </a:xfrm>
-                <a:prstGeom prst="rect">
-                  <a:avLst/>
-                </a:prstGeom>
-                <a:noFill/>
-              </p:spPr>
-              <p:txBody>
-                <a:bodyPr wrap="square" rtlCol="0">
-                  <a:spAutoFit/>
-                </a:bodyPr>
-                <a:lstStyle/>
-                <a:p>
-                  <a:r>
-                    <a:rPr lang="en-US" sz="900" b="1" dirty="0" smtClean="0">
-                      <a:latin typeface="Arial" panose="020B0604020202020204" pitchFamily="34" charset="0"/>
-                      <a:cs typeface="Arial" panose="020B0604020202020204" pitchFamily="34" charset="0"/>
-                    </a:rPr>
-                    <a:t>Spectral Clustering</a:t>
-                  </a:r>
-                  <a:endParaRPr lang="en-US" sz="900" b="1" dirty="0">
-                    <a:latin typeface="Arial" panose="020B0604020202020204" pitchFamily="34" charset="0"/>
-                    <a:cs typeface="Arial" panose="020B0604020202020204" pitchFamily="34" charset="0"/>
-                  </a:endParaRPr>
-                </a:p>
-              </p:txBody>
-            </p:sp>
-            <p:sp>
-              <p:nvSpPr>
-                <p:cNvPr id="138" name="TextBox 137"/>
-                <p:cNvSpPr txBox="1"/>
-                <p:nvPr/>
-              </p:nvSpPr>
-              <p:spPr>
-                <a:xfrm>
-                  <a:off x="4898181" y="2467395"/>
-                  <a:ext cx="476651" cy="261610"/>
-                </a:xfrm>
-                <a:prstGeom prst="rect">
-                  <a:avLst/>
-                </a:prstGeom>
-                <a:noFill/>
-              </p:spPr>
-              <p:txBody>
-                <a:bodyPr wrap="square" rtlCol="0">
-                  <a:spAutoFit/>
-                </a:bodyPr>
-                <a:lstStyle/>
-                <a:p>
-                  <a:r>
-                    <a:rPr lang="en-US" sz="1050" b="1" dirty="0" err="1" smtClean="0"/>
-                    <a:t>n×n</a:t>
-                  </a:r>
-                  <a:endParaRPr lang="en-US" sz="1050" b="1" dirty="0"/>
-                </a:p>
-              </p:txBody>
-            </p:sp>
-            <p:cxnSp>
-              <p:nvCxnSpPr>
-                <p:cNvPr id="139" name="Straight Arrow Connector 138"/>
-                <p:cNvCxnSpPr/>
-                <p:nvPr/>
-              </p:nvCxnSpPr>
-              <p:spPr>
-                <a:xfrm>
-                  <a:off x="9323835" y="672957"/>
-                  <a:ext cx="631980" cy="0"/>
-                </a:xfrm>
-                <a:prstGeom prst="straightConnector1">
-                  <a:avLst/>
-                </a:prstGeom>
-                <a:ln w="28575">
-                  <a:tailEnd type="triangle"/>
-                </a:ln>
-              </p:spPr>
-              <p:style>
-                <a:lnRef idx="3">
-                  <a:schemeClr val="dk1"/>
-                </a:lnRef>
-                <a:fillRef idx="0">
-                  <a:schemeClr val="dk1"/>
-                </a:fillRef>
-                <a:effectRef idx="2">
-                  <a:schemeClr val="dk1"/>
-                </a:effectRef>
-                <a:fontRef idx="minor">
-                  <a:schemeClr val="tx1"/>
-                </a:fontRef>
-              </p:style>
-            </p:cxnSp>
-            <p:sp>
-              <p:nvSpPr>
-                <p:cNvPr id="45" name="TextBox 44"/>
-                <p:cNvSpPr txBox="1"/>
-                <p:nvPr/>
-              </p:nvSpPr>
-              <p:spPr>
-                <a:xfrm>
-                  <a:off x="10164655" y="406071"/>
-                  <a:ext cx="1306027" cy="461665"/>
-                </a:xfrm>
-                <a:prstGeom prst="rect">
-                  <a:avLst/>
-                </a:prstGeom>
-                <a:noFill/>
-              </p:spPr>
-              <p:txBody>
-                <a:bodyPr wrap="square" rtlCol="0">
-                  <a:spAutoFit/>
-                </a:bodyPr>
-                <a:lstStyle/>
-                <a:p>
-                  <a:pPr algn="ctr"/>
-                  <a:r>
-                    <a:rPr lang="en-US" sz="1200" dirty="0" smtClean="0">
-                      <a:latin typeface="Arial" panose="020B0604020202020204" pitchFamily="34" charset="0"/>
-                      <a:cs typeface="Arial" panose="020B0604020202020204" pitchFamily="34" charset="0"/>
-                    </a:rPr>
-                    <a:t>Optimal Number of Clusters</a:t>
-                  </a:r>
-                  <a:endParaRPr lang="en-US" sz="1200" dirty="0">
-                    <a:latin typeface="Arial" panose="020B0604020202020204" pitchFamily="34" charset="0"/>
-                    <a:cs typeface="Arial" panose="020B0604020202020204" pitchFamily="34" charset="0"/>
-                  </a:endParaRPr>
-                </a:p>
-              </p:txBody>
-            </p:sp>
-            <p:cxnSp>
-              <p:nvCxnSpPr>
-                <p:cNvPr id="141" name="Elbow Connector 140"/>
-                <p:cNvCxnSpPr/>
-                <p:nvPr/>
-              </p:nvCxnSpPr>
-              <p:spPr>
-                <a:xfrm>
-                  <a:off x="2795974" y="994033"/>
-                  <a:ext cx="1463040" cy="914400"/>
-                </a:xfrm>
-                <a:prstGeom prst="bentConnector3">
-                  <a:avLst>
-                    <a:gd name="adj1" fmla="val 18556"/>
-                  </a:avLst>
-                </a:prstGeom>
-                <a:ln w="28575">
-                  <a:solidFill>
-                    <a:srgbClr val="FF0000"/>
-                  </a:solidFill>
-                  <a:headEnd type="triangle"/>
-                  <a:tailEnd type="triangle"/>
-                </a:ln>
-              </p:spPr>
-              <p:style>
-                <a:lnRef idx="3">
-                  <a:schemeClr val="accent2"/>
-                </a:lnRef>
-                <a:fillRef idx="0">
-                  <a:schemeClr val="accent2"/>
-                </a:fillRef>
-                <a:effectRef idx="2">
-                  <a:schemeClr val="accent2"/>
-                </a:effectRef>
-                <a:fontRef idx="minor">
-                  <a:schemeClr val="tx1"/>
-                </a:fontRef>
-              </p:style>
-            </p:cxnSp>
-            <p:sp>
-              <p:nvSpPr>
-                <p:cNvPr id="147" name="Google Shape;166;p14"/>
-                <p:cNvSpPr txBox="1"/>
-                <p:nvPr/>
-              </p:nvSpPr>
-              <p:spPr>
-                <a:xfrm>
-                  <a:off x="1843945" y="-37063"/>
-                  <a:ext cx="1264193" cy="524344"/>
-                </a:xfrm>
-                <a:prstGeom prst="rect">
-                  <a:avLst/>
-                </a:prstGeom>
-                <a:noFill/>
-                <a:ln>
-                  <a:noFill/>
-                </a:ln>
-              </p:spPr>
-              <p:txBody>
-                <a:bodyPr spcFirstLastPara="1" wrap="square" lIns="91425" tIns="91425" rIns="91425" bIns="91425" anchor="t" anchorCtr="0">
-                  <a:spAutoFit/>
-                </a:bodyPr>
-                <a:lstStyle/>
-                <a:p>
-                  <a:pPr lvl="0">
-                    <a:lnSpc>
-                      <a:spcPct val="115000"/>
-                    </a:lnSpc>
-                    <a:spcAft>
-                      <a:spcPts val="1200"/>
-                    </a:spcAft>
-                  </a:pPr>
-                  <a:r>
-                    <a:rPr lang="en-US" sz="1000" b="1" dirty="0" err="1" smtClean="0">
-                      <a:solidFill>
-                        <a:srgbClr val="7030A0"/>
-                      </a:solidFill>
-                      <a:latin typeface="Arial" panose="020B0604020202020204" pitchFamily="34" charset="0"/>
-                      <a:ea typeface="Calibri"/>
-                      <a:cs typeface="Arial" panose="020B0604020202020204" pitchFamily="34" charset="0"/>
-                      <a:sym typeface="Calibri"/>
-                    </a:rPr>
-                    <a:t>D</a:t>
-                  </a:r>
-                  <a:r>
-                    <a:rPr lang="en-US" sz="1000" b="1" baseline="-25000" dirty="0" err="1" smtClean="0">
-                      <a:solidFill>
-                        <a:srgbClr val="7030A0"/>
-                      </a:solidFill>
-                      <a:latin typeface="Arial" panose="020B0604020202020204" pitchFamily="34" charset="0"/>
-                      <a:ea typeface="Calibri"/>
-                      <a:cs typeface="Arial" panose="020B0604020202020204" pitchFamily="34" charset="0"/>
-                      <a:sym typeface="Calibri"/>
-                    </a:rPr>
-                    <a:t>cs</a:t>
-                  </a:r>
-                  <a:r>
-                    <a:rPr lang="en-US" sz="1000" b="1" dirty="0" smtClean="0">
-                      <a:solidFill>
-                        <a:srgbClr val="7030A0"/>
-                      </a:solidFill>
-                      <a:latin typeface="Arial" panose="020B0604020202020204" pitchFamily="34" charset="0"/>
-                      <a:ea typeface="Calibri"/>
-                      <a:cs typeface="Arial" panose="020B0604020202020204" pitchFamily="34" charset="0"/>
-                      <a:sym typeface="Calibri"/>
-                    </a:rPr>
-                    <a:t> </a:t>
-                  </a:r>
-                  <a:r>
-                    <a:rPr lang="en-US" sz="1000" b="1" dirty="0">
-                      <a:solidFill>
-                        <a:srgbClr val="7030A0"/>
-                      </a:solidFill>
-                      <a:latin typeface="Arial" panose="020B0604020202020204" pitchFamily="34" charset="0"/>
-                      <a:ea typeface="Calibri"/>
-                      <a:cs typeface="Arial" panose="020B0604020202020204" pitchFamily="34" charset="0"/>
-                      <a:sym typeface="Calibri"/>
-                    </a:rPr>
-                    <a:t>= </a:t>
-                  </a:r>
-                  <a:r>
-                    <a:rPr lang="en-US" sz="1000" b="1" dirty="0" smtClean="0">
-                      <a:solidFill>
-                        <a:srgbClr val="7030A0"/>
-                      </a:solidFill>
-                      <a:latin typeface="Arial" panose="020B0604020202020204" pitchFamily="34" charset="0"/>
-                      <a:ea typeface="Calibri"/>
-                      <a:cs typeface="Arial" panose="020B0604020202020204" pitchFamily="34" charset="0"/>
-                      <a:sym typeface="Calibri"/>
-                    </a:rPr>
-                    <a:t>S(</a:t>
-                  </a:r>
-                  <a:r>
-                    <a:rPr lang="en-US" sz="1000" b="1" dirty="0" err="1" smtClean="0">
-                      <a:solidFill>
-                        <a:srgbClr val="7030A0"/>
-                      </a:solidFill>
-                      <a:latin typeface="Arial" panose="020B0604020202020204" pitchFamily="34" charset="0"/>
-                      <a:ea typeface="Calibri"/>
-                      <a:cs typeface="Arial" panose="020B0604020202020204" pitchFamily="34" charset="0"/>
-                      <a:sym typeface="Calibri"/>
-                    </a:rPr>
-                    <a:t>i</a:t>
-                  </a:r>
-                  <a:r>
-                    <a:rPr lang="en-US" sz="1000" b="1" dirty="0">
-                      <a:solidFill>
-                        <a:srgbClr val="7030A0"/>
-                      </a:solidFill>
-                      <a:latin typeface="Arial" panose="020B0604020202020204" pitchFamily="34" charset="0"/>
-                      <a:ea typeface="Calibri"/>
-                      <a:cs typeface="Arial" panose="020B0604020202020204" pitchFamily="34" charset="0"/>
-                      <a:sym typeface="Calibri"/>
-                    </a:rPr>
-                    <a:t>) - </a:t>
-                  </a:r>
-                  <a:r>
-                    <a:rPr lang="en-US" sz="1000" b="1" dirty="0" smtClean="0">
-                      <a:solidFill>
-                        <a:srgbClr val="7030A0"/>
-                      </a:solidFill>
-                      <a:latin typeface="Arial" panose="020B0604020202020204" pitchFamily="34" charset="0"/>
-                      <a:ea typeface="Calibri"/>
-                      <a:cs typeface="Arial" panose="020B0604020202020204" pitchFamily="34" charset="0"/>
-                      <a:sym typeface="Calibri"/>
-                    </a:rPr>
-                    <a:t>S(j</a:t>
-                  </a:r>
-                  <a:r>
-                    <a:rPr lang="en-US" sz="1000" b="1" dirty="0">
-                      <a:solidFill>
-                        <a:srgbClr val="7030A0"/>
-                      </a:solidFill>
-                      <a:latin typeface="Arial" panose="020B0604020202020204" pitchFamily="34" charset="0"/>
-                      <a:ea typeface="Calibri"/>
-                      <a:cs typeface="Arial" panose="020B0604020202020204" pitchFamily="34" charset="0"/>
-                      <a:sym typeface="Calibri"/>
-                    </a:rPr>
-                    <a:t>)</a:t>
-                  </a:r>
-                  <a:endParaRPr sz="1000" b="1" dirty="0">
-                    <a:solidFill>
-                      <a:srgbClr val="7030A0"/>
-                    </a:solidFill>
-                    <a:latin typeface="Arial" panose="020B0604020202020204" pitchFamily="34" charset="0"/>
-                    <a:ea typeface="Calibri"/>
-                    <a:cs typeface="Arial" panose="020B0604020202020204" pitchFamily="34" charset="0"/>
-                    <a:sym typeface="Calibri"/>
-                  </a:endParaRPr>
-                </a:p>
-              </p:txBody>
-            </p:sp>
-            <p:sp>
-              <p:nvSpPr>
-                <p:cNvPr id="148" name="Google Shape;166;p14"/>
-                <p:cNvSpPr txBox="1"/>
-                <p:nvPr/>
-              </p:nvSpPr>
-              <p:spPr>
-                <a:xfrm>
-                  <a:off x="4222240" y="1440994"/>
-                  <a:ext cx="1264193" cy="524344"/>
-                </a:xfrm>
-                <a:prstGeom prst="rect">
-                  <a:avLst/>
-                </a:prstGeom>
-                <a:noFill/>
-                <a:ln>
-                  <a:noFill/>
-                </a:ln>
-              </p:spPr>
-              <p:txBody>
-                <a:bodyPr spcFirstLastPara="1" wrap="square" lIns="91425" tIns="91425" rIns="91425" bIns="91425" anchor="t" anchorCtr="0">
-                  <a:spAutoFit/>
-                </a:bodyPr>
-                <a:lstStyle/>
-                <a:p>
-                  <a:pPr lvl="0">
-                    <a:lnSpc>
-                      <a:spcPct val="115000"/>
-                    </a:lnSpc>
-                    <a:spcAft>
-                      <a:spcPts val="1200"/>
-                    </a:spcAft>
-                  </a:pPr>
-                  <a:r>
-                    <a:rPr lang="en-US" sz="1000" b="1" dirty="0" err="1" smtClean="0">
-                      <a:solidFill>
-                        <a:srgbClr val="7030A0"/>
-                      </a:solidFill>
-                      <a:latin typeface="Arial" panose="020B0604020202020204" pitchFamily="34" charset="0"/>
-                      <a:ea typeface="Calibri"/>
-                      <a:cs typeface="Arial" panose="020B0604020202020204" pitchFamily="34" charset="0"/>
-                      <a:sym typeface="Calibri"/>
-                    </a:rPr>
-                    <a:t>D</a:t>
-                  </a:r>
-                  <a:r>
-                    <a:rPr lang="en-US" sz="1000" b="1" baseline="-25000" dirty="0" err="1" smtClean="0">
-                      <a:solidFill>
-                        <a:srgbClr val="7030A0"/>
-                      </a:solidFill>
-                      <a:latin typeface="Arial" panose="020B0604020202020204" pitchFamily="34" charset="0"/>
-                      <a:ea typeface="Calibri"/>
-                      <a:cs typeface="Arial" panose="020B0604020202020204" pitchFamily="34" charset="0"/>
-                      <a:sym typeface="Calibri"/>
-                    </a:rPr>
-                    <a:t>z</a:t>
-                  </a:r>
-                  <a:r>
-                    <a:rPr lang="en-US" sz="1000" b="1" dirty="0" smtClean="0">
-                      <a:solidFill>
-                        <a:srgbClr val="7030A0"/>
-                      </a:solidFill>
-                      <a:latin typeface="Arial" panose="020B0604020202020204" pitchFamily="34" charset="0"/>
-                      <a:ea typeface="Calibri"/>
-                      <a:cs typeface="Arial" panose="020B0604020202020204" pitchFamily="34" charset="0"/>
-                      <a:sym typeface="Calibri"/>
-                    </a:rPr>
-                    <a:t> = Z(</a:t>
-                  </a:r>
-                  <a:r>
-                    <a:rPr lang="en-US" sz="1000" b="1" dirty="0" err="1" smtClean="0">
-                      <a:solidFill>
-                        <a:srgbClr val="7030A0"/>
-                      </a:solidFill>
-                      <a:latin typeface="Arial" panose="020B0604020202020204" pitchFamily="34" charset="0"/>
-                      <a:ea typeface="Calibri"/>
-                      <a:cs typeface="Arial" panose="020B0604020202020204" pitchFamily="34" charset="0"/>
-                      <a:sym typeface="Calibri"/>
-                    </a:rPr>
-                    <a:t>i</a:t>
-                  </a:r>
-                  <a:r>
-                    <a:rPr lang="en-US" sz="1000" b="1" dirty="0">
-                      <a:solidFill>
-                        <a:srgbClr val="7030A0"/>
-                      </a:solidFill>
-                      <a:latin typeface="Arial" panose="020B0604020202020204" pitchFamily="34" charset="0"/>
-                      <a:ea typeface="Calibri"/>
-                      <a:cs typeface="Arial" panose="020B0604020202020204" pitchFamily="34" charset="0"/>
-                      <a:sym typeface="Calibri"/>
-                    </a:rPr>
-                    <a:t>) - </a:t>
-                  </a:r>
-                  <a:r>
-                    <a:rPr lang="en-US" sz="1000" b="1" dirty="0" smtClean="0">
-                      <a:solidFill>
-                        <a:srgbClr val="7030A0"/>
-                      </a:solidFill>
-                      <a:latin typeface="Arial" panose="020B0604020202020204" pitchFamily="34" charset="0"/>
-                      <a:ea typeface="Calibri"/>
-                      <a:cs typeface="Arial" panose="020B0604020202020204" pitchFamily="34" charset="0"/>
-                      <a:sym typeface="Calibri"/>
-                    </a:rPr>
-                    <a:t>Z</a:t>
-                  </a:r>
-                  <a:r>
-                    <a:rPr lang="en-US" sz="1000" b="1" baseline="-25000" dirty="0" smtClean="0">
-                      <a:solidFill>
-                        <a:srgbClr val="7030A0"/>
-                      </a:solidFill>
-                      <a:latin typeface="Arial" panose="020B0604020202020204" pitchFamily="34" charset="0"/>
-                      <a:ea typeface="Calibri"/>
-                      <a:cs typeface="Arial" panose="020B0604020202020204" pitchFamily="34" charset="0"/>
-                      <a:sym typeface="Calibri"/>
-                    </a:rPr>
-                    <a:t> </a:t>
-                  </a:r>
-                  <a:r>
-                    <a:rPr lang="en-US" sz="1000" b="1" dirty="0" smtClean="0">
-                      <a:solidFill>
-                        <a:srgbClr val="7030A0"/>
-                      </a:solidFill>
-                      <a:latin typeface="Arial" panose="020B0604020202020204" pitchFamily="34" charset="0"/>
-                      <a:ea typeface="Calibri"/>
-                      <a:cs typeface="Arial" panose="020B0604020202020204" pitchFamily="34" charset="0"/>
-                      <a:sym typeface="Calibri"/>
-                    </a:rPr>
-                    <a:t>(j</a:t>
-                  </a:r>
-                  <a:r>
-                    <a:rPr lang="en-US" sz="1000" b="1" dirty="0">
-                      <a:solidFill>
-                        <a:srgbClr val="7030A0"/>
-                      </a:solidFill>
-                      <a:latin typeface="Arial" panose="020B0604020202020204" pitchFamily="34" charset="0"/>
-                      <a:ea typeface="Calibri"/>
-                      <a:cs typeface="Arial" panose="020B0604020202020204" pitchFamily="34" charset="0"/>
-                      <a:sym typeface="Calibri"/>
-                    </a:rPr>
-                    <a:t>)</a:t>
-                  </a:r>
-                  <a:endParaRPr sz="1000" b="1" dirty="0">
-                    <a:solidFill>
-                      <a:srgbClr val="7030A0"/>
-                    </a:solidFill>
-                    <a:latin typeface="Arial" panose="020B0604020202020204" pitchFamily="34" charset="0"/>
-                    <a:ea typeface="Calibri"/>
-                    <a:cs typeface="Arial" panose="020B0604020202020204" pitchFamily="34" charset="0"/>
-                    <a:sym typeface="Calibri"/>
-                  </a:endParaRPr>
-                </a:p>
-              </p:txBody>
-            </p:sp>
-            <p:sp>
-              <p:nvSpPr>
-                <p:cNvPr id="146" name="TextBox 145"/>
-                <p:cNvSpPr txBox="1"/>
-                <p:nvPr/>
-              </p:nvSpPr>
-              <p:spPr>
-                <a:xfrm>
-                  <a:off x="3047685" y="1650954"/>
-                  <a:ext cx="844093" cy="253916"/>
-                </a:xfrm>
-                <a:prstGeom prst="rect">
-                  <a:avLst/>
-                </a:prstGeom>
-                <a:noFill/>
-              </p:spPr>
-              <p:txBody>
-                <a:bodyPr wrap="square" rtlCol="0">
-                  <a:spAutoFit/>
-                </a:bodyPr>
-                <a:lstStyle/>
-                <a:p>
-                  <a:r>
-                    <a:rPr lang="en-US" sz="1000" b="1" dirty="0" smtClean="0">
-                      <a:solidFill>
-                        <a:srgbClr val="FF0000"/>
-                      </a:solidFill>
-                      <a:latin typeface="Arial" panose="020B0604020202020204" pitchFamily="34" charset="0"/>
-                      <a:cs typeface="Arial" panose="020B0604020202020204" pitchFamily="34" charset="0"/>
-                    </a:rPr>
-                    <a:t>Align</a:t>
-                  </a:r>
-                  <a:endParaRPr lang="en-US" sz="1000" b="1" dirty="0">
-                    <a:solidFill>
-                      <a:srgbClr val="FF0000"/>
-                    </a:solidFill>
-                    <a:latin typeface="Arial" panose="020B0604020202020204" pitchFamily="34" charset="0"/>
-                    <a:cs typeface="Arial" panose="020B0604020202020204" pitchFamily="34" charset="0"/>
-                  </a:endParaRPr>
-                </a:p>
-              </p:txBody>
-            </p:sp>
           </p:grpSp>
+          <mc:AlternateContent xmlns:mc="http://schemas.openxmlformats.org/markup-compatibility/2006">
+            <mc:Choice xmlns:a14="http://schemas.microsoft.com/office/drawing/2010/main" Requires="a14">
+              <p:graphicFrame>
+                <p:nvGraphicFramePr>
+                  <p:cNvPr id="126" name="Chart 125"/>
+                  <p:cNvGraphicFramePr>
+                    <a:graphicFrameLocks/>
+                  </p:cNvGraphicFramePr>
+                  <p:nvPr>
+                    <p:extLst/>
+                  </p:nvPr>
+                </p:nvGraphicFramePr>
+                <p:xfrm>
+                  <a:off x="550082" y="3057540"/>
+                  <a:ext cx="1005840" cy="548640"/>
+                </p:xfrm>
+                <a:graphic>
+                  <a:graphicData uri="http://schemas.openxmlformats.org/drawingml/2006/chart">
+                    <c:chart xmlns:c="http://schemas.openxmlformats.org/drawingml/2006/chart" xmlns:r="http://schemas.openxmlformats.org/officeDocument/2006/relationships" r:id="rId7"/>
+                  </a:graphicData>
+                </a:graphic>
+              </p:graphicFrame>
+            </mc:Choice>
+            <mc:Fallback>
+              <p:graphicFrame>
+                <p:nvGraphicFramePr>
+                  <p:cNvPr id="126" name="Chart 125"/>
+                  <p:cNvGraphicFramePr>
+                    <a:graphicFrameLocks/>
+                  </p:cNvGraphicFramePr>
+                  <p:nvPr>
+                    <p:extLst/>
+                  </p:nvPr>
+                </p:nvGraphicFramePr>
+                <p:xfrm>
+                  <a:off x="550082" y="3057540"/>
+                  <a:ext cx="1005840" cy="548640"/>
+                </p:xfrm>
+                <a:graphic>
+                  <a:graphicData uri="http://schemas.openxmlformats.org/drawingml/2006/chart">
+                    <c:chart xmlns:c="http://schemas.openxmlformats.org/drawingml/2006/chart" xmlns:r="http://schemas.openxmlformats.org/officeDocument/2006/relationships" r:id="rId7"/>
+                  </a:graphicData>
+                </a:graphic>
+              </p:graphicFrame>
+            </mc:Fallback>
+          </mc:AlternateContent>
+          <mc:AlternateContent xmlns:mc="http://schemas.openxmlformats.org/markup-compatibility/2006">
+            <mc:Choice xmlns:a14="http://schemas.microsoft.com/office/drawing/2010/main" Requires="a14">
+              <p:graphicFrame>
+                <p:nvGraphicFramePr>
+                  <p:cNvPr id="127" name="Chart 126"/>
+                  <p:cNvGraphicFramePr>
+                    <a:graphicFrameLocks/>
+                  </p:cNvGraphicFramePr>
+                  <p:nvPr>
+                    <p:extLst/>
+                  </p:nvPr>
+                </p:nvGraphicFramePr>
+                <p:xfrm>
+                  <a:off x="550082" y="3353207"/>
+                  <a:ext cx="1005840" cy="548640"/>
+                </p:xfrm>
+                <a:graphic>
+                  <a:graphicData uri="http://schemas.openxmlformats.org/drawingml/2006/chart">
+                    <c:chart xmlns:c="http://schemas.openxmlformats.org/drawingml/2006/chart" xmlns:r="http://schemas.openxmlformats.org/officeDocument/2006/relationships" r:id="rId8"/>
+                  </a:graphicData>
+                </a:graphic>
+              </p:graphicFrame>
+            </mc:Choice>
+            <mc:Fallback>
+              <p:graphicFrame>
+                <p:nvGraphicFramePr>
+                  <p:cNvPr id="127" name="Chart 126"/>
+                  <p:cNvGraphicFramePr>
+                    <a:graphicFrameLocks/>
+                  </p:cNvGraphicFramePr>
+                  <p:nvPr>
+                    <p:extLst/>
+                  </p:nvPr>
+                </p:nvGraphicFramePr>
+                <p:xfrm>
+                  <a:off x="550082" y="3353207"/>
+                  <a:ext cx="1005840" cy="548640"/>
+                </p:xfrm>
+                <a:graphic>
+                  <a:graphicData uri="http://schemas.openxmlformats.org/drawingml/2006/chart">
+                    <c:chart xmlns:c="http://schemas.openxmlformats.org/drawingml/2006/chart" xmlns:r="http://schemas.openxmlformats.org/officeDocument/2006/relationships" r:id="rId8"/>
+                  </a:graphicData>
+                </a:graphic>
+              </p:graphicFrame>
+            </mc:Fallback>
+          </mc:AlternateContent>
+          <mc:AlternateContent xmlns:mc="http://schemas.openxmlformats.org/markup-compatibility/2006">
+            <mc:Choice xmlns:a14="http://schemas.microsoft.com/office/drawing/2010/main" Requires="a14">
+              <p:graphicFrame>
+                <p:nvGraphicFramePr>
+                  <p:cNvPr id="128" name="Chart 127"/>
+                  <p:cNvGraphicFramePr>
+                    <a:graphicFrameLocks/>
+                  </p:cNvGraphicFramePr>
+                  <p:nvPr>
+                    <p:extLst/>
+                  </p:nvPr>
+                </p:nvGraphicFramePr>
+                <p:xfrm>
+                  <a:off x="563279" y="3644753"/>
+                  <a:ext cx="1005840" cy="548640"/>
+                </p:xfrm>
+                <a:graphic>
+                  <a:graphicData uri="http://schemas.openxmlformats.org/drawingml/2006/chart">
+                    <c:chart xmlns:c="http://schemas.openxmlformats.org/drawingml/2006/chart" xmlns:r="http://schemas.openxmlformats.org/officeDocument/2006/relationships" r:id="rId9"/>
+                  </a:graphicData>
+                </a:graphic>
+              </p:graphicFrame>
+            </mc:Choice>
+            <mc:Fallback>
+              <p:graphicFrame>
+                <p:nvGraphicFramePr>
+                  <p:cNvPr id="128" name="Chart 127"/>
+                  <p:cNvGraphicFramePr>
+                    <a:graphicFrameLocks/>
+                  </p:cNvGraphicFramePr>
+                  <p:nvPr>
+                    <p:extLst/>
+                  </p:nvPr>
+                </p:nvGraphicFramePr>
+                <p:xfrm>
+                  <a:off x="563279" y="3644753"/>
+                  <a:ext cx="1005840" cy="548640"/>
+                </p:xfrm>
+                <a:graphic>
+                  <a:graphicData uri="http://schemas.openxmlformats.org/drawingml/2006/chart">
+                    <c:chart xmlns:c="http://schemas.openxmlformats.org/drawingml/2006/chart" xmlns:r="http://schemas.openxmlformats.org/officeDocument/2006/relationships" r:id="rId9"/>
+                  </a:graphicData>
+                </a:graphic>
+              </p:graphicFrame>
+            </mc:Fallback>
+          </mc:AlternateContent>
+          <mc:AlternateContent xmlns:mc="http://schemas.openxmlformats.org/markup-compatibility/2006">
+            <mc:Choice xmlns:a14="http://schemas.microsoft.com/office/drawing/2010/main" Requires="a14">
+              <p:graphicFrame>
+                <p:nvGraphicFramePr>
+                  <p:cNvPr id="129" name="Chart 128"/>
+                  <p:cNvGraphicFramePr>
+                    <a:graphicFrameLocks/>
+                  </p:cNvGraphicFramePr>
+                  <p:nvPr>
+                    <p:extLst/>
+                  </p:nvPr>
+                </p:nvGraphicFramePr>
+                <p:xfrm>
+                  <a:off x="578771" y="3921190"/>
+                  <a:ext cx="1005840" cy="548640"/>
+                </p:xfrm>
+                <a:graphic>
+                  <a:graphicData uri="http://schemas.openxmlformats.org/drawingml/2006/chart">
+                    <c:chart xmlns:c="http://schemas.openxmlformats.org/drawingml/2006/chart" xmlns:r="http://schemas.openxmlformats.org/officeDocument/2006/relationships" r:id="rId10"/>
+                  </a:graphicData>
+                </a:graphic>
+              </p:graphicFrame>
+            </mc:Choice>
+            <mc:Fallback>
+              <p:graphicFrame>
+                <p:nvGraphicFramePr>
+                  <p:cNvPr id="129" name="Chart 128"/>
+                  <p:cNvGraphicFramePr>
+                    <a:graphicFrameLocks/>
+                  </p:cNvGraphicFramePr>
+                  <p:nvPr>
+                    <p:extLst/>
+                  </p:nvPr>
+                </p:nvGraphicFramePr>
+                <p:xfrm>
+                  <a:off x="578771" y="3921190"/>
+                  <a:ext cx="1005840" cy="548640"/>
+                </p:xfrm>
+                <a:graphic>
+                  <a:graphicData uri="http://schemas.openxmlformats.org/drawingml/2006/chart">
+                    <c:chart xmlns:c="http://schemas.openxmlformats.org/drawingml/2006/chart" xmlns:r="http://schemas.openxmlformats.org/officeDocument/2006/relationships" r:id="rId10"/>
+                  </a:graphicData>
+                </a:graphic>
+              </p:graphicFrame>
+            </mc:Fallback>
+          </mc:AlternateContent>
+          <mc:AlternateContent xmlns:mc="http://schemas.openxmlformats.org/markup-compatibility/2006">
+            <mc:Choice xmlns:a14="http://schemas.microsoft.com/office/drawing/2010/main" Requires="a14">
+              <p:graphicFrame>
+                <p:nvGraphicFramePr>
+                  <p:cNvPr id="130" name="Chart 129"/>
+                  <p:cNvGraphicFramePr>
+                    <a:graphicFrameLocks/>
+                  </p:cNvGraphicFramePr>
+                  <p:nvPr>
+                    <p:extLst/>
+                  </p:nvPr>
+                </p:nvGraphicFramePr>
+                <p:xfrm>
+                  <a:off x="563334" y="4996573"/>
+                  <a:ext cx="1005840" cy="548640"/>
+                </p:xfrm>
+                <a:graphic>
+                  <a:graphicData uri="http://schemas.openxmlformats.org/drawingml/2006/chart">
+                    <c:chart xmlns:c="http://schemas.openxmlformats.org/drawingml/2006/chart" xmlns:r="http://schemas.openxmlformats.org/officeDocument/2006/relationships" r:id="rId11"/>
+                  </a:graphicData>
+                </a:graphic>
+              </p:graphicFrame>
+            </mc:Choice>
+            <mc:Fallback>
+              <p:graphicFrame>
+                <p:nvGraphicFramePr>
+                  <p:cNvPr id="130" name="Chart 129"/>
+                  <p:cNvGraphicFramePr>
+                    <a:graphicFrameLocks/>
+                  </p:cNvGraphicFramePr>
+                  <p:nvPr>
+                    <p:extLst/>
+                  </p:nvPr>
+                </p:nvGraphicFramePr>
+                <p:xfrm>
+                  <a:off x="563334" y="4996573"/>
+                  <a:ext cx="1005840" cy="548640"/>
+                </p:xfrm>
+                <a:graphic>
+                  <a:graphicData uri="http://schemas.openxmlformats.org/drawingml/2006/chart">
+                    <c:chart xmlns:c="http://schemas.openxmlformats.org/drawingml/2006/chart" xmlns:r="http://schemas.openxmlformats.org/officeDocument/2006/relationships" r:id="rId11"/>
+                  </a:graphicData>
+                </a:graphic>
+              </p:graphicFrame>
+            </mc:Fallback>
+          </mc:AlternateContent>
           <p:sp>
             <p:nvSpPr>
-              <p:cNvPr id="151" name="Rectangle 150"/>
-              <p:cNvSpPr/>
-              <p:nvPr/>
-            </p:nvSpPr>
-            <p:spPr>
-              <a:xfrm>
-                <a:off x="10608060" y="1926605"/>
-                <a:ext cx="457200" cy="457200"/>
-              </a:xfrm>
-              <a:prstGeom prst="rect">
-                <a:avLst/>
-              </a:prstGeom>
-            </p:spPr>
-            <p:style>
-              <a:lnRef idx="1">
-                <a:schemeClr val="accent6"/>
-              </a:lnRef>
-              <a:fillRef idx="3">
-                <a:schemeClr val="accent6"/>
-              </a:fillRef>
-              <a:effectRef idx="2">
-                <a:schemeClr val="accent6"/>
-              </a:effectRef>
-              <a:fontRef idx="minor">
-                <a:schemeClr val="lt1"/>
-              </a:fontRef>
-            </p:style>
-            <p:txBody>
-              <a:bodyPr rtlCol="0" anchor="ctr"/>
-              <a:lstStyle/>
-              <a:p>
-                <a:pPr algn="ctr"/>
-                <a:endParaRPr lang="en-US" sz="900" b="1" dirty="0">
-                  <a:solidFill>
-                    <a:schemeClr val="tx1"/>
-                  </a:solidFill>
-                </a:endParaRPr>
-              </a:p>
-            </p:txBody>
-          </p:sp>
-          <p:sp>
-            <p:nvSpPr>
-              <p:cNvPr id="152" name="TextBox 151"/>
+              <p:cNvPr id="131" name="TextBox 130"/>
               <p:cNvSpPr txBox="1"/>
               <p:nvPr/>
             </p:nvSpPr>
             <p:spPr>
               <a:xfrm>
-                <a:off x="10950398" y="2372123"/>
-                <a:ext cx="476651" cy="261610"/>
+                <a:off x="1357365" y="2473377"/>
+                <a:ext cx="1015127" cy="455027"/>
               </a:xfrm>
               <a:prstGeom prst="rect">
                 <a:avLst/>
@@ -13679,309 +12506,30 @@
               <a:noFill/>
             </p:spPr>
             <p:txBody>
-              <a:bodyPr wrap="square" rtlCol="0">
-                <a:spAutoFit/>
-              </a:bodyPr>
-              <a:lstStyle/>
-              <a:p>
-                <a:r>
-                  <a:rPr lang="en-US" sz="1050" b="1" dirty="0" smtClean="0"/>
-                  <a:t>6×6</a:t>
-                </a:r>
-                <a:endParaRPr lang="en-US" sz="1050" b="1" dirty="0"/>
-              </a:p>
-            </p:txBody>
-          </p:sp>
-          <p:sp>
-            <p:nvSpPr>
-              <p:cNvPr id="153" name="Rectangle 152"/>
-              <p:cNvSpPr/>
-              <p:nvPr/>
-            </p:nvSpPr>
-            <p:spPr>
-              <a:xfrm>
-                <a:off x="6646177" y="1973771"/>
-                <a:ext cx="457200" cy="457200"/>
-              </a:xfrm>
-              <a:prstGeom prst="rect">
-                <a:avLst/>
-              </a:prstGeom>
-            </p:spPr>
-            <p:style>
-              <a:lnRef idx="1">
-                <a:schemeClr val="accent6"/>
-              </a:lnRef>
-              <a:fillRef idx="3">
-                <a:schemeClr val="accent6"/>
-              </a:fillRef>
-              <a:effectRef idx="2">
-                <a:schemeClr val="accent6"/>
-              </a:effectRef>
-              <a:fontRef idx="minor">
-                <a:schemeClr val="lt1"/>
-              </a:fontRef>
-            </p:style>
-            <p:txBody>
-              <a:bodyPr rtlCol="0" anchor="ctr"/>
-              <a:lstStyle/>
-              <a:p>
-                <a:pPr algn="ctr"/>
-                <a:endParaRPr lang="en-US" sz="900" b="1" dirty="0">
-                  <a:solidFill>
-                    <a:schemeClr val="tx1"/>
-                  </a:solidFill>
-                </a:endParaRPr>
-              </a:p>
-            </p:txBody>
-          </p:sp>
-          <p:sp>
-            <p:nvSpPr>
-              <p:cNvPr id="154" name="TextBox 153"/>
-              <p:cNvSpPr txBox="1"/>
-              <p:nvPr/>
-            </p:nvSpPr>
-            <p:spPr>
-              <a:xfrm>
-                <a:off x="6998522" y="2425837"/>
-                <a:ext cx="476651" cy="261610"/>
-              </a:xfrm>
-              <a:prstGeom prst="rect">
-                <a:avLst/>
-              </a:prstGeom>
-              <a:noFill/>
-            </p:spPr>
-            <p:txBody>
-              <a:bodyPr wrap="square" rtlCol="0">
-                <a:spAutoFit/>
-              </a:bodyPr>
-              <a:lstStyle/>
-              <a:p>
-                <a:r>
-                  <a:rPr lang="en-US" sz="1050" b="1" dirty="0" smtClean="0"/>
-                  <a:t>6×6</a:t>
-                </a:r>
-                <a:endParaRPr lang="en-US" sz="1050" b="1" dirty="0"/>
-              </a:p>
-            </p:txBody>
-          </p:sp>
-          <p:cxnSp>
-            <p:nvCxnSpPr>
-              <p:cNvPr id="155" name="Straight Arrow Connector 154"/>
-              <p:cNvCxnSpPr/>
-              <p:nvPr/>
-            </p:nvCxnSpPr>
-            <p:spPr>
-              <a:xfrm>
-                <a:off x="5374259" y="2229305"/>
-                <a:ext cx="1005840" cy="0"/>
-              </a:xfrm>
-              <a:prstGeom prst="straightConnector1">
-                <a:avLst/>
-              </a:prstGeom>
-              <a:ln w="28575">
-                <a:tailEnd type="triangle"/>
-              </a:ln>
-            </p:spPr>
-            <p:style>
-              <a:lnRef idx="3">
-                <a:schemeClr val="dk1"/>
-              </a:lnRef>
-              <a:fillRef idx="0">
-                <a:schemeClr val="dk1"/>
-              </a:fillRef>
-              <a:effectRef idx="2">
-                <a:schemeClr val="dk1"/>
-              </a:effectRef>
-              <a:fontRef idx="minor">
-                <a:schemeClr val="tx1"/>
-              </a:fontRef>
-            </p:style>
-          </p:cxnSp>
-          <p:cxnSp>
-            <p:nvCxnSpPr>
-              <p:cNvPr id="156" name="Straight Arrow Connector 155"/>
-              <p:cNvCxnSpPr/>
-              <p:nvPr/>
-            </p:nvCxnSpPr>
-            <p:spPr>
-              <a:xfrm flipH="1">
-                <a:off x="10817668" y="862534"/>
-                <a:ext cx="1766" cy="999675"/>
-              </a:xfrm>
-              <a:prstGeom prst="straightConnector1">
-                <a:avLst/>
-              </a:prstGeom>
-              <a:ln w="28575">
-                <a:tailEnd type="triangle"/>
-              </a:ln>
-            </p:spPr>
-            <p:style>
-              <a:lnRef idx="3">
-                <a:schemeClr val="dk1"/>
-              </a:lnRef>
-              <a:fillRef idx="0">
-                <a:schemeClr val="dk1"/>
-              </a:fillRef>
-              <a:effectRef idx="2">
-                <a:schemeClr val="dk1"/>
-              </a:effectRef>
-              <a:fontRef idx="minor">
-                <a:schemeClr val="tx1"/>
-              </a:fontRef>
-            </p:style>
-          </p:cxnSp>
-          <p:cxnSp>
-            <p:nvCxnSpPr>
-              <p:cNvPr id="158" name="Straight Arrow Connector 157"/>
-              <p:cNvCxnSpPr/>
-              <p:nvPr/>
-            </p:nvCxnSpPr>
-            <p:spPr>
-              <a:xfrm>
-                <a:off x="7288012" y="2218993"/>
-                <a:ext cx="3200400" cy="0"/>
-              </a:xfrm>
-              <a:prstGeom prst="straightConnector1">
-                <a:avLst/>
-              </a:prstGeom>
-              <a:ln w="28575">
-                <a:solidFill>
-                  <a:srgbClr val="FF0000"/>
-                </a:solidFill>
-                <a:headEnd type="triangle"/>
-                <a:tailEnd type="triangle"/>
-              </a:ln>
-            </p:spPr>
-            <p:style>
-              <a:lnRef idx="1">
-                <a:schemeClr val="accent1"/>
-              </a:lnRef>
-              <a:fillRef idx="0">
-                <a:schemeClr val="accent1"/>
-              </a:fillRef>
-              <a:effectRef idx="0">
-                <a:schemeClr val="accent1"/>
-              </a:effectRef>
-              <a:fontRef idx="minor">
-                <a:schemeClr val="tx1"/>
-              </a:fontRef>
-            </p:style>
-          </p:cxnSp>
-          <p:sp>
-            <p:nvSpPr>
-              <p:cNvPr id="160" name="TextBox 159"/>
-              <p:cNvSpPr txBox="1"/>
-              <p:nvPr/>
-            </p:nvSpPr>
-            <p:spPr>
-              <a:xfrm>
-                <a:off x="7302558" y="1918779"/>
-                <a:ext cx="3102028" cy="246221"/>
-              </a:xfrm>
-              <a:prstGeom prst="rect">
-                <a:avLst/>
-              </a:prstGeom>
-              <a:noFill/>
-            </p:spPr>
-            <p:txBody>
-              <a:bodyPr wrap="square" rtlCol="0">
-                <a:spAutoFit/>
+              <a:bodyPr vert="horz" wrap="square" rtlCol="0" anchor="ctr" anchorCtr="0">
+                <a:noAutofit/>
               </a:bodyPr>
               <a:lstStyle/>
               <a:p>
                 <a:pPr algn="ctr"/>
                 <a:r>
-                  <a:rPr lang="en-US" sz="1000" b="1" dirty="0" smtClean="0">
-                    <a:solidFill>
-                      <a:srgbClr val="FF0000"/>
-                    </a:solidFill>
+                  <a:rPr lang="en-US" sz="1200" b="1" dirty="0" smtClean="0">
                     <a:latin typeface="Arial" panose="020B0604020202020204" pitchFamily="34" charset="0"/>
                     <a:cs typeface="Arial" panose="020B0604020202020204" pitchFamily="34" charset="0"/>
                   </a:rPr>
-                  <a:t>Correlation (Geometry Preserving)</a:t>
+                  <a:t>Training</a:t>
                 </a:r>
-                <a:endParaRPr lang="en-US" sz="1000" b="1" dirty="0">
-                  <a:solidFill>
-                    <a:srgbClr val="FF0000"/>
-                  </a:solidFill>
-                  <a:latin typeface="Arial" panose="020B0604020202020204" pitchFamily="34" charset="0"/>
-                  <a:cs typeface="Arial" panose="020B0604020202020204" pitchFamily="34" charset="0"/>
-                </a:endParaRPr>
               </a:p>
-            </p:txBody>
-          </p:sp>
-          <p:cxnSp>
-            <p:nvCxnSpPr>
-              <p:cNvPr id="165" name="Elbow Connector 164"/>
-              <p:cNvCxnSpPr/>
-              <p:nvPr/>
-            </p:nvCxnSpPr>
-            <p:spPr>
-              <a:xfrm rot="5400000" flipH="1" flipV="1">
-                <a:off x="2850934" y="2997149"/>
-                <a:ext cx="2194560" cy="640080"/>
-              </a:xfrm>
-              <a:prstGeom prst="bentConnector3">
-                <a:avLst>
-                  <a:gd name="adj1" fmla="val 100323"/>
-                </a:avLst>
-              </a:prstGeom>
-              <a:ln w="28575">
-                <a:tailEnd type="triangle"/>
-              </a:ln>
-            </p:spPr>
-            <p:style>
-              <a:lnRef idx="3">
-                <a:schemeClr val="dk1"/>
-              </a:lnRef>
-              <a:fillRef idx="0">
-                <a:schemeClr val="dk1"/>
-              </a:fillRef>
-              <a:effectRef idx="2">
-                <a:schemeClr val="dk1"/>
-              </a:effectRef>
-              <a:fontRef idx="minor">
-                <a:schemeClr val="tx1"/>
-              </a:fontRef>
-            </p:style>
-          </p:cxnSp>
-          <p:sp>
-            <p:nvSpPr>
-              <p:cNvPr id="175" name="TextBox 174"/>
-              <p:cNvSpPr txBox="1"/>
-              <p:nvPr/>
-            </p:nvSpPr>
-            <p:spPr>
-              <a:xfrm>
-                <a:off x="5164222" y="1960462"/>
-                <a:ext cx="1588581" cy="230832"/>
-              </a:xfrm>
-              <a:prstGeom prst="rect">
-                <a:avLst/>
-              </a:prstGeom>
-              <a:noFill/>
-            </p:spPr>
-            <p:txBody>
-              <a:bodyPr wrap="square" rtlCol="0">
-                <a:spAutoFit/>
-              </a:bodyPr>
-              <a:lstStyle/>
               <a:p>
+                <a:pPr algn="ctr"/>
                 <a:r>
-                  <a:rPr lang="en-US" sz="900" b="1" dirty="0" smtClean="0">
+                  <a:rPr lang="en-US" sz="1200" b="1" dirty="0" smtClean="0">
                     <a:latin typeface="Arial" panose="020B0604020202020204" pitchFamily="34" charset="0"/>
                     <a:cs typeface="Arial" panose="020B0604020202020204" pitchFamily="34" charset="0"/>
                   </a:rPr>
-                  <a:t>Across-Cluster </a:t>
+                  <a:t>Sequences</a:t>
                 </a:r>
-                <a:r>
-                  <a:rPr lang="en-US" sz="900" b="1" dirty="0" smtClean="0">
-                    <a:latin typeface="Arial" panose="020B0604020202020204" pitchFamily="34" charset="0"/>
-                    <a:cs typeface="Arial" panose="020B0604020202020204" pitchFamily="34" charset="0"/>
-                  </a:rPr>
-                  <a:t>Distance</a:t>
-                </a:r>
-                <a:endParaRPr lang="en-US" sz="900" b="1" dirty="0">
+                <a:endParaRPr lang="en-US" sz="1200" b="1" dirty="0">
                   <a:latin typeface="Arial" panose="020B0604020202020204" pitchFamily="34" charset="0"/>
                   <a:cs typeface="Arial" panose="020B0604020202020204" pitchFamily="34" charset="0"/>
                 </a:endParaRPr>
@@ -13990,14 +12538,14 @@
           </p:sp>
           <p:sp>
             <p:nvSpPr>
-              <p:cNvPr id="176" name="TextBox 175"/>
+              <p:cNvPr id="132" name="TextBox 131"/>
               <p:cNvSpPr txBox="1"/>
               <p:nvPr/>
             </p:nvSpPr>
             <p:spPr>
-              <a:xfrm rot="16200000">
-                <a:off x="10026477" y="1172248"/>
-                <a:ext cx="1173899" cy="369332"/>
+              <a:xfrm>
+                <a:off x="478316" y="2473376"/>
+                <a:ext cx="1015127" cy="455027"/>
               </a:xfrm>
               <a:prstGeom prst="rect">
                 <a:avLst/>
@@ -14005,27 +12553,20 @@
               <a:noFill/>
             </p:spPr>
             <p:txBody>
-              <a:bodyPr wrap="square" rtlCol="0">
-                <a:spAutoFit/>
+              <a:bodyPr vert="horz" wrap="square" rtlCol="0" anchor="ctr" anchorCtr="0">
+                <a:noAutofit/>
               </a:bodyPr>
               <a:lstStyle/>
               <a:p>
                 <a:pPr algn="ctr"/>
                 <a:r>
-                  <a:rPr lang="en-US" sz="900" b="1" dirty="0" smtClean="0">
+                  <a:rPr lang="en-US" sz="1200" b="1" dirty="0" smtClean="0">
                     <a:latin typeface="Arial" panose="020B0604020202020204" pitchFamily="34" charset="0"/>
                     <a:cs typeface="Arial" panose="020B0604020202020204" pitchFamily="34" charset="0"/>
                   </a:rPr>
-                  <a:t>Across-Cluster </a:t>
+                  <a:t>Spectra</a:t>
                 </a:r>
-                <a:r>
-                  <a:rPr lang="en-US" sz="900" b="1" dirty="0" smtClean="0">
-                    <a:latin typeface="Arial" panose="020B0604020202020204" pitchFamily="34" charset="0"/>
-                    <a:cs typeface="Arial" panose="020B0604020202020204" pitchFamily="34" charset="0"/>
-                  </a:rPr>
-                  <a:t>Distance</a:t>
-                </a:r>
-                <a:endParaRPr lang="en-US" sz="900" b="1" dirty="0">
+                <a:endParaRPr lang="en-US" sz="1200" b="1" dirty="0">
                   <a:latin typeface="Arial" panose="020B0604020202020204" pitchFamily="34" charset="0"/>
                   <a:cs typeface="Arial" panose="020B0604020202020204" pitchFamily="34" charset="0"/>
                 </a:endParaRPr>
@@ -14033,16 +12574,51 @@
             </p:txBody>
           </p:sp>
         </p:grpSp>
+        <p:cxnSp>
+          <p:nvCxnSpPr>
+            <p:cNvPr id="26" name="Elbow Connector 25"/>
+            <p:cNvCxnSpPr/>
+            <p:nvPr/>
+          </p:nvCxnSpPr>
+          <p:spPr>
+            <a:xfrm rot="5400000" flipH="1" flipV="1">
+              <a:off x="1624283" y="1353947"/>
+              <a:ext cx="1005840" cy="2377440"/>
+            </a:xfrm>
+            <a:prstGeom prst="bentConnector3">
+              <a:avLst>
+                <a:gd name="adj1" fmla="val 100323"/>
+              </a:avLst>
+            </a:prstGeom>
+            <a:ln w="28575">
+              <a:tailEnd type="triangle"/>
+            </a:ln>
+          </p:spPr>
+          <p:style>
+            <a:lnRef idx="3">
+              <a:schemeClr val="dk1"/>
+            </a:lnRef>
+            <a:fillRef idx="0">
+              <a:schemeClr val="dk1"/>
+            </a:fillRef>
+            <a:effectRef idx="2">
+              <a:schemeClr val="dk1"/>
+            </a:effectRef>
+            <a:fontRef idx="minor">
+              <a:schemeClr val="tx1"/>
+            </a:fontRef>
+          </p:style>
+        </p:cxnSp>
         <p:sp>
           <p:nvSpPr>
-            <p:cNvPr id="177" name="TextBox 176"/>
-            <p:cNvSpPr txBox="1"/>
+            <p:cNvPr id="30" name="Rectangle 29"/>
+            <p:cNvSpPr/>
             <p:nvPr/>
           </p:nvSpPr>
           <p:spPr>
             <a:xfrm>
-              <a:off x="-18332" y="6457890"/>
-              <a:ext cx="1649218" cy="400110"/>
+              <a:off x="3476928" y="1635499"/>
+              <a:ext cx="731520" cy="731520"/>
             </a:xfrm>
             <a:prstGeom prst="rect">
               <a:avLst/>
@@ -14050,18 +12626,54 @@
           </p:spPr>
           <p:style>
             <a:lnRef idx="1">
-              <a:schemeClr val="accent3"/>
+              <a:schemeClr val="accent2"/>
             </a:lnRef>
-            <a:fillRef idx="3">
-              <a:schemeClr val="accent3"/>
+            <a:fillRef idx="2">
+              <a:schemeClr val="accent2"/>
             </a:fillRef>
-            <a:effectRef idx="2">
-              <a:schemeClr val="accent3"/>
+            <a:effectRef idx="1">
+              <a:schemeClr val="accent2"/>
             </a:effectRef>
             <a:fontRef idx="minor">
-              <a:schemeClr val="lt1"/>
+              <a:schemeClr val="dk1"/>
             </a:fontRef>
           </p:style>
+          <p:txBody>
+            <a:bodyPr rtlCol="0" anchor="ctr"/>
+            <a:lstStyle/>
+            <a:p>
+              <a:pPr algn="ctr"/>
+              <a:r>
+                <a:rPr lang="en-US" sz="900" b="1" dirty="0" smtClean="0"/>
+                <a:t>Pair-wise</a:t>
+              </a:r>
+            </a:p>
+            <a:p>
+              <a:pPr algn="ctr"/>
+              <a:r>
+                <a:rPr lang="en-US" sz="900" b="1" dirty="0" smtClean="0"/>
+                <a:t>Distance</a:t>
+              </a:r>
+              <a:endParaRPr lang="en-US" sz="900" b="1" dirty="0"/>
+            </a:p>
+          </p:txBody>
+        </p:sp>
+        <p:sp>
+          <p:nvSpPr>
+            <p:cNvPr id="35" name="TextBox 34"/>
+            <p:cNvSpPr txBox="1"/>
+            <p:nvPr/>
+          </p:nvSpPr>
+          <p:spPr>
+            <a:xfrm>
+              <a:off x="993969" y="1808461"/>
+              <a:ext cx="2326044" cy="230832"/>
+            </a:xfrm>
+            <a:prstGeom prst="rect">
+              <a:avLst/>
+            </a:prstGeom>
+            <a:noFill/>
+          </p:spPr>
           <p:txBody>
             <a:bodyPr wrap="square" rtlCol="0">
               <a:spAutoFit/>
@@ -14069,22 +12681,654 @@
             <a:lstStyle/>
             <a:p>
               <a:r>
-                <a:rPr lang="en-US" sz="1000" i="1" dirty="0" smtClean="0">
+                <a:rPr lang="en-US" sz="900" b="1" dirty="0" smtClean="0">
                   <a:latin typeface="Arial" panose="020B0604020202020204" pitchFamily="34" charset="0"/>
                   <a:cs typeface="Arial" panose="020B0604020202020204" pitchFamily="34" charset="0"/>
                 </a:rPr>
-                <a:t>n : Number of instances</a:t>
+                <a:t>Cauchy–Schwarz Distance Function</a:t>
+              </a:r>
+              <a:endParaRPr lang="en-US" sz="900" b="1" dirty="0">
+                <a:latin typeface="Arial" panose="020B0604020202020204" pitchFamily="34" charset="0"/>
+                <a:cs typeface="Arial" panose="020B0604020202020204" pitchFamily="34" charset="0"/>
+              </a:endParaRPr>
+            </a:p>
+          </p:txBody>
+        </p:sp>
+        <p:sp>
+          <p:nvSpPr>
+            <p:cNvPr id="37" name="TextBox 36"/>
+            <p:cNvSpPr txBox="1"/>
+            <p:nvPr/>
+          </p:nvSpPr>
+          <p:spPr>
+            <a:xfrm>
+              <a:off x="4051674" y="2303813"/>
+              <a:ext cx="476651" cy="261610"/>
+            </a:xfrm>
+            <a:prstGeom prst="rect">
+              <a:avLst/>
+            </a:prstGeom>
+            <a:noFill/>
+          </p:spPr>
+          <p:txBody>
+            <a:bodyPr wrap="square" rtlCol="0">
+              <a:spAutoFit/>
+            </a:bodyPr>
+            <a:lstStyle/>
+            <a:p>
+              <a:r>
+                <a:rPr lang="en-US" sz="1050" b="1" dirty="0" err="1" smtClean="0"/>
+                <a:t>n×n</a:t>
+              </a:r>
+              <a:endParaRPr lang="en-US" sz="1050" b="1" dirty="0"/>
+            </a:p>
+          </p:txBody>
+        </p:sp>
+        <p:sp>
+          <p:nvSpPr>
+            <p:cNvPr id="136" name="Rectangle 135"/>
+            <p:cNvSpPr/>
+            <p:nvPr/>
+          </p:nvSpPr>
+          <p:spPr>
+            <a:xfrm>
+              <a:off x="5634720" y="1602270"/>
+              <a:ext cx="731520" cy="731520"/>
+            </a:xfrm>
+            <a:prstGeom prst="rect">
+              <a:avLst/>
+            </a:prstGeom>
+          </p:spPr>
+          <p:style>
+            <a:lnRef idx="1">
+              <a:schemeClr val="accent1"/>
+            </a:lnRef>
+            <a:fillRef idx="2">
+              <a:schemeClr val="accent1"/>
+            </a:fillRef>
+            <a:effectRef idx="1">
+              <a:schemeClr val="accent1"/>
+            </a:effectRef>
+            <a:fontRef idx="minor">
+              <a:schemeClr val="dk1"/>
+            </a:fontRef>
+          </p:style>
+          <p:txBody>
+            <a:bodyPr rtlCol="0" anchor="ctr"/>
+            <a:lstStyle/>
+            <a:p>
+              <a:pPr algn="ctr"/>
+              <a:r>
+                <a:rPr lang="en-US" sz="900" b="1" dirty="0" smtClean="0">
+                  <a:solidFill>
+                    <a:schemeClr val="tx1"/>
+                  </a:solidFill>
+                </a:rPr>
+                <a:t>Pair-wise</a:t>
               </a:r>
             </a:p>
             <a:p>
+              <a:pPr algn="ctr"/>
               <a:r>
-                <a:rPr lang="en-US" sz="1000" i="1" dirty="0" smtClean="0">
+                <a:rPr lang="en-US" sz="900" b="1" dirty="0" smtClean="0">
+                  <a:solidFill>
+                    <a:schemeClr val="tx1"/>
+                  </a:solidFill>
+                </a:rPr>
+                <a:t>Distance</a:t>
+              </a:r>
+              <a:endParaRPr lang="en-US" sz="900" b="1" dirty="0">
+                <a:solidFill>
+                  <a:schemeClr val="tx1"/>
+                </a:solidFill>
+              </a:endParaRPr>
+            </a:p>
+          </p:txBody>
+        </p:sp>
+        <p:sp>
+          <p:nvSpPr>
+            <p:cNvPr id="41" name="TextBox 40"/>
+            <p:cNvSpPr txBox="1"/>
+            <p:nvPr/>
+          </p:nvSpPr>
+          <p:spPr>
+            <a:xfrm>
+              <a:off x="3599329" y="2555345"/>
+              <a:ext cx="1930514" cy="246221"/>
+            </a:xfrm>
+            <a:prstGeom prst="rect">
+              <a:avLst/>
+            </a:prstGeom>
+            <a:noFill/>
+          </p:spPr>
+          <p:txBody>
+            <a:bodyPr wrap="square" rtlCol="0">
+              <a:spAutoFit/>
+            </a:bodyPr>
+            <a:lstStyle/>
+            <a:p>
+              <a:r>
+                <a:rPr lang="en-US" sz="1000" b="1" dirty="0" smtClean="0">
                   <a:latin typeface="Arial" panose="020B0604020202020204" pitchFamily="34" charset="0"/>
                   <a:cs typeface="Arial" panose="020B0604020202020204" pitchFamily="34" charset="0"/>
                 </a:rPr>
-                <a:t>6 : Number of clusters</a:t>
+                <a:t>Euclidean Distance Function</a:t>
               </a:r>
-              <a:endParaRPr lang="en-US" sz="1000" i="1" dirty="0">
+              <a:endParaRPr lang="en-US" sz="1000" b="1" dirty="0">
+                <a:latin typeface="Arial" panose="020B0604020202020204" pitchFamily="34" charset="0"/>
+                <a:cs typeface="Arial" panose="020B0604020202020204" pitchFamily="34" charset="0"/>
+              </a:endParaRPr>
+            </a:p>
+          </p:txBody>
+        </p:sp>
+        <p:sp>
+          <p:nvSpPr>
+            <p:cNvPr id="138" name="TextBox 137"/>
+            <p:cNvSpPr txBox="1"/>
+            <p:nvPr/>
+          </p:nvSpPr>
+          <p:spPr>
+            <a:xfrm>
+              <a:off x="6188451" y="2291811"/>
+              <a:ext cx="476651" cy="261610"/>
+            </a:xfrm>
+            <a:prstGeom prst="rect">
+              <a:avLst/>
+            </a:prstGeom>
+            <a:noFill/>
+          </p:spPr>
+          <p:txBody>
+            <a:bodyPr wrap="square" rtlCol="0">
+              <a:spAutoFit/>
+            </a:bodyPr>
+            <a:lstStyle/>
+            <a:p>
+              <a:r>
+                <a:rPr lang="en-US" sz="1050" b="1" dirty="0" err="1" smtClean="0"/>
+                <a:t>n×n</a:t>
+              </a:r>
+              <a:endParaRPr lang="en-US" sz="1050" b="1" dirty="0"/>
+            </a:p>
+          </p:txBody>
+        </p:sp>
+        <p:sp>
+          <p:nvSpPr>
+            <p:cNvPr id="147" name="Google Shape;166;p14"/>
+            <p:cNvSpPr txBox="1"/>
+            <p:nvPr/>
+          </p:nvSpPr>
+          <p:spPr>
+            <a:xfrm>
+              <a:off x="3355663" y="1267423"/>
+              <a:ext cx="1264193" cy="524344"/>
+            </a:xfrm>
+            <a:prstGeom prst="rect">
+              <a:avLst/>
+            </a:prstGeom>
+            <a:noFill/>
+            <a:ln>
+              <a:noFill/>
+            </a:ln>
+          </p:spPr>
+          <p:txBody>
+            <a:bodyPr spcFirstLastPara="1" wrap="square" lIns="91425" tIns="91425" rIns="91425" bIns="91425" anchor="t" anchorCtr="0">
+              <a:spAutoFit/>
+            </a:bodyPr>
+            <a:lstStyle/>
+            <a:p>
+              <a:pPr lvl="0">
+                <a:lnSpc>
+                  <a:spcPct val="115000"/>
+                </a:lnSpc>
+                <a:spcAft>
+                  <a:spcPts val="1200"/>
+                </a:spcAft>
+              </a:pPr>
+              <a:r>
+                <a:rPr lang="en-US" sz="1000" b="1" dirty="0" err="1" smtClean="0">
+                  <a:solidFill>
+                    <a:srgbClr val="7030A0"/>
+                  </a:solidFill>
+                  <a:latin typeface="Arial" panose="020B0604020202020204" pitchFamily="34" charset="0"/>
+                  <a:ea typeface="Calibri"/>
+                  <a:cs typeface="Arial" panose="020B0604020202020204" pitchFamily="34" charset="0"/>
+                  <a:sym typeface="Calibri"/>
+                </a:rPr>
+                <a:t>D</a:t>
+              </a:r>
+              <a:r>
+                <a:rPr lang="en-US" sz="1000" b="1" baseline="-25000" dirty="0" err="1" smtClean="0">
+                  <a:solidFill>
+                    <a:srgbClr val="7030A0"/>
+                  </a:solidFill>
+                  <a:latin typeface="Arial" panose="020B0604020202020204" pitchFamily="34" charset="0"/>
+                  <a:ea typeface="Calibri"/>
+                  <a:cs typeface="Arial" panose="020B0604020202020204" pitchFamily="34" charset="0"/>
+                  <a:sym typeface="Calibri"/>
+                </a:rPr>
+                <a:t>cs</a:t>
+              </a:r>
+              <a:r>
+                <a:rPr lang="en-US" sz="1000" b="1" dirty="0" smtClean="0">
+                  <a:solidFill>
+                    <a:srgbClr val="7030A0"/>
+                  </a:solidFill>
+                  <a:latin typeface="Arial" panose="020B0604020202020204" pitchFamily="34" charset="0"/>
+                  <a:ea typeface="Calibri"/>
+                  <a:cs typeface="Arial" panose="020B0604020202020204" pitchFamily="34" charset="0"/>
+                  <a:sym typeface="Calibri"/>
+                </a:rPr>
+                <a:t> </a:t>
+              </a:r>
+              <a:r>
+                <a:rPr lang="en-US" sz="1000" b="1" dirty="0">
+                  <a:solidFill>
+                    <a:srgbClr val="7030A0"/>
+                  </a:solidFill>
+                  <a:latin typeface="Arial" panose="020B0604020202020204" pitchFamily="34" charset="0"/>
+                  <a:ea typeface="Calibri"/>
+                  <a:cs typeface="Arial" panose="020B0604020202020204" pitchFamily="34" charset="0"/>
+                  <a:sym typeface="Calibri"/>
+                </a:rPr>
+                <a:t>= </a:t>
+              </a:r>
+              <a:r>
+                <a:rPr lang="en-US" sz="1000" b="1" dirty="0" smtClean="0">
+                  <a:solidFill>
+                    <a:srgbClr val="7030A0"/>
+                  </a:solidFill>
+                  <a:latin typeface="Arial" panose="020B0604020202020204" pitchFamily="34" charset="0"/>
+                  <a:ea typeface="Calibri"/>
+                  <a:cs typeface="Arial" panose="020B0604020202020204" pitchFamily="34" charset="0"/>
+                  <a:sym typeface="Calibri"/>
+                </a:rPr>
+                <a:t>S(</a:t>
+              </a:r>
+              <a:r>
+                <a:rPr lang="en-US" sz="1000" b="1" dirty="0" err="1" smtClean="0">
+                  <a:solidFill>
+                    <a:srgbClr val="7030A0"/>
+                  </a:solidFill>
+                  <a:latin typeface="Arial" panose="020B0604020202020204" pitchFamily="34" charset="0"/>
+                  <a:ea typeface="Calibri"/>
+                  <a:cs typeface="Arial" panose="020B0604020202020204" pitchFamily="34" charset="0"/>
+                  <a:sym typeface="Calibri"/>
+                </a:rPr>
+                <a:t>i</a:t>
+              </a:r>
+              <a:r>
+                <a:rPr lang="en-US" sz="1000" b="1" dirty="0">
+                  <a:solidFill>
+                    <a:srgbClr val="7030A0"/>
+                  </a:solidFill>
+                  <a:latin typeface="Arial" panose="020B0604020202020204" pitchFamily="34" charset="0"/>
+                  <a:ea typeface="Calibri"/>
+                  <a:cs typeface="Arial" panose="020B0604020202020204" pitchFamily="34" charset="0"/>
+                  <a:sym typeface="Calibri"/>
+                </a:rPr>
+                <a:t>) - </a:t>
+              </a:r>
+              <a:r>
+                <a:rPr lang="en-US" sz="1000" b="1" dirty="0" smtClean="0">
+                  <a:solidFill>
+                    <a:srgbClr val="7030A0"/>
+                  </a:solidFill>
+                  <a:latin typeface="Arial" panose="020B0604020202020204" pitchFamily="34" charset="0"/>
+                  <a:ea typeface="Calibri"/>
+                  <a:cs typeface="Arial" panose="020B0604020202020204" pitchFamily="34" charset="0"/>
+                  <a:sym typeface="Calibri"/>
+                </a:rPr>
+                <a:t>S(j</a:t>
+              </a:r>
+              <a:r>
+                <a:rPr lang="en-US" sz="1000" b="1" dirty="0">
+                  <a:solidFill>
+                    <a:srgbClr val="7030A0"/>
+                  </a:solidFill>
+                  <a:latin typeface="Arial" panose="020B0604020202020204" pitchFamily="34" charset="0"/>
+                  <a:ea typeface="Calibri"/>
+                  <a:cs typeface="Arial" panose="020B0604020202020204" pitchFamily="34" charset="0"/>
+                  <a:sym typeface="Calibri"/>
+                </a:rPr>
+                <a:t>)</a:t>
+              </a:r>
+              <a:endParaRPr sz="1000" b="1" dirty="0">
+                <a:solidFill>
+                  <a:srgbClr val="7030A0"/>
+                </a:solidFill>
+                <a:latin typeface="Arial" panose="020B0604020202020204" pitchFamily="34" charset="0"/>
+                <a:ea typeface="Calibri"/>
+                <a:cs typeface="Arial" panose="020B0604020202020204" pitchFamily="34" charset="0"/>
+                <a:sym typeface="Calibri"/>
+              </a:endParaRPr>
+            </a:p>
+          </p:txBody>
+        </p:sp>
+        <p:sp>
+          <p:nvSpPr>
+            <p:cNvPr id="148" name="Google Shape;166;p14"/>
+            <p:cNvSpPr txBox="1"/>
+            <p:nvPr/>
+          </p:nvSpPr>
+          <p:spPr>
+            <a:xfrm>
+              <a:off x="5553168" y="1251255"/>
+              <a:ext cx="1270567" cy="515495"/>
+            </a:xfrm>
+            <a:prstGeom prst="rect">
+              <a:avLst/>
+            </a:prstGeom>
+            <a:noFill/>
+            <a:ln>
+              <a:noFill/>
+            </a:ln>
+          </p:spPr>
+          <p:txBody>
+            <a:bodyPr spcFirstLastPara="1" wrap="square" lIns="91425" tIns="91425" rIns="91425" bIns="91425" anchor="t" anchorCtr="0">
+              <a:spAutoFit/>
+            </a:bodyPr>
+            <a:lstStyle/>
+            <a:p>
+              <a:pPr lvl="0">
+                <a:lnSpc>
+                  <a:spcPct val="115000"/>
+                </a:lnSpc>
+                <a:spcAft>
+                  <a:spcPts val="1200"/>
+                </a:spcAft>
+              </a:pPr>
+              <a:r>
+                <a:rPr lang="en-US" sz="1000" b="1" dirty="0" err="1" smtClean="0">
+                  <a:solidFill>
+                    <a:srgbClr val="7030A0"/>
+                  </a:solidFill>
+                  <a:latin typeface="Arial" panose="020B0604020202020204" pitchFamily="34" charset="0"/>
+                  <a:ea typeface="Calibri"/>
+                  <a:cs typeface="Arial" panose="020B0604020202020204" pitchFamily="34" charset="0"/>
+                  <a:sym typeface="Calibri"/>
+                </a:rPr>
+                <a:t>D</a:t>
+              </a:r>
+              <a:r>
+                <a:rPr lang="en-US" sz="1000" b="1" baseline="-25000" dirty="0" err="1" smtClean="0">
+                  <a:solidFill>
+                    <a:srgbClr val="7030A0"/>
+                  </a:solidFill>
+                  <a:latin typeface="Arial" panose="020B0604020202020204" pitchFamily="34" charset="0"/>
+                  <a:ea typeface="Calibri"/>
+                  <a:cs typeface="Arial" panose="020B0604020202020204" pitchFamily="34" charset="0"/>
+                  <a:sym typeface="Calibri"/>
+                </a:rPr>
+                <a:t>z</a:t>
+              </a:r>
+              <a:r>
+                <a:rPr lang="en-US" sz="1000" b="1" dirty="0" smtClean="0">
+                  <a:solidFill>
+                    <a:srgbClr val="7030A0"/>
+                  </a:solidFill>
+                  <a:latin typeface="Arial" panose="020B0604020202020204" pitchFamily="34" charset="0"/>
+                  <a:ea typeface="Calibri"/>
+                  <a:cs typeface="Arial" panose="020B0604020202020204" pitchFamily="34" charset="0"/>
+                  <a:sym typeface="Calibri"/>
+                </a:rPr>
+                <a:t> = Z(</a:t>
+              </a:r>
+              <a:r>
+                <a:rPr lang="en-US" sz="1000" b="1" dirty="0" err="1" smtClean="0">
+                  <a:solidFill>
+                    <a:srgbClr val="7030A0"/>
+                  </a:solidFill>
+                  <a:latin typeface="Arial" panose="020B0604020202020204" pitchFamily="34" charset="0"/>
+                  <a:ea typeface="Calibri"/>
+                  <a:cs typeface="Arial" panose="020B0604020202020204" pitchFamily="34" charset="0"/>
+                  <a:sym typeface="Calibri"/>
+                </a:rPr>
+                <a:t>i</a:t>
+              </a:r>
+              <a:r>
+                <a:rPr lang="en-US" sz="1000" b="1" dirty="0">
+                  <a:solidFill>
+                    <a:srgbClr val="7030A0"/>
+                  </a:solidFill>
+                  <a:latin typeface="Arial" panose="020B0604020202020204" pitchFamily="34" charset="0"/>
+                  <a:ea typeface="Calibri"/>
+                  <a:cs typeface="Arial" panose="020B0604020202020204" pitchFamily="34" charset="0"/>
+                  <a:sym typeface="Calibri"/>
+                </a:rPr>
+                <a:t>) - </a:t>
+              </a:r>
+              <a:r>
+                <a:rPr lang="en-US" sz="1000" b="1" dirty="0" smtClean="0">
+                  <a:solidFill>
+                    <a:srgbClr val="7030A0"/>
+                  </a:solidFill>
+                  <a:latin typeface="Arial" panose="020B0604020202020204" pitchFamily="34" charset="0"/>
+                  <a:ea typeface="Calibri"/>
+                  <a:cs typeface="Arial" panose="020B0604020202020204" pitchFamily="34" charset="0"/>
+                  <a:sym typeface="Calibri"/>
+                </a:rPr>
+                <a:t>Z</a:t>
+              </a:r>
+              <a:r>
+                <a:rPr lang="en-US" sz="1000" b="1" baseline="-25000" dirty="0" smtClean="0">
+                  <a:solidFill>
+                    <a:srgbClr val="7030A0"/>
+                  </a:solidFill>
+                  <a:latin typeface="Arial" panose="020B0604020202020204" pitchFamily="34" charset="0"/>
+                  <a:ea typeface="Calibri"/>
+                  <a:cs typeface="Arial" panose="020B0604020202020204" pitchFamily="34" charset="0"/>
+                  <a:sym typeface="Calibri"/>
+                </a:rPr>
+                <a:t> </a:t>
+              </a:r>
+              <a:r>
+                <a:rPr lang="en-US" sz="1000" b="1" dirty="0" smtClean="0">
+                  <a:solidFill>
+                    <a:srgbClr val="7030A0"/>
+                  </a:solidFill>
+                  <a:latin typeface="Arial" panose="020B0604020202020204" pitchFamily="34" charset="0"/>
+                  <a:ea typeface="Calibri"/>
+                  <a:cs typeface="Arial" panose="020B0604020202020204" pitchFamily="34" charset="0"/>
+                  <a:sym typeface="Calibri"/>
+                </a:rPr>
+                <a:t>(j</a:t>
+              </a:r>
+              <a:r>
+                <a:rPr lang="en-US" sz="1000" b="1" dirty="0">
+                  <a:solidFill>
+                    <a:srgbClr val="7030A0"/>
+                  </a:solidFill>
+                  <a:latin typeface="Arial" panose="020B0604020202020204" pitchFamily="34" charset="0"/>
+                  <a:ea typeface="Calibri"/>
+                  <a:cs typeface="Arial" panose="020B0604020202020204" pitchFamily="34" charset="0"/>
+                  <a:sym typeface="Calibri"/>
+                </a:rPr>
+                <a:t>)</a:t>
+              </a:r>
+              <a:endParaRPr sz="1000" b="1" dirty="0">
+                <a:solidFill>
+                  <a:srgbClr val="7030A0"/>
+                </a:solidFill>
+                <a:latin typeface="Arial" panose="020B0604020202020204" pitchFamily="34" charset="0"/>
+                <a:ea typeface="Calibri"/>
+                <a:cs typeface="Arial" panose="020B0604020202020204" pitchFamily="34" charset="0"/>
+                <a:sym typeface="Calibri"/>
+              </a:endParaRPr>
+            </a:p>
+          </p:txBody>
+        </p:sp>
+        <p:cxnSp>
+          <p:nvCxnSpPr>
+            <p:cNvPr id="165" name="Elbow Connector 164"/>
+            <p:cNvCxnSpPr/>
+            <p:nvPr/>
+          </p:nvCxnSpPr>
+          <p:spPr>
+            <a:xfrm rot="5400000" flipH="1" flipV="1">
+              <a:off x="3556170" y="2312333"/>
+              <a:ext cx="2103120" cy="2194560"/>
+            </a:xfrm>
+            <a:prstGeom prst="bentConnector3">
+              <a:avLst>
+                <a:gd name="adj1" fmla="val 78892"/>
+              </a:avLst>
+            </a:prstGeom>
+            <a:ln w="28575">
+              <a:tailEnd type="triangle"/>
+            </a:ln>
+          </p:spPr>
+          <p:style>
+            <a:lnRef idx="3">
+              <a:schemeClr val="dk1"/>
+            </a:lnRef>
+            <a:fillRef idx="0">
+              <a:schemeClr val="dk1"/>
+            </a:fillRef>
+            <a:effectRef idx="2">
+              <a:schemeClr val="dk1"/>
+            </a:effectRef>
+            <a:fontRef idx="minor">
+              <a:schemeClr val="tx1"/>
+            </a:fontRef>
+          </p:style>
+        </p:cxnSp>
+        <p:sp>
+          <p:nvSpPr>
+            <p:cNvPr id="105" name="TextBox 104"/>
+            <p:cNvSpPr txBox="1"/>
+            <p:nvPr/>
+          </p:nvSpPr>
+          <p:spPr>
+            <a:xfrm>
+              <a:off x="10259931" y="3564039"/>
+              <a:ext cx="1539480" cy="388998"/>
+            </a:xfrm>
+            <a:prstGeom prst="rect">
+              <a:avLst/>
+            </a:prstGeom>
+            <a:noFill/>
+          </p:spPr>
+          <p:txBody>
+            <a:bodyPr vert="horz" wrap="square" rtlCol="0" anchor="ctr" anchorCtr="0">
+              <a:noAutofit/>
+            </a:bodyPr>
+            <a:lstStyle/>
+            <a:p>
+              <a:pPr algn="ctr"/>
+              <a:r>
+                <a:rPr lang="en-US" sz="1200" b="1" dirty="0" smtClean="0">
+                  <a:solidFill>
+                    <a:prstClr val="black"/>
+                  </a:solidFill>
+                  <a:latin typeface="Arial" panose="020B0604020202020204" pitchFamily="34" charset="0"/>
+                  <a:cs typeface="Arial" panose="020B0604020202020204" pitchFamily="34" charset="0"/>
+                </a:rPr>
+                <a:t>Re-encoded</a:t>
+              </a:r>
+              <a:endParaRPr lang="en-US" sz="1200" b="1" dirty="0" smtClean="0">
+                <a:solidFill>
+                  <a:prstClr val="black"/>
+                </a:solidFill>
+                <a:latin typeface="Arial" panose="020B0604020202020204" pitchFamily="34" charset="0"/>
+                <a:cs typeface="Arial" panose="020B0604020202020204" pitchFamily="34" charset="0"/>
+              </a:endParaRPr>
+            </a:p>
+            <a:p>
+              <a:pPr algn="ctr"/>
+              <a:r>
+                <a:rPr lang="en-US" sz="1200" b="1" dirty="0" smtClean="0">
+                  <a:solidFill>
+                    <a:prstClr val="black"/>
+                  </a:solidFill>
+                  <a:latin typeface="Arial" panose="020B0604020202020204" pitchFamily="34" charset="0"/>
+                  <a:cs typeface="Arial" panose="020B0604020202020204" pitchFamily="34" charset="0"/>
+                </a:rPr>
+                <a:t>Sequences</a:t>
+              </a:r>
+              <a:endParaRPr lang="en-US" sz="1200" b="1" dirty="0">
+                <a:solidFill>
+                  <a:prstClr val="black"/>
+                </a:solidFill>
+                <a:latin typeface="Arial" panose="020B0604020202020204" pitchFamily="34" charset="0"/>
+                <a:cs typeface="Arial" panose="020B0604020202020204" pitchFamily="34" charset="0"/>
+              </a:endParaRPr>
+            </a:p>
+          </p:txBody>
+        </p:sp>
+        <p:cxnSp>
+          <p:nvCxnSpPr>
+            <p:cNvPr id="8" name="Straight Arrow Connector 7"/>
+            <p:cNvCxnSpPr/>
+            <p:nvPr/>
+          </p:nvCxnSpPr>
+          <p:spPr>
+            <a:xfrm>
+              <a:off x="4352580" y="1974804"/>
+              <a:ext cx="1069741" cy="0"/>
+            </a:xfrm>
+            <a:prstGeom prst="straightConnector1">
+              <a:avLst/>
+            </a:prstGeom>
+            <a:ln w="28575">
+              <a:solidFill>
+                <a:srgbClr val="FF0000"/>
+              </a:solidFill>
+              <a:headEnd type="triangle"/>
+              <a:tailEnd type="triangle"/>
+            </a:ln>
+          </p:spPr>
+          <p:style>
+            <a:lnRef idx="3">
+              <a:schemeClr val="accent2"/>
+            </a:lnRef>
+            <a:fillRef idx="0">
+              <a:schemeClr val="accent2"/>
+            </a:fillRef>
+            <a:effectRef idx="2">
+              <a:schemeClr val="accent2"/>
+            </a:effectRef>
+            <a:fontRef idx="minor">
+              <a:schemeClr val="tx1"/>
+            </a:fontRef>
+          </p:style>
+        </p:cxnSp>
+        <p:sp>
+          <p:nvSpPr>
+            <p:cNvPr id="106" name="TextBox 105"/>
+            <p:cNvSpPr txBox="1"/>
+            <p:nvPr/>
+          </p:nvSpPr>
+          <p:spPr>
+            <a:xfrm>
+              <a:off x="4460329" y="1656222"/>
+              <a:ext cx="844093" cy="253916"/>
+            </a:xfrm>
+            <a:prstGeom prst="rect">
+              <a:avLst/>
+            </a:prstGeom>
+            <a:noFill/>
+          </p:spPr>
+          <p:txBody>
+            <a:bodyPr wrap="square" rtlCol="0">
+              <a:spAutoFit/>
+            </a:bodyPr>
+            <a:lstStyle/>
+            <a:p>
+              <a:pPr algn="ctr"/>
+              <a:r>
+                <a:rPr lang="en-US" sz="1000" b="1" dirty="0" smtClean="0">
+                  <a:solidFill>
+                    <a:srgbClr val="FF0000"/>
+                  </a:solidFill>
+                  <a:latin typeface="Arial" panose="020B0604020202020204" pitchFamily="34" charset="0"/>
+                  <a:cs typeface="Arial" panose="020B0604020202020204" pitchFamily="34" charset="0"/>
+                </a:rPr>
+                <a:t>Align</a:t>
+              </a:r>
+              <a:endParaRPr lang="en-US" sz="1000" b="1" dirty="0">
+                <a:solidFill>
+                  <a:srgbClr val="FF0000"/>
+                </a:solidFill>
                 <a:latin typeface="Arial" panose="020B0604020202020204" pitchFamily="34" charset="0"/>
                 <a:cs typeface="Arial" panose="020B0604020202020204" pitchFamily="34" charset="0"/>
               </a:endParaRPr>
@@ -14092,10 +13336,1340 @@
           </p:txBody>
         </p:sp>
       </p:grpSp>
+      <p:sp>
+        <p:nvSpPr>
+          <p:cNvPr id="47" name="TextBox 46"/>
+          <p:cNvSpPr txBox="1"/>
+          <p:nvPr/>
+        </p:nvSpPr>
+        <p:spPr>
+          <a:xfrm>
+            <a:off x="-4846" y="83148"/>
+            <a:ext cx="12196846" cy="461665"/>
+          </a:xfrm>
+          <a:prstGeom prst="rect">
+            <a:avLst/>
+          </a:prstGeom>
+          <a:noFill/>
+        </p:spPr>
+        <p:txBody>
+          <a:bodyPr wrap="square" rtlCol="0">
+            <a:spAutoFit/>
+          </a:bodyPr>
+          <a:lstStyle/>
+          <a:p>
+            <a:pPr algn="ctr"/>
+            <a:r>
+              <a:rPr lang="en-US" sz="2400" b="1" dirty="0" smtClean="0">
+                <a:solidFill>
+                  <a:srgbClr val="FF0000"/>
+                </a:solidFill>
+                <a:latin typeface="Arial" panose="020B0604020202020204" pitchFamily="34" charset="0"/>
+                <a:cs typeface="Arial" panose="020B0604020202020204" pitchFamily="34" charset="0"/>
+              </a:rPr>
+              <a:t>Model </a:t>
+            </a:r>
+            <a:r>
+              <a:rPr lang="en-US" sz="2400" b="1" dirty="0">
+                <a:solidFill>
+                  <a:srgbClr val="FF0000"/>
+                </a:solidFill>
+                <a:latin typeface="Arial" panose="020B0604020202020204" pitchFamily="34" charset="0"/>
+                <a:cs typeface="Arial" panose="020B0604020202020204" pitchFamily="34" charset="0"/>
+              </a:rPr>
+              <a:t>architecture and data </a:t>
+            </a:r>
+            <a:r>
+              <a:rPr lang="en-US" sz="2400" b="1" dirty="0" smtClean="0">
+                <a:solidFill>
+                  <a:srgbClr val="FF0000"/>
+                </a:solidFill>
+                <a:latin typeface="Arial" panose="020B0604020202020204" pitchFamily="34" charset="0"/>
+                <a:cs typeface="Arial" panose="020B0604020202020204" pitchFamily="34" charset="0"/>
+              </a:rPr>
+              <a:t>flow overview</a:t>
+            </a:r>
+            <a:endParaRPr lang="en-US" sz="2400" b="1" dirty="0">
+              <a:solidFill>
+                <a:srgbClr val="FF0000"/>
+              </a:solidFill>
+              <a:latin typeface="Arial" panose="020B0604020202020204" pitchFamily="34" charset="0"/>
+              <a:cs typeface="Arial" panose="020B0604020202020204" pitchFamily="34" charset="0"/>
+            </a:endParaRPr>
+          </a:p>
+        </p:txBody>
+      </p:sp>
     </p:spTree>
     <p:extLst>
       <p:ext uri="{BB962C8B-B14F-4D97-AF65-F5344CB8AC3E}">
-        <p14:creationId xmlns:p14="http://schemas.microsoft.com/office/powerpoint/2010/main" val="1762110217"/>
+        <p14:creationId xmlns:p14="http://schemas.microsoft.com/office/powerpoint/2010/main" val="785870031"/>
+      </p:ext>
+    </p:extLst>
+  </p:cSld>
+  <p:clrMapOvr>
+    <a:masterClrMapping/>
+  </p:clrMapOvr>
+  <p:timing>
+    <p:tnLst>
+      <p:par>
+        <p:cTn id="1" dur="indefinite" restart="never" nodeType="tmRoot"/>
+      </p:par>
+    </p:tnLst>
+  </p:timing>
+</p:sld>
+</file>
+
+<file path=ppt/slides/slide2.xml><?xml version="1.0" encoding="utf-8"?>
+<p:sld xmlns:a="http://schemas.openxmlformats.org/drawingml/2006/main" xmlns:r="http://schemas.openxmlformats.org/officeDocument/2006/relationships" xmlns:p="http://schemas.openxmlformats.org/presentationml/2006/main">
+  <p:cSld>
+    <p:spTree>
+      <p:nvGrpSpPr>
+        <p:cNvPr id="1" name=""/>
+        <p:cNvGrpSpPr/>
+        <p:nvPr/>
+      </p:nvGrpSpPr>
+      <p:grpSpPr>
+        <a:xfrm>
+          <a:off x="0" y="0"/>
+          <a:ext cx="0" cy="0"/>
+          <a:chOff x="0" y="0"/>
+          <a:chExt cx="0" cy="0"/>
+        </a:xfrm>
+      </p:grpSpPr>
+      <p:grpSp>
+        <p:nvGrpSpPr>
+          <p:cNvPr id="25" name="Group 24"/>
+          <p:cNvGrpSpPr/>
+          <p:nvPr/>
+        </p:nvGrpSpPr>
+        <p:grpSpPr>
+          <a:xfrm>
+            <a:off x="832128" y="1729656"/>
+            <a:ext cx="10522898" cy="3869035"/>
+            <a:chOff x="540563" y="477928"/>
+            <a:chExt cx="10522898" cy="3869035"/>
+          </a:xfrm>
+        </p:grpSpPr>
+        <p:sp>
+          <p:nvSpPr>
+            <p:cNvPr id="30" name="Rectangle 29"/>
+            <p:cNvSpPr/>
+            <p:nvPr/>
+          </p:nvSpPr>
+          <p:spPr>
+            <a:xfrm>
+              <a:off x="651361" y="1422826"/>
+              <a:ext cx="731520" cy="731520"/>
+            </a:xfrm>
+            <a:prstGeom prst="rect">
+              <a:avLst/>
+            </a:prstGeom>
+          </p:spPr>
+          <p:style>
+            <a:lnRef idx="1">
+              <a:schemeClr val="accent2"/>
+            </a:lnRef>
+            <a:fillRef idx="2">
+              <a:schemeClr val="accent2"/>
+            </a:fillRef>
+            <a:effectRef idx="1">
+              <a:schemeClr val="accent2"/>
+            </a:effectRef>
+            <a:fontRef idx="minor">
+              <a:schemeClr val="dk1"/>
+            </a:fontRef>
+          </p:style>
+          <p:txBody>
+            <a:bodyPr rtlCol="0" anchor="ctr"/>
+            <a:lstStyle/>
+            <a:p>
+              <a:pPr algn="ctr"/>
+              <a:r>
+                <a:rPr lang="en-US" sz="900" b="1" dirty="0" smtClean="0"/>
+                <a:t>Pair-wise</a:t>
+              </a:r>
+            </a:p>
+            <a:p>
+              <a:pPr algn="ctr"/>
+              <a:r>
+                <a:rPr lang="en-US" sz="900" b="1" dirty="0" smtClean="0"/>
+                <a:t>Distance</a:t>
+              </a:r>
+              <a:endParaRPr lang="en-US" sz="900" b="1" dirty="0"/>
+            </a:p>
+          </p:txBody>
+        </p:sp>
+        <p:sp>
+          <p:nvSpPr>
+            <p:cNvPr id="133" name="Rectangle 132"/>
+            <p:cNvSpPr/>
+            <p:nvPr/>
+          </p:nvSpPr>
+          <p:spPr>
+            <a:xfrm>
+              <a:off x="2671344" y="1422826"/>
+              <a:ext cx="731520" cy="731520"/>
+            </a:xfrm>
+            <a:prstGeom prst="rect">
+              <a:avLst/>
+            </a:prstGeom>
+          </p:spPr>
+          <p:style>
+            <a:lnRef idx="1">
+              <a:schemeClr val="accent2"/>
+            </a:lnRef>
+            <a:fillRef idx="2">
+              <a:schemeClr val="accent2"/>
+            </a:fillRef>
+            <a:effectRef idx="1">
+              <a:schemeClr val="accent2"/>
+            </a:effectRef>
+            <a:fontRef idx="minor">
+              <a:schemeClr val="dk1"/>
+            </a:fontRef>
+          </p:style>
+          <p:txBody>
+            <a:bodyPr rtlCol="0" anchor="ctr"/>
+            <a:lstStyle/>
+            <a:p>
+              <a:pPr algn="ctr"/>
+              <a:r>
+                <a:rPr lang="en-US" sz="900" b="1" dirty="0" smtClean="0"/>
+                <a:t>Similarity</a:t>
+              </a:r>
+              <a:endParaRPr lang="en-US" sz="900" b="1" dirty="0"/>
+            </a:p>
+          </p:txBody>
+        </p:sp>
+        <p:cxnSp>
+          <p:nvCxnSpPr>
+            <p:cNvPr id="33" name="Straight Arrow Connector 32"/>
+            <p:cNvCxnSpPr/>
+            <p:nvPr/>
+          </p:nvCxnSpPr>
+          <p:spPr>
+            <a:xfrm>
+              <a:off x="1651989" y="1788586"/>
+              <a:ext cx="631980" cy="0"/>
+            </a:xfrm>
+            <a:prstGeom prst="straightConnector1">
+              <a:avLst/>
+            </a:prstGeom>
+            <a:ln w="28575">
+              <a:tailEnd type="triangle"/>
+            </a:ln>
+          </p:spPr>
+          <p:style>
+            <a:lnRef idx="3">
+              <a:schemeClr val="dk1"/>
+            </a:lnRef>
+            <a:fillRef idx="0">
+              <a:schemeClr val="dk1"/>
+            </a:fillRef>
+            <a:effectRef idx="2">
+              <a:schemeClr val="dk1"/>
+            </a:effectRef>
+            <a:fontRef idx="minor">
+              <a:schemeClr val="tx1"/>
+            </a:fontRef>
+          </p:style>
+        </p:cxnSp>
+        <p:cxnSp>
+          <p:nvCxnSpPr>
+            <p:cNvPr id="134" name="Straight Arrow Connector 133"/>
+            <p:cNvCxnSpPr/>
+            <p:nvPr/>
+          </p:nvCxnSpPr>
+          <p:spPr>
+            <a:xfrm>
+              <a:off x="3744827" y="1788586"/>
+              <a:ext cx="631980" cy="0"/>
+            </a:xfrm>
+            <a:prstGeom prst="straightConnector1">
+              <a:avLst/>
+            </a:prstGeom>
+            <a:ln w="28575">
+              <a:tailEnd type="triangle"/>
+            </a:ln>
+          </p:spPr>
+          <p:style>
+            <a:lnRef idx="3">
+              <a:schemeClr val="dk1"/>
+            </a:lnRef>
+            <a:fillRef idx="0">
+              <a:schemeClr val="dk1"/>
+            </a:fillRef>
+            <a:effectRef idx="2">
+              <a:schemeClr val="dk1"/>
+            </a:effectRef>
+            <a:fontRef idx="minor">
+              <a:schemeClr val="tx1"/>
+            </a:fontRef>
+          </p:style>
+        </p:cxnSp>
+        <p:pic>
+          <p:nvPicPr>
+            <p:cNvPr id="34" name="Picture 33"/>
+            <p:cNvPicPr>
+              <a:picLocks noChangeAspect="1"/>
+            </p:cNvPicPr>
+            <p:nvPr/>
+          </p:nvPicPr>
+          <p:blipFill rotWithShape="1">
+            <a:blip r:embed="rId2" cstate="print">
+              <a:extLst>
+                <a:ext uri="{28A0092B-C50C-407E-A947-70E740481C1C}">
+                  <a14:useLocalDpi xmlns:a14="http://schemas.microsoft.com/office/drawing/2010/main" val="0"/>
+                </a:ext>
+              </a:extLst>
+            </a:blip>
+            <a:srcRect l="-649" t="7188" b="-3020"/>
+            <a:stretch/>
+          </p:blipFill>
+          <p:spPr>
+            <a:xfrm>
+              <a:off x="4669642" y="477928"/>
+              <a:ext cx="3740756" cy="2621316"/>
+            </a:xfrm>
+            <a:prstGeom prst="rect">
+              <a:avLst/>
+            </a:prstGeom>
+          </p:spPr>
+        </p:pic>
+        <p:sp>
+          <p:nvSpPr>
+            <p:cNvPr id="36" name="TextBox 35"/>
+            <p:cNvSpPr txBox="1"/>
+            <p:nvPr/>
+          </p:nvSpPr>
+          <p:spPr>
+            <a:xfrm>
+              <a:off x="1440744" y="1495346"/>
+              <a:ext cx="1341609" cy="246221"/>
+            </a:xfrm>
+            <a:prstGeom prst="rect">
+              <a:avLst/>
+            </a:prstGeom>
+            <a:noFill/>
+          </p:spPr>
+          <p:txBody>
+            <a:bodyPr wrap="square" rtlCol="0">
+              <a:spAutoFit/>
+            </a:bodyPr>
+            <a:lstStyle/>
+            <a:p>
+              <a:r>
+                <a:rPr lang="en-US" sz="1000" b="1" dirty="0" smtClean="0">
+                  <a:latin typeface="Arial" panose="020B0604020202020204" pitchFamily="34" charset="0"/>
+                  <a:cs typeface="Arial" panose="020B0604020202020204" pitchFamily="34" charset="0"/>
+                </a:rPr>
+                <a:t>Gaussian Kernel</a:t>
+              </a:r>
+              <a:endParaRPr lang="en-US" sz="1000" b="1" dirty="0">
+                <a:latin typeface="Arial" panose="020B0604020202020204" pitchFamily="34" charset="0"/>
+                <a:cs typeface="Arial" panose="020B0604020202020204" pitchFamily="34" charset="0"/>
+              </a:endParaRPr>
+            </a:p>
+          </p:txBody>
+        </p:sp>
+        <p:sp>
+          <p:nvSpPr>
+            <p:cNvPr id="37" name="TextBox 36"/>
+            <p:cNvSpPr txBox="1"/>
+            <p:nvPr/>
+          </p:nvSpPr>
+          <p:spPr>
+            <a:xfrm>
+              <a:off x="1202420" y="2163863"/>
+              <a:ext cx="476651" cy="261610"/>
+            </a:xfrm>
+            <a:prstGeom prst="rect">
+              <a:avLst/>
+            </a:prstGeom>
+            <a:noFill/>
+          </p:spPr>
+          <p:txBody>
+            <a:bodyPr wrap="square" rtlCol="0">
+              <a:spAutoFit/>
+            </a:bodyPr>
+            <a:lstStyle/>
+            <a:p>
+              <a:r>
+                <a:rPr lang="en-US" sz="1050" b="1" dirty="0" err="1" smtClean="0"/>
+                <a:t>n×n</a:t>
+              </a:r>
+              <a:endParaRPr lang="en-US" sz="1050" b="1" dirty="0"/>
+            </a:p>
+          </p:txBody>
+        </p:sp>
+        <p:sp>
+          <p:nvSpPr>
+            <p:cNvPr id="135" name="TextBox 134"/>
+            <p:cNvSpPr txBox="1"/>
+            <p:nvPr/>
+          </p:nvSpPr>
+          <p:spPr>
+            <a:xfrm>
+              <a:off x="3268176" y="2154346"/>
+              <a:ext cx="476651" cy="261610"/>
+            </a:xfrm>
+            <a:prstGeom prst="rect">
+              <a:avLst/>
+            </a:prstGeom>
+            <a:noFill/>
+          </p:spPr>
+          <p:txBody>
+            <a:bodyPr wrap="square" rtlCol="0">
+              <a:spAutoFit/>
+            </a:bodyPr>
+            <a:lstStyle/>
+            <a:p>
+              <a:r>
+                <a:rPr lang="en-US" sz="1050" b="1" dirty="0" err="1" smtClean="0"/>
+                <a:t>n×n</a:t>
+              </a:r>
+              <a:endParaRPr lang="en-US" sz="1050" b="1" dirty="0"/>
+            </a:p>
+          </p:txBody>
+        </p:sp>
+        <p:sp>
+          <p:nvSpPr>
+            <p:cNvPr id="136" name="Rectangle 135"/>
+            <p:cNvSpPr/>
+            <p:nvPr/>
+          </p:nvSpPr>
+          <p:spPr>
+            <a:xfrm>
+              <a:off x="651361" y="3332210"/>
+              <a:ext cx="731520" cy="731520"/>
+            </a:xfrm>
+            <a:prstGeom prst="rect">
+              <a:avLst/>
+            </a:prstGeom>
+          </p:spPr>
+          <p:style>
+            <a:lnRef idx="1">
+              <a:schemeClr val="accent1"/>
+            </a:lnRef>
+            <a:fillRef idx="2">
+              <a:schemeClr val="accent1"/>
+            </a:fillRef>
+            <a:effectRef idx="1">
+              <a:schemeClr val="accent1"/>
+            </a:effectRef>
+            <a:fontRef idx="minor">
+              <a:schemeClr val="dk1"/>
+            </a:fontRef>
+          </p:style>
+          <p:txBody>
+            <a:bodyPr rtlCol="0" anchor="ctr"/>
+            <a:lstStyle/>
+            <a:p>
+              <a:pPr algn="ctr"/>
+              <a:r>
+                <a:rPr lang="en-US" sz="900" b="1" dirty="0" smtClean="0">
+                  <a:solidFill>
+                    <a:schemeClr val="tx1"/>
+                  </a:solidFill>
+                </a:rPr>
+                <a:t>Pair-wise</a:t>
+              </a:r>
+            </a:p>
+            <a:p>
+              <a:pPr algn="ctr"/>
+              <a:r>
+                <a:rPr lang="en-US" sz="900" b="1" dirty="0" smtClean="0">
+                  <a:solidFill>
+                    <a:schemeClr val="tx1"/>
+                  </a:solidFill>
+                </a:rPr>
+                <a:t>Distance</a:t>
+              </a:r>
+              <a:endParaRPr lang="en-US" sz="900" b="1" dirty="0">
+                <a:solidFill>
+                  <a:schemeClr val="tx1"/>
+                </a:solidFill>
+              </a:endParaRPr>
+            </a:p>
+          </p:txBody>
+        </p:sp>
+        <p:sp>
+          <p:nvSpPr>
+            <p:cNvPr id="137" name="TextBox 136"/>
+            <p:cNvSpPr txBox="1"/>
+            <p:nvPr/>
+          </p:nvSpPr>
+          <p:spPr>
+            <a:xfrm>
+              <a:off x="3405515" y="1495346"/>
+              <a:ext cx="1406037" cy="246221"/>
+            </a:xfrm>
+            <a:prstGeom prst="rect">
+              <a:avLst/>
+            </a:prstGeom>
+            <a:noFill/>
+          </p:spPr>
+          <p:txBody>
+            <a:bodyPr wrap="square" rtlCol="0">
+              <a:spAutoFit/>
+            </a:bodyPr>
+            <a:lstStyle/>
+            <a:p>
+              <a:r>
+                <a:rPr lang="en-US" sz="1000" b="1" dirty="0" smtClean="0">
+                  <a:latin typeface="Arial" panose="020B0604020202020204" pitchFamily="34" charset="0"/>
+                  <a:cs typeface="Arial" panose="020B0604020202020204" pitchFamily="34" charset="0"/>
+                </a:rPr>
+                <a:t>Spectral Clustering</a:t>
+              </a:r>
+              <a:endParaRPr lang="en-US" sz="1000" b="1" dirty="0">
+                <a:latin typeface="Arial" panose="020B0604020202020204" pitchFamily="34" charset="0"/>
+                <a:cs typeface="Arial" panose="020B0604020202020204" pitchFamily="34" charset="0"/>
+              </a:endParaRPr>
+            </a:p>
+          </p:txBody>
+        </p:sp>
+        <p:sp>
+          <p:nvSpPr>
+            <p:cNvPr id="138" name="TextBox 137"/>
+            <p:cNvSpPr txBox="1"/>
+            <p:nvPr/>
+          </p:nvSpPr>
+          <p:spPr>
+            <a:xfrm>
+              <a:off x="1202420" y="4085353"/>
+              <a:ext cx="476651" cy="261610"/>
+            </a:xfrm>
+            <a:prstGeom prst="rect">
+              <a:avLst/>
+            </a:prstGeom>
+            <a:noFill/>
+          </p:spPr>
+          <p:txBody>
+            <a:bodyPr wrap="square" rtlCol="0">
+              <a:spAutoFit/>
+            </a:bodyPr>
+            <a:lstStyle/>
+            <a:p>
+              <a:r>
+                <a:rPr lang="en-US" sz="1050" b="1" dirty="0" err="1" smtClean="0"/>
+                <a:t>n×n</a:t>
+              </a:r>
+              <a:endParaRPr lang="en-US" sz="1050" b="1" dirty="0"/>
+            </a:p>
+          </p:txBody>
+        </p:sp>
+        <p:cxnSp>
+          <p:nvCxnSpPr>
+            <p:cNvPr id="139" name="Straight Arrow Connector 138"/>
+            <p:cNvCxnSpPr/>
+            <p:nvPr/>
+          </p:nvCxnSpPr>
+          <p:spPr>
+            <a:xfrm>
+              <a:off x="8410398" y="1801381"/>
+              <a:ext cx="631980" cy="0"/>
+            </a:xfrm>
+            <a:prstGeom prst="straightConnector1">
+              <a:avLst/>
+            </a:prstGeom>
+            <a:ln w="28575">
+              <a:tailEnd type="triangle"/>
+            </a:ln>
+          </p:spPr>
+          <p:style>
+            <a:lnRef idx="3">
+              <a:schemeClr val="dk1"/>
+            </a:lnRef>
+            <a:fillRef idx="0">
+              <a:schemeClr val="dk1"/>
+            </a:fillRef>
+            <a:effectRef idx="2">
+              <a:schemeClr val="dk1"/>
+            </a:effectRef>
+            <a:fontRef idx="minor">
+              <a:schemeClr val="tx1"/>
+            </a:fontRef>
+          </p:style>
+        </p:cxnSp>
+        <p:sp>
+          <p:nvSpPr>
+            <p:cNvPr id="147" name="Google Shape;166;p14"/>
+            <p:cNvSpPr txBox="1"/>
+            <p:nvPr/>
+          </p:nvSpPr>
+          <p:spPr>
+            <a:xfrm>
+              <a:off x="540564" y="1054641"/>
+              <a:ext cx="1264193" cy="524344"/>
+            </a:xfrm>
+            <a:prstGeom prst="rect">
+              <a:avLst/>
+            </a:prstGeom>
+            <a:noFill/>
+            <a:ln>
+              <a:noFill/>
+            </a:ln>
+          </p:spPr>
+          <p:txBody>
+            <a:bodyPr spcFirstLastPara="1" wrap="square" lIns="91425" tIns="91425" rIns="91425" bIns="91425" anchor="t" anchorCtr="0">
+              <a:spAutoFit/>
+            </a:bodyPr>
+            <a:lstStyle/>
+            <a:p>
+              <a:pPr lvl="0">
+                <a:lnSpc>
+                  <a:spcPct val="115000"/>
+                </a:lnSpc>
+                <a:spcAft>
+                  <a:spcPts val="1200"/>
+                </a:spcAft>
+              </a:pPr>
+              <a:r>
+                <a:rPr lang="en-US" sz="1000" b="1" dirty="0" err="1" smtClean="0">
+                  <a:solidFill>
+                    <a:srgbClr val="7030A0"/>
+                  </a:solidFill>
+                  <a:latin typeface="Arial" panose="020B0604020202020204" pitchFamily="34" charset="0"/>
+                  <a:ea typeface="Calibri"/>
+                  <a:cs typeface="Arial" panose="020B0604020202020204" pitchFamily="34" charset="0"/>
+                  <a:sym typeface="Calibri"/>
+                </a:rPr>
+                <a:t>D</a:t>
+              </a:r>
+              <a:r>
+                <a:rPr lang="en-US" sz="1000" b="1" baseline="-25000" dirty="0" err="1" smtClean="0">
+                  <a:solidFill>
+                    <a:srgbClr val="7030A0"/>
+                  </a:solidFill>
+                  <a:latin typeface="Arial" panose="020B0604020202020204" pitchFamily="34" charset="0"/>
+                  <a:ea typeface="Calibri"/>
+                  <a:cs typeface="Arial" panose="020B0604020202020204" pitchFamily="34" charset="0"/>
+                  <a:sym typeface="Calibri"/>
+                </a:rPr>
+                <a:t>cs</a:t>
+              </a:r>
+              <a:r>
+                <a:rPr lang="en-US" sz="1000" b="1" dirty="0" smtClean="0">
+                  <a:solidFill>
+                    <a:srgbClr val="7030A0"/>
+                  </a:solidFill>
+                  <a:latin typeface="Arial" panose="020B0604020202020204" pitchFamily="34" charset="0"/>
+                  <a:ea typeface="Calibri"/>
+                  <a:cs typeface="Arial" panose="020B0604020202020204" pitchFamily="34" charset="0"/>
+                  <a:sym typeface="Calibri"/>
+                </a:rPr>
+                <a:t> </a:t>
+              </a:r>
+              <a:r>
+                <a:rPr lang="en-US" sz="1000" b="1" dirty="0">
+                  <a:solidFill>
+                    <a:srgbClr val="7030A0"/>
+                  </a:solidFill>
+                  <a:latin typeface="Arial" panose="020B0604020202020204" pitchFamily="34" charset="0"/>
+                  <a:ea typeface="Calibri"/>
+                  <a:cs typeface="Arial" panose="020B0604020202020204" pitchFamily="34" charset="0"/>
+                  <a:sym typeface="Calibri"/>
+                </a:rPr>
+                <a:t>= </a:t>
+              </a:r>
+              <a:r>
+                <a:rPr lang="en-US" sz="1000" b="1" dirty="0" smtClean="0">
+                  <a:solidFill>
+                    <a:srgbClr val="7030A0"/>
+                  </a:solidFill>
+                  <a:latin typeface="Arial" panose="020B0604020202020204" pitchFamily="34" charset="0"/>
+                  <a:ea typeface="Calibri"/>
+                  <a:cs typeface="Arial" panose="020B0604020202020204" pitchFamily="34" charset="0"/>
+                  <a:sym typeface="Calibri"/>
+                </a:rPr>
+                <a:t>S(</a:t>
+              </a:r>
+              <a:r>
+                <a:rPr lang="en-US" sz="1000" b="1" dirty="0" err="1" smtClean="0">
+                  <a:solidFill>
+                    <a:srgbClr val="7030A0"/>
+                  </a:solidFill>
+                  <a:latin typeface="Arial" panose="020B0604020202020204" pitchFamily="34" charset="0"/>
+                  <a:ea typeface="Calibri"/>
+                  <a:cs typeface="Arial" panose="020B0604020202020204" pitchFamily="34" charset="0"/>
+                  <a:sym typeface="Calibri"/>
+                </a:rPr>
+                <a:t>i</a:t>
+              </a:r>
+              <a:r>
+                <a:rPr lang="en-US" sz="1000" b="1" dirty="0">
+                  <a:solidFill>
+                    <a:srgbClr val="7030A0"/>
+                  </a:solidFill>
+                  <a:latin typeface="Arial" panose="020B0604020202020204" pitchFamily="34" charset="0"/>
+                  <a:ea typeface="Calibri"/>
+                  <a:cs typeface="Arial" panose="020B0604020202020204" pitchFamily="34" charset="0"/>
+                  <a:sym typeface="Calibri"/>
+                </a:rPr>
+                <a:t>) - </a:t>
+              </a:r>
+              <a:r>
+                <a:rPr lang="en-US" sz="1000" b="1" dirty="0" smtClean="0">
+                  <a:solidFill>
+                    <a:srgbClr val="7030A0"/>
+                  </a:solidFill>
+                  <a:latin typeface="Arial" panose="020B0604020202020204" pitchFamily="34" charset="0"/>
+                  <a:ea typeface="Calibri"/>
+                  <a:cs typeface="Arial" panose="020B0604020202020204" pitchFamily="34" charset="0"/>
+                  <a:sym typeface="Calibri"/>
+                </a:rPr>
+                <a:t>S(j</a:t>
+              </a:r>
+              <a:r>
+                <a:rPr lang="en-US" sz="1000" b="1" dirty="0">
+                  <a:solidFill>
+                    <a:srgbClr val="7030A0"/>
+                  </a:solidFill>
+                  <a:latin typeface="Arial" panose="020B0604020202020204" pitchFamily="34" charset="0"/>
+                  <a:ea typeface="Calibri"/>
+                  <a:cs typeface="Arial" panose="020B0604020202020204" pitchFamily="34" charset="0"/>
+                  <a:sym typeface="Calibri"/>
+                </a:rPr>
+                <a:t>)</a:t>
+              </a:r>
+              <a:endParaRPr sz="1000" b="1" dirty="0">
+                <a:solidFill>
+                  <a:srgbClr val="7030A0"/>
+                </a:solidFill>
+                <a:latin typeface="Arial" panose="020B0604020202020204" pitchFamily="34" charset="0"/>
+                <a:ea typeface="Calibri"/>
+                <a:cs typeface="Arial" panose="020B0604020202020204" pitchFamily="34" charset="0"/>
+                <a:sym typeface="Calibri"/>
+              </a:endParaRPr>
+            </a:p>
+          </p:txBody>
+        </p:sp>
+        <p:sp>
+          <p:nvSpPr>
+            <p:cNvPr id="148" name="Google Shape;166;p14"/>
+            <p:cNvSpPr txBox="1"/>
+            <p:nvPr/>
+          </p:nvSpPr>
+          <p:spPr>
+            <a:xfrm>
+              <a:off x="540563" y="3010420"/>
+              <a:ext cx="1264193" cy="524344"/>
+            </a:xfrm>
+            <a:prstGeom prst="rect">
+              <a:avLst/>
+            </a:prstGeom>
+            <a:noFill/>
+            <a:ln>
+              <a:noFill/>
+            </a:ln>
+          </p:spPr>
+          <p:txBody>
+            <a:bodyPr spcFirstLastPara="1" wrap="square" lIns="91425" tIns="91425" rIns="91425" bIns="91425" anchor="t" anchorCtr="0">
+              <a:spAutoFit/>
+            </a:bodyPr>
+            <a:lstStyle/>
+            <a:p>
+              <a:pPr lvl="0">
+                <a:lnSpc>
+                  <a:spcPct val="115000"/>
+                </a:lnSpc>
+                <a:spcAft>
+                  <a:spcPts val="1200"/>
+                </a:spcAft>
+              </a:pPr>
+              <a:r>
+                <a:rPr lang="en-US" sz="1000" b="1" dirty="0" err="1" smtClean="0">
+                  <a:solidFill>
+                    <a:srgbClr val="7030A0"/>
+                  </a:solidFill>
+                  <a:latin typeface="Arial" panose="020B0604020202020204" pitchFamily="34" charset="0"/>
+                  <a:ea typeface="Calibri"/>
+                  <a:cs typeface="Arial" panose="020B0604020202020204" pitchFamily="34" charset="0"/>
+                  <a:sym typeface="Calibri"/>
+                </a:rPr>
+                <a:t>D</a:t>
+              </a:r>
+              <a:r>
+                <a:rPr lang="en-US" sz="1000" b="1" baseline="-25000" dirty="0" err="1" smtClean="0">
+                  <a:solidFill>
+                    <a:srgbClr val="7030A0"/>
+                  </a:solidFill>
+                  <a:latin typeface="Arial" panose="020B0604020202020204" pitchFamily="34" charset="0"/>
+                  <a:ea typeface="Calibri"/>
+                  <a:cs typeface="Arial" panose="020B0604020202020204" pitchFamily="34" charset="0"/>
+                  <a:sym typeface="Calibri"/>
+                </a:rPr>
+                <a:t>z</a:t>
+              </a:r>
+              <a:r>
+                <a:rPr lang="en-US" sz="1000" b="1" dirty="0" smtClean="0">
+                  <a:solidFill>
+                    <a:srgbClr val="7030A0"/>
+                  </a:solidFill>
+                  <a:latin typeface="Arial" panose="020B0604020202020204" pitchFamily="34" charset="0"/>
+                  <a:ea typeface="Calibri"/>
+                  <a:cs typeface="Arial" panose="020B0604020202020204" pitchFamily="34" charset="0"/>
+                  <a:sym typeface="Calibri"/>
+                </a:rPr>
+                <a:t> = Z(</a:t>
+              </a:r>
+              <a:r>
+                <a:rPr lang="en-US" sz="1000" b="1" dirty="0" err="1" smtClean="0">
+                  <a:solidFill>
+                    <a:srgbClr val="7030A0"/>
+                  </a:solidFill>
+                  <a:latin typeface="Arial" panose="020B0604020202020204" pitchFamily="34" charset="0"/>
+                  <a:ea typeface="Calibri"/>
+                  <a:cs typeface="Arial" panose="020B0604020202020204" pitchFamily="34" charset="0"/>
+                  <a:sym typeface="Calibri"/>
+                </a:rPr>
+                <a:t>i</a:t>
+              </a:r>
+              <a:r>
+                <a:rPr lang="en-US" sz="1000" b="1" dirty="0">
+                  <a:solidFill>
+                    <a:srgbClr val="7030A0"/>
+                  </a:solidFill>
+                  <a:latin typeface="Arial" panose="020B0604020202020204" pitchFamily="34" charset="0"/>
+                  <a:ea typeface="Calibri"/>
+                  <a:cs typeface="Arial" panose="020B0604020202020204" pitchFamily="34" charset="0"/>
+                  <a:sym typeface="Calibri"/>
+                </a:rPr>
+                <a:t>) - </a:t>
+              </a:r>
+              <a:r>
+                <a:rPr lang="en-US" sz="1000" b="1" dirty="0" smtClean="0">
+                  <a:solidFill>
+                    <a:srgbClr val="7030A0"/>
+                  </a:solidFill>
+                  <a:latin typeface="Arial" panose="020B0604020202020204" pitchFamily="34" charset="0"/>
+                  <a:ea typeface="Calibri"/>
+                  <a:cs typeface="Arial" panose="020B0604020202020204" pitchFamily="34" charset="0"/>
+                  <a:sym typeface="Calibri"/>
+                </a:rPr>
+                <a:t>Z</a:t>
+              </a:r>
+              <a:r>
+                <a:rPr lang="en-US" sz="1000" b="1" baseline="-25000" dirty="0" smtClean="0">
+                  <a:solidFill>
+                    <a:srgbClr val="7030A0"/>
+                  </a:solidFill>
+                  <a:latin typeface="Arial" panose="020B0604020202020204" pitchFamily="34" charset="0"/>
+                  <a:ea typeface="Calibri"/>
+                  <a:cs typeface="Arial" panose="020B0604020202020204" pitchFamily="34" charset="0"/>
+                  <a:sym typeface="Calibri"/>
+                </a:rPr>
+                <a:t> </a:t>
+              </a:r>
+              <a:r>
+                <a:rPr lang="en-US" sz="1000" b="1" dirty="0" smtClean="0">
+                  <a:solidFill>
+                    <a:srgbClr val="7030A0"/>
+                  </a:solidFill>
+                  <a:latin typeface="Arial" panose="020B0604020202020204" pitchFamily="34" charset="0"/>
+                  <a:ea typeface="Calibri"/>
+                  <a:cs typeface="Arial" panose="020B0604020202020204" pitchFamily="34" charset="0"/>
+                  <a:sym typeface="Calibri"/>
+                </a:rPr>
+                <a:t>(j</a:t>
+              </a:r>
+              <a:r>
+                <a:rPr lang="en-US" sz="1000" b="1" dirty="0">
+                  <a:solidFill>
+                    <a:srgbClr val="7030A0"/>
+                  </a:solidFill>
+                  <a:latin typeface="Arial" panose="020B0604020202020204" pitchFamily="34" charset="0"/>
+                  <a:ea typeface="Calibri"/>
+                  <a:cs typeface="Arial" panose="020B0604020202020204" pitchFamily="34" charset="0"/>
+                  <a:sym typeface="Calibri"/>
+                </a:rPr>
+                <a:t>)</a:t>
+              </a:r>
+              <a:endParaRPr sz="1000" b="1" dirty="0">
+                <a:solidFill>
+                  <a:srgbClr val="7030A0"/>
+                </a:solidFill>
+                <a:latin typeface="Arial" panose="020B0604020202020204" pitchFamily="34" charset="0"/>
+                <a:ea typeface="Calibri"/>
+                <a:cs typeface="Arial" panose="020B0604020202020204" pitchFamily="34" charset="0"/>
+                <a:sym typeface="Calibri"/>
+              </a:endParaRPr>
+            </a:p>
+          </p:txBody>
+        </p:sp>
+        <p:sp>
+          <p:nvSpPr>
+            <p:cNvPr id="151" name="Rectangle 150"/>
+            <p:cNvSpPr/>
+            <p:nvPr/>
+          </p:nvSpPr>
+          <p:spPr>
+            <a:xfrm>
+              <a:off x="6761874" y="3469370"/>
+              <a:ext cx="457200" cy="457200"/>
+            </a:xfrm>
+            <a:prstGeom prst="rect">
+              <a:avLst/>
+            </a:prstGeom>
+          </p:spPr>
+          <p:style>
+            <a:lnRef idx="1">
+              <a:schemeClr val="accent6"/>
+            </a:lnRef>
+            <a:fillRef idx="3">
+              <a:schemeClr val="accent6"/>
+            </a:fillRef>
+            <a:effectRef idx="2">
+              <a:schemeClr val="accent6"/>
+            </a:effectRef>
+            <a:fontRef idx="minor">
+              <a:schemeClr val="lt1"/>
+            </a:fontRef>
+          </p:style>
+          <p:txBody>
+            <a:bodyPr rtlCol="0" anchor="ctr"/>
+            <a:lstStyle/>
+            <a:p>
+              <a:pPr algn="ctr"/>
+              <a:endParaRPr lang="en-US" sz="900" b="1" dirty="0">
+                <a:solidFill>
+                  <a:schemeClr val="tx1"/>
+                </a:solidFill>
+              </a:endParaRPr>
+            </a:p>
+          </p:txBody>
+        </p:sp>
+        <p:sp>
+          <p:nvSpPr>
+            <p:cNvPr id="152" name="TextBox 151"/>
+            <p:cNvSpPr txBox="1"/>
+            <p:nvPr/>
+          </p:nvSpPr>
+          <p:spPr>
+            <a:xfrm>
+              <a:off x="7045518" y="3886000"/>
+              <a:ext cx="476651" cy="261610"/>
+            </a:xfrm>
+            <a:prstGeom prst="rect">
+              <a:avLst/>
+            </a:prstGeom>
+            <a:noFill/>
+          </p:spPr>
+          <p:txBody>
+            <a:bodyPr wrap="square" rtlCol="0">
+              <a:spAutoFit/>
+            </a:bodyPr>
+            <a:lstStyle/>
+            <a:p>
+              <a:r>
+                <a:rPr lang="en-US" sz="1050" b="1" dirty="0" smtClean="0"/>
+                <a:t>6×6</a:t>
+              </a:r>
+              <a:endParaRPr lang="en-US" sz="1050" b="1" dirty="0"/>
+            </a:p>
+          </p:txBody>
+        </p:sp>
+        <p:sp>
+          <p:nvSpPr>
+            <p:cNvPr id="153" name="Rectangle 152"/>
+            <p:cNvSpPr/>
+            <p:nvPr/>
+          </p:nvSpPr>
+          <p:spPr>
+            <a:xfrm>
+              <a:off x="3037104" y="3518102"/>
+              <a:ext cx="457200" cy="457200"/>
+            </a:xfrm>
+            <a:prstGeom prst="rect">
+              <a:avLst/>
+            </a:prstGeom>
+          </p:spPr>
+          <p:style>
+            <a:lnRef idx="1">
+              <a:schemeClr val="accent6"/>
+            </a:lnRef>
+            <a:fillRef idx="3">
+              <a:schemeClr val="accent6"/>
+            </a:fillRef>
+            <a:effectRef idx="2">
+              <a:schemeClr val="accent6"/>
+            </a:effectRef>
+            <a:fontRef idx="minor">
+              <a:schemeClr val="lt1"/>
+            </a:fontRef>
+          </p:style>
+          <p:txBody>
+            <a:bodyPr rtlCol="0" anchor="ctr"/>
+            <a:lstStyle/>
+            <a:p>
+              <a:pPr algn="ctr"/>
+              <a:endParaRPr lang="en-US" sz="900" b="1" dirty="0">
+                <a:solidFill>
+                  <a:schemeClr val="tx1"/>
+                </a:solidFill>
+              </a:endParaRPr>
+            </a:p>
+          </p:txBody>
+        </p:sp>
+        <p:sp>
+          <p:nvSpPr>
+            <p:cNvPr id="154" name="TextBox 153"/>
+            <p:cNvSpPr txBox="1"/>
+            <p:nvPr/>
+          </p:nvSpPr>
+          <p:spPr>
+            <a:xfrm>
+              <a:off x="3268176" y="3996434"/>
+              <a:ext cx="476651" cy="261610"/>
+            </a:xfrm>
+            <a:prstGeom prst="rect">
+              <a:avLst/>
+            </a:prstGeom>
+            <a:noFill/>
+          </p:spPr>
+          <p:txBody>
+            <a:bodyPr wrap="square" rtlCol="0">
+              <a:spAutoFit/>
+            </a:bodyPr>
+            <a:lstStyle/>
+            <a:p>
+              <a:r>
+                <a:rPr lang="en-US" sz="1050" b="1" dirty="0" smtClean="0"/>
+                <a:t>6×6</a:t>
+              </a:r>
+              <a:endParaRPr lang="en-US" sz="1050" b="1" dirty="0"/>
+            </a:p>
+          </p:txBody>
+        </p:sp>
+        <p:cxnSp>
+          <p:nvCxnSpPr>
+            <p:cNvPr id="155" name="Straight Arrow Connector 154"/>
+            <p:cNvCxnSpPr/>
+            <p:nvPr/>
+          </p:nvCxnSpPr>
+          <p:spPr>
+            <a:xfrm>
+              <a:off x="1593207" y="3697970"/>
+              <a:ext cx="1005840" cy="0"/>
+            </a:xfrm>
+            <a:prstGeom prst="straightConnector1">
+              <a:avLst/>
+            </a:prstGeom>
+            <a:ln w="28575">
+              <a:tailEnd type="triangle"/>
+            </a:ln>
+          </p:spPr>
+          <p:style>
+            <a:lnRef idx="3">
+              <a:schemeClr val="dk1"/>
+            </a:lnRef>
+            <a:fillRef idx="0">
+              <a:schemeClr val="dk1"/>
+            </a:fillRef>
+            <a:effectRef idx="2">
+              <a:schemeClr val="dk1"/>
+            </a:effectRef>
+            <a:fontRef idx="minor">
+              <a:schemeClr val="tx1"/>
+            </a:fontRef>
+          </p:style>
+        </p:cxnSp>
+        <p:cxnSp>
+          <p:nvCxnSpPr>
+            <p:cNvPr id="158" name="Straight Arrow Connector 157"/>
+            <p:cNvCxnSpPr/>
+            <p:nvPr/>
+          </p:nvCxnSpPr>
+          <p:spPr>
+            <a:xfrm>
+              <a:off x="3836181" y="3784855"/>
+              <a:ext cx="2743200" cy="0"/>
+            </a:xfrm>
+            <a:prstGeom prst="straightConnector1">
+              <a:avLst/>
+            </a:prstGeom>
+            <a:ln w="28575">
+              <a:solidFill>
+                <a:srgbClr val="FF0000"/>
+              </a:solidFill>
+              <a:headEnd type="triangle"/>
+              <a:tailEnd type="triangle"/>
+            </a:ln>
+          </p:spPr>
+          <p:style>
+            <a:lnRef idx="1">
+              <a:schemeClr val="accent1"/>
+            </a:lnRef>
+            <a:fillRef idx="0">
+              <a:schemeClr val="accent1"/>
+            </a:fillRef>
+            <a:effectRef idx="0">
+              <a:schemeClr val="accent1"/>
+            </a:effectRef>
+            <a:fontRef idx="minor">
+              <a:schemeClr val="tx1"/>
+            </a:fontRef>
+          </p:style>
+        </p:cxnSp>
+        <p:sp>
+          <p:nvSpPr>
+            <p:cNvPr id="160" name="TextBox 159"/>
+            <p:cNvSpPr txBox="1"/>
+            <p:nvPr/>
+          </p:nvSpPr>
+          <p:spPr>
+            <a:xfrm>
+              <a:off x="3597380" y="3522279"/>
+              <a:ext cx="3102028" cy="246221"/>
+            </a:xfrm>
+            <a:prstGeom prst="rect">
+              <a:avLst/>
+            </a:prstGeom>
+            <a:noFill/>
+          </p:spPr>
+          <p:txBody>
+            <a:bodyPr wrap="square" rtlCol="0">
+              <a:spAutoFit/>
+            </a:bodyPr>
+            <a:lstStyle/>
+            <a:p>
+              <a:pPr algn="ctr"/>
+              <a:r>
+                <a:rPr lang="en-US" sz="1000" b="1" dirty="0" smtClean="0">
+                  <a:solidFill>
+                    <a:srgbClr val="FF0000"/>
+                  </a:solidFill>
+                  <a:latin typeface="Arial" panose="020B0604020202020204" pitchFamily="34" charset="0"/>
+                  <a:cs typeface="Arial" panose="020B0604020202020204" pitchFamily="34" charset="0"/>
+                </a:rPr>
+                <a:t>Correlation (Geometry Preserving)</a:t>
+              </a:r>
+              <a:endParaRPr lang="en-US" sz="1000" b="1" dirty="0">
+                <a:solidFill>
+                  <a:srgbClr val="FF0000"/>
+                </a:solidFill>
+                <a:latin typeface="Arial" panose="020B0604020202020204" pitchFamily="34" charset="0"/>
+                <a:cs typeface="Arial" panose="020B0604020202020204" pitchFamily="34" charset="0"/>
+              </a:endParaRPr>
+            </a:p>
+          </p:txBody>
+        </p:sp>
+        <p:sp>
+          <p:nvSpPr>
+            <p:cNvPr id="175" name="TextBox 174"/>
+            <p:cNvSpPr txBox="1"/>
+            <p:nvPr/>
+          </p:nvSpPr>
+          <p:spPr>
+            <a:xfrm>
+              <a:off x="1398280" y="3382207"/>
+              <a:ext cx="1869896" cy="246221"/>
+            </a:xfrm>
+            <a:prstGeom prst="rect">
+              <a:avLst/>
+            </a:prstGeom>
+            <a:noFill/>
+          </p:spPr>
+          <p:txBody>
+            <a:bodyPr wrap="square" rtlCol="0">
+              <a:spAutoFit/>
+            </a:bodyPr>
+            <a:lstStyle/>
+            <a:p>
+              <a:r>
+                <a:rPr lang="en-US" sz="1000" b="1" dirty="0" smtClean="0">
+                  <a:latin typeface="Arial" panose="020B0604020202020204" pitchFamily="34" charset="0"/>
+                  <a:cs typeface="Arial" panose="020B0604020202020204" pitchFamily="34" charset="0"/>
+                </a:rPr>
+                <a:t>Across-Cluster Distance</a:t>
+              </a:r>
+              <a:endParaRPr lang="en-US" sz="1000" b="1" dirty="0">
+                <a:latin typeface="Arial" panose="020B0604020202020204" pitchFamily="34" charset="0"/>
+                <a:cs typeface="Arial" panose="020B0604020202020204" pitchFamily="34" charset="0"/>
+              </a:endParaRPr>
+            </a:p>
+          </p:txBody>
+        </p:sp>
+        <p:sp>
+          <p:nvSpPr>
+            <p:cNvPr id="176" name="TextBox 175"/>
+            <p:cNvSpPr txBox="1"/>
+            <p:nvPr/>
+          </p:nvSpPr>
+          <p:spPr>
+            <a:xfrm rot="19609748">
+              <a:off x="7241395" y="2870409"/>
+              <a:ext cx="2034412" cy="246221"/>
+            </a:xfrm>
+            <a:prstGeom prst="rect">
+              <a:avLst/>
+            </a:prstGeom>
+            <a:noFill/>
+          </p:spPr>
+          <p:txBody>
+            <a:bodyPr wrap="square" rtlCol="0">
+              <a:spAutoFit/>
+            </a:bodyPr>
+            <a:lstStyle/>
+            <a:p>
+              <a:pPr algn="ctr"/>
+              <a:r>
+                <a:rPr lang="en-US" sz="1000" b="1" dirty="0" smtClean="0">
+                  <a:latin typeface="Arial" panose="020B0604020202020204" pitchFamily="34" charset="0"/>
+                  <a:cs typeface="Arial" panose="020B0604020202020204" pitchFamily="34" charset="0"/>
+                </a:rPr>
+                <a:t>Across-Cluster </a:t>
+              </a:r>
+              <a:r>
+                <a:rPr lang="en-US" sz="900" b="1" dirty="0" smtClean="0">
+                  <a:latin typeface="Arial" panose="020B0604020202020204" pitchFamily="34" charset="0"/>
+                  <a:cs typeface="Arial" panose="020B0604020202020204" pitchFamily="34" charset="0"/>
+                </a:rPr>
+                <a:t>Distance</a:t>
+              </a:r>
+              <a:endParaRPr lang="en-US" sz="900" b="1" dirty="0">
+                <a:latin typeface="Arial" panose="020B0604020202020204" pitchFamily="34" charset="0"/>
+                <a:cs typeface="Arial" panose="020B0604020202020204" pitchFamily="34" charset="0"/>
+              </a:endParaRPr>
+            </a:p>
+          </p:txBody>
+        </p:sp>
+        <p:cxnSp>
+          <p:nvCxnSpPr>
+            <p:cNvPr id="107" name="Straight Arrow Connector 106"/>
+            <p:cNvCxnSpPr/>
+            <p:nvPr/>
+          </p:nvCxnSpPr>
+          <p:spPr>
+            <a:xfrm flipH="1">
+              <a:off x="7419221" y="2340359"/>
+              <a:ext cx="2079434" cy="1340122"/>
+            </a:xfrm>
+            <a:prstGeom prst="straightConnector1">
+              <a:avLst/>
+            </a:prstGeom>
+            <a:ln w="28575">
+              <a:tailEnd type="triangle"/>
+            </a:ln>
+          </p:spPr>
+          <p:style>
+            <a:lnRef idx="3">
+              <a:schemeClr val="dk1"/>
+            </a:lnRef>
+            <a:fillRef idx="0">
+              <a:schemeClr val="dk1"/>
+            </a:fillRef>
+            <a:effectRef idx="2">
+              <a:schemeClr val="dk1"/>
+            </a:effectRef>
+            <a:fontRef idx="minor">
+              <a:schemeClr val="tx1"/>
+            </a:fontRef>
+          </p:style>
+        </p:cxnSp>
+        <p:sp>
+          <p:nvSpPr>
+            <p:cNvPr id="17" name="Oval 16"/>
+            <p:cNvSpPr/>
+            <p:nvPr/>
+          </p:nvSpPr>
+          <p:spPr>
+            <a:xfrm>
+              <a:off x="9129240" y="1398784"/>
+              <a:ext cx="1934221" cy="805194"/>
+            </a:xfrm>
+            <a:prstGeom prst="ellipse">
+              <a:avLst/>
+            </a:prstGeom>
+          </p:spPr>
+          <p:style>
+            <a:lnRef idx="2">
+              <a:schemeClr val="dk1"/>
+            </a:lnRef>
+            <a:fillRef idx="1">
+              <a:schemeClr val="lt1"/>
+            </a:fillRef>
+            <a:effectRef idx="0">
+              <a:schemeClr val="dk1"/>
+            </a:effectRef>
+            <a:fontRef idx="minor">
+              <a:schemeClr val="dk1"/>
+            </a:fontRef>
+          </p:style>
+          <p:txBody>
+            <a:bodyPr rtlCol="0" anchor="ctr"/>
+            <a:lstStyle/>
+            <a:p>
+              <a:pPr algn="ctr"/>
+              <a:r>
+                <a:rPr lang="en-US" sz="1600" b="1" dirty="0">
+                  <a:solidFill>
+                    <a:srgbClr val="7030A0"/>
+                  </a:solidFill>
+                  <a:latin typeface="Arial" panose="020B0604020202020204" pitchFamily="34" charset="0"/>
+                  <a:cs typeface="Arial" panose="020B0604020202020204" pitchFamily="34" charset="0"/>
+                </a:rPr>
+                <a:t>Optimal Number of Clusters</a:t>
+              </a:r>
+              <a:endParaRPr lang="en-US" sz="1600" b="1" dirty="0">
+                <a:solidFill>
+                  <a:srgbClr val="7030A0"/>
+                </a:solidFill>
+                <a:latin typeface="Arial" panose="020B0604020202020204" pitchFamily="34" charset="0"/>
+                <a:cs typeface="Arial" panose="020B0604020202020204" pitchFamily="34" charset="0"/>
+              </a:endParaRPr>
+            </a:p>
+          </p:txBody>
+        </p:sp>
+      </p:grpSp>
+      <p:sp>
+        <p:nvSpPr>
+          <p:cNvPr id="112" name="TextBox 111"/>
+          <p:cNvSpPr txBox="1"/>
+          <p:nvPr/>
+        </p:nvSpPr>
+        <p:spPr>
+          <a:xfrm>
+            <a:off x="-21729" y="392500"/>
+            <a:ext cx="12196846" cy="461665"/>
+          </a:xfrm>
+          <a:prstGeom prst="rect">
+            <a:avLst/>
+          </a:prstGeom>
+          <a:noFill/>
+        </p:spPr>
+        <p:txBody>
+          <a:bodyPr wrap="square" rtlCol="0">
+            <a:spAutoFit/>
+          </a:bodyPr>
+          <a:lstStyle/>
+          <a:p>
+            <a:pPr algn="ctr"/>
+            <a:r>
+              <a:rPr lang="en-US" sz="2400" b="1" dirty="0" smtClean="0">
+                <a:solidFill>
+                  <a:srgbClr val="FF0000"/>
+                </a:solidFill>
+                <a:latin typeface="Arial" panose="020B0604020202020204" pitchFamily="34" charset="0"/>
+                <a:cs typeface="Arial" panose="020B0604020202020204" pitchFamily="34" charset="0"/>
+              </a:rPr>
+              <a:t>Evaluation</a:t>
+            </a:r>
+            <a:endParaRPr lang="en-US" sz="2400" b="1" dirty="0">
+              <a:solidFill>
+                <a:srgbClr val="FF0000"/>
+              </a:solidFill>
+              <a:latin typeface="Arial" panose="020B0604020202020204" pitchFamily="34" charset="0"/>
+              <a:cs typeface="Arial" panose="020B0604020202020204" pitchFamily="34" charset="0"/>
+            </a:endParaRPr>
+          </a:p>
+        </p:txBody>
+      </p:sp>
+    </p:spTree>
+    <p:extLst>
+      <p:ext uri="{BB962C8B-B14F-4D97-AF65-F5344CB8AC3E}">
+        <p14:creationId xmlns:p14="http://schemas.microsoft.com/office/powerpoint/2010/main" val="1294557917"/>
       </p:ext>
     </p:extLst>
   </p:cSld>

--- a/clustering/Highlevel-ideas.pptx
+++ b/clustering/Highlevel-ideas.pptx
@@ -7,6 +7,7 @@
   <p:sldIdLst>
     <p:sldId id="265" r:id="rId2"/>
     <p:sldId id="266" r:id="rId3"/>
+    <p:sldId id="267" r:id="rId4"/>
   </p:sldIdLst>
   <p:sldSz cx="12192000" cy="6858000"/>
   <p:notesSz cx="6858000" cy="9144000"/>
@@ -857,11 +858,11 @@
           <c:showBubbleSize val="0"/>
         </c:dLbls>
         <c:smooth val="0"/>
-        <c:axId val="349585616"/>
-        <c:axId val="349582480"/>
+        <c:axId val="210803952"/>
+        <c:axId val="211446528"/>
       </c:lineChart>
       <c:catAx>
-        <c:axId val="349585616"/>
+        <c:axId val="210803952"/>
         <c:scaling>
           <c:orientation val="minMax"/>
         </c:scaling>
@@ -871,7 +872,7 @@
         <c:majorTickMark val="none"/>
         <c:minorTickMark val="none"/>
         <c:tickLblPos val="nextTo"/>
-        <c:crossAx val="349582480"/>
+        <c:crossAx val="211446528"/>
         <c:crosses val="autoZero"/>
         <c:auto val="1"/>
         <c:lblAlgn val="ctr"/>
@@ -879,7 +880,7 @@
         <c:noMultiLvlLbl val="0"/>
       </c:catAx>
       <c:valAx>
-        <c:axId val="349582480"/>
+        <c:axId val="211446528"/>
         <c:scaling>
           <c:orientation val="minMax"/>
         </c:scaling>
@@ -903,7 +904,7 @@
         <c:majorTickMark val="none"/>
         <c:minorTickMark val="none"/>
         <c:tickLblPos val="nextTo"/>
-        <c:crossAx val="349585616"/>
+        <c:crossAx val="210803952"/>
         <c:crosses val="autoZero"/>
         <c:crossBetween val="between"/>
       </c:valAx>
@@ -1686,11 +1687,11 @@
           <c:showBubbleSize val="0"/>
         </c:dLbls>
         <c:smooth val="0"/>
-        <c:axId val="349586008"/>
-        <c:axId val="349589536"/>
+        <c:axId val="208937840"/>
+        <c:axId val="208839312"/>
       </c:lineChart>
       <c:catAx>
-        <c:axId val="349586008"/>
+        <c:axId val="208937840"/>
         <c:scaling>
           <c:orientation val="minMax"/>
         </c:scaling>
@@ -1700,7 +1701,7 @@
         <c:majorTickMark val="none"/>
         <c:minorTickMark val="none"/>
         <c:tickLblPos val="nextTo"/>
-        <c:crossAx val="349589536"/>
+        <c:crossAx val="208839312"/>
         <c:crosses val="autoZero"/>
         <c:auto val="1"/>
         <c:lblAlgn val="ctr"/>
@@ -1708,7 +1709,7 @@
         <c:noMultiLvlLbl val="0"/>
       </c:catAx>
       <c:valAx>
-        <c:axId val="349589536"/>
+        <c:axId val="208839312"/>
         <c:scaling>
           <c:orientation val="minMax"/>
         </c:scaling>
@@ -1732,7 +1733,7 @@
         <c:majorTickMark val="none"/>
         <c:minorTickMark val="none"/>
         <c:tickLblPos val="nextTo"/>
-        <c:crossAx val="349586008"/>
+        <c:crossAx val="208937840"/>
         <c:crosses val="autoZero"/>
         <c:crossBetween val="between"/>
       </c:valAx>
@@ -2515,11 +2516,11 @@
           <c:showBubbleSize val="0"/>
         </c:dLbls>
         <c:smooth val="0"/>
-        <c:axId val="349596200"/>
-        <c:axId val="349594632"/>
+        <c:axId val="161923064"/>
+        <c:axId val="210892648"/>
       </c:lineChart>
       <c:catAx>
-        <c:axId val="349596200"/>
+        <c:axId val="161923064"/>
         <c:scaling>
           <c:orientation val="minMax"/>
         </c:scaling>
@@ -2529,7 +2530,7 @@
         <c:majorTickMark val="none"/>
         <c:minorTickMark val="none"/>
         <c:tickLblPos val="nextTo"/>
-        <c:crossAx val="349594632"/>
+        <c:crossAx val="210892648"/>
         <c:crosses val="autoZero"/>
         <c:auto val="1"/>
         <c:lblAlgn val="ctr"/>
@@ -2537,7 +2538,7 @@
         <c:noMultiLvlLbl val="0"/>
       </c:catAx>
       <c:valAx>
-        <c:axId val="349594632"/>
+        <c:axId val="210892648"/>
         <c:scaling>
           <c:orientation val="minMax"/>
         </c:scaling>
@@ -2561,7 +2562,7 @@
         <c:majorTickMark val="none"/>
         <c:minorTickMark val="none"/>
         <c:tickLblPos val="nextTo"/>
-        <c:crossAx val="349596200"/>
+        <c:crossAx val="161923064"/>
         <c:crosses val="autoZero"/>
         <c:crossBetween val="between"/>
       </c:valAx>
@@ -3344,11 +3345,11 @@
           <c:showBubbleSize val="0"/>
         </c:dLbls>
         <c:smooth val="0"/>
-        <c:axId val="349595416"/>
-        <c:axId val="349595024"/>
+        <c:axId val="210910120"/>
+        <c:axId val="210914608"/>
       </c:lineChart>
       <c:catAx>
-        <c:axId val="349595416"/>
+        <c:axId val="210910120"/>
         <c:scaling>
           <c:orientation val="minMax"/>
         </c:scaling>
@@ -3358,7 +3359,7 @@
         <c:majorTickMark val="none"/>
         <c:minorTickMark val="none"/>
         <c:tickLblPos val="nextTo"/>
-        <c:crossAx val="349595024"/>
+        <c:crossAx val="210914608"/>
         <c:crosses val="autoZero"/>
         <c:auto val="1"/>
         <c:lblAlgn val="ctr"/>
@@ -3366,7 +3367,7 @@
         <c:noMultiLvlLbl val="0"/>
       </c:catAx>
       <c:valAx>
-        <c:axId val="349595024"/>
+        <c:axId val="210914608"/>
         <c:scaling>
           <c:orientation val="minMax"/>
         </c:scaling>
@@ -3390,7 +3391,7 @@
         <c:majorTickMark val="none"/>
         <c:minorTickMark val="none"/>
         <c:tickLblPos val="nextTo"/>
-        <c:crossAx val="349595416"/>
+        <c:crossAx val="210910120"/>
         <c:crosses val="autoZero"/>
         <c:crossBetween val="between"/>
       </c:valAx>
@@ -4173,11 +4174,11 @@
           <c:showBubbleSize val="0"/>
         </c:dLbls>
         <c:smooth val="0"/>
-        <c:axId val="349594240"/>
-        <c:axId val="349596592"/>
+        <c:axId val="210980696"/>
+        <c:axId val="210981080"/>
       </c:lineChart>
       <c:catAx>
-        <c:axId val="349594240"/>
+        <c:axId val="210980696"/>
         <c:scaling>
           <c:orientation val="minMax"/>
         </c:scaling>
@@ -4187,7 +4188,7 @@
         <c:majorTickMark val="none"/>
         <c:minorTickMark val="none"/>
         <c:tickLblPos val="nextTo"/>
-        <c:crossAx val="349596592"/>
+        <c:crossAx val="210981080"/>
         <c:crosses val="autoZero"/>
         <c:auto val="1"/>
         <c:lblAlgn val="ctr"/>
@@ -4195,7 +4196,7 @@
         <c:noMultiLvlLbl val="0"/>
       </c:catAx>
       <c:valAx>
-        <c:axId val="349596592"/>
+        <c:axId val="210981080"/>
         <c:scaling>
           <c:orientation val="minMax"/>
         </c:scaling>
@@ -4219,7 +4220,7 @@
         <c:majorTickMark val="none"/>
         <c:minorTickMark val="none"/>
         <c:tickLblPos val="nextTo"/>
-        <c:crossAx val="349594240"/>
+        <c:crossAx val="210980696"/>
         <c:crosses val="autoZero"/>
         <c:crossBetween val="between"/>
       </c:valAx>
@@ -7067,7 +7068,7 @@
           <a:p>
             <a:fld id="{496B77DC-0222-47BC-BF87-25C80DAE1A18}" type="datetimeFigureOut">
               <a:rPr lang="en-US" smtClean="0"/>
-              <a:t>3/31/2024</a:t>
+              <a:t>4/1/2024</a:t>
             </a:fld>
             <a:endParaRPr lang="en-US"/>
           </a:p>
@@ -7237,7 +7238,7 @@
           <a:p>
             <a:fld id="{496B77DC-0222-47BC-BF87-25C80DAE1A18}" type="datetimeFigureOut">
               <a:rPr lang="en-US" smtClean="0"/>
-              <a:t>3/31/2024</a:t>
+              <a:t>4/1/2024</a:t>
             </a:fld>
             <a:endParaRPr lang="en-US"/>
           </a:p>
@@ -7417,7 +7418,7 @@
           <a:p>
             <a:fld id="{496B77DC-0222-47BC-BF87-25C80DAE1A18}" type="datetimeFigureOut">
               <a:rPr lang="en-US" smtClean="0"/>
-              <a:t>3/31/2024</a:t>
+              <a:t>4/1/2024</a:t>
             </a:fld>
             <a:endParaRPr lang="en-US"/>
           </a:p>
@@ -7587,7 +7588,7 @@
           <a:p>
             <a:fld id="{496B77DC-0222-47BC-BF87-25C80DAE1A18}" type="datetimeFigureOut">
               <a:rPr lang="en-US" smtClean="0"/>
-              <a:t>3/31/2024</a:t>
+              <a:t>4/1/2024</a:t>
             </a:fld>
             <a:endParaRPr lang="en-US"/>
           </a:p>
@@ -7833,7 +7834,7 @@
           <a:p>
             <a:fld id="{496B77DC-0222-47BC-BF87-25C80DAE1A18}" type="datetimeFigureOut">
               <a:rPr lang="en-US" smtClean="0"/>
-              <a:t>3/31/2024</a:t>
+              <a:t>4/1/2024</a:t>
             </a:fld>
             <a:endParaRPr lang="en-US"/>
           </a:p>
@@ -8065,7 +8066,7 @@
           <a:p>
             <a:fld id="{496B77DC-0222-47BC-BF87-25C80DAE1A18}" type="datetimeFigureOut">
               <a:rPr lang="en-US" smtClean="0"/>
-              <a:t>3/31/2024</a:t>
+              <a:t>4/1/2024</a:t>
             </a:fld>
             <a:endParaRPr lang="en-US"/>
           </a:p>
@@ -8432,7 +8433,7 @@
           <a:p>
             <a:fld id="{496B77DC-0222-47BC-BF87-25C80DAE1A18}" type="datetimeFigureOut">
               <a:rPr lang="en-US" smtClean="0"/>
-              <a:t>3/31/2024</a:t>
+              <a:t>4/1/2024</a:t>
             </a:fld>
             <a:endParaRPr lang="en-US"/>
           </a:p>
@@ -8550,7 +8551,7 @@
           <a:p>
             <a:fld id="{496B77DC-0222-47BC-BF87-25C80DAE1A18}" type="datetimeFigureOut">
               <a:rPr lang="en-US" smtClean="0"/>
-              <a:t>3/31/2024</a:t>
+              <a:t>4/1/2024</a:t>
             </a:fld>
             <a:endParaRPr lang="en-US"/>
           </a:p>
@@ -8645,7 +8646,7 @@
           <a:p>
             <a:fld id="{496B77DC-0222-47BC-BF87-25C80DAE1A18}" type="datetimeFigureOut">
               <a:rPr lang="en-US" smtClean="0"/>
-              <a:t>3/31/2024</a:t>
+              <a:t>4/1/2024</a:t>
             </a:fld>
             <a:endParaRPr lang="en-US"/>
           </a:p>
@@ -8922,7 +8923,7 @@
           <a:p>
             <a:fld id="{496B77DC-0222-47BC-BF87-25C80DAE1A18}" type="datetimeFigureOut">
               <a:rPr lang="en-US" smtClean="0"/>
-              <a:t>3/31/2024</a:t>
+              <a:t>4/1/2024</a:t>
             </a:fld>
             <a:endParaRPr lang="en-US"/>
           </a:p>
@@ -9175,7 +9176,7 @@
           <a:p>
             <a:fld id="{496B77DC-0222-47BC-BF87-25C80DAE1A18}" type="datetimeFigureOut">
               <a:rPr lang="en-US" smtClean="0"/>
-              <a:t>3/31/2024</a:t>
+              <a:t>4/1/2024</a:t>
             </a:fld>
             <a:endParaRPr lang="en-US"/>
           </a:p>
@@ -9388,7 +9389,7 @@
           <a:p>
             <a:fld id="{496B77DC-0222-47BC-BF87-25C80DAE1A18}" type="datetimeFigureOut">
               <a:rPr lang="en-US" smtClean="0"/>
-              <a:t>3/31/2024</a:t>
+              <a:t>4/1/2024</a:t>
             </a:fld>
             <a:endParaRPr lang="en-US"/>
           </a:p>
@@ -10826,8 +10827,8 @@
                     </a:p>
                   </p:txBody>
                 </p:sp>
-                <mc:AlternateContent xmlns:mc="http://schemas.openxmlformats.org/markup-compatibility/2006">
-                  <mc:Choice xmlns:a14="http://schemas.microsoft.com/office/drawing/2010/main" Requires="a14">
+                <mc:AlternateContent xmlns:mc="http://schemas.openxmlformats.org/markup-compatibility/2006" xmlns:a14="http://schemas.microsoft.com/office/drawing/2010/main">
+                  <mc:Choice Requires="a14">
                     <p:sp>
                       <p:nvSpPr>
                         <p:cNvPr id="9" name="Rectangle 8"/>
@@ -10882,7 +10883,7 @@
                       </p:txBody>
                     </p:sp>
                   </mc:Choice>
-                  <mc:Fallback>
+                  <mc:Fallback xmlns="">
                     <p:sp>
                       <p:nvSpPr>
                         <p:cNvPr id="9" name="Rectangle 8"/>
@@ -10921,8 +10922,8 @@
                     </p:sp>
                   </mc:Fallback>
                 </mc:AlternateContent>
-                <mc:AlternateContent xmlns:mc="http://schemas.openxmlformats.org/markup-compatibility/2006">
-                  <mc:Choice xmlns:a14="http://schemas.microsoft.com/office/drawing/2010/main" Requires="a14">
+                <mc:AlternateContent xmlns:mc="http://schemas.openxmlformats.org/markup-compatibility/2006" xmlns:a14="http://schemas.microsoft.com/office/drawing/2010/main">
+                  <mc:Choice Requires="a14">
                     <p:sp>
                       <p:nvSpPr>
                         <p:cNvPr id="71" name="Rectangle 70"/>
@@ -10977,7 +10978,7 @@
                       </p:txBody>
                     </p:sp>
                   </mc:Choice>
-                  <mc:Fallback>
+                  <mc:Fallback xmlns="">
                     <p:sp>
                       <p:nvSpPr>
                         <p:cNvPr id="71" name="Rectangle 70"/>
@@ -11069,8 +11070,8 @@
                     </a:p>
                   </p:txBody>
                 </p:sp>
-                <mc:AlternateContent xmlns:mc="http://schemas.openxmlformats.org/markup-compatibility/2006">
-                  <mc:Choice xmlns:a14="http://schemas.microsoft.com/office/drawing/2010/main" Requires="a14">
+                <mc:AlternateContent xmlns:mc="http://schemas.openxmlformats.org/markup-compatibility/2006" xmlns:a14="http://schemas.microsoft.com/office/drawing/2010/main">
+                  <mc:Choice Requires="a14">
                     <p:sp>
                       <p:nvSpPr>
                         <p:cNvPr id="75" name="Rectangle 74"/>
@@ -11125,7 +11126,7 @@
                       </p:txBody>
                     </p:sp>
                   </mc:Choice>
-                  <mc:Fallback>
+                  <mc:Fallback xmlns="">
                     <p:sp>
                       <p:nvSpPr>
                         <p:cNvPr id="75" name="Rectangle 74"/>
@@ -11164,8 +11165,8 @@
                     </p:sp>
                   </mc:Fallback>
                 </mc:AlternateContent>
-                <mc:AlternateContent xmlns:mc="http://schemas.openxmlformats.org/markup-compatibility/2006">
-                  <mc:Choice xmlns:a14="http://schemas.microsoft.com/office/drawing/2010/main" Requires="a14">
+                <mc:AlternateContent xmlns:mc="http://schemas.openxmlformats.org/markup-compatibility/2006" xmlns:a14="http://schemas.microsoft.com/office/drawing/2010/main">
+                  <mc:Choice Requires="a14">
                     <p:sp>
                       <p:nvSpPr>
                         <p:cNvPr id="76" name="Rectangle 75"/>
@@ -11220,7 +11221,7 @@
                       </p:txBody>
                     </p:sp>
                   </mc:Choice>
-                  <mc:Fallback>
+                  <mc:Fallback xmlns="">
                     <p:sp>
                       <p:nvSpPr>
                         <p:cNvPr id="76" name="Rectangle 75"/>
@@ -12259,8 +12260,8 @@
               </p:sp>
             </p:grpSp>
           </p:grpSp>
-          <mc:AlternateContent xmlns:mc="http://schemas.openxmlformats.org/markup-compatibility/2006">
-            <mc:Choice xmlns:a14="http://schemas.microsoft.com/office/drawing/2010/main" Requires="a14">
+          <mc:AlternateContent xmlns:mc="http://schemas.openxmlformats.org/markup-compatibility/2006" xmlns:a14="http://schemas.microsoft.com/office/drawing/2010/main">
+            <mc:Choice Requires="a14">
               <p:graphicFrame>
                 <p:nvGraphicFramePr>
                   <p:cNvPr id="126" name="Chart 125"/>
@@ -12282,7 +12283,7 @@
                 </a:graphic>
               </p:graphicFrame>
             </mc:Choice>
-            <mc:Fallback>
+            <mc:Fallback xmlns="">
               <p:graphicFrame>
                 <p:nvGraphicFramePr>
                   <p:cNvPr id="126" name="Chart 125"/>
@@ -12299,14 +12300,14 @@
                 </p:xfrm>
                 <a:graphic>
                   <a:graphicData uri="http://schemas.openxmlformats.org/drawingml/2006/chart">
-                    <c:chart xmlns:c="http://schemas.openxmlformats.org/drawingml/2006/chart" xmlns:r="http://schemas.openxmlformats.org/officeDocument/2006/relationships" r:id="rId7"/>
+                    <c:chart xmlns:c="http://schemas.openxmlformats.org/drawingml/2006/chart" xmlns:r="http://schemas.openxmlformats.org/officeDocument/2006/relationships" r:id="rId8"/>
                   </a:graphicData>
                 </a:graphic>
               </p:graphicFrame>
             </mc:Fallback>
           </mc:AlternateContent>
-          <mc:AlternateContent xmlns:mc="http://schemas.openxmlformats.org/markup-compatibility/2006">
-            <mc:Choice xmlns:a14="http://schemas.microsoft.com/office/drawing/2010/main" Requires="a14">
+          <mc:AlternateContent xmlns:mc="http://schemas.openxmlformats.org/markup-compatibility/2006" xmlns:a14="http://schemas.microsoft.com/office/drawing/2010/main">
+            <mc:Choice Requires="a14">
               <p:graphicFrame>
                 <p:nvGraphicFramePr>
                   <p:cNvPr id="127" name="Chart 126"/>
@@ -12323,12 +12324,12 @@
                 </p:xfrm>
                 <a:graphic>
                   <a:graphicData uri="http://schemas.openxmlformats.org/drawingml/2006/chart">
-                    <c:chart xmlns:c="http://schemas.openxmlformats.org/drawingml/2006/chart" xmlns:r="http://schemas.openxmlformats.org/officeDocument/2006/relationships" r:id="rId8"/>
+                    <c:chart xmlns:c="http://schemas.openxmlformats.org/drawingml/2006/chart" xmlns:r="http://schemas.openxmlformats.org/officeDocument/2006/relationships" r:id="rId9"/>
                   </a:graphicData>
                 </a:graphic>
               </p:graphicFrame>
             </mc:Choice>
-            <mc:Fallback>
+            <mc:Fallback xmlns="">
               <p:graphicFrame>
                 <p:nvGraphicFramePr>
                   <p:cNvPr id="127" name="Chart 126"/>
@@ -12345,14 +12346,14 @@
                 </p:xfrm>
                 <a:graphic>
                   <a:graphicData uri="http://schemas.openxmlformats.org/drawingml/2006/chart">
-                    <c:chart xmlns:c="http://schemas.openxmlformats.org/drawingml/2006/chart" xmlns:r="http://schemas.openxmlformats.org/officeDocument/2006/relationships" r:id="rId8"/>
+                    <c:chart xmlns:c="http://schemas.openxmlformats.org/drawingml/2006/chart" xmlns:r="http://schemas.openxmlformats.org/officeDocument/2006/relationships" r:id="rId10"/>
                   </a:graphicData>
                 </a:graphic>
               </p:graphicFrame>
             </mc:Fallback>
           </mc:AlternateContent>
-          <mc:AlternateContent xmlns:mc="http://schemas.openxmlformats.org/markup-compatibility/2006">
-            <mc:Choice xmlns:a14="http://schemas.microsoft.com/office/drawing/2010/main" Requires="a14">
+          <mc:AlternateContent xmlns:mc="http://schemas.openxmlformats.org/markup-compatibility/2006" xmlns:a14="http://schemas.microsoft.com/office/drawing/2010/main">
+            <mc:Choice Requires="a14">
               <p:graphicFrame>
                 <p:nvGraphicFramePr>
                   <p:cNvPr id="128" name="Chart 127"/>
@@ -12369,12 +12370,12 @@
                 </p:xfrm>
                 <a:graphic>
                   <a:graphicData uri="http://schemas.openxmlformats.org/drawingml/2006/chart">
-                    <c:chart xmlns:c="http://schemas.openxmlformats.org/drawingml/2006/chart" xmlns:r="http://schemas.openxmlformats.org/officeDocument/2006/relationships" r:id="rId9"/>
+                    <c:chart xmlns:c="http://schemas.openxmlformats.org/drawingml/2006/chart" xmlns:r="http://schemas.openxmlformats.org/officeDocument/2006/relationships" r:id="rId11"/>
                   </a:graphicData>
                 </a:graphic>
               </p:graphicFrame>
             </mc:Choice>
-            <mc:Fallback>
+            <mc:Fallback xmlns="">
               <p:graphicFrame>
                 <p:nvGraphicFramePr>
                   <p:cNvPr id="128" name="Chart 127"/>
@@ -12391,14 +12392,14 @@
                 </p:xfrm>
                 <a:graphic>
                   <a:graphicData uri="http://schemas.openxmlformats.org/drawingml/2006/chart">
-                    <c:chart xmlns:c="http://schemas.openxmlformats.org/drawingml/2006/chart" xmlns:r="http://schemas.openxmlformats.org/officeDocument/2006/relationships" r:id="rId9"/>
+                    <c:chart xmlns:c="http://schemas.openxmlformats.org/drawingml/2006/chart" xmlns:r="http://schemas.openxmlformats.org/officeDocument/2006/relationships" r:id="rId12"/>
                   </a:graphicData>
                 </a:graphic>
               </p:graphicFrame>
             </mc:Fallback>
           </mc:AlternateContent>
-          <mc:AlternateContent xmlns:mc="http://schemas.openxmlformats.org/markup-compatibility/2006">
-            <mc:Choice xmlns:a14="http://schemas.microsoft.com/office/drawing/2010/main" Requires="a14">
+          <mc:AlternateContent xmlns:mc="http://schemas.openxmlformats.org/markup-compatibility/2006" xmlns:a14="http://schemas.microsoft.com/office/drawing/2010/main">
+            <mc:Choice Requires="a14">
               <p:graphicFrame>
                 <p:nvGraphicFramePr>
                   <p:cNvPr id="129" name="Chart 128"/>
@@ -12415,12 +12416,12 @@
                 </p:xfrm>
                 <a:graphic>
                   <a:graphicData uri="http://schemas.openxmlformats.org/drawingml/2006/chart">
-                    <c:chart xmlns:c="http://schemas.openxmlformats.org/drawingml/2006/chart" xmlns:r="http://schemas.openxmlformats.org/officeDocument/2006/relationships" r:id="rId10"/>
+                    <c:chart xmlns:c="http://schemas.openxmlformats.org/drawingml/2006/chart" xmlns:r="http://schemas.openxmlformats.org/officeDocument/2006/relationships" r:id="rId13"/>
                   </a:graphicData>
                 </a:graphic>
               </p:graphicFrame>
             </mc:Choice>
-            <mc:Fallback>
+            <mc:Fallback xmlns="">
               <p:graphicFrame>
                 <p:nvGraphicFramePr>
                   <p:cNvPr id="129" name="Chart 128"/>
@@ -12437,14 +12438,14 @@
                 </p:xfrm>
                 <a:graphic>
                   <a:graphicData uri="http://schemas.openxmlformats.org/drawingml/2006/chart">
-                    <c:chart xmlns:c="http://schemas.openxmlformats.org/drawingml/2006/chart" xmlns:r="http://schemas.openxmlformats.org/officeDocument/2006/relationships" r:id="rId10"/>
+                    <c:chart xmlns:c="http://schemas.openxmlformats.org/drawingml/2006/chart" xmlns:r="http://schemas.openxmlformats.org/officeDocument/2006/relationships" r:id="rId14"/>
                   </a:graphicData>
                 </a:graphic>
               </p:graphicFrame>
             </mc:Fallback>
           </mc:AlternateContent>
-          <mc:AlternateContent xmlns:mc="http://schemas.openxmlformats.org/markup-compatibility/2006">
-            <mc:Choice xmlns:a14="http://schemas.microsoft.com/office/drawing/2010/main" Requires="a14">
+          <mc:AlternateContent xmlns:mc="http://schemas.openxmlformats.org/markup-compatibility/2006" xmlns:a14="http://schemas.microsoft.com/office/drawing/2010/main">
+            <mc:Choice Requires="a14">
               <p:graphicFrame>
                 <p:nvGraphicFramePr>
                   <p:cNvPr id="130" name="Chart 129"/>
@@ -12461,12 +12462,12 @@
                 </p:xfrm>
                 <a:graphic>
                   <a:graphicData uri="http://schemas.openxmlformats.org/drawingml/2006/chart">
-                    <c:chart xmlns:c="http://schemas.openxmlformats.org/drawingml/2006/chart" xmlns:r="http://schemas.openxmlformats.org/officeDocument/2006/relationships" r:id="rId11"/>
+                    <c:chart xmlns:c="http://schemas.openxmlformats.org/drawingml/2006/chart" xmlns:r="http://schemas.openxmlformats.org/officeDocument/2006/relationships" r:id="rId15"/>
                   </a:graphicData>
                 </a:graphic>
               </p:graphicFrame>
             </mc:Choice>
-            <mc:Fallback>
+            <mc:Fallback xmlns="">
               <p:graphicFrame>
                 <p:nvGraphicFramePr>
                   <p:cNvPr id="130" name="Chart 129"/>
@@ -12483,7 +12484,7 @@
                 </p:xfrm>
                 <a:graphic>
                   <a:graphicData uri="http://schemas.openxmlformats.org/drawingml/2006/chart">
-                    <c:chart xmlns:c="http://schemas.openxmlformats.org/drawingml/2006/chart" xmlns:r="http://schemas.openxmlformats.org/officeDocument/2006/relationships" r:id="rId11"/>
+                    <c:chart xmlns:c="http://schemas.openxmlformats.org/drawingml/2006/chart" xmlns:r="http://schemas.openxmlformats.org/officeDocument/2006/relationships" r:id="rId16"/>
                   </a:graphicData>
                 </a:graphic>
               </p:graphicFrame>
@@ -12666,8 +12667,8 @@
           </p:nvSpPr>
           <p:spPr>
             <a:xfrm>
-              <a:off x="993969" y="1808461"/>
-              <a:ext cx="2326044" cy="230832"/>
+              <a:off x="829731" y="1796941"/>
+              <a:ext cx="2710246" cy="253916"/>
             </a:xfrm>
             <a:prstGeom prst="rect">
               <a:avLst/>
@@ -12681,13 +12682,13 @@
             <a:lstStyle/>
             <a:p>
               <a:r>
-                <a:rPr lang="en-US" sz="900" b="1" dirty="0" smtClean="0">
+                <a:rPr lang="en-US" sz="1050" b="1" dirty="0" smtClean="0">
                   <a:latin typeface="Arial" panose="020B0604020202020204" pitchFamily="34" charset="0"/>
                   <a:cs typeface="Arial" panose="020B0604020202020204" pitchFamily="34" charset="0"/>
                 </a:rPr>
                 <a:t>Cauchy–Schwarz Distance Function</a:t>
               </a:r>
-              <a:endParaRPr lang="en-US" sz="900" b="1" dirty="0">
+              <a:endParaRPr lang="en-US" sz="1050" b="1" dirty="0">
                 <a:latin typeface="Arial" panose="020B0604020202020204" pitchFamily="34" charset="0"/>
                 <a:cs typeface="Arial" panose="020B0604020202020204" pitchFamily="34" charset="0"/>
               </a:endParaRPr>
@@ -12793,8 +12794,8 @@
           </p:nvSpPr>
           <p:spPr>
             <a:xfrm>
-              <a:off x="3599329" y="2555345"/>
-              <a:ext cx="1930514" cy="246221"/>
+              <a:off x="3556077" y="2556616"/>
+              <a:ext cx="2254729" cy="253916"/>
             </a:xfrm>
             <a:prstGeom prst="rect">
               <a:avLst/>
@@ -12808,13 +12809,13 @@
             <a:lstStyle/>
             <a:p>
               <a:r>
-                <a:rPr lang="en-US" sz="1000" b="1" dirty="0" smtClean="0">
+                <a:rPr lang="en-US" sz="1050" b="1" dirty="0" smtClean="0">
                   <a:latin typeface="Arial" panose="020B0604020202020204" pitchFamily="34" charset="0"/>
                   <a:cs typeface="Arial" panose="020B0604020202020204" pitchFamily="34" charset="0"/>
                 </a:rPr>
                 <a:t>Euclidean Distance Function</a:t>
               </a:r>
-              <a:endParaRPr lang="en-US" sz="1000" b="1" dirty="0">
+              <a:endParaRPr lang="en-US" sz="1050" b="1" dirty="0">
                 <a:latin typeface="Arial" panose="020B0604020202020204" pitchFamily="34" charset="0"/>
                 <a:cs typeface="Arial" panose="020B0604020202020204" pitchFamily="34" charset="0"/>
               </a:endParaRPr>
@@ -13192,69 +13193,6 @@
             </a:fontRef>
           </p:style>
         </p:cxnSp>
-        <p:sp>
-          <p:nvSpPr>
-            <p:cNvPr id="105" name="TextBox 104"/>
-            <p:cNvSpPr txBox="1"/>
-            <p:nvPr/>
-          </p:nvSpPr>
-          <p:spPr>
-            <a:xfrm>
-              <a:off x="10259931" y="3564039"/>
-              <a:ext cx="1539480" cy="388998"/>
-            </a:xfrm>
-            <a:prstGeom prst="rect">
-              <a:avLst/>
-            </a:prstGeom>
-            <a:noFill/>
-          </p:spPr>
-          <p:txBody>
-            <a:bodyPr vert="horz" wrap="square" rtlCol="0" anchor="ctr" anchorCtr="0">
-              <a:noAutofit/>
-            </a:bodyPr>
-            <a:lstStyle/>
-            <a:p>
-              <a:pPr algn="ctr"/>
-              <a:r>
-                <a:rPr lang="en-US" sz="1200" b="1" dirty="0" smtClean="0">
-                  <a:solidFill>
-                    <a:prstClr val="black"/>
-                  </a:solidFill>
-                  <a:latin typeface="Arial" panose="020B0604020202020204" pitchFamily="34" charset="0"/>
-                  <a:cs typeface="Arial" panose="020B0604020202020204" pitchFamily="34" charset="0"/>
-                </a:rPr>
-                <a:t>Re-encoded</a:t>
-              </a:r>
-              <a:endParaRPr lang="en-US" sz="1200" b="1" dirty="0" smtClean="0">
-                <a:solidFill>
-                  <a:prstClr val="black"/>
-                </a:solidFill>
-                <a:latin typeface="Arial" panose="020B0604020202020204" pitchFamily="34" charset="0"/>
-                <a:cs typeface="Arial" panose="020B0604020202020204" pitchFamily="34" charset="0"/>
-              </a:endParaRPr>
-            </a:p>
-            <a:p>
-              <a:pPr algn="ctr"/>
-              <a:r>
-                <a:rPr lang="en-US" sz="1200" b="1" dirty="0" smtClean="0">
-                  <a:solidFill>
-                    <a:prstClr val="black"/>
-                  </a:solidFill>
-                  <a:latin typeface="Arial" panose="020B0604020202020204" pitchFamily="34" charset="0"/>
-                  <a:cs typeface="Arial" panose="020B0604020202020204" pitchFamily="34" charset="0"/>
-                </a:rPr>
-                <a:t>Sequences</a:t>
-              </a:r>
-              <a:endParaRPr lang="en-US" sz="1200" b="1" dirty="0">
-                <a:solidFill>
-                  <a:prstClr val="black"/>
-                </a:solidFill>
-                <a:latin typeface="Arial" panose="020B0604020202020204" pitchFamily="34" charset="0"/>
-                <a:cs typeface="Arial" panose="020B0604020202020204" pitchFamily="34" charset="0"/>
-              </a:endParaRPr>
-            </a:p>
-          </p:txBody>
-        </p:sp>
         <p:cxnSp>
           <p:nvCxnSpPr>
             <p:cNvPr id="8" name="Straight Arrow Connector 7"/>
@@ -14612,13 +14550,6 @@
                 </a:rPr>
                 <a:t>Optimal Number of Clusters</a:t>
               </a:r>
-              <a:endParaRPr lang="en-US" sz="1600" b="1" dirty="0">
-                <a:solidFill>
-                  <a:srgbClr val="7030A0"/>
-                </a:solidFill>
-                <a:latin typeface="Arial" panose="020B0604020202020204" pitchFamily="34" charset="0"/>
-                <a:cs typeface="Arial" panose="020B0604020202020204" pitchFamily="34" charset="0"/>
-              </a:endParaRPr>
             </a:p>
           </p:txBody>
         </p:sp>
@@ -14683,6 +14614,137 @@
       </p:par>
     </p:tnLst>
   </p:timing>
+</p:sld>
+</file>
+
+<file path=ppt/slides/slide3.xml><?xml version="1.0" encoding="utf-8"?>
+<p:sld xmlns:a="http://schemas.openxmlformats.org/drawingml/2006/main" xmlns:r="http://schemas.openxmlformats.org/officeDocument/2006/relationships" xmlns:p="http://schemas.openxmlformats.org/presentationml/2006/main">
+  <p:cSld>
+    <p:spTree>
+      <p:nvGrpSpPr>
+        <p:cNvPr id="1" name=""/>
+        <p:cNvGrpSpPr/>
+        <p:nvPr/>
+      </p:nvGrpSpPr>
+      <p:grpSpPr>
+        <a:xfrm>
+          <a:off x="0" y="0"/>
+          <a:ext cx="0" cy="0"/>
+          <a:chOff x="0" y="0"/>
+          <a:chExt cx="0" cy="0"/>
+        </a:xfrm>
+      </p:grpSpPr>
+      <p:pic>
+        <p:nvPicPr>
+          <p:cNvPr id="4" name="Content Placeholder 3"/>
+          <p:cNvPicPr>
+            <a:picLocks noGrp="1" noChangeAspect="1"/>
+          </p:cNvPicPr>
+          <p:nvPr>
+            <p:ph idx="1"/>
+          </p:nvPr>
+        </p:nvPicPr>
+        <p:blipFill>
+          <a:blip r:embed="rId2">
+            <a:extLst>
+              <a:ext uri="{28A0092B-C50C-407E-A947-70E740481C1C}">
+                <a14:useLocalDpi xmlns:a14="http://schemas.microsoft.com/office/drawing/2010/main" val="0"/>
+              </a:ext>
+            </a:extLst>
+          </a:blip>
+          <a:stretch>
+            <a:fillRect/>
+          </a:stretch>
+        </p:blipFill>
+        <p:spPr>
+          <a:xfrm>
+            <a:off x="4333461" y="275983"/>
+            <a:ext cx="7522304" cy="6582017"/>
+          </a:xfrm>
+        </p:spPr>
+      </p:pic>
+      <p:sp>
+        <p:nvSpPr>
+          <p:cNvPr id="5" name="TextBox 4"/>
+          <p:cNvSpPr txBox="1"/>
+          <p:nvPr/>
+        </p:nvSpPr>
+        <p:spPr>
+          <a:xfrm>
+            <a:off x="331304" y="1868267"/>
+            <a:ext cx="4267201" cy="2308324"/>
+          </a:xfrm>
+          <a:prstGeom prst="rect">
+            <a:avLst/>
+          </a:prstGeom>
+          <a:noFill/>
+        </p:spPr>
+        <p:txBody>
+          <a:bodyPr wrap="square" rtlCol="0">
+            <a:spAutoFit/>
+          </a:bodyPr>
+          <a:lstStyle/>
+          <a:p>
+            <a:pPr marL="285750" indent="-285750">
+              <a:buFont typeface="Arial" panose="020B0604020202020204" pitchFamily="34" charset="0"/>
+              <a:buChar char="•"/>
+            </a:pPr>
+            <a:r>
+              <a:rPr lang="en-US" dirty="0"/>
+              <a:t>The model cannot maintain the balance between r-loss and </a:t>
+            </a:r>
+            <a:r>
+              <a:rPr lang="en-US" dirty="0" err="1"/>
+              <a:t>reg</a:t>
+            </a:r>
+            <a:r>
+              <a:rPr lang="en-US" dirty="0"/>
+              <a:t>-loss. </a:t>
+            </a:r>
+            <a:endParaRPr lang="en-US" dirty="0" smtClean="0"/>
+          </a:p>
+          <a:p>
+            <a:pPr marL="285750" indent="-285750">
+              <a:buFont typeface="Arial" panose="020B0604020202020204" pitchFamily="34" charset="0"/>
+              <a:buChar char="•"/>
+            </a:pPr>
+            <a:r>
+              <a:rPr lang="en-US" dirty="0" smtClean="0"/>
+              <a:t>Using </a:t>
+            </a:r>
+            <a:r>
+              <a:rPr lang="en-US" dirty="0"/>
+              <a:t>a small gamma value, close to 0, leads to good accuracy. </a:t>
+            </a:r>
+            <a:endParaRPr lang="en-US" dirty="0" smtClean="0"/>
+          </a:p>
+          <a:p>
+            <a:pPr marL="285750" indent="-285750">
+              <a:buFont typeface="Arial" panose="020B0604020202020204" pitchFamily="34" charset="0"/>
+              <a:buChar char="•"/>
+            </a:pPr>
+            <a:r>
+              <a:rPr lang="en-US" dirty="0" smtClean="0"/>
+              <a:t>However</a:t>
+            </a:r>
+            <a:r>
+              <a:rPr lang="en-US" dirty="0"/>
+              <a:t>, because the impact of regularization is very low, the correlation drops as the accuracy reaches a higher value</a:t>
+            </a:r>
+            <a:endParaRPr lang="en-US" dirty="0"/>
+          </a:p>
+        </p:txBody>
+      </p:sp>
+    </p:spTree>
+    <p:extLst>
+      <p:ext uri="{BB962C8B-B14F-4D97-AF65-F5344CB8AC3E}">
+        <p14:creationId xmlns:p14="http://schemas.microsoft.com/office/powerpoint/2010/main" val="4131504318"/>
+      </p:ext>
+    </p:extLst>
+  </p:cSld>
+  <p:clrMapOvr>
+    <a:masterClrMapping/>
+  </p:clrMapOvr>
 </p:sld>
 </file>
 

--- a/clustering/Highlevel-ideas.pptx
+++ b/clustering/Highlevel-ideas.pptx
@@ -8,6 +8,8 @@
     <p:sldId id="265" r:id="rId2"/>
     <p:sldId id="266" r:id="rId3"/>
     <p:sldId id="267" r:id="rId4"/>
+    <p:sldId id="268" r:id="rId5"/>
+    <p:sldId id="269" r:id="rId6"/>
   </p:sldIdLst>
   <p:sldSz cx="12192000" cy="6858000"/>
   <p:notesSz cx="6858000" cy="9144000"/>
@@ -858,11 +860,11 @@
           <c:showBubbleSize val="0"/>
         </c:dLbls>
         <c:smooth val="0"/>
-        <c:axId val="210803952"/>
-        <c:axId val="211446528"/>
+        <c:axId val="19860408"/>
+        <c:axId val="257046112"/>
       </c:lineChart>
       <c:catAx>
-        <c:axId val="210803952"/>
+        <c:axId val="19860408"/>
         <c:scaling>
           <c:orientation val="minMax"/>
         </c:scaling>
@@ -872,7 +874,7 @@
         <c:majorTickMark val="none"/>
         <c:minorTickMark val="none"/>
         <c:tickLblPos val="nextTo"/>
-        <c:crossAx val="211446528"/>
+        <c:crossAx val="257046112"/>
         <c:crosses val="autoZero"/>
         <c:auto val="1"/>
         <c:lblAlgn val="ctr"/>
@@ -880,7 +882,7 @@
         <c:noMultiLvlLbl val="0"/>
       </c:catAx>
       <c:valAx>
-        <c:axId val="211446528"/>
+        <c:axId val="257046112"/>
         <c:scaling>
           <c:orientation val="minMax"/>
         </c:scaling>
@@ -904,7 +906,7 @@
         <c:majorTickMark val="none"/>
         <c:minorTickMark val="none"/>
         <c:tickLblPos val="nextTo"/>
-        <c:crossAx val="210803952"/>
+        <c:crossAx val="19860408"/>
         <c:crosses val="autoZero"/>
         <c:crossBetween val="between"/>
       </c:valAx>
@@ -1687,11 +1689,11 @@
           <c:showBubbleSize val="0"/>
         </c:dLbls>
         <c:smooth val="0"/>
-        <c:axId val="208937840"/>
-        <c:axId val="208839312"/>
+        <c:axId val="20520936"/>
+        <c:axId val="20521320"/>
       </c:lineChart>
       <c:catAx>
-        <c:axId val="208937840"/>
+        <c:axId val="20520936"/>
         <c:scaling>
           <c:orientation val="minMax"/>
         </c:scaling>
@@ -1701,7 +1703,7 @@
         <c:majorTickMark val="none"/>
         <c:minorTickMark val="none"/>
         <c:tickLblPos val="nextTo"/>
-        <c:crossAx val="208839312"/>
+        <c:crossAx val="20521320"/>
         <c:crosses val="autoZero"/>
         <c:auto val="1"/>
         <c:lblAlgn val="ctr"/>
@@ -1709,7 +1711,7 @@
         <c:noMultiLvlLbl val="0"/>
       </c:catAx>
       <c:valAx>
-        <c:axId val="208839312"/>
+        <c:axId val="20521320"/>
         <c:scaling>
           <c:orientation val="minMax"/>
         </c:scaling>
@@ -1733,7 +1735,7 @@
         <c:majorTickMark val="none"/>
         <c:minorTickMark val="none"/>
         <c:tickLblPos val="nextTo"/>
-        <c:crossAx val="208937840"/>
+        <c:crossAx val="20520936"/>
         <c:crosses val="autoZero"/>
         <c:crossBetween val="between"/>
       </c:valAx>
@@ -2516,11 +2518,11 @@
           <c:showBubbleSize val="0"/>
         </c:dLbls>
         <c:smooth val="0"/>
-        <c:axId val="161923064"/>
-        <c:axId val="210892648"/>
+        <c:axId val="222625760"/>
+        <c:axId val="222636912"/>
       </c:lineChart>
       <c:catAx>
-        <c:axId val="161923064"/>
+        <c:axId val="222625760"/>
         <c:scaling>
           <c:orientation val="minMax"/>
         </c:scaling>
@@ -2530,7 +2532,7 @@
         <c:majorTickMark val="none"/>
         <c:minorTickMark val="none"/>
         <c:tickLblPos val="nextTo"/>
-        <c:crossAx val="210892648"/>
+        <c:crossAx val="222636912"/>
         <c:crosses val="autoZero"/>
         <c:auto val="1"/>
         <c:lblAlgn val="ctr"/>
@@ -2538,7 +2540,7 @@
         <c:noMultiLvlLbl val="0"/>
       </c:catAx>
       <c:valAx>
-        <c:axId val="210892648"/>
+        <c:axId val="222636912"/>
         <c:scaling>
           <c:orientation val="minMax"/>
         </c:scaling>
@@ -2562,7 +2564,7 @@
         <c:majorTickMark val="none"/>
         <c:minorTickMark val="none"/>
         <c:tickLblPos val="nextTo"/>
-        <c:crossAx val="161923064"/>
+        <c:crossAx val="222625760"/>
         <c:crosses val="autoZero"/>
         <c:crossBetween val="between"/>
       </c:valAx>
@@ -3345,11 +3347,11 @@
           <c:showBubbleSize val="0"/>
         </c:dLbls>
         <c:smooth val="0"/>
-        <c:axId val="210910120"/>
-        <c:axId val="210914608"/>
+        <c:axId val="222668448"/>
+        <c:axId val="220232624"/>
       </c:lineChart>
       <c:catAx>
-        <c:axId val="210910120"/>
+        <c:axId val="222668448"/>
         <c:scaling>
           <c:orientation val="minMax"/>
         </c:scaling>
@@ -3359,7 +3361,7 @@
         <c:majorTickMark val="none"/>
         <c:minorTickMark val="none"/>
         <c:tickLblPos val="nextTo"/>
-        <c:crossAx val="210914608"/>
+        <c:crossAx val="220232624"/>
         <c:crosses val="autoZero"/>
         <c:auto val="1"/>
         <c:lblAlgn val="ctr"/>
@@ -3367,7 +3369,7 @@
         <c:noMultiLvlLbl val="0"/>
       </c:catAx>
       <c:valAx>
-        <c:axId val="210914608"/>
+        <c:axId val="220232624"/>
         <c:scaling>
           <c:orientation val="minMax"/>
         </c:scaling>
@@ -3391,7 +3393,7 @@
         <c:majorTickMark val="none"/>
         <c:minorTickMark val="none"/>
         <c:tickLblPos val="nextTo"/>
-        <c:crossAx val="210910120"/>
+        <c:crossAx val="222668448"/>
         <c:crosses val="autoZero"/>
         <c:crossBetween val="between"/>
       </c:valAx>
@@ -4174,11 +4176,11 @@
           <c:showBubbleSize val="0"/>
         </c:dLbls>
         <c:smooth val="0"/>
-        <c:axId val="210980696"/>
-        <c:axId val="210981080"/>
+        <c:axId val="220230664"/>
+        <c:axId val="220231840"/>
       </c:lineChart>
       <c:catAx>
-        <c:axId val="210980696"/>
+        <c:axId val="220230664"/>
         <c:scaling>
           <c:orientation val="minMax"/>
         </c:scaling>
@@ -4188,7 +4190,7 @@
         <c:majorTickMark val="none"/>
         <c:minorTickMark val="none"/>
         <c:tickLblPos val="nextTo"/>
-        <c:crossAx val="210981080"/>
+        <c:crossAx val="220231840"/>
         <c:crosses val="autoZero"/>
         <c:auto val="1"/>
         <c:lblAlgn val="ctr"/>
@@ -4196,7 +4198,7 @@
         <c:noMultiLvlLbl val="0"/>
       </c:catAx>
       <c:valAx>
-        <c:axId val="210981080"/>
+        <c:axId val="220231840"/>
         <c:scaling>
           <c:orientation val="minMax"/>
         </c:scaling>
@@ -4220,7 +4222,7 @@
         <c:majorTickMark val="none"/>
         <c:minorTickMark val="none"/>
         <c:tickLblPos val="nextTo"/>
-        <c:crossAx val="210980696"/>
+        <c:crossAx val="220230664"/>
         <c:crosses val="autoZero"/>
         <c:crossBetween val="between"/>
       </c:valAx>
@@ -7068,7 +7070,7 @@
           <a:p>
             <a:fld id="{496B77DC-0222-47BC-BF87-25C80DAE1A18}" type="datetimeFigureOut">
               <a:rPr lang="en-US" smtClean="0"/>
-              <a:t>4/1/2024</a:t>
+              <a:t>4/4/2024</a:t>
             </a:fld>
             <a:endParaRPr lang="en-US"/>
           </a:p>
@@ -7238,7 +7240,7 @@
           <a:p>
             <a:fld id="{496B77DC-0222-47BC-BF87-25C80DAE1A18}" type="datetimeFigureOut">
               <a:rPr lang="en-US" smtClean="0"/>
-              <a:t>4/1/2024</a:t>
+              <a:t>4/4/2024</a:t>
             </a:fld>
             <a:endParaRPr lang="en-US"/>
           </a:p>
@@ -7418,7 +7420,7 @@
           <a:p>
             <a:fld id="{496B77DC-0222-47BC-BF87-25C80DAE1A18}" type="datetimeFigureOut">
               <a:rPr lang="en-US" smtClean="0"/>
-              <a:t>4/1/2024</a:t>
+              <a:t>4/4/2024</a:t>
             </a:fld>
             <a:endParaRPr lang="en-US"/>
           </a:p>
@@ -7588,7 +7590,7 @@
           <a:p>
             <a:fld id="{496B77DC-0222-47BC-BF87-25C80DAE1A18}" type="datetimeFigureOut">
               <a:rPr lang="en-US" smtClean="0"/>
-              <a:t>4/1/2024</a:t>
+              <a:t>4/4/2024</a:t>
             </a:fld>
             <a:endParaRPr lang="en-US"/>
           </a:p>
@@ -7834,7 +7836,7 @@
           <a:p>
             <a:fld id="{496B77DC-0222-47BC-BF87-25C80DAE1A18}" type="datetimeFigureOut">
               <a:rPr lang="en-US" smtClean="0"/>
-              <a:t>4/1/2024</a:t>
+              <a:t>4/4/2024</a:t>
             </a:fld>
             <a:endParaRPr lang="en-US"/>
           </a:p>
@@ -8066,7 +8068,7 @@
           <a:p>
             <a:fld id="{496B77DC-0222-47BC-BF87-25C80DAE1A18}" type="datetimeFigureOut">
               <a:rPr lang="en-US" smtClean="0"/>
-              <a:t>4/1/2024</a:t>
+              <a:t>4/4/2024</a:t>
             </a:fld>
             <a:endParaRPr lang="en-US"/>
           </a:p>
@@ -8433,7 +8435,7 @@
           <a:p>
             <a:fld id="{496B77DC-0222-47BC-BF87-25C80DAE1A18}" type="datetimeFigureOut">
               <a:rPr lang="en-US" smtClean="0"/>
-              <a:t>4/1/2024</a:t>
+              <a:t>4/4/2024</a:t>
             </a:fld>
             <a:endParaRPr lang="en-US"/>
           </a:p>
@@ -8551,7 +8553,7 @@
           <a:p>
             <a:fld id="{496B77DC-0222-47BC-BF87-25C80DAE1A18}" type="datetimeFigureOut">
               <a:rPr lang="en-US" smtClean="0"/>
-              <a:t>4/1/2024</a:t>
+              <a:t>4/4/2024</a:t>
             </a:fld>
             <a:endParaRPr lang="en-US"/>
           </a:p>
@@ -8646,7 +8648,7 @@
           <a:p>
             <a:fld id="{496B77DC-0222-47BC-BF87-25C80DAE1A18}" type="datetimeFigureOut">
               <a:rPr lang="en-US" smtClean="0"/>
-              <a:t>4/1/2024</a:t>
+              <a:t>4/4/2024</a:t>
             </a:fld>
             <a:endParaRPr lang="en-US"/>
           </a:p>
@@ -8923,7 +8925,7 @@
           <a:p>
             <a:fld id="{496B77DC-0222-47BC-BF87-25C80DAE1A18}" type="datetimeFigureOut">
               <a:rPr lang="en-US" smtClean="0"/>
-              <a:t>4/1/2024</a:t>
+              <a:t>4/4/2024</a:t>
             </a:fld>
             <a:endParaRPr lang="en-US"/>
           </a:p>
@@ -9176,7 +9178,7 @@
           <a:p>
             <a:fld id="{496B77DC-0222-47BC-BF87-25C80DAE1A18}" type="datetimeFigureOut">
               <a:rPr lang="en-US" smtClean="0"/>
-              <a:t>4/1/2024</a:t>
+              <a:t>4/4/2024</a:t>
             </a:fld>
             <a:endParaRPr lang="en-US"/>
           </a:p>
@@ -9389,7 +9391,7 @@
           <a:p>
             <a:fld id="{496B77DC-0222-47BC-BF87-25C80DAE1A18}" type="datetimeFigureOut">
               <a:rPr lang="en-US" smtClean="0"/>
-              <a:t>4/1/2024</a:t>
+              <a:t>4/4/2024</a:t>
             </a:fld>
             <a:endParaRPr lang="en-US"/>
           </a:p>
@@ -14731,6 +14733,41 @@
               <a:rPr lang="en-US" dirty="0"/>
               <a:t>, because the impact of regularization is very low, the correlation drops as the accuracy reaches a higher value</a:t>
             </a:r>
+          </a:p>
+        </p:txBody>
+      </p:sp>
+      <p:sp>
+        <p:nvSpPr>
+          <p:cNvPr id="6" name="TextBox 5"/>
+          <p:cNvSpPr txBox="1"/>
+          <p:nvPr/>
+        </p:nvSpPr>
+        <p:spPr>
+          <a:xfrm>
+            <a:off x="768627" y="748960"/>
+            <a:ext cx="2332382" cy="646331"/>
+          </a:xfrm>
+          <a:prstGeom prst="rect">
+            <a:avLst/>
+          </a:prstGeom>
+          <a:noFill/>
+        </p:spPr>
+        <p:txBody>
+          <a:bodyPr wrap="square" rtlCol="0">
+            <a:spAutoFit/>
+          </a:bodyPr>
+          <a:lstStyle/>
+          <a:p>
+            <a:r>
+              <a:rPr lang="en-US" dirty="0" smtClean="0"/>
+              <a:t>Gamma= 0.01</a:t>
+            </a:r>
+          </a:p>
+          <a:p>
+            <a:r>
+              <a:rPr lang="en-US" dirty="0" smtClean="0"/>
+              <a:t>Latent dimension= 19</a:t>
+            </a:r>
             <a:endParaRPr lang="en-US" dirty="0"/>
           </a:p>
         </p:txBody>
@@ -14739,6 +14776,196 @@
     <p:extLst>
       <p:ext uri="{BB962C8B-B14F-4D97-AF65-F5344CB8AC3E}">
         <p14:creationId xmlns:p14="http://schemas.microsoft.com/office/powerpoint/2010/main" val="4131504318"/>
+      </p:ext>
+    </p:extLst>
+  </p:cSld>
+  <p:clrMapOvr>
+    <a:masterClrMapping/>
+  </p:clrMapOvr>
+</p:sld>
+</file>
+
+<file path=ppt/slides/slide4.xml><?xml version="1.0" encoding="utf-8"?>
+<p:sld xmlns:a="http://schemas.openxmlformats.org/drawingml/2006/main" xmlns:r="http://schemas.openxmlformats.org/officeDocument/2006/relationships" xmlns:p="http://schemas.openxmlformats.org/presentationml/2006/main">
+  <p:cSld>
+    <p:spTree>
+      <p:nvGrpSpPr>
+        <p:cNvPr id="1" name=""/>
+        <p:cNvGrpSpPr/>
+        <p:nvPr/>
+      </p:nvGrpSpPr>
+      <p:grpSpPr>
+        <a:xfrm>
+          <a:off x="0" y="0"/>
+          <a:ext cx="0" cy="0"/>
+          <a:chOff x="0" y="0"/>
+          <a:chExt cx="0" cy="0"/>
+        </a:xfrm>
+      </p:grpSpPr>
+      <p:pic>
+        <p:nvPicPr>
+          <p:cNvPr id="4" name="Content Placeholder 3"/>
+          <p:cNvPicPr>
+            <a:picLocks noGrp="1" noChangeAspect="1"/>
+          </p:cNvPicPr>
+          <p:nvPr>
+            <p:ph idx="1"/>
+          </p:nvPr>
+        </p:nvPicPr>
+        <p:blipFill>
+          <a:blip r:embed="rId2">
+            <a:extLst>
+              <a:ext uri="{28A0092B-C50C-407E-A947-70E740481C1C}">
+                <a14:useLocalDpi xmlns:a14="http://schemas.microsoft.com/office/drawing/2010/main" val="0"/>
+              </a:ext>
+            </a:extLst>
+          </a:blip>
+          <a:stretch>
+            <a:fillRect/>
+          </a:stretch>
+        </p:blipFill>
+        <p:spPr>
+          <a:xfrm>
+            <a:off x="2849217" y="1"/>
+            <a:ext cx="7893365" cy="6906694"/>
+          </a:xfrm>
+        </p:spPr>
+      </p:pic>
+      <p:sp>
+        <p:nvSpPr>
+          <p:cNvPr id="5" name="TextBox 4"/>
+          <p:cNvSpPr txBox="1"/>
+          <p:nvPr/>
+        </p:nvSpPr>
+        <p:spPr>
+          <a:xfrm>
+            <a:off x="265044" y="1762539"/>
+            <a:ext cx="2332382" cy="646331"/>
+          </a:xfrm>
+          <a:prstGeom prst="rect">
+            <a:avLst/>
+          </a:prstGeom>
+          <a:noFill/>
+        </p:spPr>
+        <p:txBody>
+          <a:bodyPr wrap="square" rtlCol="0">
+            <a:spAutoFit/>
+          </a:bodyPr>
+          <a:lstStyle/>
+          <a:p>
+            <a:r>
+              <a:rPr lang="en-US" dirty="0" smtClean="0"/>
+              <a:t>Gamma= 0.01</a:t>
+            </a:r>
+          </a:p>
+          <a:p>
+            <a:r>
+              <a:rPr lang="en-US" dirty="0" smtClean="0"/>
+              <a:t>Latent dimension=30</a:t>
+            </a:r>
+            <a:endParaRPr lang="en-US" dirty="0"/>
+          </a:p>
+        </p:txBody>
+      </p:sp>
+    </p:spTree>
+    <p:extLst>
+      <p:ext uri="{BB962C8B-B14F-4D97-AF65-F5344CB8AC3E}">
+        <p14:creationId xmlns:p14="http://schemas.microsoft.com/office/powerpoint/2010/main" val="3918316823"/>
+      </p:ext>
+    </p:extLst>
+  </p:cSld>
+  <p:clrMapOvr>
+    <a:masterClrMapping/>
+  </p:clrMapOvr>
+</p:sld>
+</file>
+
+<file path=ppt/slides/slide5.xml><?xml version="1.0" encoding="utf-8"?>
+<p:sld xmlns:a="http://schemas.openxmlformats.org/drawingml/2006/main" xmlns:r="http://schemas.openxmlformats.org/officeDocument/2006/relationships" xmlns:p="http://schemas.openxmlformats.org/presentationml/2006/main">
+  <p:cSld>
+    <p:spTree>
+      <p:nvGrpSpPr>
+        <p:cNvPr id="1" name=""/>
+        <p:cNvGrpSpPr/>
+        <p:nvPr/>
+      </p:nvGrpSpPr>
+      <p:grpSpPr>
+        <a:xfrm>
+          <a:off x="0" y="0"/>
+          <a:ext cx="0" cy="0"/>
+          <a:chOff x="0" y="0"/>
+          <a:chExt cx="0" cy="0"/>
+        </a:xfrm>
+      </p:grpSpPr>
+      <p:pic>
+        <p:nvPicPr>
+          <p:cNvPr id="4" name="Content Placeholder 3"/>
+          <p:cNvPicPr>
+            <a:picLocks noGrp="1" noChangeAspect="1"/>
+          </p:cNvPicPr>
+          <p:nvPr>
+            <p:ph idx="1"/>
+          </p:nvPr>
+        </p:nvPicPr>
+        <p:blipFill>
+          <a:blip r:embed="rId2">
+            <a:extLst>
+              <a:ext uri="{28A0092B-C50C-407E-A947-70E740481C1C}">
+                <a14:useLocalDpi xmlns:a14="http://schemas.microsoft.com/office/drawing/2010/main" val="0"/>
+              </a:ext>
+            </a:extLst>
+          </a:blip>
+          <a:stretch>
+            <a:fillRect/>
+          </a:stretch>
+        </p:blipFill>
+        <p:spPr>
+          <a:xfrm>
+            <a:off x="2719340" y="0"/>
+            <a:ext cx="7837713" cy="6857998"/>
+          </a:xfrm>
+        </p:spPr>
+      </p:pic>
+      <p:sp>
+        <p:nvSpPr>
+          <p:cNvPr id="5" name="TextBox 4"/>
+          <p:cNvSpPr txBox="1"/>
+          <p:nvPr/>
+        </p:nvSpPr>
+        <p:spPr>
+          <a:xfrm>
+            <a:off x="265044" y="1762539"/>
+            <a:ext cx="2332382" cy="646331"/>
+          </a:xfrm>
+          <a:prstGeom prst="rect">
+            <a:avLst/>
+          </a:prstGeom>
+          <a:noFill/>
+        </p:spPr>
+        <p:txBody>
+          <a:bodyPr wrap="square" rtlCol="0">
+            <a:spAutoFit/>
+          </a:bodyPr>
+          <a:lstStyle/>
+          <a:p>
+            <a:r>
+              <a:rPr lang="en-US" dirty="0" smtClean="0"/>
+              <a:t>Gamma= 2</a:t>
+            </a:r>
+          </a:p>
+          <a:p>
+            <a:r>
+              <a:rPr lang="en-US" dirty="0" smtClean="0"/>
+              <a:t>Latent dimension=30</a:t>
+            </a:r>
+            <a:endParaRPr lang="en-US" dirty="0"/>
+          </a:p>
+        </p:txBody>
+      </p:sp>
+    </p:spTree>
+    <p:extLst>
+      <p:ext uri="{BB962C8B-B14F-4D97-AF65-F5344CB8AC3E}">
+        <p14:creationId xmlns:p14="http://schemas.microsoft.com/office/powerpoint/2010/main" val="4136656282"/>
       </p:ext>
     </p:extLst>
   </p:cSld>
